--- a/calendario/documentos/1_Introduccion.pptx
+++ b/calendario/documentos/1_Introduccion.pptx
@@ -5,7 +5,7 @@
     <p:sldMasterId id="2147483648" r:id="rId1"/>
   </p:sldMasterIdLst>
   <p:notesMasterIdLst>
-    <p:notesMasterId r:id="rId25"/>
+    <p:notesMasterId r:id="rId22"/>
   </p:notesMasterIdLst>
   <p:sldIdLst>
     <p:sldId id="257" r:id="rId2"/>
@@ -22,15 +22,12 @@
     <p:sldId id="293" r:id="rId13"/>
     <p:sldId id="294" r:id="rId14"/>
     <p:sldId id="288" r:id="rId15"/>
-    <p:sldId id="312" r:id="rId16"/>
-    <p:sldId id="313" r:id="rId17"/>
-    <p:sldId id="314" r:id="rId18"/>
-    <p:sldId id="289" r:id="rId19"/>
-    <p:sldId id="273" r:id="rId20"/>
-    <p:sldId id="274" r:id="rId21"/>
-    <p:sldId id="277" r:id="rId22"/>
-    <p:sldId id="315" r:id="rId23"/>
-    <p:sldId id="282" r:id="rId24"/>
+    <p:sldId id="289" r:id="rId16"/>
+    <p:sldId id="273" r:id="rId17"/>
+    <p:sldId id="274" r:id="rId18"/>
+    <p:sldId id="277" r:id="rId19"/>
+    <p:sldId id="315" r:id="rId20"/>
+    <p:sldId id="282" r:id="rId21"/>
   </p:sldIdLst>
   <p:sldSz cx="9144000" cy="6858000" type="screen4x3"/>
   <p:notesSz cx="6858000" cy="9144000"/>
@@ -230,7 +227,7 @@
           <a:p>
             <a:fld id="{2D445F07-8756-451B-A938-0248325FC7BB}" type="datetimeFigureOut">
               <a:rPr lang="es-MX" smtClean="0"/>
-              <a:t>15/08/2019</a:t>
+              <a:t>16/08/2019</a:t>
             </a:fld>
             <a:endParaRPr lang="es-MX" dirty="0"/>
           </a:p>
@@ -822,120 +819,62 @@
       </p:grpSpPr>
       <p:sp>
         <p:nvSpPr>
-          <p:cNvPr id="99330" name="Rectangle 2">
-            <a:extLst>
-              <a:ext uri="{FF2B5EF4-FFF2-40B4-BE49-F238E27FC236}">
-                <a16:creationId xmlns:a16="http://schemas.microsoft.com/office/drawing/2014/main" id="{51170281-9BD5-461B-BF58-68BBE78D2007}"/>
-              </a:ext>
-            </a:extLst>
-          </p:cNvPr>
+          <p:cNvPr id="2" name="Marcador de imagen de diapositiva 1"/>
           <p:cNvSpPr>
-            <a:spLocks noGrp="1" noRot="1" noChangeAspect="1" noChangeArrowheads="1" noTextEdit="1"/>
+            <a:spLocks noGrp="1" noRot="1" noChangeAspect="1"/>
           </p:cNvSpPr>
           <p:nvPr>
             <p:ph type="sldImg"/>
           </p:nvPr>
         </p:nvSpPr>
-        <p:spPr bwMode="auto">
-          <a:xfrm>
-            <a:off x="1130300" y="685800"/>
-            <a:ext cx="4673600" cy="3505200"/>
-          </a:xfrm>
-          <a:prstGeom prst="rect">
-            <a:avLst/>
-          </a:prstGeom>
-          <a:noFill/>
-          <a:ln>
-            <a:solidFill>
-              <a:srgbClr val="000000"/>
-            </a:solidFill>
-            <a:miter lim="800000"/>
-            <a:headEnd/>
-            <a:tailEnd/>
-          </a:ln>
-          <a:extLst>
-            <a:ext uri="{AF507438-7753-43E0-B8FC-AC1667EBCBE1}">
-              <a14:hiddenEffects xmlns:a14="http://schemas.microsoft.com/office/drawing/2010/main">
-                <a:effectLst>
-                  <a:outerShdw dist="35921" dir="2700000" algn="ctr" rotWithShape="0">
-                    <a:srgbClr val="808080"/>
-                  </a:outerShdw>
-                </a:effectLst>
-              </a14:hiddenEffects>
-            </a:ext>
-            <a:ext uri="{53640926-AAD7-44D8-BBD7-CCE9431645EC}">
-              <a14:shadowObscured xmlns:a14="http://schemas.microsoft.com/office/drawing/2010/main" val="1"/>
-            </a:ext>
-          </a:extLst>
-        </p:spPr>
+        <p:spPr/>
       </p:sp>
       <p:sp>
         <p:nvSpPr>
-          <p:cNvPr id="99331" name="Rectangle 3">
-            <a:extLst>
-              <a:ext uri="{FF2B5EF4-FFF2-40B4-BE49-F238E27FC236}">
-                <a16:creationId xmlns:a16="http://schemas.microsoft.com/office/drawing/2014/main" id="{85A9D5DB-9049-4B8C-B7F9-84B65873CCB2}"/>
-              </a:ext>
-            </a:extLst>
-          </p:cNvPr>
+          <p:cNvPr id="3" name="Marcador de notas 2"/>
           <p:cNvSpPr>
-            <a:spLocks noGrp="1" noChangeArrowheads="1"/>
+            <a:spLocks noGrp="1"/>
           </p:cNvSpPr>
           <p:nvPr>
             <p:ph type="body" idx="1"/>
           </p:nvPr>
         </p:nvSpPr>
-        <p:spPr bwMode="auto">
-          <a:xfrm>
-            <a:off x="914400" y="4419600"/>
-            <a:ext cx="5105400" cy="4191000"/>
-          </a:xfrm>
-          <a:prstGeom prst="rect">
-            <a:avLst/>
-          </a:prstGeom>
-          <a:noFill/>
-          <a:ln/>
-          <a:extLst>
-            <a:ext uri="{909E8E84-426E-40DD-AFC4-6F175D3DCCD1}">
-              <a14:hiddenFill xmlns:a14="http://schemas.microsoft.com/office/drawing/2010/main">
-                <a:solidFill>
-                  <a:schemeClr val="accent1"/>
-                </a:solidFill>
-              </a14:hiddenFill>
-            </a:ext>
-            <a:ext uri="{91240B29-F687-4F45-9708-019B960494DF}">
-              <a14:hiddenLine xmlns:a14="http://schemas.microsoft.com/office/drawing/2010/main" w="12700">
-                <a:solidFill>
-                  <a:schemeClr val="tx1"/>
-                </a:solidFill>
-                <a:miter lim="800000"/>
-                <a:headEnd type="none" w="sm" len="sm"/>
-                <a:tailEnd type="none" w="sm" len="sm"/>
-              </a14:hiddenLine>
-            </a:ext>
-            <a:ext uri="{AF507438-7753-43E0-B8FC-AC1667EBCBE1}">
-              <a14:hiddenEffects xmlns:a14="http://schemas.microsoft.com/office/drawing/2010/main">
-                <a:effectLst>
-                  <a:outerShdw dist="35921" dir="2700000" algn="ctr" rotWithShape="0">
-                    <a:schemeClr val="bg2"/>
-                  </a:outerShdw>
-                </a:effectLst>
-              </a14:hiddenEffects>
-            </a:ext>
-          </a:extLst>
-        </p:spPr>
+        <p:spPr/>
         <p:txBody>
           <a:bodyPr/>
           <a:lstStyle/>
           <a:p>
-            <a:endParaRPr lang="es-ES" altLang="es-MX"/>
+            <a:endParaRPr lang="es-MX" dirty="0"/>
+          </a:p>
+        </p:txBody>
+      </p:sp>
+      <p:sp>
+        <p:nvSpPr>
+          <p:cNvPr id="4" name="Marcador de número de diapositiva 3"/>
+          <p:cNvSpPr>
+            <a:spLocks noGrp="1"/>
+          </p:cNvSpPr>
+          <p:nvPr>
+            <p:ph type="sldNum" sz="quarter" idx="5"/>
+          </p:nvPr>
+        </p:nvSpPr>
+        <p:spPr/>
+        <p:txBody>
+          <a:bodyPr/>
+          <a:lstStyle/>
+          <a:p>
+            <a:fld id="{5993AEC0-242E-4FA7-9D3C-51E1036AC3CB}" type="slidenum">
+              <a:rPr lang="es-MX" smtClean="0"/>
+              <a:t>17</a:t>
+            </a:fld>
+            <a:endParaRPr lang="es-MX" dirty="0"/>
           </a:p>
         </p:txBody>
       </p:sp>
     </p:spTree>
     <p:extLst>
       <p:ext uri="{BB962C8B-B14F-4D97-AF65-F5344CB8AC3E}">
-        <p14:creationId xmlns:p14="http://schemas.microsoft.com/office/powerpoint/2010/main" val="2512760598"/>
+        <p14:creationId xmlns:p14="http://schemas.microsoft.com/office/powerpoint/2010/main" val="2600741813"/>
       </p:ext>
     </p:extLst>
   </p:cSld>
@@ -946,290 +885,6 @@
 </file>
 
 <file path=ppt/notesSlides/notesSlide5.xml><?xml version="1.0" encoding="utf-8"?>
-<p:notes xmlns:a="http://schemas.openxmlformats.org/drawingml/2006/main" xmlns:r="http://schemas.openxmlformats.org/officeDocument/2006/relationships" xmlns:p="http://schemas.openxmlformats.org/presentationml/2006/main">
-  <p:cSld>
-    <p:spTree>
-      <p:nvGrpSpPr>
-        <p:cNvPr id="1" name=""/>
-        <p:cNvGrpSpPr/>
-        <p:nvPr/>
-      </p:nvGrpSpPr>
-      <p:grpSpPr>
-        <a:xfrm>
-          <a:off x="0" y="0"/>
-          <a:ext cx="0" cy="0"/>
-          <a:chOff x="0" y="0"/>
-          <a:chExt cx="0" cy="0"/>
-        </a:xfrm>
-      </p:grpSpPr>
-      <p:sp>
-        <p:nvSpPr>
-          <p:cNvPr id="102402" name="Rectangle 2">
-            <a:extLst>
-              <a:ext uri="{FF2B5EF4-FFF2-40B4-BE49-F238E27FC236}">
-                <a16:creationId xmlns:a16="http://schemas.microsoft.com/office/drawing/2014/main" id="{D2017E7E-5EA0-4674-BE48-AD485166CF05}"/>
-              </a:ext>
-            </a:extLst>
-          </p:cNvPr>
-          <p:cNvSpPr>
-            <a:spLocks noGrp="1" noRot="1" noChangeAspect="1" noChangeArrowheads="1" noTextEdit="1"/>
-          </p:cNvSpPr>
-          <p:nvPr>
-            <p:ph type="sldImg"/>
-          </p:nvPr>
-        </p:nvSpPr>
-        <p:spPr bwMode="auto">
-          <a:xfrm>
-            <a:off x="1130300" y="685800"/>
-            <a:ext cx="4673600" cy="3505200"/>
-          </a:xfrm>
-          <a:prstGeom prst="rect">
-            <a:avLst/>
-          </a:prstGeom>
-          <a:noFill/>
-          <a:ln>
-            <a:solidFill>
-              <a:srgbClr val="000000"/>
-            </a:solidFill>
-            <a:miter lim="800000"/>
-            <a:headEnd/>
-            <a:tailEnd/>
-          </a:ln>
-          <a:extLst>
-            <a:ext uri="{AF507438-7753-43E0-B8FC-AC1667EBCBE1}">
-              <a14:hiddenEffects xmlns:a14="http://schemas.microsoft.com/office/drawing/2010/main">
-                <a:effectLst>
-                  <a:outerShdw dist="35921" dir="2700000" algn="ctr" rotWithShape="0">
-                    <a:srgbClr val="808080"/>
-                  </a:outerShdw>
-                </a:effectLst>
-              </a14:hiddenEffects>
-            </a:ext>
-            <a:ext uri="{53640926-AAD7-44D8-BBD7-CCE9431645EC}">
-              <a14:shadowObscured xmlns:a14="http://schemas.microsoft.com/office/drawing/2010/main" val="1"/>
-            </a:ext>
-          </a:extLst>
-        </p:spPr>
-      </p:sp>
-      <p:sp>
-        <p:nvSpPr>
-          <p:cNvPr id="102403" name="Rectangle 3">
-            <a:extLst>
-              <a:ext uri="{FF2B5EF4-FFF2-40B4-BE49-F238E27FC236}">
-                <a16:creationId xmlns:a16="http://schemas.microsoft.com/office/drawing/2014/main" id="{8C08A72F-A4A4-4003-A7DD-95FC39CD909C}"/>
-              </a:ext>
-            </a:extLst>
-          </p:cNvPr>
-          <p:cNvSpPr>
-            <a:spLocks noGrp="1" noChangeArrowheads="1"/>
-          </p:cNvSpPr>
-          <p:nvPr>
-            <p:ph type="body" idx="1"/>
-          </p:nvPr>
-        </p:nvSpPr>
-        <p:spPr bwMode="auto">
-          <a:xfrm>
-            <a:off x="914400" y="4419600"/>
-            <a:ext cx="5105400" cy="4191000"/>
-          </a:xfrm>
-          <a:prstGeom prst="rect">
-            <a:avLst/>
-          </a:prstGeom>
-          <a:noFill/>
-          <a:ln/>
-          <a:extLst>
-            <a:ext uri="{909E8E84-426E-40DD-AFC4-6F175D3DCCD1}">
-              <a14:hiddenFill xmlns:a14="http://schemas.microsoft.com/office/drawing/2010/main">
-                <a:solidFill>
-                  <a:schemeClr val="accent1"/>
-                </a:solidFill>
-              </a14:hiddenFill>
-            </a:ext>
-            <a:ext uri="{91240B29-F687-4F45-9708-019B960494DF}">
-              <a14:hiddenLine xmlns:a14="http://schemas.microsoft.com/office/drawing/2010/main" w="12700">
-                <a:solidFill>
-                  <a:schemeClr val="tx1"/>
-                </a:solidFill>
-                <a:miter lim="800000"/>
-                <a:headEnd type="none" w="sm" len="sm"/>
-                <a:tailEnd type="none" w="sm" len="sm"/>
-              </a14:hiddenLine>
-            </a:ext>
-            <a:ext uri="{AF507438-7753-43E0-B8FC-AC1667EBCBE1}">
-              <a14:hiddenEffects xmlns:a14="http://schemas.microsoft.com/office/drawing/2010/main">
-                <a:effectLst>
-                  <a:outerShdw dist="35921" dir="2700000" algn="ctr" rotWithShape="0">
-                    <a:schemeClr val="bg2"/>
-                  </a:outerShdw>
-                </a:effectLst>
-              </a14:hiddenEffects>
-            </a:ext>
-          </a:extLst>
-        </p:spPr>
-        <p:txBody>
-          <a:bodyPr/>
-          <a:lstStyle/>
-          <a:p>
-            <a:endParaRPr lang="es-ES" altLang="es-MX"/>
-          </a:p>
-        </p:txBody>
-      </p:sp>
-    </p:spTree>
-    <p:extLst>
-      <p:ext uri="{BB962C8B-B14F-4D97-AF65-F5344CB8AC3E}">
-        <p14:creationId xmlns:p14="http://schemas.microsoft.com/office/powerpoint/2010/main" val="171141436"/>
-      </p:ext>
-    </p:extLst>
-  </p:cSld>
-  <p:clrMapOvr>
-    <a:masterClrMapping/>
-  </p:clrMapOvr>
-</p:notes>
-</file>
-
-<file path=ppt/notesSlides/notesSlide6.xml><?xml version="1.0" encoding="utf-8"?>
-<p:notes xmlns:a="http://schemas.openxmlformats.org/drawingml/2006/main" xmlns:r="http://schemas.openxmlformats.org/officeDocument/2006/relationships" xmlns:p="http://schemas.openxmlformats.org/presentationml/2006/main">
-  <p:cSld>
-    <p:spTree>
-      <p:nvGrpSpPr>
-        <p:cNvPr id="1" name=""/>
-        <p:cNvGrpSpPr/>
-        <p:nvPr/>
-      </p:nvGrpSpPr>
-      <p:grpSpPr>
-        <a:xfrm>
-          <a:off x="0" y="0"/>
-          <a:ext cx="0" cy="0"/>
-          <a:chOff x="0" y="0"/>
-          <a:chExt cx="0" cy="0"/>
-        </a:xfrm>
-      </p:grpSpPr>
-      <p:sp>
-        <p:nvSpPr>
-          <p:cNvPr id="110594" name="Rectangle 2">
-            <a:extLst>
-              <a:ext uri="{FF2B5EF4-FFF2-40B4-BE49-F238E27FC236}">
-                <a16:creationId xmlns:a16="http://schemas.microsoft.com/office/drawing/2014/main" id="{ED862A34-5FEB-4970-8BCB-A0096141BFC2}"/>
-              </a:ext>
-            </a:extLst>
-          </p:cNvPr>
-          <p:cNvSpPr>
-            <a:spLocks noGrp="1" noRot="1" noChangeAspect="1" noChangeArrowheads="1" noTextEdit="1"/>
-          </p:cNvSpPr>
-          <p:nvPr>
-            <p:ph type="sldImg"/>
-          </p:nvPr>
-        </p:nvSpPr>
-        <p:spPr bwMode="auto">
-          <a:xfrm>
-            <a:off x="1130300" y="685800"/>
-            <a:ext cx="4673600" cy="3505200"/>
-          </a:xfrm>
-          <a:prstGeom prst="rect">
-            <a:avLst/>
-          </a:prstGeom>
-          <a:noFill/>
-          <a:ln>
-            <a:solidFill>
-              <a:srgbClr val="000000"/>
-            </a:solidFill>
-            <a:miter lim="800000"/>
-            <a:headEnd/>
-            <a:tailEnd/>
-          </a:ln>
-          <a:extLst>
-            <a:ext uri="{AF507438-7753-43E0-B8FC-AC1667EBCBE1}">
-              <a14:hiddenEffects xmlns:a14="http://schemas.microsoft.com/office/drawing/2010/main">
-                <a:effectLst>
-                  <a:outerShdw dist="35921" dir="2700000" algn="ctr" rotWithShape="0">
-                    <a:srgbClr val="808080"/>
-                  </a:outerShdw>
-                </a:effectLst>
-              </a14:hiddenEffects>
-            </a:ext>
-            <a:ext uri="{53640926-AAD7-44D8-BBD7-CCE9431645EC}">
-              <a14:shadowObscured xmlns:a14="http://schemas.microsoft.com/office/drawing/2010/main" val="1"/>
-            </a:ext>
-          </a:extLst>
-        </p:spPr>
-      </p:sp>
-      <p:sp>
-        <p:nvSpPr>
-          <p:cNvPr id="110595" name="Rectangle 3">
-            <a:extLst>
-              <a:ext uri="{FF2B5EF4-FFF2-40B4-BE49-F238E27FC236}">
-                <a16:creationId xmlns:a16="http://schemas.microsoft.com/office/drawing/2014/main" id="{537CF87A-06AD-4A72-806C-E48BDE87C14F}"/>
-              </a:ext>
-            </a:extLst>
-          </p:cNvPr>
-          <p:cNvSpPr>
-            <a:spLocks noGrp="1" noChangeArrowheads="1"/>
-          </p:cNvSpPr>
-          <p:nvPr>
-            <p:ph type="body" idx="1"/>
-          </p:nvPr>
-        </p:nvSpPr>
-        <p:spPr bwMode="auto">
-          <a:xfrm>
-            <a:off x="914400" y="4419600"/>
-            <a:ext cx="5105400" cy="4191000"/>
-          </a:xfrm>
-          <a:prstGeom prst="rect">
-            <a:avLst/>
-          </a:prstGeom>
-          <a:noFill/>
-          <a:ln/>
-          <a:extLst>
-            <a:ext uri="{909E8E84-426E-40DD-AFC4-6F175D3DCCD1}">
-              <a14:hiddenFill xmlns:a14="http://schemas.microsoft.com/office/drawing/2010/main">
-                <a:solidFill>
-                  <a:schemeClr val="accent1"/>
-                </a:solidFill>
-              </a14:hiddenFill>
-            </a:ext>
-            <a:ext uri="{91240B29-F687-4F45-9708-019B960494DF}">
-              <a14:hiddenLine xmlns:a14="http://schemas.microsoft.com/office/drawing/2010/main" w="12700">
-                <a:solidFill>
-                  <a:schemeClr val="tx1"/>
-                </a:solidFill>
-                <a:miter lim="800000"/>
-                <a:headEnd type="none" w="sm" len="sm"/>
-                <a:tailEnd type="none" w="sm" len="sm"/>
-              </a14:hiddenLine>
-            </a:ext>
-            <a:ext uri="{AF507438-7753-43E0-B8FC-AC1667EBCBE1}">
-              <a14:hiddenEffects xmlns:a14="http://schemas.microsoft.com/office/drawing/2010/main">
-                <a:effectLst>
-                  <a:outerShdw dist="35921" dir="2700000" algn="ctr" rotWithShape="0">
-                    <a:schemeClr val="bg2"/>
-                  </a:outerShdw>
-                </a:effectLst>
-              </a14:hiddenEffects>
-            </a:ext>
-          </a:extLst>
-        </p:spPr>
-        <p:txBody>
-          <a:bodyPr/>
-          <a:lstStyle/>
-          <a:p>
-            <a:endParaRPr lang="es-ES" altLang="es-MX"/>
-          </a:p>
-        </p:txBody>
-      </p:sp>
-    </p:spTree>
-    <p:extLst>
-      <p:ext uri="{BB962C8B-B14F-4D97-AF65-F5344CB8AC3E}">
-        <p14:creationId xmlns:p14="http://schemas.microsoft.com/office/powerpoint/2010/main" val="2185758482"/>
-      </p:ext>
-    </p:extLst>
-  </p:cSld>
-  <p:clrMapOvr>
-    <a:masterClrMapping/>
-  </p:clrMapOvr>
-</p:notes>
-</file>
-
-<file path=ppt/notesSlides/notesSlide7.xml><?xml version="1.0" encoding="utf-8"?>
 <p:notes xmlns:a="http://schemas.openxmlformats.org/drawingml/2006/main" xmlns:r="http://schemas.openxmlformats.org/officeDocument/2006/relationships" xmlns:p="http://schemas.openxmlformats.org/presentationml/2006/main">
   <p:cSld>
     <p:spTree>
@@ -1292,93 +947,9 @@
           <a:bodyPr/>
           <a:lstStyle/>
           <a:p>
-            <a:fld id="{5993AEC0-242E-4FA7-9D3C-51E1036AC3CB}" type="slidenum">
-              <a:rPr lang="es-MX" smtClean="0"/>
-              <a:t>20</a:t>
-            </a:fld>
-            <a:endParaRPr lang="es-MX" dirty="0"/>
-          </a:p>
-        </p:txBody>
-      </p:sp>
-    </p:spTree>
-    <p:extLst>
-      <p:ext uri="{BB962C8B-B14F-4D97-AF65-F5344CB8AC3E}">
-        <p14:creationId xmlns:p14="http://schemas.microsoft.com/office/powerpoint/2010/main" val="2600741813"/>
-      </p:ext>
-    </p:extLst>
-  </p:cSld>
-  <p:clrMapOvr>
-    <a:masterClrMapping/>
-  </p:clrMapOvr>
-</p:notes>
-</file>
-
-<file path=ppt/notesSlides/notesSlide8.xml><?xml version="1.0" encoding="utf-8"?>
-<p:notes xmlns:a="http://schemas.openxmlformats.org/drawingml/2006/main" xmlns:r="http://schemas.openxmlformats.org/officeDocument/2006/relationships" xmlns:p="http://schemas.openxmlformats.org/presentationml/2006/main">
-  <p:cSld>
-    <p:spTree>
-      <p:nvGrpSpPr>
-        <p:cNvPr id="1" name=""/>
-        <p:cNvGrpSpPr/>
-        <p:nvPr/>
-      </p:nvGrpSpPr>
-      <p:grpSpPr>
-        <a:xfrm>
-          <a:off x="0" y="0"/>
-          <a:ext cx="0" cy="0"/>
-          <a:chOff x="0" y="0"/>
-          <a:chExt cx="0" cy="0"/>
-        </a:xfrm>
-      </p:grpSpPr>
-      <p:sp>
-        <p:nvSpPr>
-          <p:cNvPr id="2" name="Marcador de imagen de diapositiva 1"/>
-          <p:cNvSpPr>
-            <a:spLocks noGrp="1" noRot="1" noChangeAspect="1"/>
-          </p:cNvSpPr>
-          <p:nvPr>
-            <p:ph type="sldImg"/>
-          </p:nvPr>
-        </p:nvSpPr>
-        <p:spPr/>
-      </p:sp>
-      <p:sp>
-        <p:nvSpPr>
-          <p:cNvPr id="3" name="Marcador de notas 2"/>
-          <p:cNvSpPr>
-            <a:spLocks noGrp="1"/>
-          </p:cNvSpPr>
-          <p:nvPr>
-            <p:ph type="body" idx="1"/>
-          </p:nvPr>
-        </p:nvSpPr>
-        <p:spPr/>
-        <p:txBody>
-          <a:bodyPr/>
-          <a:lstStyle/>
-          <a:p>
-            <a:endParaRPr lang="es-MX" dirty="0"/>
-          </a:p>
-        </p:txBody>
-      </p:sp>
-      <p:sp>
-        <p:nvSpPr>
-          <p:cNvPr id="4" name="Marcador de número de diapositiva 3"/>
-          <p:cNvSpPr>
-            <a:spLocks noGrp="1"/>
-          </p:cNvSpPr>
-          <p:nvPr>
-            <p:ph type="sldNum" sz="quarter" idx="5"/>
-          </p:nvPr>
-        </p:nvSpPr>
-        <p:spPr/>
-        <p:txBody>
-          <a:bodyPr/>
-          <a:lstStyle/>
-          <a:p>
             <a:fld id="{4D347943-BED9-4F50-9608-342FFFFC6AEF}" type="slidenum">
               <a:rPr lang="es-MX" smtClean="0"/>
-              <a:t>22</a:t>
+              <a:t>19</a:t>
             </a:fld>
             <a:endParaRPr lang="es-MX"/>
           </a:p>
@@ -1578,7 +1149,7 @@
           <a:p>
             <a:fld id="{5E75A0DC-66C6-4CEC-A5EB-F8C97CEC3796}" type="datetimeFigureOut">
               <a:rPr lang="es-MX" smtClean="0"/>
-              <a:t>15/08/2019</a:t>
+              <a:t>16/08/2019</a:t>
             </a:fld>
             <a:endParaRPr lang="es-MX" dirty="0"/>
           </a:p>
@@ -1748,7 +1319,7 @@
           <a:p>
             <a:fld id="{5E75A0DC-66C6-4CEC-A5EB-F8C97CEC3796}" type="datetimeFigureOut">
               <a:rPr lang="es-MX" smtClean="0"/>
-              <a:t>15/08/2019</a:t>
+              <a:t>16/08/2019</a:t>
             </a:fld>
             <a:endParaRPr lang="es-MX" dirty="0"/>
           </a:p>
@@ -1928,7 +1499,7 @@
           <a:p>
             <a:fld id="{5E75A0DC-66C6-4CEC-A5EB-F8C97CEC3796}" type="datetimeFigureOut">
               <a:rPr lang="es-MX" smtClean="0"/>
-              <a:t>15/08/2019</a:t>
+              <a:t>16/08/2019</a:t>
             </a:fld>
             <a:endParaRPr lang="es-MX" dirty="0"/>
           </a:p>
@@ -2081,7 +1652,7 @@
           <a:p>
             <a:fld id="{1D8BD707-D9CF-40AE-B4C6-C98DA3205C09}" type="datetimeFigureOut">
               <a:rPr lang="en-US" smtClean="0"/>
-              <a:t>8/15/2019</a:t>
+              <a:t>8/16/2019</a:t>
             </a:fld>
             <a:endParaRPr lang="en-US"/>
           </a:p>
@@ -2123,726 +1694,6 @@
     <p:extLst>
       <p:ext uri="{BB962C8B-B14F-4D97-AF65-F5344CB8AC3E}">
         <p14:creationId xmlns:p14="http://schemas.microsoft.com/office/powerpoint/2010/main" val="4244696683"/>
-      </p:ext>
-    </p:extLst>
-  </p:cSld>
-  <p:clrMapOvr>
-    <a:masterClrMapping/>
-  </p:clrMapOvr>
-</p:sldLayout>
-</file>
-
-<file path=ppt/slideLayouts/slideLayout13.xml><?xml version="1.0" encoding="utf-8"?>
-<p:sldLayout xmlns:a="http://schemas.openxmlformats.org/drawingml/2006/main" xmlns:r="http://schemas.openxmlformats.org/officeDocument/2006/relationships" xmlns:p="http://schemas.openxmlformats.org/presentationml/2006/main" type="txAndObj">
-  <p:cSld name="Título, texto y objetos">
-    <p:spTree>
-      <p:nvGrpSpPr>
-        <p:cNvPr id="1" name=""/>
-        <p:cNvGrpSpPr/>
-        <p:nvPr/>
-      </p:nvGrpSpPr>
-      <p:grpSpPr>
-        <a:xfrm>
-          <a:off x="0" y="0"/>
-          <a:ext cx="0" cy="0"/>
-          <a:chOff x="0" y="0"/>
-          <a:chExt cx="0" cy="0"/>
-        </a:xfrm>
-      </p:grpSpPr>
-      <p:sp>
-        <p:nvSpPr>
-          <p:cNvPr id="2" name="Título 1">
-            <a:extLst>
-              <a:ext uri="{FF2B5EF4-FFF2-40B4-BE49-F238E27FC236}">
-                <a16:creationId xmlns:a16="http://schemas.microsoft.com/office/drawing/2014/main" id="{78BFC015-572F-46F3-9D9B-EEDD4A80DAE3}"/>
-              </a:ext>
-            </a:extLst>
-          </p:cNvPr>
-          <p:cNvSpPr>
-            <a:spLocks noGrp="1"/>
-          </p:cNvSpPr>
-          <p:nvPr>
-            <p:ph type="title"/>
-          </p:nvPr>
-        </p:nvSpPr>
-        <p:spPr>
-          <a:xfrm>
-            <a:off x="457200" y="274638"/>
-            <a:ext cx="8229600" cy="1143000"/>
-          </a:xfrm>
-        </p:spPr>
-        <p:txBody>
-          <a:bodyPr/>
-          <a:lstStyle/>
-          <a:p>
-            <a:r>
-              <a:rPr lang="es-ES"/>
-              <a:t>Haga clic para modificar el estilo de título del patrón</a:t>
-            </a:r>
-            <a:endParaRPr lang="es-MX"/>
-          </a:p>
-        </p:txBody>
-      </p:sp>
-      <p:sp>
-        <p:nvSpPr>
-          <p:cNvPr id="3" name="Marcador de texto 2">
-            <a:extLst>
-              <a:ext uri="{FF2B5EF4-FFF2-40B4-BE49-F238E27FC236}">
-                <a16:creationId xmlns:a16="http://schemas.microsoft.com/office/drawing/2014/main" id="{EBC13B2A-F741-45CB-9E4B-14C40E37AD80}"/>
-              </a:ext>
-            </a:extLst>
-          </p:cNvPr>
-          <p:cNvSpPr>
-            <a:spLocks noGrp="1"/>
-          </p:cNvSpPr>
-          <p:nvPr>
-            <p:ph type="body" sz="half" idx="1"/>
-          </p:nvPr>
-        </p:nvSpPr>
-        <p:spPr>
-          <a:xfrm>
-            <a:off x="457200" y="1600200"/>
-            <a:ext cx="4038600" cy="4525963"/>
-          </a:xfrm>
-        </p:spPr>
-        <p:txBody>
-          <a:bodyPr/>
-          <a:lstStyle/>
-          <a:p>
-            <a:pPr lvl="0"/>
-            <a:r>
-              <a:rPr lang="es-ES"/>
-              <a:t>Haga clic para modificar los estilos de texto del patrón</a:t>
-            </a:r>
-          </a:p>
-          <a:p>
-            <a:pPr lvl="1"/>
-            <a:r>
-              <a:rPr lang="es-ES"/>
-              <a:t>Segundo nivel</a:t>
-            </a:r>
-          </a:p>
-          <a:p>
-            <a:pPr lvl="2"/>
-            <a:r>
-              <a:rPr lang="es-ES"/>
-              <a:t>Tercer nivel</a:t>
-            </a:r>
-          </a:p>
-          <a:p>
-            <a:pPr lvl="3"/>
-            <a:r>
-              <a:rPr lang="es-ES"/>
-              <a:t>Cuarto nivel</a:t>
-            </a:r>
-          </a:p>
-          <a:p>
-            <a:pPr lvl="4"/>
-            <a:r>
-              <a:rPr lang="es-ES"/>
-              <a:t>Quinto nivel</a:t>
-            </a:r>
-            <a:endParaRPr lang="es-MX"/>
-          </a:p>
-        </p:txBody>
-      </p:sp>
-      <p:sp>
-        <p:nvSpPr>
-          <p:cNvPr id="4" name="Marcador de contenido 3">
-            <a:extLst>
-              <a:ext uri="{FF2B5EF4-FFF2-40B4-BE49-F238E27FC236}">
-                <a16:creationId xmlns:a16="http://schemas.microsoft.com/office/drawing/2014/main" id="{9E4D65C3-9777-4E37-8DC4-6DDD95C80945}"/>
-              </a:ext>
-            </a:extLst>
-          </p:cNvPr>
-          <p:cNvSpPr>
-            <a:spLocks noGrp="1"/>
-          </p:cNvSpPr>
-          <p:nvPr>
-            <p:ph sz="half" idx="2"/>
-          </p:nvPr>
-        </p:nvSpPr>
-        <p:spPr>
-          <a:xfrm>
-            <a:off x="4648200" y="1600200"/>
-            <a:ext cx="4038600" cy="4525963"/>
-          </a:xfrm>
-        </p:spPr>
-        <p:txBody>
-          <a:bodyPr/>
-          <a:lstStyle/>
-          <a:p>
-            <a:pPr lvl="0"/>
-            <a:r>
-              <a:rPr lang="es-ES"/>
-              <a:t>Haga clic para modificar los estilos de texto del patrón</a:t>
-            </a:r>
-          </a:p>
-          <a:p>
-            <a:pPr lvl="1"/>
-            <a:r>
-              <a:rPr lang="es-ES"/>
-              <a:t>Segundo nivel</a:t>
-            </a:r>
-          </a:p>
-          <a:p>
-            <a:pPr lvl="2"/>
-            <a:r>
-              <a:rPr lang="es-ES"/>
-              <a:t>Tercer nivel</a:t>
-            </a:r>
-          </a:p>
-          <a:p>
-            <a:pPr lvl="3"/>
-            <a:r>
-              <a:rPr lang="es-ES"/>
-              <a:t>Cuarto nivel</a:t>
-            </a:r>
-          </a:p>
-          <a:p>
-            <a:pPr lvl="4"/>
-            <a:r>
-              <a:rPr lang="es-ES"/>
-              <a:t>Quinto nivel</a:t>
-            </a:r>
-            <a:endParaRPr lang="es-MX"/>
-          </a:p>
-        </p:txBody>
-      </p:sp>
-      <p:sp>
-        <p:nvSpPr>
-          <p:cNvPr id="5" name="Marcador de fecha 4">
-            <a:extLst>
-              <a:ext uri="{FF2B5EF4-FFF2-40B4-BE49-F238E27FC236}">
-                <a16:creationId xmlns:a16="http://schemas.microsoft.com/office/drawing/2014/main" id="{C8426065-19D0-47BB-9FA7-B3D28B871F2C}"/>
-              </a:ext>
-            </a:extLst>
-          </p:cNvPr>
-          <p:cNvSpPr>
-            <a:spLocks noGrp="1"/>
-          </p:cNvSpPr>
-          <p:nvPr>
-            <p:ph type="dt" sz="half" idx="10"/>
-          </p:nvPr>
-        </p:nvSpPr>
-        <p:spPr>
-          <a:xfrm>
-            <a:off x="457200" y="6245225"/>
-            <a:ext cx="2133600" cy="476250"/>
-          </a:xfrm>
-        </p:spPr>
-        <p:txBody>
-          <a:bodyPr/>
-          <a:lstStyle>
-            <a:lvl1pPr>
-              <a:defRPr/>
-            </a:lvl1pPr>
-          </a:lstStyle>
-          <a:p>
-            <a:endParaRPr lang="en-US" altLang="es-MX"/>
-          </a:p>
-        </p:txBody>
-      </p:sp>
-      <p:sp>
-        <p:nvSpPr>
-          <p:cNvPr id="6" name="Marcador de pie de página 5">
-            <a:extLst>
-              <a:ext uri="{FF2B5EF4-FFF2-40B4-BE49-F238E27FC236}">
-                <a16:creationId xmlns:a16="http://schemas.microsoft.com/office/drawing/2014/main" id="{1BB5C921-7D37-4576-A452-5DB2C5C9A9F3}"/>
-              </a:ext>
-            </a:extLst>
-          </p:cNvPr>
-          <p:cNvSpPr>
-            <a:spLocks noGrp="1"/>
-          </p:cNvSpPr>
-          <p:nvPr>
-            <p:ph type="ftr" sz="quarter" idx="11"/>
-          </p:nvPr>
-        </p:nvSpPr>
-        <p:spPr>
-          <a:xfrm>
-            <a:off x="3124200" y="6245225"/>
-            <a:ext cx="2895600" cy="476250"/>
-          </a:xfrm>
-        </p:spPr>
-        <p:txBody>
-          <a:bodyPr/>
-          <a:lstStyle>
-            <a:lvl1pPr>
-              <a:defRPr/>
-            </a:lvl1pPr>
-          </a:lstStyle>
-          <a:p>
-            <a:endParaRPr lang="en-US" altLang="es-MX"/>
-          </a:p>
-        </p:txBody>
-      </p:sp>
-      <p:sp>
-        <p:nvSpPr>
-          <p:cNvPr id="7" name="Marcador de número de diapositiva 6">
-            <a:extLst>
-              <a:ext uri="{FF2B5EF4-FFF2-40B4-BE49-F238E27FC236}">
-                <a16:creationId xmlns:a16="http://schemas.microsoft.com/office/drawing/2014/main" id="{5933E4FC-893D-4D8A-9AF4-A20CE993A96E}"/>
-              </a:ext>
-            </a:extLst>
-          </p:cNvPr>
-          <p:cNvSpPr>
-            <a:spLocks noGrp="1"/>
-          </p:cNvSpPr>
-          <p:nvPr>
-            <p:ph type="sldNum" sz="quarter" idx="12"/>
-          </p:nvPr>
-        </p:nvSpPr>
-        <p:spPr>
-          <a:xfrm>
-            <a:off x="6553200" y="6245225"/>
-            <a:ext cx="2133600" cy="476250"/>
-          </a:xfrm>
-        </p:spPr>
-        <p:txBody>
-          <a:bodyPr/>
-          <a:lstStyle>
-            <a:lvl1pPr>
-              <a:defRPr/>
-            </a:lvl1pPr>
-          </a:lstStyle>
-          <a:p>
-            <a:fld id="{C941E34F-CA94-4113-8043-52D611D98626}" type="slidenum">
-              <a:rPr lang="en-US" altLang="es-MX"/>
-              <a:pPr/>
-              <a:t>‹Nº›</a:t>
-            </a:fld>
-            <a:endParaRPr lang="en-US" altLang="es-MX"/>
-          </a:p>
-        </p:txBody>
-      </p:sp>
-    </p:spTree>
-    <p:extLst>
-      <p:ext uri="{BB962C8B-B14F-4D97-AF65-F5344CB8AC3E}">
-        <p14:creationId xmlns:p14="http://schemas.microsoft.com/office/powerpoint/2010/main" val="2574586816"/>
-      </p:ext>
-    </p:extLst>
-  </p:cSld>
-  <p:clrMapOvr>
-    <a:masterClrMapping/>
-  </p:clrMapOvr>
-</p:sldLayout>
-</file>
-
-<file path=ppt/slideLayouts/slideLayout14.xml><?xml version="1.0" encoding="utf-8"?>
-<p:sldLayout xmlns:a="http://schemas.openxmlformats.org/drawingml/2006/main" xmlns:r="http://schemas.openxmlformats.org/officeDocument/2006/relationships" xmlns:p="http://schemas.openxmlformats.org/presentationml/2006/main" type="fourObj">
-  <p:cSld name="Título y 4 objetos">
-    <p:spTree>
-      <p:nvGrpSpPr>
-        <p:cNvPr id="1" name=""/>
-        <p:cNvGrpSpPr/>
-        <p:nvPr/>
-      </p:nvGrpSpPr>
-      <p:grpSpPr>
-        <a:xfrm>
-          <a:off x="0" y="0"/>
-          <a:ext cx="0" cy="0"/>
-          <a:chOff x="0" y="0"/>
-          <a:chExt cx="0" cy="0"/>
-        </a:xfrm>
-      </p:grpSpPr>
-      <p:sp>
-        <p:nvSpPr>
-          <p:cNvPr id="2" name="Título 1">
-            <a:extLst>
-              <a:ext uri="{FF2B5EF4-FFF2-40B4-BE49-F238E27FC236}">
-                <a16:creationId xmlns:a16="http://schemas.microsoft.com/office/drawing/2014/main" id="{DCD0BC62-06C3-48F7-957C-03C76B9B39E0}"/>
-              </a:ext>
-            </a:extLst>
-          </p:cNvPr>
-          <p:cNvSpPr>
-            <a:spLocks noGrp="1"/>
-          </p:cNvSpPr>
-          <p:nvPr>
-            <p:ph type="title" sz="quarter"/>
-          </p:nvPr>
-        </p:nvSpPr>
-        <p:spPr>
-          <a:xfrm>
-            <a:off x="457200" y="274638"/>
-            <a:ext cx="8229600" cy="1143000"/>
-          </a:xfrm>
-        </p:spPr>
-        <p:txBody>
-          <a:bodyPr/>
-          <a:lstStyle/>
-          <a:p>
-            <a:r>
-              <a:rPr lang="es-ES"/>
-              <a:t>Haga clic para modificar el estilo de título del patrón</a:t>
-            </a:r>
-            <a:endParaRPr lang="es-MX"/>
-          </a:p>
-        </p:txBody>
-      </p:sp>
-      <p:sp>
-        <p:nvSpPr>
-          <p:cNvPr id="3" name="Marcador de contenido 2">
-            <a:extLst>
-              <a:ext uri="{FF2B5EF4-FFF2-40B4-BE49-F238E27FC236}">
-                <a16:creationId xmlns:a16="http://schemas.microsoft.com/office/drawing/2014/main" id="{27F74293-F290-4011-935E-C92865C90E78}"/>
-              </a:ext>
-            </a:extLst>
-          </p:cNvPr>
-          <p:cNvSpPr>
-            <a:spLocks noGrp="1"/>
-          </p:cNvSpPr>
-          <p:nvPr>
-            <p:ph sz="quarter" idx="1"/>
-          </p:nvPr>
-        </p:nvSpPr>
-        <p:spPr>
-          <a:xfrm>
-            <a:off x="457200" y="1600200"/>
-            <a:ext cx="4038600" cy="2185988"/>
-          </a:xfrm>
-        </p:spPr>
-        <p:txBody>
-          <a:bodyPr/>
-          <a:lstStyle/>
-          <a:p>
-            <a:pPr lvl="0"/>
-            <a:r>
-              <a:rPr lang="es-ES"/>
-              <a:t>Haga clic para modificar los estilos de texto del patrón</a:t>
-            </a:r>
-          </a:p>
-          <a:p>
-            <a:pPr lvl="1"/>
-            <a:r>
-              <a:rPr lang="es-ES"/>
-              <a:t>Segundo nivel</a:t>
-            </a:r>
-          </a:p>
-          <a:p>
-            <a:pPr lvl="2"/>
-            <a:r>
-              <a:rPr lang="es-ES"/>
-              <a:t>Tercer nivel</a:t>
-            </a:r>
-          </a:p>
-          <a:p>
-            <a:pPr lvl="3"/>
-            <a:r>
-              <a:rPr lang="es-ES"/>
-              <a:t>Cuarto nivel</a:t>
-            </a:r>
-          </a:p>
-          <a:p>
-            <a:pPr lvl="4"/>
-            <a:r>
-              <a:rPr lang="es-ES"/>
-              <a:t>Quinto nivel</a:t>
-            </a:r>
-            <a:endParaRPr lang="es-MX"/>
-          </a:p>
-        </p:txBody>
-      </p:sp>
-      <p:sp>
-        <p:nvSpPr>
-          <p:cNvPr id="4" name="Marcador de contenido 3">
-            <a:extLst>
-              <a:ext uri="{FF2B5EF4-FFF2-40B4-BE49-F238E27FC236}">
-                <a16:creationId xmlns:a16="http://schemas.microsoft.com/office/drawing/2014/main" id="{578D09FE-733D-4991-AE22-1DDB9D02742A}"/>
-              </a:ext>
-            </a:extLst>
-          </p:cNvPr>
-          <p:cNvSpPr>
-            <a:spLocks noGrp="1"/>
-          </p:cNvSpPr>
-          <p:nvPr>
-            <p:ph sz="quarter" idx="2"/>
-          </p:nvPr>
-        </p:nvSpPr>
-        <p:spPr>
-          <a:xfrm>
-            <a:off x="4648200" y="1600200"/>
-            <a:ext cx="4038600" cy="2185988"/>
-          </a:xfrm>
-        </p:spPr>
-        <p:txBody>
-          <a:bodyPr/>
-          <a:lstStyle/>
-          <a:p>
-            <a:pPr lvl="0"/>
-            <a:r>
-              <a:rPr lang="es-ES"/>
-              <a:t>Haga clic para modificar los estilos de texto del patrón</a:t>
-            </a:r>
-          </a:p>
-          <a:p>
-            <a:pPr lvl="1"/>
-            <a:r>
-              <a:rPr lang="es-ES"/>
-              <a:t>Segundo nivel</a:t>
-            </a:r>
-          </a:p>
-          <a:p>
-            <a:pPr lvl="2"/>
-            <a:r>
-              <a:rPr lang="es-ES"/>
-              <a:t>Tercer nivel</a:t>
-            </a:r>
-          </a:p>
-          <a:p>
-            <a:pPr lvl="3"/>
-            <a:r>
-              <a:rPr lang="es-ES"/>
-              <a:t>Cuarto nivel</a:t>
-            </a:r>
-          </a:p>
-          <a:p>
-            <a:pPr lvl="4"/>
-            <a:r>
-              <a:rPr lang="es-ES"/>
-              <a:t>Quinto nivel</a:t>
-            </a:r>
-            <a:endParaRPr lang="es-MX"/>
-          </a:p>
-        </p:txBody>
-      </p:sp>
-      <p:sp>
-        <p:nvSpPr>
-          <p:cNvPr id="5" name="Marcador de contenido 4">
-            <a:extLst>
-              <a:ext uri="{FF2B5EF4-FFF2-40B4-BE49-F238E27FC236}">
-                <a16:creationId xmlns:a16="http://schemas.microsoft.com/office/drawing/2014/main" id="{D1FB1686-507A-4941-9E03-AFB736B3799D}"/>
-              </a:ext>
-            </a:extLst>
-          </p:cNvPr>
-          <p:cNvSpPr>
-            <a:spLocks noGrp="1"/>
-          </p:cNvSpPr>
-          <p:nvPr>
-            <p:ph sz="quarter" idx="3"/>
-          </p:nvPr>
-        </p:nvSpPr>
-        <p:spPr>
-          <a:xfrm>
-            <a:off x="457200" y="3938588"/>
-            <a:ext cx="4038600" cy="2187575"/>
-          </a:xfrm>
-        </p:spPr>
-        <p:txBody>
-          <a:bodyPr/>
-          <a:lstStyle/>
-          <a:p>
-            <a:pPr lvl="0"/>
-            <a:r>
-              <a:rPr lang="es-ES"/>
-              <a:t>Haga clic para modificar los estilos de texto del patrón</a:t>
-            </a:r>
-          </a:p>
-          <a:p>
-            <a:pPr lvl="1"/>
-            <a:r>
-              <a:rPr lang="es-ES"/>
-              <a:t>Segundo nivel</a:t>
-            </a:r>
-          </a:p>
-          <a:p>
-            <a:pPr lvl="2"/>
-            <a:r>
-              <a:rPr lang="es-ES"/>
-              <a:t>Tercer nivel</a:t>
-            </a:r>
-          </a:p>
-          <a:p>
-            <a:pPr lvl="3"/>
-            <a:r>
-              <a:rPr lang="es-ES"/>
-              <a:t>Cuarto nivel</a:t>
-            </a:r>
-          </a:p>
-          <a:p>
-            <a:pPr lvl="4"/>
-            <a:r>
-              <a:rPr lang="es-ES"/>
-              <a:t>Quinto nivel</a:t>
-            </a:r>
-            <a:endParaRPr lang="es-MX"/>
-          </a:p>
-        </p:txBody>
-      </p:sp>
-      <p:sp>
-        <p:nvSpPr>
-          <p:cNvPr id="6" name="Marcador de contenido 5">
-            <a:extLst>
-              <a:ext uri="{FF2B5EF4-FFF2-40B4-BE49-F238E27FC236}">
-                <a16:creationId xmlns:a16="http://schemas.microsoft.com/office/drawing/2014/main" id="{A39D7A17-A510-466A-A0DF-EAF1BA820AC4}"/>
-              </a:ext>
-            </a:extLst>
-          </p:cNvPr>
-          <p:cNvSpPr>
-            <a:spLocks noGrp="1"/>
-          </p:cNvSpPr>
-          <p:nvPr>
-            <p:ph sz="quarter" idx="4"/>
-          </p:nvPr>
-        </p:nvSpPr>
-        <p:spPr>
-          <a:xfrm>
-            <a:off x="4648200" y="3938588"/>
-            <a:ext cx="4038600" cy="2187575"/>
-          </a:xfrm>
-        </p:spPr>
-        <p:txBody>
-          <a:bodyPr/>
-          <a:lstStyle/>
-          <a:p>
-            <a:pPr lvl="0"/>
-            <a:r>
-              <a:rPr lang="es-ES"/>
-              <a:t>Haga clic para modificar los estilos de texto del patrón</a:t>
-            </a:r>
-          </a:p>
-          <a:p>
-            <a:pPr lvl="1"/>
-            <a:r>
-              <a:rPr lang="es-ES"/>
-              <a:t>Segundo nivel</a:t>
-            </a:r>
-          </a:p>
-          <a:p>
-            <a:pPr lvl="2"/>
-            <a:r>
-              <a:rPr lang="es-ES"/>
-              <a:t>Tercer nivel</a:t>
-            </a:r>
-          </a:p>
-          <a:p>
-            <a:pPr lvl="3"/>
-            <a:r>
-              <a:rPr lang="es-ES"/>
-              <a:t>Cuarto nivel</a:t>
-            </a:r>
-          </a:p>
-          <a:p>
-            <a:pPr lvl="4"/>
-            <a:r>
-              <a:rPr lang="es-ES"/>
-              <a:t>Quinto nivel</a:t>
-            </a:r>
-            <a:endParaRPr lang="es-MX"/>
-          </a:p>
-        </p:txBody>
-      </p:sp>
-      <p:sp>
-        <p:nvSpPr>
-          <p:cNvPr id="7" name="Marcador de fecha 6">
-            <a:extLst>
-              <a:ext uri="{FF2B5EF4-FFF2-40B4-BE49-F238E27FC236}">
-                <a16:creationId xmlns:a16="http://schemas.microsoft.com/office/drawing/2014/main" id="{EAE2D266-F21E-4585-9D75-D9242AA7466B}"/>
-              </a:ext>
-            </a:extLst>
-          </p:cNvPr>
-          <p:cNvSpPr>
-            <a:spLocks noGrp="1"/>
-          </p:cNvSpPr>
-          <p:nvPr>
-            <p:ph type="dt" sz="half" idx="10"/>
-          </p:nvPr>
-        </p:nvSpPr>
-        <p:spPr>
-          <a:xfrm>
-            <a:off x="457200" y="6245225"/>
-            <a:ext cx="2133600" cy="476250"/>
-          </a:xfrm>
-        </p:spPr>
-        <p:txBody>
-          <a:bodyPr/>
-          <a:lstStyle>
-            <a:lvl1pPr>
-              <a:defRPr/>
-            </a:lvl1pPr>
-          </a:lstStyle>
-          <a:p>
-            <a:endParaRPr lang="en-US" altLang="es-MX"/>
-          </a:p>
-        </p:txBody>
-      </p:sp>
-      <p:sp>
-        <p:nvSpPr>
-          <p:cNvPr id="8" name="Marcador de pie de página 7">
-            <a:extLst>
-              <a:ext uri="{FF2B5EF4-FFF2-40B4-BE49-F238E27FC236}">
-                <a16:creationId xmlns:a16="http://schemas.microsoft.com/office/drawing/2014/main" id="{E21FB41F-9412-49D7-9F62-47869E818578}"/>
-              </a:ext>
-            </a:extLst>
-          </p:cNvPr>
-          <p:cNvSpPr>
-            <a:spLocks noGrp="1"/>
-          </p:cNvSpPr>
-          <p:nvPr>
-            <p:ph type="ftr" sz="quarter" idx="11"/>
-          </p:nvPr>
-        </p:nvSpPr>
-        <p:spPr>
-          <a:xfrm>
-            <a:off x="3124200" y="6245225"/>
-            <a:ext cx="2895600" cy="476250"/>
-          </a:xfrm>
-        </p:spPr>
-        <p:txBody>
-          <a:bodyPr/>
-          <a:lstStyle>
-            <a:lvl1pPr>
-              <a:defRPr/>
-            </a:lvl1pPr>
-          </a:lstStyle>
-          <a:p>
-            <a:endParaRPr lang="en-US" altLang="es-MX"/>
-          </a:p>
-        </p:txBody>
-      </p:sp>
-      <p:sp>
-        <p:nvSpPr>
-          <p:cNvPr id="9" name="Marcador de número de diapositiva 8">
-            <a:extLst>
-              <a:ext uri="{FF2B5EF4-FFF2-40B4-BE49-F238E27FC236}">
-                <a16:creationId xmlns:a16="http://schemas.microsoft.com/office/drawing/2014/main" id="{D0C07216-467E-4C7E-98E1-E676BB99707C}"/>
-              </a:ext>
-            </a:extLst>
-          </p:cNvPr>
-          <p:cNvSpPr>
-            <a:spLocks noGrp="1"/>
-          </p:cNvSpPr>
-          <p:nvPr>
-            <p:ph type="sldNum" sz="quarter" idx="12"/>
-          </p:nvPr>
-        </p:nvSpPr>
-        <p:spPr>
-          <a:xfrm>
-            <a:off x="6553200" y="6245225"/>
-            <a:ext cx="2133600" cy="476250"/>
-          </a:xfrm>
-        </p:spPr>
-        <p:txBody>
-          <a:bodyPr/>
-          <a:lstStyle>
-            <a:lvl1pPr>
-              <a:defRPr/>
-            </a:lvl1pPr>
-          </a:lstStyle>
-          <a:p>
-            <a:fld id="{0E607A35-27CB-40C7-A261-E42DA0A0B45F}" type="slidenum">
-              <a:rPr lang="en-US" altLang="es-MX"/>
-              <a:pPr/>
-              <a:t>‹Nº›</a:t>
-            </a:fld>
-            <a:endParaRPr lang="en-US" altLang="es-MX"/>
-          </a:p>
-        </p:txBody>
-      </p:sp>
-    </p:spTree>
-    <p:extLst>
-      <p:ext uri="{BB962C8B-B14F-4D97-AF65-F5344CB8AC3E}">
-        <p14:creationId xmlns:p14="http://schemas.microsoft.com/office/powerpoint/2010/main" val="3629917305"/>
       </p:ext>
     </p:extLst>
   </p:cSld>
@@ -2961,7 +1812,7 @@
           <a:p>
             <a:fld id="{5E75A0DC-66C6-4CEC-A5EB-F8C97CEC3796}" type="datetimeFigureOut">
               <a:rPr lang="es-MX" smtClean="0"/>
-              <a:t>15/08/2019</a:t>
+              <a:t>16/08/2019</a:t>
             </a:fld>
             <a:endParaRPr lang="es-MX" dirty="0"/>
           </a:p>
@@ -3207,7 +2058,7 @@
           <a:p>
             <a:fld id="{5E75A0DC-66C6-4CEC-A5EB-F8C97CEC3796}" type="datetimeFigureOut">
               <a:rPr lang="es-MX" smtClean="0"/>
-              <a:t>15/08/2019</a:t>
+              <a:t>16/08/2019</a:t>
             </a:fld>
             <a:endParaRPr lang="es-MX" dirty="0"/>
           </a:p>
@@ -3495,7 +2346,7 @@
           <a:p>
             <a:fld id="{5E75A0DC-66C6-4CEC-A5EB-F8C97CEC3796}" type="datetimeFigureOut">
               <a:rPr lang="es-MX" smtClean="0"/>
-              <a:t>15/08/2019</a:t>
+              <a:t>16/08/2019</a:t>
             </a:fld>
             <a:endParaRPr lang="es-MX" dirty="0"/>
           </a:p>
@@ -3917,7 +2768,7 @@
           <a:p>
             <a:fld id="{5E75A0DC-66C6-4CEC-A5EB-F8C97CEC3796}" type="datetimeFigureOut">
               <a:rPr lang="es-MX" smtClean="0"/>
-              <a:t>15/08/2019</a:t>
+              <a:t>16/08/2019</a:t>
             </a:fld>
             <a:endParaRPr lang="es-MX" dirty="0"/>
           </a:p>
@@ -4035,7 +2886,7 @@
           <a:p>
             <a:fld id="{5E75A0DC-66C6-4CEC-A5EB-F8C97CEC3796}" type="datetimeFigureOut">
               <a:rPr lang="es-MX" smtClean="0"/>
-              <a:t>15/08/2019</a:t>
+              <a:t>16/08/2019</a:t>
             </a:fld>
             <a:endParaRPr lang="es-MX" dirty="0"/>
           </a:p>
@@ -4130,7 +2981,7 @@
           <a:p>
             <a:fld id="{5E75A0DC-66C6-4CEC-A5EB-F8C97CEC3796}" type="datetimeFigureOut">
               <a:rPr lang="es-MX" smtClean="0"/>
-              <a:t>15/08/2019</a:t>
+              <a:t>16/08/2019</a:t>
             </a:fld>
             <a:endParaRPr lang="es-MX" dirty="0"/>
           </a:p>
@@ -4407,7 +3258,7 @@
           <a:p>
             <a:fld id="{5E75A0DC-66C6-4CEC-A5EB-F8C97CEC3796}" type="datetimeFigureOut">
               <a:rPr lang="es-MX" smtClean="0"/>
-              <a:t>15/08/2019</a:t>
+              <a:t>16/08/2019</a:t>
             </a:fld>
             <a:endParaRPr lang="es-MX" dirty="0"/>
           </a:p>
@@ -4660,7 +3511,7 @@
           <a:p>
             <a:fld id="{5E75A0DC-66C6-4CEC-A5EB-F8C97CEC3796}" type="datetimeFigureOut">
               <a:rPr lang="es-MX" smtClean="0"/>
-              <a:t>15/08/2019</a:t>
+              <a:t>16/08/2019</a:t>
             </a:fld>
             <a:endParaRPr lang="es-MX" dirty="0"/>
           </a:p>
@@ -4873,7 +3724,7 @@
           <a:p>
             <a:fld id="{5E75A0DC-66C6-4CEC-A5EB-F8C97CEC3796}" type="datetimeFigureOut">
               <a:rPr lang="es-MX" smtClean="0"/>
-              <a:t>15/08/2019</a:t>
+              <a:t>16/08/2019</a:t>
             </a:fld>
             <a:endParaRPr lang="es-MX" dirty="0"/>
           </a:p>
@@ -4978,8 +3829,6 @@
     <p:sldLayoutId id="2147483658" r:id="rId10"/>
     <p:sldLayoutId id="2147483659" r:id="rId11"/>
     <p:sldLayoutId id="2147483660" r:id="rId12"/>
-    <p:sldLayoutId id="2147483661" r:id="rId13"/>
-    <p:sldLayoutId id="2147483662" r:id="rId14"/>
   </p:sldLayoutIdLst>
   <p:txStyles>
     <p:titleStyle>
@@ -6279,6 +5128,16 @@
               <a:buAutoNum type="arabicPeriod"/>
             </a:pPr>
             <a:r>
+              <a:rPr lang="es-ES" sz="2600" b="1" dirty="0">
+                <a:solidFill>
+                  <a:schemeClr val="accent6">
+                    <a:lumMod val="75000"/>
+                  </a:schemeClr>
+                </a:solidFill>
+              </a:rPr>
+              <a:t>Ejecutar el programa </a:t>
+            </a:r>
+            <a:r>
               <a:rPr lang="es-ES" sz="2600" dirty="0">
                 <a:solidFill>
                   <a:schemeClr val="bg2">
@@ -6286,7 +5145,7 @@
                   </a:schemeClr>
                 </a:solidFill>
               </a:rPr>
-              <a:t>Ejecutar el programa con la computadora.</a:t>
+              <a:t>con la computadora.</a:t>
             </a:r>
           </a:p>
           <a:p>
@@ -9109,6144 +7968,6 @@
 </file>
 
 <file path=ppt/slides/slide15.xml><?xml version="1.0" encoding="utf-8"?>
-<p:sld xmlns:a="http://schemas.openxmlformats.org/drawingml/2006/main" xmlns:r="http://schemas.openxmlformats.org/officeDocument/2006/relationships" xmlns:p="http://schemas.openxmlformats.org/presentationml/2006/main" showMasterPhAnim="0">
-  <p:cSld>
-    <p:spTree>
-      <p:nvGrpSpPr>
-        <p:cNvPr id="1" name=""/>
-        <p:cNvGrpSpPr/>
-        <p:nvPr/>
-      </p:nvGrpSpPr>
-      <p:grpSpPr>
-        <a:xfrm>
-          <a:off x="0" y="0"/>
-          <a:ext cx="0" cy="0"/>
-          <a:chOff x="0" y="0"/>
-          <a:chExt cx="0" cy="0"/>
-        </a:xfrm>
-      </p:grpSpPr>
-      <p:pic>
-        <p:nvPicPr>
-          <p:cNvPr id="3" name="Imagen 2">
-            <a:extLst>
-              <a:ext uri="{FF2B5EF4-FFF2-40B4-BE49-F238E27FC236}">
-                <a16:creationId xmlns:a16="http://schemas.microsoft.com/office/drawing/2014/main" id="{8BED20AC-D995-48A6-8D8D-2D85442330BE}"/>
-              </a:ext>
-            </a:extLst>
-          </p:cNvPr>
-          <p:cNvPicPr>
-            <a:picLocks noChangeAspect="1"/>
-          </p:cNvPicPr>
-          <p:nvPr/>
-        </p:nvPicPr>
-        <p:blipFill>
-          <a:blip r:embed="rId3">
-            <a:extLst>
-              <a:ext uri="{28A0092B-C50C-407E-A947-70E740481C1C}">
-                <a14:useLocalDpi xmlns:a14="http://schemas.microsoft.com/office/drawing/2010/main" val="0"/>
-              </a:ext>
-            </a:extLst>
-          </a:blip>
-          <a:stretch>
-            <a:fillRect/>
-          </a:stretch>
-        </p:blipFill>
-        <p:spPr>
-          <a:xfrm>
-            <a:off x="1043608" y="3929607"/>
-            <a:ext cx="7264065" cy="2924045"/>
-          </a:xfrm>
-          <a:prstGeom prst="rect">
-            <a:avLst/>
-          </a:prstGeom>
-        </p:spPr>
-      </p:pic>
-      <p:sp>
-        <p:nvSpPr>
-          <p:cNvPr id="98306" name="Rectangle 2">
-            <a:extLst>
-              <a:ext uri="{FF2B5EF4-FFF2-40B4-BE49-F238E27FC236}">
-                <a16:creationId xmlns:a16="http://schemas.microsoft.com/office/drawing/2014/main" id="{92BD4BB5-B183-40E9-984A-B5438D49E20D}"/>
-              </a:ext>
-            </a:extLst>
-          </p:cNvPr>
-          <p:cNvSpPr>
-            <a:spLocks noGrp="1" noChangeArrowheads="1"/>
-          </p:cNvSpPr>
-          <p:nvPr>
-            <p:ph type="title"/>
-          </p:nvPr>
-        </p:nvSpPr>
-        <p:spPr>
-          <a:xfrm>
-            <a:off x="2682" y="188640"/>
-            <a:ext cx="9371324" cy="855190"/>
-          </a:xfrm>
-          <a:noFill/>
-          <a:ln/>
-        </p:spPr>
-        <p:txBody>
-          <a:bodyPr lIns="92075" tIns="46038" rIns="92075" bIns="46038">
-            <a:noAutofit/>
-          </a:bodyPr>
-          <a:lstStyle/>
-          <a:p>
-            <a:r>
-              <a:rPr lang="es-ES_tradnl" altLang="es-MX" b="1" dirty="0">
-                <a:solidFill>
-                  <a:schemeClr val="accent4">
-                    <a:lumMod val="50000"/>
-                  </a:schemeClr>
-                </a:solidFill>
-                <a:effectLst>
-                  <a:outerShdw blurRad="38100" dist="38100" dir="2700000" algn="tl">
-                    <a:srgbClr val="C0C0C0"/>
-                  </a:outerShdw>
-                </a:effectLst>
-                <a:latin typeface="Dom Casual" charset="0"/>
-              </a:rPr>
-              <a:t>Lenguajes compilados e interpretados</a:t>
-            </a:r>
-          </a:p>
-        </p:txBody>
-      </p:sp>
-      <p:sp>
-        <p:nvSpPr>
-          <p:cNvPr id="98310" name="Rectangle 6">
-            <a:extLst>
-              <a:ext uri="{FF2B5EF4-FFF2-40B4-BE49-F238E27FC236}">
-                <a16:creationId xmlns:a16="http://schemas.microsoft.com/office/drawing/2014/main" id="{61641422-D59F-44A6-A648-059A3061FC14}"/>
-              </a:ext>
-            </a:extLst>
-          </p:cNvPr>
-          <p:cNvSpPr>
-            <a:spLocks noGrp="1" noChangeArrowheads="1"/>
-          </p:cNvSpPr>
-          <p:nvPr>
-            <p:ph type="body" idx="1"/>
-          </p:nvPr>
-        </p:nvSpPr>
-        <p:spPr>
-          <a:xfrm>
-            <a:off x="512673" y="2204864"/>
-            <a:ext cx="8325933" cy="1908200"/>
-          </a:xfrm>
-          <a:noFill/>
-          <a:ln/>
-        </p:spPr>
-        <p:txBody>
-          <a:bodyPr lIns="92075" tIns="46038" rIns="92075" bIns="46038">
-            <a:normAutofit/>
-          </a:bodyPr>
-          <a:lstStyle/>
-          <a:p>
-            <a:pPr algn="just">
-              <a:lnSpc>
-                <a:spcPct val="125000"/>
-              </a:lnSpc>
-            </a:pPr>
-            <a:r>
-              <a:rPr lang="es-MX" altLang="es-MX" sz="2000" dirty="0">
-                <a:solidFill>
-                  <a:schemeClr val="bg2">
-                    <a:lumMod val="25000"/>
-                  </a:schemeClr>
-                </a:solidFill>
-              </a:rPr>
-              <a:t>Un </a:t>
-            </a:r>
-            <a:r>
-              <a:rPr lang="es-MX" altLang="es-MX" sz="2000" b="1" dirty="0">
-                <a:solidFill>
-                  <a:schemeClr val="accent6">
-                    <a:lumMod val="75000"/>
-                  </a:schemeClr>
-                </a:solidFill>
-              </a:rPr>
-              <a:t>programa interpretado</a:t>
-            </a:r>
-            <a:r>
-              <a:rPr lang="es-MX" altLang="es-MX" sz="2000" dirty="0">
-                <a:solidFill>
-                  <a:schemeClr val="accent6">
-                    <a:lumMod val="75000"/>
-                  </a:schemeClr>
-                </a:solidFill>
-              </a:rPr>
-              <a:t> </a:t>
-            </a:r>
-            <a:r>
-              <a:rPr lang="es-MX" altLang="es-MX" sz="2000" dirty="0">
-                <a:solidFill>
-                  <a:schemeClr val="bg2">
-                    <a:lumMod val="25000"/>
-                  </a:schemeClr>
-                </a:solidFill>
-              </a:rPr>
-              <a:t>se traduce y ejecuta instrucción por instrucción. </a:t>
-            </a:r>
-            <a:r>
-              <a:rPr lang="es-MX" altLang="es-MX" sz="2000" b="1" dirty="0">
-                <a:solidFill>
-                  <a:schemeClr val="accent5">
-                    <a:lumMod val="75000"/>
-                  </a:schemeClr>
-                </a:solidFill>
-              </a:rPr>
-              <a:t>Java, JavaScript, Python y Ruby</a:t>
-            </a:r>
-            <a:r>
-              <a:rPr lang="es-MX" altLang="es-MX" sz="2000" dirty="0">
-                <a:solidFill>
-                  <a:schemeClr val="bg2">
-                    <a:lumMod val="25000"/>
-                  </a:schemeClr>
-                </a:solidFill>
-              </a:rPr>
-              <a:t> son lenguajes interpretados. </a:t>
-            </a:r>
-            <a:endParaRPr lang="es-ES_tradnl" altLang="es-MX" sz="2000" dirty="0">
-              <a:solidFill>
-                <a:schemeClr val="bg2">
-                  <a:lumMod val="25000"/>
-                </a:schemeClr>
-              </a:solidFill>
-            </a:endParaRPr>
-          </a:p>
-          <a:p>
-            <a:pPr algn="just">
-              <a:lnSpc>
-                <a:spcPct val="125000"/>
-              </a:lnSpc>
-            </a:pPr>
-            <a:r>
-              <a:rPr lang="es-MX" altLang="es-MX" sz="2000" dirty="0">
-                <a:solidFill>
-                  <a:schemeClr val="bg2">
-                    <a:lumMod val="25000"/>
-                  </a:schemeClr>
-                </a:solidFill>
-              </a:rPr>
-              <a:t>Un </a:t>
-            </a:r>
-            <a:r>
-              <a:rPr lang="es-MX" altLang="es-MX" sz="2000" b="1" dirty="0">
-                <a:solidFill>
-                  <a:schemeClr val="accent6">
-                    <a:lumMod val="75000"/>
-                  </a:schemeClr>
-                </a:solidFill>
-              </a:rPr>
-              <a:t>programa compilado</a:t>
-            </a:r>
-            <a:r>
-              <a:rPr lang="es-MX" altLang="es-MX" sz="2000" dirty="0">
-                <a:solidFill>
-                  <a:schemeClr val="accent6">
-                    <a:lumMod val="75000"/>
-                  </a:schemeClr>
-                </a:solidFill>
-              </a:rPr>
-              <a:t> </a:t>
-            </a:r>
-            <a:r>
-              <a:rPr lang="es-MX" altLang="es-MX" sz="2000" dirty="0">
-                <a:solidFill>
-                  <a:schemeClr val="bg2">
-                    <a:lumMod val="25000"/>
-                  </a:schemeClr>
-                </a:solidFill>
-              </a:rPr>
-              <a:t>se traduce completamente y posteriormente se ejecuta. </a:t>
-            </a:r>
-            <a:r>
-              <a:rPr lang="es-MX" altLang="es-MX" sz="2000" b="1" dirty="0">
-                <a:solidFill>
-                  <a:schemeClr val="accent5">
-                    <a:lumMod val="75000"/>
-                  </a:schemeClr>
-                </a:solidFill>
-              </a:rPr>
-              <a:t>C, C++ y </a:t>
-            </a:r>
-            <a:r>
-              <a:rPr lang="es-MX" altLang="es-MX" sz="2000" b="1" dirty="0" err="1">
-                <a:solidFill>
-                  <a:schemeClr val="accent5">
-                    <a:lumMod val="75000"/>
-                  </a:schemeClr>
-                </a:solidFill>
-              </a:rPr>
-              <a:t>Go</a:t>
-            </a:r>
-            <a:r>
-              <a:rPr lang="es-MX" altLang="es-MX" sz="2000" b="1" dirty="0">
-                <a:solidFill>
-                  <a:schemeClr val="accent5">
-                    <a:lumMod val="75000"/>
-                  </a:schemeClr>
-                </a:solidFill>
-              </a:rPr>
-              <a:t> </a:t>
-            </a:r>
-            <a:r>
-              <a:rPr lang="es-MX" altLang="es-MX" sz="2000" dirty="0">
-                <a:solidFill>
-                  <a:schemeClr val="bg2">
-                    <a:lumMod val="25000"/>
-                  </a:schemeClr>
-                </a:solidFill>
-              </a:rPr>
-              <a:t>son lenguajes compilados.</a:t>
-            </a:r>
-            <a:endParaRPr lang="es-ES_tradnl" altLang="es-MX" sz="2000" dirty="0">
-              <a:solidFill>
-                <a:schemeClr val="bg2">
-                  <a:lumMod val="25000"/>
-                </a:schemeClr>
-              </a:solidFill>
-            </a:endParaRPr>
-          </a:p>
-        </p:txBody>
-      </p:sp>
-      <p:sp>
-        <p:nvSpPr>
-          <p:cNvPr id="4" name="Rectangle 6">
-            <a:extLst>
-              <a:ext uri="{FF2B5EF4-FFF2-40B4-BE49-F238E27FC236}">
-                <a16:creationId xmlns:a16="http://schemas.microsoft.com/office/drawing/2014/main" id="{E124B613-E7FF-4865-89B3-DFDCFB2DC8F7}"/>
-              </a:ext>
-            </a:extLst>
-          </p:cNvPr>
-          <p:cNvSpPr txBox="1">
-            <a:spLocks noChangeArrowheads="1"/>
-          </p:cNvSpPr>
-          <p:nvPr/>
-        </p:nvSpPr>
-        <p:spPr>
-          <a:xfrm>
-            <a:off x="521451" y="1179216"/>
-            <a:ext cx="8110537" cy="1007914"/>
-          </a:xfrm>
-          <a:prstGeom prst="rect">
-            <a:avLst/>
-          </a:prstGeom>
-          <a:noFill/>
-          <a:ln/>
-        </p:spPr>
-        <p:txBody>
-          <a:bodyPr vert="horz" lIns="92075" tIns="46038" rIns="92075" bIns="46038" rtlCol="0">
-            <a:normAutofit/>
-          </a:bodyPr>
-          <a:lstStyle>
-            <a:lvl1pPr marL="342900" indent="-342900" algn="l" defTabSz="914400" rtl="0" eaLnBrk="1" latinLnBrk="0" hangingPunct="1">
-              <a:spcBef>
-                <a:spcPct val="20000"/>
-              </a:spcBef>
-              <a:buFont typeface="Arial" pitchFamily="34" charset="0"/>
-              <a:buChar char="•"/>
-              <a:defRPr sz="3200" kern="1200">
-                <a:solidFill>
-                  <a:schemeClr val="tx1"/>
-                </a:solidFill>
-                <a:latin typeface="+mn-lt"/>
-                <a:ea typeface="+mn-ea"/>
-                <a:cs typeface="+mn-cs"/>
-              </a:defRPr>
-            </a:lvl1pPr>
-            <a:lvl2pPr marL="742950" indent="-285750" algn="l" defTabSz="914400" rtl="0" eaLnBrk="1" latinLnBrk="0" hangingPunct="1">
-              <a:spcBef>
-                <a:spcPct val="20000"/>
-              </a:spcBef>
-              <a:buFont typeface="Arial" pitchFamily="34" charset="0"/>
-              <a:buChar char="–"/>
-              <a:defRPr sz="2800" kern="1200">
-                <a:solidFill>
-                  <a:schemeClr val="tx1"/>
-                </a:solidFill>
-                <a:latin typeface="+mn-lt"/>
-                <a:ea typeface="+mn-ea"/>
-                <a:cs typeface="+mn-cs"/>
-              </a:defRPr>
-            </a:lvl2pPr>
-            <a:lvl3pPr marL="1143000" indent="-228600" algn="l" defTabSz="914400" rtl="0" eaLnBrk="1" latinLnBrk="0" hangingPunct="1">
-              <a:spcBef>
-                <a:spcPct val="20000"/>
-              </a:spcBef>
-              <a:buFont typeface="Arial" pitchFamily="34" charset="0"/>
-              <a:buChar char="•"/>
-              <a:defRPr sz="2400" kern="1200">
-                <a:solidFill>
-                  <a:schemeClr val="tx1"/>
-                </a:solidFill>
-                <a:latin typeface="+mn-lt"/>
-                <a:ea typeface="+mn-ea"/>
-                <a:cs typeface="+mn-cs"/>
-              </a:defRPr>
-            </a:lvl3pPr>
-            <a:lvl4pPr marL="1600200" indent="-228600" algn="l" defTabSz="914400" rtl="0" eaLnBrk="1" latinLnBrk="0" hangingPunct="1">
-              <a:spcBef>
-                <a:spcPct val="20000"/>
-              </a:spcBef>
-              <a:buFont typeface="Arial" pitchFamily="34" charset="0"/>
-              <a:buChar char="–"/>
-              <a:defRPr sz="2000" kern="1200">
-                <a:solidFill>
-                  <a:schemeClr val="tx1"/>
-                </a:solidFill>
-                <a:latin typeface="+mn-lt"/>
-                <a:ea typeface="+mn-ea"/>
-                <a:cs typeface="+mn-cs"/>
-              </a:defRPr>
-            </a:lvl4pPr>
-            <a:lvl5pPr marL="2057400" indent="-228600" algn="l" defTabSz="914400" rtl="0" eaLnBrk="1" latinLnBrk="0" hangingPunct="1">
-              <a:spcBef>
-                <a:spcPct val="20000"/>
-              </a:spcBef>
-              <a:buFont typeface="Arial" pitchFamily="34" charset="0"/>
-              <a:buChar char="»"/>
-              <a:defRPr sz="2000" kern="1200">
-                <a:solidFill>
-                  <a:schemeClr val="tx1"/>
-                </a:solidFill>
-                <a:latin typeface="+mn-lt"/>
-                <a:ea typeface="+mn-ea"/>
-                <a:cs typeface="+mn-cs"/>
-              </a:defRPr>
-            </a:lvl5pPr>
-            <a:lvl6pPr marL="2514600" indent="-228600" algn="l" defTabSz="914400" rtl="0" eaLnBrk="1" latinLnBrk="0" hangingPunct="1">
-              <a:spcBef>
-                <a:spcPct val="20000"/>
-              </a:spcBef>
-              <a:buFont typeface="Arial" pitchFamily="34" charset="0"/>
-              <a:buChar char="•"/>
-              <a:defRPr sz="2000" kern="1200">
-                <a:solidFill>
-                  <a:schemeClr val="tx1"/>
-                </a:solidFill>
-                <a:latin typeface="+mn-lt"/>
-                <a:ea typeface="+mn-ea"/>
-                <a:cs typeface="+mn-cs"/>
-              </a:defRPr>
-            </a:lvl6pPr>
-            <a:lvl7pPr marL="2971800" indent="-228600" algn="l" defTabSz="914400" rtl="0" eaLnBrk="1" latinLnBrk="0" hangingPunct="1">
-              <a:spcBef>
-                <a:spcPct val="20000"/>
-              </a:spcBef>
-              <a:buFont typeface="Arial" pitchFamily="34" charset="0"/>
-              <a:buChar char="•"/>
-              <a:defRPr sz="2000" kern="1200">
-                <a:solidFill>
-                  <a:schemeClr val="tx1"/>
-                </a:solidFill>
-                <a:latin typeface="+mn-lt"/>
-                <a:ea typeface="+mn-ea"/>
-                <a:cs typeface="+mn-cs"/>
-              </a:defRPr>
-            </a:lvl7pPr>
-            <a:lvl8pPr marL="3429000" indent="-228600" algn="l" defTabSz="914400" rtl="0" eaLnBrk="1" latinLnBrk="0" hangingPunct="1">
-              <a:spcBef>
-                <a:spcPct val="20000"/>
-              </a:spcBef>
-              <a:buFont typeface="Arial" pitchFamily="34" charset="0"/>
-              <a:buChar char="•"/>
-              <a:defRPr sz="2000" kern="1200">
-                <a:solidFill>
-                  <a:schemeClr val="tx1"/>
-                </a:solidFill>
-                <a:latin typeface="+mn-lt"/>
-                <a:ea typeface="+mn-ea"/>
-                <a:cs typeface="+mn-cs"/>
-              </a:defRPr>
-            </a:lvl8pPr>
-            <a:lvl9pPr marL="3886200" indent="-228600" algn="l" defTabSz="914400" rtl="0" eaLnBrk="1" latinLnBrk="0" hangingPunct="1">
-              <a:spcBef>
-                <a:spcPct val="20000"/>
-              </a:spcBef>
-              <a:buFont typeface="Arial" pitchFamily="34" charset="0"/>
-              <a:buChar char="•"/>
-              <a:defRPr sz="2000" kern="1200">
-                <a:solidFill>
-                  <a:schemeClr val="tx1"/>
-                </a:solidFill>
-                <a:latin typeface="+mn-lt"/>
-                <a:ea typeface="+mn-ea"/>
-                <a:cs typeface="+mn-cs"/>
-              </a:defRPr>
-            </a:lvl9pPr>
-          </a:lstStyle>
-          <a:p>
-            <a:pPr marL="0" indent="0" algn="ctr">
-              <a:lnSpc>
-                <a:spcPct val="125000"/>
-              </a:lnSpc>
-              <a:buFont typeface="Arial" pitchFamily="34" charset="0"/>
-              <a:buNone/>
-            </a:pPr>
-            <a:r>
-              <a:rPr lang="es-MX" sz="2000" dirty="0">
-                <a:solidFill>
-                  <a:schemeClr val="accent3">
-                    <a:lumMod val="75000"/>
-                  </a:schemeClr>
-                </a:solidFill>
-              </a:rPr>
-              <a:t>Tanto </a:t>
-            </a:r>
-            <a:r>
-              <a:rPr lang="es-MX" sz="2000" b="1" dirty="0">
-                <a:solidFill>
-                  <a:schemeClr val="accent3">
-                    <a:lumMod val="75000"/>
-                  </a:schemeClr>
-                </a:solidFill>
-              </a:rPr>
-              <a:t>compiladores</a:t>
-            </a:r>
-            <a:r>
-              <a:rPr lang="es-MX" sz="2000" dirty="0">
-                <a:solidFill>
-                  <a:schemeClr val="accent3">
-                    <a:lumMod val="75000"/>
-                  </a:schemeClr>
-                </a:solidFill>
-              </a:rPr>
-              <a:t> como </a:t>
-            </a:r>
-            <a:r>
-              <a:rPr lang="es-MX" sz="2000" b="1" dirty="0">
-                <a:solidFill>
-                  <a:schemeClr val="accent3">
-                    <a:lumMod val="75000"/>
-                  </a:schemeClr>
-                </a:solidFill>
-              </a:rPr>
-              <a:t>interpretadores</a:t>
-            </a:r>
-            <a:r>
-              <a:rPr lang="es-MX" sz="2000" dirty="0">
-                <a:solidFill>
-                  <a:schemeClr val="accent3">
-                    <a:lumMod val="75000"/>
-                  </a:schemeClr>
-                </a:solidFill>
-              </a:rPr>
-              <a:t> son programas que convierten el código que escribes a </a:t>
-            </a:r>
-            <a:r>
-              <a:rPr lang="es-MX" sz="2000" b="1" dirty="0">
-                <a:solidFill>
-                  <a:schemeClr val="accent3">
-                    <a:lumMod val="75000"/>
-                  </a:schemeClr>
-                </a:solidFill>
-              </a:rPr>
-              <a:t>lenguaje de máquina</a:t>
-            </a:r>
-            <a:r>
-              <a:rPr lang="es-MX" sz="2000" dirty="0">
-                <a:solidFill>
-                  <a:schemeClr val="accent3">
-                    <a:lumMod val="75000"/>
-                  </a:schemeClr>
-                </a:solidFill>
-              </a:rPr>
-              <a:t>.</a:t>
-            </a:r>
-            <a:endParaRPr lang="es-ES_tradnl" altLang="es-MX" sz="2000" dirty="0">
-              <a:solidFill>
-                <a:schemeClr val="accent3">
-                  <a:lumMod val="75000"/>
-                </a:schemeClr>
-              </a:solidFill>
-            </a:endParaRPr>
-          </a:p>
-        </p:txBody>
-      </p:sp>
-    </p:spTree>
-    <p:extLst>
-      <p:ext uri="{BB962C8B-B14F-4D97-AF65-F5344CB8AC3E}">
-        <p14:creationId xmlns:p14="http://schemas.microsoft.com/office/powerpoint/2010/main" val="4153945670"/>
-      </p:ext>
-    </p:extLst>
-  </p:cSld>
-  <p:clrMapOvr>
-    <a:masterClrMapping/>
-  </p:clrMapOvr>
-  <p:transition>
-    <p:cover dir="ru"/>
-  </p:transition>
-  <p:timing>
-    <p:tnLst>
-      <p:par>
-        <p:cTn id="1" dur="indefinite" restart="never" nodeType="tmRoot">
-          <p:childTnLst>
-            <p:seq concurrent="1" nextAc="seek">
-              <p:cTn id="2" dur="indefinite" nodeType="mainSeq">
-                <p:childTnLst>
-                  <p:par>
-                    <p:cTn id="3" fill="hold">
-                      <p:stCondLst>
-                        <p:cond delay="indefinite"/>
-                      </p:stCondLst>
-                      <p:childTnLst>
-                        <p:par>
-                          <p:cTn id="4" fill="hold">
-                            <p:stCondLst>
-                              <p:cond delay="0"/>
-                            </p:stCondLst>
-                            <p:childTnLst>
-                              <p:par>
-                                <p:cTn id="5" presetID="2" presetClass="entr" presetSubtype="2" fill="hold" grpId="0" nodeType="clickEffect">
-                                  <p:stCondLst>
-                                    <p:cond delay="0"/>
-                                  </p:stCondLst>
-                                  <p:childTnLst>
-                                    <p:set>
-                                      <p:cBhvr>
-                                        <p:cTn id="6" dur="1" fill="hold">
-                                          <p:stCondLst>
-                                            <p:cond delay="0"/>
-                                          </p:stCondLst>
-                                        </p:cTn>
-                                        <p:tgtEl>
-                                          <p:spTgt spid="4">
-                                            <p:txEl>
-                                              <p:pRg st="0" end="0"/>
-                                            </p:txEl>
-                                          </p:spTgt>
-                                        </p:tgtEl>
-                                        <p:attrNameLst>
-                                          <p:attrName>style.visibility</p:attrName>
-                                        </p:attrNameLst>
-                                      </p:cBhvr>
-                                      <p:to>
-                                        <p:strVal val="visible"/>
-                                      </p:to>
-                                    </p:set>
-                                    <p:anim calcmode="lin" valueType="num">
-                                      <p:cBhvr additive="base">
-                                        <p:cTn id="7" dur="500" fill="hold"/>
-                                        <p:tgtEl>
-                                          <p:spTgt spid="4">
-                                            <p:txEl>
-                                              <p:pRg st="0" end="0"/>
-                                            </p:txEl>
-                                          </p:spTgt>
-                                        </p:tgtEl>
-                                        <p:attrNameLst>
-                                          <p:attrName>ppt_x</p:attrName>
-                                        </p:attrNameLst>
-                                      </p:cBhvr>
-                                      <p:tavLst>
-                                        <p:tav tm="0">
-                                          <p:val>
-                                            <p:strVal val="1+#ppt_w/2"/>
-                                          </p:val>
-                                        </p:tav>
-                                        <p:tav tm="100000">
-                                          <p:val>
-                                            <p:strVal val="#ppt_x"/>
-                                          </p:val>
-                                        </p:tav>
-                                      </p:tavLst>
-                                    </p:anim>
-                                    <p:anim calcmode="lin" valueType="num">
-                                      <p:cBhvr additive="base">
-                                        <p:cTn id="8" dur="500" fill="hold"/>
-                                        <p:tgtEl>
-                                          <p:spTgt spid="4">
-                                            <p:txEl>
-                                              <p:pRg st="0" end="0"/>
-                                            </p:txEl>
-                                          </p:spTgt>
-                                        </p:tgtEl>
-                                        <p:attrNameLst>
-                                          <p:attrName>ppt_y</p:attrName>
-                                        </p:attrNameLst>
-                                      </p:cBhvr>
-                                      <p:tavLst>
-                                        <p:tav tm="0">
-                                          <p:val>
-                                            <p:strVal val="#ppt_y"/>
-                                          </p:val>
-                                        </p:tav>
-                                        <p:tav tm="100000">
-                                          <p:val>
-                                            <p:strVal val="#ppt_y"/>
-                                          </p:val>
-                                        </p:tav>
-                                      </p:tavLst>
-                                    </p:anim>
-                                  </p:childTnLst>
-                                </p:cTn>
-                              </p:par>
-                            </p:childTnLst>
-                          </p:cTn>
-                        </p:par>
-                      </p:childTnLst>
-                    </p:cTn>
-                  </p:par>
-                  <p:par>
-                    <p:cTn id="9" fill="hold">
-                      <p:stCondLst>
-                        <p:cond delay="indefinite"/>
-                      </p:stCondLst>
-                      <p:childTnLst>
-                        <p:par>
-                          <p:cTn id="10" fill="hold">
-                            <p:stCondLst>
-                              <p:cond delay="0"/>
-                            </p:stCondLst>
-                            <p:childTnLst>
-                              <p:par>
-                                <p:cTn id="11" presetID="1" presetClass="entr" presetSubtype="0" fill="hold" nodeType="clickEffect">
-                                  <p:stCondLst>
-                                    <p:cond delay="0"/>
-                                  </p:stCondLst>
-                                  <p:childTnLst>
-                                    <p:set>
-                                      <p:cBhvr>
-                                        <p:cTn id="12" dur="1" fill="hold">
-                                          <p:stCondLst>
-                                            <p:cond delay="0"/>
-                                          </p:stCondLst>
-                                        </p:cTn>
-                                        <p:tgtEl>
-                                          <p:spTgt spid="3"/>
-                                        </p:tgtEl>
-                                        <p:attrNameLst>
-                                          <p:attrName>style.visibility</p:attrName>
-                                        </p:attrNameLst>
-                                      </p:cBhvr>
-                                      <p:to>
-                                        <p:strVal val="visible"/>
-                                      </p:to>
-                                    </p:set>
-                                  </p:childTnLst>
-                                </p:cTn>
-                              </p:par>
-                            </p:childTnLst>
-                          </p:cTn>
-                        </p:par>
-                      </p:childTnLst>
-                    </p:cTn>
-                  </p:par>
-                  <p:par>
-                    <p:cTn id="13" fill="hold">
-                      <p:stCondLst>
-                        <p:cond delay="indefinite"/>
-                      </p:stCondLst>
-                      <p:childTnLst>
-                        <p:par>
-                          <p:cTn id="14" fill="hold">
-                            <p:stCondLst>
-                              <p:cond delay="0"/>
-                            </p:stCondLst>
-                            <p:childTnLst>
-                              <p:par>
-                                <p:cTn id="15" presetID="2" presetClass="entr" presetSubtype="2" fill="hold" grpId="0" nodeType="clickEffect">
-                                  <p:stCondLst>
-                                    <p:cond delay="0"/>
-                                  </p:stCondLst>
-                                  <p:childTnLst>
-                                    <p:set>
-                                      <p:cBhvr>
-                                        <p:cTn id="16" dur="1" fill="hold">
-                                          <p:stCondLst>
-                                            <p:cond delay="0"/>
-                                          </p:stCondLst>
-                                        </p:cTn>
-                                        <p:tgtEl>
-                                          <p:spTgt spid="98310">
-                                            <p:txEl>
-                                              <p:pRg st="0" end="0"/>
-                                            </p:txEl>
-                                          </p:spTgt>
-                                        </p:tgtEl>
-                                        <p:attrNameLst>
-                                          <p:attrName>style.visibility</p:attrName>
-                                        </p:attrNameLst>
-                                      </p:cBhvr>
-                                      <p:to>
-                                        <p:strVal val="visible"/>
-                                      </p:to>
-                                    </p:set>
-                                    <p:anim calcmode="lin" valueType="num">
-                                      <p:cBhvr additive="base">
-                                        <p:cTn id="17" dur="500" fill="hold"/>
-                                        <p:tgtEl>
-                                          <p:spTgt spid="98310">
-                                            <p:txEl>
-                                              <p:pRg st="0" end="0"/>
-                                            </p:txEl>
-                                          </p:spTgt>
-                                        </p:tgtEl>
-                                        <p:attrNameLst>
-                                          <p:attrName>ppt_x</p:attrName>
-                                        </p:attrNameLst>
-                                      </p:cBhvr>
-                                      <p:tavLst>
-                                        <p:tav tm="0">
-                                          <p:val>
-                                            <p:strVal val="1+#ppt_w/2"/>
-                                          </p:val>
-                                        </p:tav>
-                                        <p:tav tm="100000">
-                                          <p:val>
-                                            <p:strVal val="#ppt_x"/>
-                                          </p:val>
-                                        </p:tav>
-                                      </p:tavLst>
-                                    </p:anim>
-                                    <p:anim calcmode="lin" valueType="num">
-                                      <p:cBhvr additive="base">
-                                        <p:cTn id="18" dur="500" fill="hold"/>
-                                        <p:tgtEl>
-                                          <p:spTgt spid="98310">
-                                            <p:txEl>
-                                              <p:pRg st="0" end="0"/>
-                                            </p:txEl>
-                                          </p:spTgt>
-                                        </p:tgtEl>
-                                        <p:attrNameLst>
-                                          <p:attrName>ppt_y</p:attrName>
-                                        </p:attrNameLst>
-                                      </p:cBhvr>
-                                      <p:tavLst>
-                                        <p:tav tm="0">
-                                          <p:val>
-                                            <p:strVal val="#ppt_y"/>
-                                          </p:val>
-                                        </p:tav>
-                                        <p:tav tm="100000">
-                                          <p:val>
-                                            <p:strVal val="#ppt_y"/>
-                                          </p:val>
-                                        </p:tav>
-                                      </p:tavLst>
-                                    </p:anim>
-                                  </p:childTnLst>
-                                </p:cTn>
-                              </p:par>
-                            </p:childTnLst>
-                          </p:cTn>
-                        </p:par>
-                      </p:childTnLst>
-                    </p:cTn>
-                  </p:par>
-                  <p:par>
-                    <p:cTn id="19" fill="hold" nodeType="clickPar">
-                      <p:stCondLst>
-                        <p:cond delay="indefinite"/>
-                      </p:stCondLst>
-                      <p:childTnLst>
-                        <p:par>
-                          <p:cTn id="20" fill="hold" nodeType="withGroup">
-                            <p:stCondLst>
-                              <p:cond delay="0"/>
-                            </p:stCondLst>
-                            <p:childTnLst>
-                              <p:par>
-                                <p:cTn id="21" presetID="2" presetClass="entr" presetSubtype="2" fill="hold" grpId="0" nodeType="clickEffect">
-                                  <p:stCondLst>
-                                    <p:cond delay="0"/>
-                                  </p:stCondLst>
-                                  <p:childTnLst>
-                                    <p:set>
-                                      <p:cBhvr>
-                                        <p:cTn id="22" dur="1" fill="hold">
-                                          <p:stCondLst>
-                                            <p:cond delay="0"/>
-                                          </p:stCondLst>
-                                        </p:cTn>
-                                        <p:tgtEl>
-                                          <p:spTgt spid="98310">
-                                            <p:txEl>
-                                              <p:pRg st="1" end="1"/>
-                                            </p:txEl>
-                                          </p:spTgt>
-                                        </p:tgtEl>
-                                        <p:attrNameLst>
-                                          <p:attrName>style.visibility</p:attrName>
-                                        </p:attrNameLst>
-                                      </p:cBhvr>
-                                      <p:to>
-                                        <p:strVal val="visible"/>
-                                      </p:to>
-                                    </p:set>
-                                    <p:anim calcmode="lin" valueType="num">
-                                      <p:cBhvr additive="base">
-                                        <p:cTn id="23" dur="500" fill="hold"/>
-                                        <p:tgtEl>
-                                          <p:spTgt spid="98310">
-                                            <p:txEl>
-                                              <p:pRg st="1" end="1"/>
-                                            </p:txEl>
-                                          </p:spTgt>
-                                        </p:tgtEl>
-                                        <p:attrNameLst>
-                                          <p:attrName>ppt_x</p:attrName>
-                                        </p:attrNameLst>
-                                      </p:cBhvr>
-                                      <p:tavLst>
-                                        <p:tav tm="0">
-                                          <p:val>
-                                            <p:strVal val="1+#ppt_w/2"/>
-                                          </p:val>
-                                        </p:tav>
-                                        <p:tav tm="100000">
-                                          <p:val>
-                                            <p:strVal val="#ppt_x"/>
-                                          </p:val>
-                                        </p:tav>
-                                      </p:tavLst>
-                                    </p:anim>
-                                    <p:anim calcmode="lin" valueType="num">
-                                      <p:cBhvr additive="base">
-                                        <p:cTn id="24" dur="500" fill="hold"/>
-                                        <p:tgtEl>
-                                          <p:spTgt spid="98310">
-                                            <p:txEl>
-                                              <p:pRg st="1" end="1"/>
-                                            </p:txEl>
-                                          </p:spTgt>
-                                        </p:tgtEl>
-                                        <p:attrNameLst>
-                                          <p:attrName>ppt_y</p:attrName>
-                                        </p:attrNameLst>
-                                      </p:cBhvr>
-                                      <p:tavLst>
-                                        <p:tav tm="0">
-                                          <p:val>
-                                            <p:strVal val="#ppt_y"/>
-                                          </p:val>
-                                        </p:tav>
-                                        <p:tav tm="100000">
-                                          <p:val>
-                                            <p:strVal val="#ppt_y"/>
-                                          </p:val>
-                                        </p:tav>
-                                      </p:tavLst>
-                                    </p:anim>
-                                  </p:childTnLst>
-                                </p:cTn>
-                              </p:par>
-                            </p:childTnLst>
-                          </p:cTn>
-                        </p:par>
-                      </p:childTnLst>
-                    </p:cTn>
-                  </p:par>
-                </p:childTnLst>
-              </p:cTn>
-              <p:prevCondLst>
-                <p:cond evt="onPrev" delay="0">
-                  <p:tgtEl>
-                    <p:sldTgt/>
-                  </p:tgtEl>
-                </p:cond>
-              </p:prevCondLst>
-              <p:nextCondLst>
-                <p:cond evt="onNext" delay="0">
-                  <p:tgtEl>
-                    <p:sldTgt/>
-                  </p:tgtEl>
-                </p:cond>
-              </p:nextCondLst>
-            </p:seq>
-          </p:childTnLst>
-        </p:cTn>
-      </p:par>
-    </p:tnLst>
-    <p:bldLst>
-      <p:bldP spid="98310" grpId="0" build="p" autoUpdateAnimBg="0"/>
-      <p:bldP spid="4" grpId="0" build="p" autoUpdateAnimBg="0"/>
-    </p:bldLst>
-  </p:timing>
-</p:sld>
-</file>
-
-<file path=ppt/slides/slide16.xml><?xml version="1.0" encoding="utf-8"?>
-<p:sld xmlns:a="http://schemas.openxmlformats.org/drawingml/2006/main" xmlns:r="http://schemas.openxmlformats.org/officeDocument/2006/relationships" xmlns:p="http://schemas.openxmlformats.org/presentationml/2006/main" showMasterPhAnim="0">
-  <p:cSld>
-    <p:spTree>
-      <p:nvGrpSpPr>
-        <p:cNvPr id="1" name=""/>
-        <p:cNvGrpSpPr/>
-        <p:nvPr/>
-      </p:nvGrpSpPr>
-      <p:grpSpPr>
-        <a:xfrm>
-          <a:off x="0" y="0"/>
-          <a:ext cx="0" cy="0"/>
-          <a:chOff x="0" y="0"/>
-          <a:chExt cx="0" cy="0"/>
-        </a:xfrm>
-      </p:grpSpPr>
-      <p:sp>
-        <p:nvSpPr>
-          <p:cNvPr id="101413" name="Rectangle 37">
-            <a:extLst>
-              <a:ext uri="{FF2B5EF4-FFF2-40B4-BE49-F238E27FC236}">
-                <a16:creationId xmlns:a16="http://schemas.microsoft.com/office/drawing/2014/main" id="{610CBAC9-C4C5-44A2-B35E-0D4414A8A22E}"/>
-              </a:ext>
-            </a:extLst>
-          </p:cNvPr>
-          <p:cNvSpPr>
-            <a:spLocks noChangeArrowheads="1"/>
-          </p:cNvSpPr>
-          <p:nvPr/>
-        </p:nvSpPr>
-        <p:spPr bwMode="auto">
-          <a:xfrm>
-            <a:off x="468313" y="5805488"/>
-            <a:ext cx="2590800" cy="1052512"/>
-          </a:xfrm>
-          <a:prstGeom prst="rect">
-            <a:avLst/>
-          </a:prstGeom>
-          <a:solidFill>
-            <a:schemeClr val="bg1"/>
-          </a:solidFill>
-          <a:ln>
-            <a:noFill/>
-          </a:ln>
-          <a:effectLst/>
-          <a:extLst>
-            <a:ext uri="{91240B29-F687-4F45-9708-019B960494DF}">
-              <a14:hiddenLine xmlns:a14="http://schemas.microsoft.com/office/drawing/2010/main" w="12700">
-                <a:solidFill>
-                  <a:schemeClr val="tx1"/>
-                </a:solidFill>
-                <a:miter lim="800000"/>
-                <a:headEnd type="none" w="sm" len="sm"/>
-                <a:tailEnd type="none" w="sm" len="sm"/>
-              </a14:hiddenLine>
-            </a:ext>
-            <a:ext uri="{AF507438-7753-43E0-B8FC-AC1667EBCBE1}">
-              <a14:hiddenEffects xmlns:a14="http://schemas.microsoft.com/office/drawing/2010/main">
-                <a:effectLst>
-                  <a:outerShdw dist="35921" dir="2700000" algn="ctr" rotWithShape="0">
-                    <a:schemeClr val="bg2"/>
-                  </a:outerShdw>
-                </a:effectLst>
-              </a14:hiddenEffects>
-            </a:ext>
-          </a:extLst>
-        </p:spPr>
-        <p:txBody>
-          <a:bodyPr wrap="none" anchor="ctr"/>
-          <a:lstStyle/>
-          <a:p>
-            <a:endParaRPr lang="es-MX"/>
-          </a:p>
-        </p:txBody>
-      </p:sp>
-      <p:sp>
-        <p:nvSpPr>
-          <p:cNvPr id="101378" name="Rectangle 2">
-            <a:extLst>
-              <a:ext uri="{FF2B5EF4-FFF2-40B4-BE49-F238E27FC236}">
-                <a16:creationId xmlns:a16="http://schemas.microsoft.com/office/drawing/2014/main" id="{A847F3F4-B26C-4C5A-BD59-11D0661DCF4B}"/>
-              </a:ext>
-            </a:extLst>
-          </p:cNvPr>
-          <p:cNvSpPr>
-            <a:spLocks noGrp="1" noChangeArrowheads="1"/>
-          </p:cNvSpPr>
-          <p:nvPr>
-            <p:ph type="title"/>
-          </p:nvPr>
-        </p:nvSpPr>
-        <p:spPr>
-          <a:noFill/>
-          <a:ln/>
-        </p:spPr>
-        <p:txBody>
-          <a:bodyPr lIns="92075" tIns="46038" rIns="92075" bIns="46038">
-            <a:noAutofit/>
-          </a:bodyPr>
-          <a:lstStyle/>
-          <a:p>
-            <a:r>
-              <a:rPr lang="es-ES_tradnl" altLang="es-MX" b="1" dirty="0">
-                <a:solidFill>
-                  <a:schemeClr val="accent4">
-                    <a:lumMod val="50000"/>
-                  </a:schemeClr>
-                </a:solidFill>
-                <a:effectLst>
-                  <a:outerShdw blurRad="38100" dist="38100" dir="2700000" algn="tl">
-                    <a:srgbClr val="C0C0C0"/>
-                  </a:outerShdw>
-                </a:effectLst>
-                <a:latin typeface="Dom Casual" charset="0"/>
-              </a:rPr>
-              <a:t>Programa interpretado vs. programa compilado</a:t>
-            </a:r>
-          </a:p>
-        </p:txBody>
-      </p:sp>
-      <p:graphicFrame>
-        <p:nvGraphicFramePr>
-          <p:cNvPr id="101414" name="Group 38">
-            <a:extLst>
-              <a:ext uri="{FF2B5EF4-FFF2-40B4-BE49-F238E27FC236}">
-                <a16:creationId xmlns:a16="http://schemas.microsoft.com/office/drawing/2014/main" id="{6902816D-75F4-4DDC-8754-CB4CC269BE5F}"/>
-              </a:ext>
-            </a:extLst>
-          </p:cNvPr>
-          <p:cNvGraphicFramePr>
-            <a:graphicFrameLocks noGrp="1"/>
-          </p:cNvGraphicFramePr>
-          <p:nvPr>
-            <p:ph sz="half" idx="2"/>
-            <p:extLst>
-              <p:ext uri="{D42A27DB-BD31-4B8C-83A1-F6EECF244321}">
-                <p14:modId xmlns:p14="http://schemas.microsoft.com/office/powerpoint/2010/main" val="325322296"/>
-              </p:ext>
-            </p:extLst>
-          </p:nvPr>
-        </p:nvGraphicFramePr>
-        <p:xfrm>
-          <a:off x="395288" y="1930400"/>
-          <a:ext cx="8641208" cy="3875088"/>
-        </p:xfrm>
-        <a:graphic>
-          <a:graphicData uri="http://schemas.openxmlformats.org/drawingml/2006/table">
-            <a:tbl>
-              <a:tblPr/>
-              <a:tblGrid>
-                <a:gridCol w="4320728">
-                  <a:extLst>
-                    <a:ext uri="{9D8B030D-6E8A-4147-A177-3AD203B41FA5}">
-                      <a16:colId xmlns:a16="http://schemas.microsoft.com/office/drawing/2014/main" val="3239797100"/>
-                    </a:ext>
-                  </a:extLst>
-                </a:gridCol>
-                <a:gridCol w="4320480">
-                  <a:extLst>
-                    <a:ext uri="{9D8B030D-6E8A-4147-A177-3AD203B41FA5}">
-                      <a16:colId xmlns:a16="http://schemas.microsoft.com/office/drawing/2014/main" val="46453209"/>
-                    </a:ext>
-                  </a:extLst>
-                </a:gridCol>
-              </a:tblGrid>
-              <a:tr h="541591">
-                <a:tc>
-                  <a:txBody>
-                    <a:bodyPr/>
-                    <a:lstStyle>
-                      <a:lvl1pPr>
-                        <a:spcBef>
-                          <a:spcPct val="20000"/>
-                        </a:spcBef>
-                        <a:defRPr sz="2800">
-                          <a:solidFill>
-                            <a:schemeClr val="tx1"/>
-                          </a:solidFill>
-                          <a:latin typeface="Arial" panose="020B0604020202020204" pitchFamily="34" charset="0"/>
-                        </a:defRPr>
-                      </a:lvl1pPr>
-                      <a:lvl2pPr>
-                        <a:spcBef>
-                          <a:spcPct val="20000"/>
-                        </a:spcBef>
-                        <a:defRPr sz="2400">
-                          <a:solidFill>
-                            <a:schemeClr val="tx1"/>
-                          </a:solidFill>
-                          <a:latin typeface="Arial" panose="020B0604020202020204" pitchFamily="34" charset="0"/>
-                        </a:defRPr>
-                      </a:lvl2pPr>
-                      <a:lvl3pPr>
-                        <a:spcBef>
-                          <a:spcPct val="20000"/>
-                        </a:spcBef>
-                        <a:defRPr sz="2000">
-                          <a:solidFill>
-                            <a:schemeClr val="tx1"/>
-                          </a:solidFill>
-                          <a:latin typeface="Arial" panose="020B0604020202020204" pitchFamily="34" charset="0"/>
-                        </a:defRPr>
-                      </a:lvl3pPr>
-                      <a:lvl4pPr>
-                        <a:spcBef>
-                          <a:spcPct val="20000"/>
-                        </a:spcBef>
-                        <a:defRPr>
-                          <a:solidFill>
-                            <a:schemeClr val="tx1"/>
-                          </a:solidFill>
-                          <a:latin typeface="Arial" panose="020B0604020202020204" pitchFamily="34" charset="0"/>
-                        </a:defRPr>
-                      </a:lvl4pPr>
-                      <a:lvl5pPr>
-                        <a:spcBef>
-                          <a:spcPct val="20000"/>
-                        </a:spcBef>
-                        <a:defRPr>
-                          <a:solidFill>
-                            <a:schemeClr val="tx1"/>
-                          </a:solidFill>
-                          <a:latin typeface="Arial" panose="020B0604020202020204" pitchFamily="34" charset="0"/>
-                        </a:defRPr>
-                      </a:lvl5pPr>
-                      <a:lvl6pPr fontAlgn="base">
-                        <a:spcBef>
-                          <a:spcPct val="20000"/>
-                        </a:spcBef>
-                        <a:spcAft>
-                          <a:spcPct val="0"/>
-                        </a:spcAft>
-                        <a:defRPr>
-                          <a:solidFill>
-                            <a:schemeClr val="tx1"/>
-                          </a:solidFill>
-                          <a:latin typeface="Arial" panose="020B0604020202020204" pitchFamily="34" charset="0"/>
-                        </a:defRPr>
-                      </a:lvl6pPr>
-                      <a:lvl7pPr fontAlgn="base">
-                        <a:spcBef>
-                          <a:spcPct val="20000"/>
-                        </a:spcBef>
-                        <a:spcAft>
-                          <a:spcPct val="0"/>
-                        </a:spcAft>
-                        <a:defRPr>
-                          <a:solidFill>
-                            <a:schemeClr val="tx1"/>
-                          </a:solidFill>
-                          <a:latin typeface="Arial" panose="020B0604020202020204" pitchFamily="34" charset="0"/>
-                        </a:defRPr>
-                      </a:lvl7pPr>
-                      <a:lvl8pPr fontAlgn="base">
-                        <a:spcBef>
-                          <a:spcPct val="20000"/>
-                        </a:spcBef>
-                        <a:spcAft>
-                          <a:spcPct val="0"/>
-                        </a:spcAft>
-                        <a:defRPr>
-                          <a:solidFill>
-                            <a:schemeClr val="tx1"/>
-                          </a:solidFill>
-                          <a:latin typeface="Arial" panose="020B0604020202020204" pitchFamily="34" charset="0"/>
-                        </a:defRPr>
-                      </a:lvl8pPr>
-                      <a:lvl9pPr fontAlgn="base">
-                        <a:spcBef>
-                          <a:spcPct val="20000"/>
-                        </a:spcBef>
-                        <a:spcAft>
-                          <a:spcPct val="0"/>
-                        </a:spcAft>
-                        <a:defRPr>
-                          <a:solidFill>
-                            <a:schemeClr val="tx1"/>
-                          </a:solidFill>
-                          <a:latin typeface="Arial" panose="020B0604020202020204" pitchFamily="34" charset="0"/>
-                        </a:defRPr>
-                      </a:lvl9pPr>
-                    </a:lstStyle>
-                    <a:p>
-                      <a:pPr marL="0" marR="0" lvl="0" indent="0" algn="ctr" defTabSz="914400" rtl="0" eaLnBrk="1" fontAlgn="base" latinLnBrk="0" hangingPunct="1">
-                        <a:lnSpc>
-                          <a:spcPct val="100000"/>
-                        </a:lnSpc>
-                        <a:spcBef>
-                          <a:spcPct val="20000"/>
-                        </a:spcBef>
-                        <a:spcAft>
-                          <a:spcPct val="0"/>
-                        </a:spcAft>
-                        <a:buClrTx/>
-                        <a:buSzTx/>
-                        <a:buFontTx/>
-                        <a:buNone/>
-                        <a:tabLst/>
-                      </a:pPr>
-                      <a:r>
-                        <a:rPr kumimoji="0" lang="es-MX" altLang="es-MX" sz="2400" b="0" i="0" u="none" strike="noStrike" cap="none" normalizeH="0" baseline="0" dirty="0">
-                          <a:ln>
-                            <a:noFill/>
-                          </a:ln>
-                          <a:solidFill>
-                            <a:schemeClr val="accent6">
-                              <a:lumMod val="75000"/>
-                            </a:schemeClr>
-                          </a:solidFill>
-                          <a:effectLst/>
-                          <a:latin typeface="+mn-lt"/>
-                        </a:rPr>
-                        <a:t>Un </a:t>
-                      </a:r>
-                      <a:r>
-                        <a:rPr kumimoji="0" lang="es-MX" altLang="es-MX" sz="2400" b="1" i="0" u="none" strike="noStrike" cap="none" normalizeH="0" baseline="0" dirty="0">
-                          <a:ln>
-                            <a:noFill/>
-                          </a:ln>
-                          <a:solidFill>
-                            <a:schemeClr val="accent6">
-                              <a:lumMod val="75000"/>
-                            </a:schemeClr>
-                          </a:solidFill>
-                          <a:effectLst/>
-                          <a:latin typeface="+mn-lt"/>
-                        </a:rPr>
-                        <a:t>programa interpretado</a:t>
-                      </a:r>
-                      <a:r>
-                        <a:rPr kumimoji="0" lang="es-MX" altLang="es-MX" sz="2400" b="0" i="0" u="none" strike="noStrike" cap="none" normalizeH="0" baseline="0" dirty="0">
-                          <a:ln>
-                            <a:noFill/>
-                          </a:ln>
-                          <a:solidFill>
-                            <a:schemeClr val="accent6">
-                              <a:lumMod val="75000"/>
-                            </a:schemeClr>
-                          </a:solidFill>
-                          <a:effectLst/>
-                          <a:latin typeface="+mn-lt"/>
-                        </a:rPr>
-                        <a:t>:</a:t>
-                      </a:r>
-                    </a:p>
-                  </a:txBody>
-                  <a:tcPr anchor="ctr" horzOverflow="overflow">
-                    <a:lnL w="28575" cap="flat" cmpd="sng" algn="ctr">
-                      <a:solidFill>
-                        <a:schemeClr val="tx1"/>
-                      </a:solidFill>
-                      <a:prstDash val="solid"/>
-                      <a:round/>
-                      <a:headEnd type="none" w="sm" len="sm"/>
-                      <a:tailEnd type="none" w="sm" len="sm"/>
-                    </a:lnL>
-                    <a:lnR w="12700" cap="flat" cmpd="sng" algn="ctr">
-                      <a:solidFill>
-                        <a:schemeClr val="tx1"/>
-                      </a:solidFill>
-                      <a:prstDash val="solid"/>
-                      <a:round/>
-                      <a:headEnd type="none" w="sm" len="sm"/>
-                      <a:tailEnd type="none" w="sm" len="sm"/>
-                    </a:lnR>
-                    <a:lnT w="28575" cap="flat" cmpd="sng" algn="ctr">
-                      <a:solidFill>
-                        <a:schemeClr val="tx1"/>
-                      </a:solidFill>
-                      <a:prstDash val="solid"/>
-                      <a:round/>
-                      <a:headEnd type="none" w="sm" len="sm"/>
-                      <a:tailEnd type="none" w="sm" len="sm"/>
-                    </a:lnT>
-                    <a:lnB w="12700" cap="flat" cmpd="sng" algn="ctr">
-                      <a:solidFill>
-                        <a:schemeClr val="tx1"/>
-                      </a:solidFill>
-                      <a:prstDash val="solid"/>
-                      <a:round/>
-                      <a:headEnd type="none" w="sm" len="sm"/>
-                      <a:tailEnd type="none" w="sm" len="sm"/>
-                    </a:lnB>
-                    <a:lnTlToBr>
-                      <a:noFill/>
-                    </a:lnTlToBr>
-                    <a:lnBlToTr>
-                      <a:noFill/>
-                    </a:lnBlToTr>
-                    <a:noFill/>
-                  </a:tcPr>
-                </a:tc>
-                <a:tc>
-                  <a:txBody>
-                    <a:bodyPr/>
-                    <a:lstStyle>
-                      <a:lvl1pPr>
-                        <a:spcBef>
-                          <a:spcPct val="20000"/>
-                        </a:spcBef>
-                        <a:defRPr sz="2800">
-                          <a:solidFill>
-                            <a:schemeClr val="tx1"/>
-                          </a:solidFill>
-                          <a:latin typeface="Arial" panose="020B0604020202020204" pitchFamily="34" charset="0"/>
-                        </a:defRPr>
-                      </a:lvl1pPr>
-                      <a:lvl2pPr>
-                        <a:spcBef>
-                          <a:spcPct val="20000"/>
-                        </a:spcBef>
-                        <a:defRPr sz="2400">
-                          <a:solidFill>
-                            <a:schemeClr val="tx1"/>
-                          </a:solidFill>
-                          <a:latin typeface="Arial" panose="020B0604020202020204" pitchFamily="34" charset="0"/>
-                        </a:defRPr>
-                      </a:lvl2pPr>
-                      <a:lvl3pPr>
-                        <a:spcBef>
-                          <a:spcPct val="20000"/>
-                        </a:spcBef>
-                        <a:defRPr sz="2000">
-                          <a:solidFill>
-                            <a:schemeClr val="tx1"/>
-                          </a:solidFill>
-                          <a:latin typeface="Arial" panose="020B0604020202020204" pitchFamily="34" charset="0"/>
-                        </a:defRPr>
-                      </a:lvl3pPr>
-                      <a:lvl4pPr>
-                        <a:spcBef>
-                          <a:spcPct val="20000"/>
-                        </a:spcBef>
-                        <a:defRPr>
-                          <a:solidFill>
-                            <a:schemeClr val="tx1"/>
-                          </a:solidFill>
-                          <a:latin typeface="Arial" panose="020B0604020202020204" pitchFamily="34" charset="0"/>
-                        </a:defRPr>
-                      </a:lvl4pPr>
-                      <a:lvl5pPr>
-                        <a:spcBef>
-                          <a:spcPct val="20000"/>
-                        </a:spcBef>
-                        <a:defRPr>
-                          <a:solidFill>
-                            <a:schemeClr val="tx1"/>
-                          </a:solidFill>
-                          <a:latin typeface="Arial" panose="020B0604020202020204" pitchFamily="34" charset="0"/>
-                        </a:defRPr>
-                      </a:lvl5pPr>
-                      <a:lvl6pPr fontAlgn="base">
-                        <a:spcBef>
-                          <a:spcPct val="20000"/>
-                        </a:spcBef>
-                        <a:spcAft>
-                          <a:spcPct val="0"/>
-                        </a:spcAft>
-                        <a:defRPr>
-                          <a:solidFill>
-                            <a:schemeClr val="tx1"/>
-                          </a:solidFill>
-                          <a:latin typeface="Arial" panose="020B0604020202020204" pitchFamily="34" charset="0"/>
-                        </a:defRPr>
-                      </a:lvl6pPr>
-                      <a:lvl7pPr fontAlgn="base">
-                        <a:spcBef>
-                          <a:spcPct val="20000"/>
-                        </a:spcBef>
-                        <a:spcAft>
-                          <a:spcPct val="0"/>
-                        </a:spcAft>
-                        <a:defRPr>
-                          <a:solidFill>
-                            <a:schemeClr val="tx1"/>
-                          </a:solidFill>
-                          <a:latin typeface="Arial" panose="020B0604020202020204" pitchFamily="34" charset="0"/>
-                        </a:defRPr>
-                      </a:lvl7pPr>
-                      <a:lvl8pPr fontAlgn="base">
-                        <a:spcBef>
-                          <a:spcPct val="20000"/>
-                        </a:spcBef>
-                        <a:spcAft>
-                          <a:spcPct val="0"/>
-                        </a:spcAft>
-                        <a:defRPr>
-                          <a:solidFill>
-                            <a:schemeClr val="tx1"/>
-                          </a:solidFill>
-                          <a:latin typeface="Arial" panose="020B0604020202020204" pitchFamily="34" charset="0"/>
-                        </a:defRPr>
-                      </a:lvl8pPr>
-                      <a:lvl9pPr fontAlgn="base">
-                        <a:spcBef>
-                          <a:spcPct val="20000"/>
-                        </a:spcBef>
-                        <a:spcAft>
-                          <a:spcPct val="0"/>
-                        </a:spcAft>
-                        <a:defRPr>
-                          <a:solidFill>
-                            <a:schemeClr val="tx1"/>
-                          </a:solidFill>
-                          <a:latin typeface="Arial" panose="020B0604020202020204" pitchFamily="34" charset="0"/>
-                        </a:defRPr>
-                      </a:lvl9pPr>
-                    </a:lstStyle>
-                    <a:p>
-                      <a:pPr marL="0" marR="0" lvl="0" indent="0" algn="ctr" defTabSz="914400" rtl="0" eaLnBrk="1" fontAlgn="base" latinLnBrk="0" hangingPunct="1">
-                        <a:lnSpc>
-                          <a:spcPct val="100000"/>
-                        </a:lnSpc>
-                        <a:spcBef>
-                          <a:spcPct val="20000"/>
-                        </a:spcBef>
-                        <a:spcAft>
-                          <a:spcPct val="0"/>
-                        </a:spcAft>
-                        <a:buClrTx/>
-                        <a:buSzTx/>
-                        <a:buFontTx/>
-                        <a:buNone/>
-                        <a:tabLst/>
-                      </a:pPr>
-                      <a:r>
-                        <a:rPr kumimoji="0" lang="es-MX" altLang="es-MX" sz="2400" b="0" i="0" u="none" strike="noStrike" cap="none" normalizeH="0" baseline="0" dirty="0">
-                          <a:ln>
-                            <a:noFill/>
-                          </a:ln>
-                          <a:solidFill>
-                            <a:schemeClr val="accent6">
-                              <a:lumMod val="75000"/>
-                            </a:schemeClr>
-                          </a:solidFill>
-                          <a:effectLst/>
-                          <a:latin typeface="+mn-lt"/>
-                        </a:rPr>
-                        <a:t>Un </a:t>
-                      </a:r>
-                      <a:r>
-                        <a:rPr kumimoji="0" lang="es-MX" altLang="es-MX" sz="2400" b="1" i="0" u="none" strike="noStrike" cap="none" normalizeH="0" baseline="0" dirty="0">
-                          <a:ln>
-                            <a:noFill/>
-                          </a:ln>
-                          <a:solidFill>
-                            <a:schemeClr val="accent6">
-                              <a:lumMod val="75000"/>
-                            </a:schemeClr>
-                          </a:solidFill>
-                          <a:effectLst/>
-                          <a:latin typeface="+mn-lt"/>
-                        </a:rPr>
-                        <a:t>programa compilado</a:t>
-                      </a:r>
-                      <a:r>
-                        <a:rPr kumimoji="0" lang="es-MX" altLang="es-MX" sz="2400" b="0" i="0" u="none" strike="noStrike" cap="none" normalizeH="0" baseline="0" dirty="0">
-                          <a:ln>
-                            <a:noFill/>
-                          </a:ln>
-                          <a:solidFill>
-                            <a:schemeClr val="accent6">
-                              <a:lumMod val="75000"/>
-                            </a:schemeClr>
-                          </a:solidFill>
-                          <a:effectLst/>
-                          <a:latin typeface="+mn-lt"/>
-                        </a:rPr>
-                        <a:t>:</a:t>
-                      </a:r>
-                    </a:p>
-                  </a:txBody>
-                  <a:tcPr anchor="ctr" horzOverflow="overflow">
-                    <a:lnL w="12700" cap="flat" cmpd="sng" algn="ctr">
-                      <a:solidFill>
-                        <a:schemeClr val="tx1"/>
-                      </a:solidFill>
-                      <a:prstDash val="solid"/>
-                      <a:round/>
-                      <a:headEnd type="none" w="sm" len="sm"/>
-                      <a:tailEnd type="none" w="sm" len="sm"/>
-                    </a:lnL>
-                    <a:lnR w="28575" cap="flat" cmpd="sng" algn="ctr">
-                      <a:solidFill>
-                        <a:schemeClr val="tx1"/>
-                      </a:solidFill>
-                      <a:prstDash val="solid"/>
-                      <a:round/>
-                      <a:headEnd type="none" w="sm" len="sm"/>
-                      <a:tailEnd type="none" w="sm" len="sm"/>
-                    </a:lnR>
-                    <a:lnT w="28575" cap="flat" cmpd="sng" algn="ctr">
-                      <a:solidFill>
-                        <a:schemeClr val="tx1"/>
-                      </a:solidFill>
-                      <a:prstDash val="solid"/>
-                      <a:round/>
-                      <a:headEnd type="none" w="sm" len="sm"/>
-                      <a:tailEnd type="none" w="sm" len="sm"/>
-                    </a:lnT>
-                    <a:lnB w="12700" cap="flat" cmpd="sng" algn="ctr">
-                      <a:solidFill>
-                        <a:schemeClr val="tx1"/>
-                      </a:solidFill>
-                      <a:prstDash val="solid"/>
-                      <a:round/>
-                      <a:headEnd type="none" w="sm" len="sm"/>
-                      <a:tailEnd type="none" w="sm" len="sm"/>
-                    </a:lnB>
-                    <a:lnTlToBr>
-                      <a:noFill/>
-                    </a:lnTlToBr>
-                    <a:lnBlToTr>
-                      <a:noFill/>
-                    </a:lnBlToTr>
-                    <a:noFill/>
-                  </a:tcPr>
-                </a:tc>
-                <a:extLst>
-                  <a:ext uri="{0D108BD9-81ED-4DB2-BD59-A6C34878D82A}">
-                    <a16:rowId xmlns:a16="http://schemas.microsoft.com/office/drawing/2014/main" val="3667524282"/>
-                  </a:ext>
-                </a:extLst>
-              </a:tr>
-              <a:tr h="1299444">
-                <a:tc>
-                  <a:txBody>
-                    <a:bodyPr/>
-                    <a:lstStyle>
-                      <a:lvl1pPr>
-                        <a:spcBef>
-                          <a:spcPct val="20000"/>
-                        </a:spcBef>
-                        <a:defRPr sz="2800">
-                          <a:solidFill>
-                            <a:schemeClr val="tx1"/>
-                          </a:solidFill>
-                          <a:latin typeface="Arial" panose="020B0604020202020204" pitchFamily="34" charset="0"/>
-                        </a:defRPr>
-                      </a:lvl1pPr>
-                      <a:lvl2pPr>
-                        <a:spcBef>
-                          <a:spcPct val="20000"/>
-                        </a:spcBef>
-                        <a:defRPr sz="2400">
-                          <a:solidFill>
-                            <a:schemeClr val="tx1"/>
-                          </a:solidFill>
-                          <a:latin typeface="Arial" panose="020B0604020202020204" pitchFamily="34" charset="0"/>
-                        </a:defRPr>
-                      </a:lvl2pPr>
-                      <a:lvl3pPr>
-                        <a:spcBef>
-                          <a:spcPct val="20000"/>
-                        </a:spcBef>
-                        <a:defRPr sz="2000">
-                          <a:solidFill>
-                            <a:schemeClr val="tx1"/>
-                          </a:solidFill>
-                          <a:latin typeface="Arial" panose="020B0604020202020204" pitchFamily="34" charset="0"/>
-                        </a:defRPr>
-                      </a:lvl3pPr>
-                      <a:lvl4pPr>
-                        <a:spcBef>
-                          <a:spcPct val="20000"/>
-                        </a:spcBef>
-                        <a:defRPr>
-                          <a:solidFill>
-                            <a:schemeClr val="tx1"/>
-                          </a:solidFill>
-                          <a:latin typeface="Arial" panose="020B0604020202020204" pitchFamily="34" charset="0"/>
-                        </a:defRPr>
-                      </a:lvl4pPr>
-                      <a:lvl5pPr>
-                        <a:spcBef>
-                          <a:spcPct val="20000"/>
-                        </a:spcBef>
-                        <a:defRPr>
-                          <a:solidFill>
-                            <a:schemeClr val="tx1"/>
-                          </a:solidFill>
-                          <a:latin typeface="Arial" panose="020B0604020202020204" pitchFamily="34" charset="0"/>
-                        </a:defRPr>
-                      </a:lvl5pPr>
-                      <a:lvl6pPr fontAlgn="base">
-                        <a:spcBef>
-                          <a:spcPct val="20000"/>
-                        </a:spcBef>
-                        <a:spcAft>
-                          <a:spcPct val="0"/>
-                        </a:spcAft>
-                        <a:defRPr>
-                          <a:solidFill>
-                            <a:schemeClr val="tx1"/>
-                          </a:solidFill>
-                          <a:latin typeface="Arial" panose="020B0604020202020204" pitchFamily="34" charset="0"/>
-                        </a:defRPr>
-                      </a:lvl6pPr>
-                      <a:lvl7pPr fontAlgn="base">
-                        <a:spcBef>
-                          <a:spcPct val="20000"/>
-                        </a:spcBef>
-                        <a:spcAft>
-                          <a:spcPct val="0"/>
-                        </a:spcAft>
-                        <a:defRPr>
-                          <a:solidFill>
-                            <a:schemeClr val="tx1"/>
-                          </a:solidFill>
-                          <a:latin typeface="Arial" panose="020B0604020202020204" pitchFamily="34" charset="0"/>
-                        </a:defRPr>
-                      </a:lvl7pPr>
-                      <a:lvl8pPr fontAlgn="base">
-                        <a:spcBef>
-                          <a:spcPct val="20000"/>
-                        </a:spcBef>
-                        <a:spcAft>
-                          <a:spcPct val="0"/>
-                        </a:spcAft>
-                        <a:defRPr>
-                          <a:solidFill>
-                            <a:schemeClr val="tx1"/>
-                          </a:solidFill>
-                          <a:latin typeface="Arial" panose="020B0604020202020204" pitchFamily="34" charset="0"/>
-                        </a:defRPr>
-                      </a:lvl8pPr>
-                      <a:lvl9pPr fontAlgn="base">
-                        <a:spcBef>
-                          <a:spcPct val="20000"/>
-                        </a:spcBef>
-                        <a:spcAft>
-                          <a:spcPct val="0"/>
-                        </a:spcAft>
-                        <a:defRPr>
-                          <a:solidFill>
-                            <a:schemeClr val="tx1"/>
-                          </a:solidFill>
-                          <a:latin typeface="Arial" panose="020B0604020202020204" pitchFamily="34" charset="0"/>
-                        </a:defRPr>
-                      </a:lvl9pPr>
-                    </a:lstStyle>
-                    <a:p>
-                      <a:pPr marL="0" marR="0" lvl="0" indent="0" algn="l" defTabSz="914400" rtl="0" eaLnBrk="1" fontAlgn="base" latinLnBrk="0" hangingPunct="1">
-                        <a:lnSpc>
-                          <a:spcPct val="100000"/>
-                        </a:lnSpc>
-                        <a:spcBef>
-                          <a:spcPct val="20000"/>
-                        </a:spcBef>
-                        <a:spcAft>
-                          <a:spcPct val="0"/>
-                        </a:spcAft>
-                        <a:buClrTx/>
-                        <a:buSzTx/>
-                        <a:buFontTx/>
-                        <a:buNone/>
-                        <a:tabLst/>
-                      </a:pPr>
-                      <a:r>
-                        <a:rPr kumimoji="0" lang="es-MX" altLang="es-MX" sz="2000" b="0" i="0" u="none" strike="noStrike" cap="none" normalizeH="0" baseline="0" dirty="0">
-                          <a:ln>
-                            <a:noFill/>
-                          </a:ln>
-                          <a:solidFill>
-                            <a:schemeClr val="bg2">
-                              <a:lumMod val="25000"/>
-                            </a:schemeClr>
-                          </a:solidFill>
-                          <a:effectLst/>
-                          <a:latin typeface="+mn-lt"/>
-                        </a:rPr>
-                        <a:t>Traduce a lenguaje máquina </a:t>
-                      </a:r>
-                      <a:r>
-                        <a:rPr kumimoji="0" lang="es-MX" altLang="es-MX" sz="2000" b="1" i="0" u="none" strike="noStrike" cap="none" normalizeH="0" baseline="0" dirty="0">
-                          <a:ln>
-                            <a:noFill/>
-                          </a:ln>
-                          <a:solidFill>
-                            <a:schemeClr val="accent5">
-                              <a:lumMod val="75000"/>
-                            </a:schemeClr>
-                          </a:solidFill>
-                          <a:effectLst/>
-                          <a:latin typeface="+mn-lt"/>
-                        </a:rPr>
-                        <a:t>instrucción por instrucción </a:t>
-                      </a:r>
-                      <a:r>
-                        <a:rPr kumimoji="0" lang="es-MX" altLang="es-MX" sz="2000" b="0" i="0" u="none" strike="noStrike" cap="none" normalizeH="0" baseline="0" dirty="0">
-                          <a:ln>
-                            <a:noFill/>
-                          </a:ln>
-                          <a:solidFill>
-                            <a:schemeClr val="bg2">
-                              <a:lumMod val="25000"/>
-                            </a:schemeClr>
-                          </a:solidFill>
-                          <a:effectLst/>
-                          <a:latin typeface="+mn-lt"/>
-                        </a:rPr>
-                        <a:t>y las va ejecutando (mientras traduce ejecuta)</a:t>
-                      </a:r>
-                    </a:p>
-                  </a:txBody>
-                  <a:tcPr anchor="ctr" horzOverflow="overflow">
-                    <a:lnL w="28575" cap="flat" cmpd="sng" algn="ctr">
-                      <a:solidFill>
-                        <a:schemeClr val="tx1"/>
-                      </a:solidFill>
-                      <a:prstDash val="solid"/>
-                      <a:round/>
-                      <a:headEnd type="none" w="sm" len="sm"/>
-                      <a:tailEnd type="none" w="sm" len="sm"/>
-                    </a:lnL>
-                    <a:lnR w="12700" cap="flat" cmpd="sng" algn="ctr">
-                      <a:solidFill>
-                        <a:schemeClr val="tx1"/>
-                      </a:solidFill>
-                      <a:prstDash val="solid"/>
-                      <a:round/>
-                      <a:headEnd type="none" w="sm" len="sm"/>
-                      <a:tailEnd type="none" w="sm" len="sm"/>
-                    </a:lnR>
-                    <a:lnT w="12700" cap="flat" cmpd="sng" algn="ctr">
-                      <a:solidFill>
-                        <a:schemeClr val="tx1"/>
-                      </a:solidFill>
-                      <a:prstDash val="solid"/>
-                      <a:round/>
-                      <a:headEnd type="none" w="sm" len="sm"/>
-                      <a:tailEnd type="none" w="sm" len="sm"/>
-                    </a:lnT>
-                    <a:lnB w="12700" cap="flat" cmpd="sng" algn="ctr">
-                      <a:solidFill>
-                        <a:schemeClr val="tx1"/>
-                      </a:solidFill>
-                      <a:prstDash val="solid"/>
-                      <a:round/>
-                      <a:headEnd type="none" w="sm" len="sm"/>
-                      <a:tailEnd type="none" w="sm" len="sm"/>
-                    </a:lnB>
-                    <a:lnTlToBr>
-                      <a:noFill/>
-                    </a:lnTlToBr>
-                    <a:lnBlToTr>
-                      <a:noFill/>
-                    </a:lnBlToTr>
-                    <a:noFill/>
-                  </a:tcPr>
-                </a:tc>
-                <a:tc>
-                  <a:txBody>
-                    <a:bodyPr/>
-                    <a:lstStyle>
-                      <a:lvl1pPr>
-                        <a:spcBef>
-                          <a:spcPct val="20000"/>
-                        </a:spcBef>
-                        <a:defRPr sz="2800">
-                          <a:solidFill>
-                            <a:schemeClr val="tx1"/>
-                          </a:solidFill>
-                          <a:latin typeface="Arial" panose="020B0604020202020204" pitchFamily="34" charset="0"/>
-                        </a:defRPr>
-                      </a:lvl1pPr>
-                      <a:lvl2pPr>
-                        <a:spcBef>
-                          <a:spcPct val="20000"/>
-                        </a:spcBef>
-                        <a:defRPr sz="2400">
-                          <a:solidFill>
-                            <a:schemeClr val="tx1"/>
-                          </a:solidFill>
-                          <a:latin typeface="Arial" panose="020B0604020202020204" pitchFamily="34" charset="0"/>
-                        </a:defRPr>
-                      </a:lvl2pPr>
-                      <a:lvl3pPr>
-                        <a:spcBef>
-                          <a:spcPct val="20000"/>
-                        </a:spcBef>
-                        <a:defRPr sz="2000">
-                          <a:solidFill>
-                            <a:schemeClr val="tx1"/>
-                          </a:solidFill>
-                          <a:latin typeface="Arial" panose="020B0604020202020204" pitchFamily="34" charset="0"/>
-                        </a:defRPr>
-                      </a:lvl3pPr>
-                      <a:lvl4pPr>
-                        <a:spcBef>
-                          <a:spcPct val="20000"/>
-                        </a:spcBef>
-                        <a:defRPr>
-                          <a:solidFill>
-                            <a:schemeClr val="tx1"/>
-                          </a:solidFill>
-                          <a:latin typeface="Arial" panose="020B0604020202020204" pitchFamily="34" charset="0"/>
-                        </a:defRPr>
-                      </a:lvl4pPr>
-                      <a:lvl5pPr>
-                        <a:spcBef>
-                          <a:spcPct val="20000"/>
-                        </a:spcBef>
-                        <a:defRPr>
-                          <a:solidFill>
-                            <a:schemeClr val="tx1"/>
-                          </a:solidFill>
-                          <a:latin typeface="Arial" panose="020B0604020202020204" pitchFamily="34" charset="0"/>
-                        </a:defRPr>
-                      </a:lvl5pPr>
-                      <a:lvl6pPr fontAlgn="base">
-                        <a:spcBef>
-                          <a:spcPct val="20000"/>
-                        </a:spcBef>
-                        <a:spcAft>
-                          <a:spcPct val="0"/>
-                        </a:spcAft>
-                        <a:defRPr>
-                          <a:solidFill>
-                            <a:schemeClr val="tx1"/>
-                          </a:solidFill>
-                          <a:latin typeface="Arial" panose="020B0604020202020204" pitchFamily="34" charset="0"/>
-                        </a:defRPr>
-                      </a:lvl6pPr>
-                      <a:lvl7pPr fontAlgn="base">
-                        <a:spcBef>
-                          <a:spcPct val="20000"/>
-                        </a:spcBef>
-                        <a:spcAft>
-                          <a:spcPct val="0"/>
-                        </a:spcAft>
-                        <a:defRPr>
-                          <a:solidFill>
-                            <a:schemeClr val="tx1"/>
-                          </a:solidFill>
-                          <a:latin typeface="Arial" panose="020B0604020202020204" pitchFamily="34" charset="0"/>
-                        </a:defRPr>
-                      </a:lvl7pPr>
-                      <a:lvl8pPr fontAlgn="base">
-                        <a:spcBef>
-                          <a:spcPct val="20000"/>
-                        </a:spcBef>
-                        <a:spcAft>
-                          <a:spcPct val="0"/>
-                        </a:spcAft>
-                        <a:defRPr>
-                          <a:solidFill>
-                            <a:schemeClr val="tx1"/>
-                          </a:solidFill>
-                          <a:latin typeface="Arial" panose="020B0604020202020204" pitchFamily="34" charset="0"/>
-                        </a:defRPr>
-                      </a:lvl8pPr>
-                      <a:lvl9pPr fontAlgn="base">
-                        <a:spcBef>
-                          <a:spcPct val="20000"/>
-                        </a:spcBef>
-                        <a:spcAft>
-                          <a:spcPct val="0"/>
-                        </a:spcAft>
-                        <a:defRPr>
-                          <a:solidFill>
-                            <a:schemeClr val="tx1"/>
-                          </a:solidFill>
-                          <a:latin typeface="Arial" panose="020B0604020202020204" pitchFamily="34" charset="0"/>
-                        </a:defRPr>
-                      </a:lvl9pPr>
-                    </a:lstStyle>
-                    <a:p>
-                      <a:pPr marL="0" marR="0" lvl="0" indent="0" algn="l" defTabSz="914400" rtl="0" eaLnBrk="1" fontAlgn="base" latinLnBrk="0" hangingPunct="1">
-                        <a:lnSpc>
-                          <a:spcPct val="80000"/>
-                        </a:lnSpc>
-                        <a:spcBef>
-                          <a:spcPct val="20000"/>
-                        </a:spcBef>
-                        <a:spcAft>
-                          <a:spcPct val="0"/>
-                        </a:spcAft>
-                        <a:buClrTx/>
-                        <a:buSzTx/>
-                        <a:buFontTx/>
-                        <a:buNone/>
-                        <a:tabLst/>
-                      </a:pPr>
-                      <a:r>
-                        <a:rPr kumimoji="0" lang="es-MX" altLang="es-MX" sz="2000" b="0" i="0" u="none" strike="noStrike" cap="none" normalizeH="0" baseline="0" dirty="0">
-                          <a:ln>
-                            <a:noFill/>
-                          </a:ln>
-                          <a:solidFill>
-                            <a:schemeClr val="bg2">
-                              <a:lumMod val="25000"/>
-                            </a:schemeClr>
-                          </a:solidFill>
-                          <a:effectLst/>
-                          <a:latin typeface="+mn-lt"/>
-                        </a:rPr>
-                        <a:t>Traduce a lenguaje máquina </a:t>
-                      </a:r>
-                      <a:r>
-                        <a:rPr kumimoji="0" lang="es-MX" altLang="es-MX" sz="2000" b="1" i="0" u="none" strike="noStrike" cap="none" normalizeH="0" baseline="0" dirty="0">
-                          <a:ln>
-                            <a:noFill/>
-                          </a:ln>
-                          <a:solidFill>
-                            <a:schemeClr val="accent5">
-                              <a:lumMod val="75000"/>
-                            </a:schemeClr>
-                          </a:solidFill>
-                          <a:effectLst/>
-                          <a:latin typeface="+mn-lt"/>
-                        </a:rPr>
-                        <a:t>todo el programa</a:t>
-                      </a:r>
-                      <a:r>
-                        <a:rPr kumimoji="0" lang="es-MX" altLang="es-MX" sz="2000" b="0" i="0" u="none" strike="noStrike" cap="none" normalizeH="0" baseline="0" dirty="0">
-                          <a:ln>
-                            <a:noFill/>
-                          </a:ln>
-                          <a:solidFill>
-                            <a:schemeClr val="bg2">
-                              <a:lumMod val="25000"/>
-                            </a:schemeClr>
-                          </a:solidFill>
-                          <a:effectLst/>
-                          <a:latin typeface="+mn-lt"/>
-                        </a:rPr>
-                        <a:t>, pero no lo ejecuta</a:t>
-                      </a:r>
-                    </a:p>
-                  </a:txBody>
-                  <a:tcPr anchor="ctr" horzOverflow="overflow">
-                    <a:lnL w="12700" cap="flat" cmpd="sng" algn="ctr">
-                      <a:solidFill>
-                        <a:schemeClr val="tx1"/>
-                      </a:solidFill>
-                      <a:prstDash val="solid"/>
-                      <a:round/>
-                      <a:headEnd type="none" w="sm" len="sm"/>
-                      <a:tailEnd type="none" w="sm" len="sm"/>
-                    </a:lnL>
-                    <a:lnR w="28575" cap="flat" cmpd="sng" algn="ctr">
-                      <a:solidFill>
-                        <a:schemeClr val="tx1"/>
-                      </a:solidFill>
-                      <a:prstDash val="solid"/>
-                      <a:round/>
-                      <a:headEnd type="none" w="sm" len="sm"/>
-                      <a:tailEnd type="none" w="sm" len="sm"/>
-                    </a:lnR>
-                    <a:lnT w="12700" cap="flat" cmpd="sng" algn="ctr">
-                      <a:solidFill>
-                        <a:schemeClr val="tx1"/>
-                      </a:solidFill>
-                      <a:prstDash val="solid"/>
-                      <a:round/>
-                      <a:headEnd type="none" w="sm" len="sm"/>
-                      <a:tailEnd type="none" w="sm" len="sm"/>
-                    </a:lnT>
-                    <a:lnB w="12700" cap="flat" cmpd="sng" algn="ctr">
-                      <a:solidFill>
-                        <a:schemeClr val="tx1"/>
-                      </a:solidFill>
-                      <a:prstDash val="solid"/>
-                      <a:round/>
-                      <a:headEnd type="none" w="sm" len="sm"/>
-                      <a:tailEnd type="none" w="sm" len="sm"/>
-                    </a:lnB>
-                    <a:lnTlToBr>
-                      <a:noFill/>
-                    </a:lnTlToBr>
-                    <a:lnBlToTr>
-                      <a:noFill/>
-                    </a:lnBlToTr>
-                    <a:noFill/>
-                  </a:tcPr>
-                </a:tc>
-                <a:extLst>
-                  <a:ext uri="{0D108BD9-81ED-4DB2-BD59-A6C34878D82A}">
-                    <a16:rowId xmlns:a16="http://schemas.microsoft.com/office/drawing/2014/main" val="2002122163"/>
-                  </a:ext>
-                </a:extLst>
-              </a:tr>
-              <a:tr h="693237">
-                <a:tc>
-                  <a:txBody>
-                    <a:bodyPr/>
-                    <a:lstStyle>
-                      <a:lvl1pPr>
-                        <a:spcBef>
-                          <a:spcPct val="20000"/>
-                        </a:spcBef>
-                        <a:defRPr sz="2800">
-                          <a:solidFill>
-                            <a:schemeClr val="tx1"/>
-                          </a:solidFill>
-                          <a:latin typeface="Arial" panose="020B0604020202020204" pitchFamily="34" charset="0"/>
-                        </a:defRPr>
-                      </a:lvl1pPr>
-                      <a:lvl2pPr>
-                        <a:spcBef>
-                          <a:spcPct val="20000"/>
-                        </a:spcBef>
-                        <a:defRPr sz="2400">
-                          <a:solidFill>
-                            <a:schemeClr val="tx1"/>
-                          </a:solidFill>
-                          <a:latin typeface="Arial" panose="020B0604020202020204" pitchFamily="34" charset="0"/>
-                        </a:defRPr>
-                      </a:lvl2pPr>
-                      <a:lvl3pPr>
-                        <a:spcBef>
-                          <a:spcPct val="20000"/>
-                        </a:spcBef>
-                        <a:defRPr sz="2000">
-                          <a:solidFill>
-                            <a:schemeClr val="tx1"/>
-                          </a:solidFill>
-                          <a:latin typeface="Arial" panose="020B0604020202020204" pitchFamily="34" charset="0"/>
-                        </a:defRPr>
-                      </a:lvl3pPr>
-                      <a:lvl4pPr>
-                        <a:spcBef>
-                          <a:spcPct val="20000"/>
-                        </a:spcBef>
-                        <a:defRPr>
-                          <a:solidFill>
-                            <a:schemeClr val="tx1"/>
-                          </a:solidFill>
-                          <a:latin typeface="Arial" panose="020B0604020202020204" pitchFamily="34" charset="0"/>
-                        </a:defRPr>
-                      </a:lvl4pPr>
-                      <a:lvl5pPr>
-                        <a:spcBef>
-                          <a:spcPct val="20000"/>
-                        </a:spcBef>
-                        <a:defRPr>
-                          <a:solidFill>
-                            <a:schemeClr val="tx1"/>
-                          </a:solidFill>
-                          <a:latin typeface="Arial" panose="020B0604020202020204" pitchFamily="34" charset="0"/>
-                        </a:defRPr>
-                      </a:lvl5pPr>
-                      <a:lvl6pPr fontAlgn="base">
-                        <a:spcBef>
-                          <a:spcPct val="20000"/>
-                        </a:spcBef>
-                        <a:spcAft>
-                          <a:spcPct val="0"/>
-                        </a:spcAft>
-                        <a:defRPr>
-                          <a:solidFill>
-                            <a:schemeClr val="tx1"/>
-                          </a:solidFill>
-                          <a:latin typeface="Arial" panose="020B0604020202020204" pitchFamily="34" charset="0"/>
-                        </a:defRPr>
-                      </a:lvl6pPr>
-                      <a:lvl7pPr fontAlgn="base">
-                        <a:spcBef>
-                          <a:spcPct val="20000"/>
-                        </a:spcBef>
-                        <a:spcAft>
-                          <a:spcPct val="0"/>
-                        </a:spcAft>
-                        <a:defRPr>
-                          <a:solidFill>
-                            <a:schemeClr val="tx1"/>
-                          </a:solidFill>
-                          <a:latin typeface="Arial" panose="020B0604020202020204" pitchFamily="34" charset="0"/>
-                        </a:defRPr>
-                      </a:lvl7pPr>
-                      <a:lvl8pPr fontAlgn="base">
-                        <a:spcBef>
-                          <a:spcPct val="20000"/>
-                        </a:spcBef>
-                        <a:spcAft>
-                          <a:spcPct val="0"/>
-                        </a:spcAft>
-                        <a:defRPr>
-                          <a:solidFill>
-                            <a:schemeClr val="tx1"/>
-                          </a:solidFill>
-                          <a:latin typeface="Arial" panose="020B0604020202020204" pitchFamily="34" charset="0"/>
-                        </a:defRPr>
-                      </a:lvl8pPr>
-                      <a:lvl9pPr fontAlgn="base">
-                        <a:spcBef>
-                          <a:spcPct val="20000"/>
-                        </a:spcBef>
-                        <a:spcAft>
-                          <a:spcPct val="0"/>
-                        </a:spcAft>
-                        <a:defRPr>
-                          <a:solidFill>
-                            <a:schemeClr val="tx1"/>
-                          </a:solidFill>
-                          <a:latin typeface="Arial" panose="020B0604020202020204" pitchFamily="34" charset="0"/>
-                        </a:defRPr>
-                      </a:lvl9pPr>
-                    </a:lstStyle>
-                    <a:p>
-                      <a:pPr marL="0" marR="0" lvl="0" indent="0" algn="l" defTabSz="914400" rtl="0" eaLnBrk="1" fontAlgn="base" latinLnBrk="0" hangingPunct="1">
-                        <a:lnSpc>
-                          <a:spcPct val="100000"/>
-                        </a:lnSpc>
-                        <a:spcBef>
-                          <a:spcPct val="20000"/>
-                        </a:spcBef>
-                        <a:spcAft>
-                          <a:spcPct val="0"/>
-                        </a:spcAft>
-                        <a:buClrTx/>
-                        <a:buSzTx/>
-                        <a:buFontTx/>
-                        <a:buNone/>
-                        <a:tabLst/>
-                      </a:pPr>
-                      <a:r>
-                        <a:rPr kumimoji="0" lang="es-MX" altLang="es-MX" sz="2000" b="0" i="0" u="none" strike="noStrike" cap="none" normalizeH="0" baseline="0" dirty="0">
-                          <a:ln>
-                            <a:noFill/>
-                          </a:ln>
-                          <a:solidFill>
-                            <a:schemeClr val="bg2">
-                              <a:lumMod val="25000"/>
-                            </a:schemeClr>
-                          </a:solidFill>
-                          <a:effectLst/>
-                          <a:latin typeface="+mn-lt"/>
-                        </a:rPr>
-                        <a:t>No genera un archivo ejecutable (*.exe)</a:t>
-                      </a:r>
-                    </a:p>
-                  </a:txBody>
-                  <a:tcPr anchor="ctr" horzOverflow="overflow">
-                    <a:lnL w="28575" cap="flat" cmpd="sng" algn="ctr">
-                      <a:solidFill>
-                        <a:schemeClr val="tx1"/>
-                      </a:solidFill>
-                      <a:prstDash val="solid"/>
-                      <a:round/>
-                      <a:headEnd type="none" w="sm" len="sm"/>
-                      <a:tailEnd type="none" w="sm" len="sm"/>
-                    </a:lnL>
-                    <a:lnR w="12700" cap="flat" cmpd="sng" algn="ctr">
-                      <a:solidFill>
-                        <a:schemeClr val="tx1"/>
-                      </a:solidFill>
-                      <a:prstDash val="solid"/>
-                      <a:round/>
-                      <a:headEnd type="none" w="sm" len="sm"/>
-                      <a:tailEnd type="none" w="sm" len="sm"/>
-                    </a:lnR>
-                    <a:lnT w="12700" cap="flat" cmpd="sng" algn="ctr">
-                      <a:solidFill>
-                        <a:schemeClr val="tx1"/>
-                      </a:solidFill>
-                      <a:prstDash val="solid"/>
-                      <a:round/>
-                      <a:headEnd type="none" w="sm" len="sm"/>
-                      <a:tailEnd type="none" w="sm" len="sm"/>
-                    </a:lnT>
-                    <a:lnB w="12700" cap="flat" cmpd="sng" algn="ctr">
-                      <a:solidFill>
-                        <a:schemeClr val="tx1"/>
-                      </a:solidFill>
-                      <a:prstDash val="solid"/>
-                      <a:round/>
-                      <a:headEnd type="none" w="sm" len="sm"/>
-                      <a:tailEnd type="none" w="sm" len="sm"/>
-                    </a:lnB>
-                    <a:lnTlToBr>
-                      <a:noFill/>
-                    </a:lnTlToBr>
-                    <a:lnBlToTr>
-                      <a:noFill/>
-                    </a:lnBlToTr>
-                    <a:solidFill>
-                      <a:schemeClr val="bg1"/>
-                    </a:solidFill>
-                  </a:tcPr>
-                </a:tc>
-                <a:tc>
-                  <a:txBody>
-                    <a:bodyPr/>
-                    <a:lstStyle>
-                      <a:lvl1pPr>
-                        <a:spcBef>
-                          <a:spcPct val="20000"/>
-                        </a:spcBef>
-                        <a:defRPr sz="2800">
-                          <a:solidFill>
-                            <a:schemeClr val="tx1"/>
-                          </a:solidFill>
-                          <a:latin typeface="Arial" panose="020B0604020202020204" pitchFamily="34" charset="0"/>
-                        </a:defRPr>
-                      </a:lvl1pPr>
-                      <a:lvl2pPr>
-                        <a:spcBef>
-                          <a:spcPct val="20000"/>
-                        </a:spcBef>
-                        <a:defRPr sz="2400">
-                          <a:solidFill>
-                            <a:schemeClr val="tx1"/>
-                          </a:solidFill>
-                          <a:latin typeface="Arial" panose="020B0604020202020204" pitchFamily="34" charset="0"/>
-                        </a:defRPr>
-                      </a:lvl2pPr>
-                      <a:lvl3pPr>
-                        <a:spcBef>
-                          <a:spcPct val="20000"/>
-                        </a:spcBef>
-                        <a:defRPr sz="2000">
-                          <a:solidFill>
-                            <a:schemeClr val="tx1"/>
-                          </a:solidFill>
-                          <a:latin typeface="Arial" panose="020B0604020202020204" pitchFamily="34" charset="0"/>
-                        </a:defRPr>
-                      </a:lvl3pPr>
-                      <a:lvl4pPr>
-                        <a:spcBef>
-                          <a:spcPct val="20000"/>
-                        </a:spcBef>
-                        <a:defRPr>
-                          <a:solidFill>
-                            <a:schemeClr val="tx1"/>
-                          </a:solidFill>
-                          <a:latin typeface="Arial" panose="020B0604020202020204" pitchFamily="34" charset="0"/>
-                        </a:defRPr>
-                      </a:lvl4pPr>
-                      <a:lvl5pPr>
-                        <a:spcBef>
-                          <a:spcPct val="20000"/>
-                        </a:spcBef>
-                        <a:defRPr>
-                          <a:solidFill>
-                            <a:schemeClr val="tx1"/>
-                          </a:solidFill>
-                          <a:latin typeface="Arial" panose="020B0604020202020204" pitchFamily="34" charset="0"/>
-                        </a:defRPr>
-                      </a:lvl5pPr>
-                      <a:lvl6pPr fontAlgn="base">
-                        <a:spcBef>
-                          <a:spcPct val="20000"/>
-                        </a:spcBef>
-                        <a:spcAft>
-                          <a:spcPct val="0"/>
-                        </a:spcAft>
-                        <a:defRPr>
-                          <a:solidFill>
-                            <a:schemeClr val="tx1"/>
-                          </a:solidFill>
-                          <a:latin typeface="Arial" panose="020B0604020202020204" pitchFamily="34" charset="0"/>
-                        </a:defRPr>
-                      </a:lvl6pPr>
-                      <a:lvl7pPr fontAlgn="base">
-                        <a:spcBef>
-                          <a:spcPct val="20000"/>
-                        </a:spcBef>
-                        <a:spcAft>
-                          <a:spcPct val="0"/>
-                        </a:spcAft>
-                        <a:defRPr>
-                          <a:solidFill>
-                            <a:schemeClr val="tx1"/>
-                          </a:solidFill>
-                          <a:latin typeface="Arial" panose="020B0604020202020204" pitchFamily="34" charset="0"/>
-                        </a:defRPr>
-                      </a:lvl7pPr>
-                      <a:lvl8pPr fontAlgn="base">
-                        <a:spcBef>
-                          <a:spcPct val="20000"/>
-                        </a:spcBef>
-                        <a:spcAft>
-                          <a:spcPct val="0"/>
-                        </a:spcAft>
-                        <a:defRPr>
-                          <a:solidFill>
-                            <a:schemeClr val="tx1"/>
-                          </a:solidFill>
-                          <a:latin typeface="Arial" panose="020B0604020202020204" pitchFamily="34" charset="0"/>
-                        </a:defRPr>
-                      </a:lvl8pPr>
-                      <a:lvl9pPr fontAlgn="base">
-                        <a:spcBef>
-                          <a:spcPct val="20000"/>
-                        </a:spcBef>
-                        <a:spcAft>
-                          <a:spcPct val="0"/>
-                        </a:spcAft>
-                        <a:defRPr>
-                          <a:solidFill>
-                            <a:schemeClr val="tx1"/>
-                          </a:solidFill>
-                          <a:latin typeface="Arial" panose="020B0604020202020204" pitchFamily="34" charset="0"/>
-                        </a:defRPr>
-                      </a:lvl9pPr>
-                    </a:lstStyle>
-                    <a:p>
-                      <a:pPr marL="0" marR="0" lvl="0" indent="0" algn="l" defTabSz="914400" rtl="0" eaLnBrk="1" fontAlgn="base" latinLnBrk="0" hangingPunct="1">
-                        <a:lnSpc>
-                          <a:spcPct val="80000"/>
-                        </a:lnSpc>
-                        <a:spcBef>
-                          <a:spcPct val="20000"/>
-                        </a:spcBef>
-                        <a:spcAft>
-                          <a:spcPct val="0"/>
-                        </a:spcAft>
-                        <a:buClrTx/>
-                        <a:buSzTx/>
-                        <a:buFontTx/>
-                        <a:buNone/>
-                        <a:tabLst/>
-                      </a:pPr>
-                      <a:r>
-                        <a:rPr kumimoji="0" lang="es-MX" altLang="es-MX" sz="2000" b="0" i="0" u="none" strike="noStrike" cap="none" normalizeH="0" baseline="0" dirty="0">
-                          <a:ln>
-                            <a:noFill/>
-                          </a:ln>
-                          <a:solidFill>
-                            <a:schemeClr val="bg2">
-                              <a:lumMod val="25000"/>
-                            </a:schemeClr>
-                          </a:solidFill>
-                          <a:effectLst/>
-                          <a:latin typeface="+mn-lt"/>
-                        </a:rPr>
-                        <a:t>Genera un archivo ejecutable (*.exe)</a:t>
-                      </a:r>
-                    </a:p>
-                  </a:txBody>
-                  <a:tcPr anchor="ctr" horzOverflow="overflow">
-                    <a:lnL w="12700" cap="flat" cmpd="sng" algn="ctr">
-                      <a:solidFill>
-                        <a:schemeClr val="tx1"/>
-                      </a:solidFill>
-                      <a:prstDash val="solid"/>
-                      <a:round/>
-                      <a:headEnd type="none" w="sm" len="sm"/>
-                      <a:tailEnd type="none" w="sm" len="sm"/>
-                    </a:lnL>
-                    <a:lnR w="28575" cap="flat" cmpd="sng" algn="ctr">
-                      <a:solidFill>
-                        <a:schemeClr val="tx1"/>
-                      </a:solidFill>
-                      <a:prstDash val="solid"/>
-                      <a:round/>
-                      <a:headEnd type="none" w="sm" len="sm"/>
-                      <a:tailEnd type="none" w="sm" len="sm"/>
-                    </a:lnR>
-                    <a:lnT w="12700" cap="flat" cmpd="sng" algn="ctr">
-                      <a:solidFill>
-                        <a:schemeClr val="tx1"/>
-                      </a:solidFill>
-                      <a:prstDash val="solid"/>
-                      <a:round/>
-                      <a:headEnd type="none" w="sm" len="sm"/>
-                      <a:tailEnd type="none" w="sm" len="sm"/>
-                    </a:lnT>
-                    <a:lnB w="12700" cap="flat" cmpd="sng" algn="ctr">
-                      <a:solidFill>
-                        <a:schemeClr val="tx1"/>
-                      </a:solidFill>
-                      <a:prstDash val="solid"/>
-                      <a:round/>
-                      <a:headEnd type="none" w="sm" len="sm"/>
-                      <a:tailEnd type="none" w="sm" len="sm"/>
-                    </a:lnB>
-                    <a:lnTlToBr>
-                      <a:noFill/>
-                    </a:lnTlToBr>
-                    <a:lnBlToTr>
-                      <a:noFill/>
-                    </a:lnBlToTr>
-                    <a:noFill/>
-                  </a:tcPr>
-                </a:tc>
-                <a:extLst>
-                  <a:ext uri="{0D108BD9-81ED-4DB2-BD59-A6C34878D82A}">
-                    <a16:rowId xmlns:a16="http://schemas.microsoft.com/office/drawing/2014/main" val="2947411292"/>
-                  </a:ext>
-                </a:extLst>
-              </a:tr>
-              <a:tr h="1340816">
-                <a:tc>
-                  <a:txBody>
-                    <a:bodyPr/>
-                    <a:lstStyle>
-                      <a:lvl1pPr>
-                        <a:spcBef>
-                          <a:spcPct val="20000"/>
-                        </a:spcBef>
-                        <a:defRPr sz="2800">
-                          <a:solidFill>
-                            <a:schemeClr val="tx1"/>
-                          </a:solidFill>
-                          <a:latin typeface="Arial" panose="020B0604020202020204" pitchFamily="34" charset="0"/>
-                        </a:defRPr>
-                      </a:lvl1pPr>
-                      <a:lvl2pPr>
-                        <a:spcBef>
-                          <a:spcPct val="20000"/>
-                        </a:spcBef>
-                        <a:defRPr sz="2400">
-                          <a:solidFill>
-                            <a:schemeClr val="tx1"/>
-                          </a:solidFill>
-                          <a:latin typeface="Arial" panose="020B0604020202020204" pitchFamily="34" charset="0"/>
-                        </a:defRPr>
-                      </a:lvl2pPr>
-                      <a:lvl3pPr>
-                        <a:spcBef>
-                          <a:spcPct val="20000"/>
-                        </a:spcBef>
-                        <a:defRPr sz="2000">
-                          <a:solidFill>
-                            <a:schemeClr val="tx1"/>
-                          </a:solidFill>
-                          <a:latin typeface="Arial" panose="020B0604020202020204" pitchFamily="34" charset="0"/>
-                        </a:defRPr>
-                      </a:lvl3pPr>
-                      <a:lvl4pPr>
-                        <a:spcBef>
-                          <a:spcPct val="20000"/>
-                        </a:spcBef>
-                        <a:defRPr>
-                          <a:solidFill>
-                            <a:schemeClr val="tx1"/>
-                          </a:solidFill>
-                          <a:latin typeface="Arial" panose="020B0604020202020204" pitchFamily="34" charset="0"/>
-                        </a:defRPr>
-                      </a:lvl4pPr>
-                      <a:lvl5pPr>
-                        <a:spcBef>
-                          <a:spcPct val="20000"/>
-                        </a:spcBef>
-                        <a:defRPr>
-                          <a:solidFill>
-                            <a:schemeClr val="tx1"/>
-                          </a:solidFill>
-                          <a:latin typeface="Arial" panose="020B0604020202020204" pitchFamily="34" charset="0"/>
-                        </a:defRPr>
-                      </a:lvl5pPr>
-                      <a:lvl6pPr fontAlgn="base">
-                        <a:spcBef>
-                          <a:spcPct val="20000"/>
-                        </a:spcBef>
-                        <a:spcAft>
-                          <a:spcPct val="0"/>
-                        </a:spcAft>
-                        <a:defRPr>
-                          <a:solidFill>
-                            <a:schemeClr val="tx1"/>
-                          </a:solidFill>
-                          <a:latin typeface="Arial" panose="020B0604020202020204" pitchFamily="34" charset="0"/>
-                        </a:defRPr>
-                      </a:lvl6pPr>
-                      <a:lvl7pPr fontAlgn="base">
-                        <a:spcBef>
-                          <a:spcPct val="20000"/>
-                        </a:spcBef>
-                        <a:spcAft>
-                          <a:spcPct val="0"/>
-                        </a:spcAft>
-                        <a:defRPr>
-                          <a:solidFill>
-                            <a:schemeClr val="tx1"/>
-                          </a:solidFill>
-                          <a:latin typeface="Arial" panose="020B0604020202020204" pitchFamily="34" charset="0"/>
-                        </a:defRPr>
-                      </a:lvl7pPr>
-                      <a:lvl8pPr fontAlgn="base">
-                        <a:spcBef>
-                          <a:spcPct val="20000"/>
-                        </a:spcBef>
-                        <a:spcAft>
-                          <a:spcPct val="0"/>
-                        </a:spcAft>
-                        <a:defRPr>
-                          <a:solidFill>
-                            <a:schemeClr val="tx1"/>
-                          </a:solidFill>
-                          <a:latin typeface="Arial" panose="020B0604020202020204" pitchFamily="34" charset="0"/>
-                        </a:defRPr>
-                      </a:lvl8pPr>
-                      <a:lvl9pPr fontAlgn="base">
-                        <a:spcBef>
-                          <a:spcPct val="20000"/>
-                        </a:spcBef>
-                        <a:spcAft>
-                          <a:spcPct val="0"/>
-                        </a:spcAft>
-                        <a:defRPr>
-                          <a:solidFill>
-                            <a:schemeClr val="tx1"/>
-                          </a:solidFill>
-                          <a:latin typeface="Arial" panose="020B0604020202020204" pitchFamily="34" charset="0"/>
-                        </a:defRPr>
-                      </a:lvl9pPr>
-                    </a:lstStyle>
-                    <a:p>
-                      <a:pPr marL="0" marR="0" lvl="0" indent="0" algn="l" defTabSz="914400" rtl="0" eaLnBrk="1" fontAlgn="base" latinLnBrk="0" hangingPunct="1">
-                        <a:lnSpc>
-                          <a:spcPct val="100000"/>
-                        </a:lnSpc>
-                        <a:spcBef>
-                          <a:spcPct val="20000"/>
-                        </a:spcBef>
-                        <a:spcAft>
-                          <a:spcPct val="0"/>
-                        </a:spcAft>
-                        <a:buClrTx/>
-                        <a:buSzTx/>
-                        <a:buFontTx/>
-                        <a:buNone/>
-                        <a:tabLst/>
-                      </a:pPr>
-                      <a:r>
-                        <a:rPr kumimoji="0" lang="es-MX" altLang="es-MX" sz="2000" b="0" i="0" u="none" strike="noStrike" cap="none" normalizeH="0" baseline="0" dirty="0">
-                          <a:ln>
-                            <a:noFill/>
-                          </a:ln>
-                          <a:solidFill>
-                            <a:schemeClr val="bg2">
-                              <a:lumMod val="25000"/>
-                            </a:schemeClr>
-                          </a:solidFill>
-                          <a:effectLst/>
-                          <a:latin typeface="+mn-lt"/>
-                        </a:rPr>
-                        <a:t>Si lo quieres volver a ejecutar necesitas que el intérprete lo vuelva a traducir y ejecutar instrucción por instrucción</a:t>
-                      </a:r>
-                    </a:p>
-                  </a:txBody>
-                  <a:tcPr anchor="ctr" horzOverflow="overflow">
-                    <a:lnL w="28575" cap="flat" cmpd="sng" algn="ctr">
-                      <a:solidFill>
-                        <a:schemeClr val="tx1"/>
-                      </a:solidFill>
-                      <a:prstDash val="solid"/>
-                      <a:round/>
-                      <a:headEnd type="none" w="sm" len="sm"/>
-                      <a:tailEnd type="none" w="sm" len="sm"/>
-                    </a:lnL>
-                    <a:lnR w="12700" cap="flat" cmpd="sng" algn="ctr">
-                      <a:solidFill>
-                        <a:schemeClr val="tx1"/>
-                      </a:solidFill>
-                      <a:prstDash val="solid"/>
-                      <a:round/>
-                      <a:headEnd type="none" w="sm" len="sm"/>
-                      <a:tailEnd type="none" w="sm" len="sm"/>
-                    </a:lnR>
-                    <a:lnT w="12700" cap="flat" cmpd="sng" algn="ctr">
-                      <a:solidFill>
-                        <a:schemeClr val="tx1"/>
-                      </a:solidFill>
-                      <a:prstDash val="solid"/>
-                      <a:round/>
-                      <a:headEnd type="none" w="sm" len="sm"/>
-                      <a:tailEnd type="none" w="sm" len="sm"/>
-                    </a:lnT>
-                    <a:lnB w="28575" cap="flat" cmpd="sng" algn="ctr">
-                      <a:solidFill>
-                        <a:schemeClr val="tx1"/>
-                      </a:solidFill>
-                      <a:prstDash val="solid"/>
-                      <a:round/>
-                      <a:headEnd type="none" w="sm" len="sm"/>
-                      <a:tailEnd type="none" w="sm" len="sm"/>
-                    </a:lnB>
-                    <a:lnTlToBr>
-                      <a:noFill/>
-                    </a:lnTlToBr>
-                    <a:lnBlToTr>
-                      <a:noFill/>
-                    </a:lnBlToTr>
-                    <a:noFill/>
-                  </a:tcPr>
-                </a:tc>
-                <a:tc>
-                  <a:txBody>
-                    <a:bodyPr/>
-                    <a:lstStyle>
-                      <a:lvl1pPr>
-                        <a:spcBef>
-                          <a:spcPct val="20000"/>
-                        </a:spcBef>
-                        <a:defRPr sz="2800">
-                          <a:solidFill>
-                            <a:schemeClr val="tx1"/>
-                          </a:solidFill>
-                          <a:latin typeface="Arial" panose="020B0604020202020204" pitchFamily="34" charset="0"/>
-                        </a:defRPr>
-                      </a:lvl1pPr>
-                      <a:lvl2pPr>
-                        <a:spcBef>
-                          <a:spcPct val="20000"/>
-                        </a:spcBef>
-                        <a:defRPr sz="2400">
-                          <a:solidFill>
-                            <a:schemeClr val="tx1"/>
-                          </a:solidFill>
-                          <a:latin typeface="Arial" panose="020B0604020202020204" pitchFamily="34" charset="0"/>
-                        </a:defRPr>
-                      </a:lvl2pPr>
-                      <a:lvl3pPr>
-                        <a:spcBef>
-                          <a:spcPct val="20000"/>
-                        </a:spcBef>
-                        <a:defRPr sz="2000">
-                          <a:solidFill>
-                            <a:schemeClr val="tx1"/>
-                          </a:solidFill>
-                          <a:latin typeface="Arial" panose="020B0604020202020204" pitchFamily="34" charset="0"/>
-                        </a:defRPr>
-                      </a:lvl3pPr>
-                      <a:lvl4pPr>
-                        <a:spcBef>
-                          <a:spcPct val="20000"/>
-                        </a:spcBef>
-                        <a:defRPr>
-                          <a:solidFill>
-                            <a:schemeClr val="tx1"/>
-                          </a:solidFill>
-                          <a:latin typeface="Arial" panose="020B0604020202020204" pitchFamily="34" charset="0"/>
-                        </a:defRPr>
-                      </a:lvl4pPr>
-                      <a:lvl5pPr>
-                        <a:spcBef>
-                          <a:spcPct val="20000"/>
-                        </a:spcBef>
-                        <a:defRPr>
-                          <a:solidFill>
-                            <a:schemeClr val="tx1"/>
-                          </a:solidFill>
-                          <a:latin typeface="Arial" panose="020B0604020202020204" pitchFamily="34" charset="0"/>
-                        </a:defRPr>
-                      </a:lvl5pPr>
-                      <a:lvl6pPr fontAlgn="base">
-                        <a:spcBef>
-                          <a:spcPct val="20000"/>
-                        </a:spcBef>
-                        <a:spcAft>
-                          <a:spcPct val="0"/>
-                        </a:spcAft>
-                        <a:defRPr>
-                          <a:solidFill>
-                            <a:schemeClr val="tx1"/>
-                          </a:solidFill>
-                          <a:latin typeface="Arial" panose="020B0604020202020204" pitchFamily="34" charset="0"/>
-                        </a:defRPr>
-                      </a:lvl6pPr>
-                      <a:lvl7pPr fontAlgn="base">
-                        <a:spcBef>
-                          <a:spcPct val="20000"/>
-                        </a:spcBef>
-                        <a:spcAft>
-                          <a:spcPct val="0"/>
-                        </a:spcAft>
-                        <a:defRPr>
-                          <a:solidFill>
-                            <a:schemeClr val="tx1"/>
-                          </a:solidFill>
-                          <a:latin typeface="Arial" panose="020B0604020202020204" pitchFamily="34" charset="0"/>
-                        </a:defRPr>
-                      </a:lvl7pPr>
-                      <a:lvl8pPr fontAlgn="base">
-                        <a:spcBef>
-                          <a:spcPct val="20000"/>
-                        </a:spcBef>
-                        <a:spcAft>
-                          <a:spcPct val="0"/>
-                        </a:spcAft>
-                        <a:defRPr>
-                          <a:solidFill>
-                            <a:schemeClr val="tx1"/>
-                          </a:solidFill>
-                          <a:latin typeface="Arial" panose="020B0604020202020204" pitchFamily="34" charset="0"/>
-                        </a:defRPr>
-                      </a:lvl8pPr>
-                      <a:lvl9pPr fontAlgn="base">
-                        <a:spcBef>
-                          <a:spcPct val="20000"/>
-                        </a:spcBef>
-                        <a:spcAft>
-                          <a:spcPct val="0"/>
-                        </a:spcAft>
-                        <a:defRPr>
-                          <a:solidFill>
-                            <a:schemeClr val="tx1"/>
-                          </a:solidFill>
-                          <a:latin typeface="Arial" panose="020B0604020202020204" pitchFamily="34" charset="0"/>
-                        </a:defRPr>
-                      </a:lvl9pPr>
-                    </a:lstStyle>
-                    <a:p>
-                      <a:pPr marL="0" marR="0" lvl="0" indent="0" algn="l" defTabSz="914400" rtl="0" eaLnBrk="1" fontAlgn="base" latinLnBrk="0" hangingPunct="1">
-                        <a:lnSpc>
-                          <a:spcPct val="80000"/>
-                        </a:lnSpc>
-                        <a:spcBef>
-                          <a:spcPct val="20000"/>
-                        </a:spcBef>
-                        <a:spcAft>
-                          <a:spcPct val="0"/>
-                        </a:spcAft>
-                        <a:buClrTx/>
-                        <a:buSzTx/>
-                        <a:buFontTx/>
-                        <a:buNone/>
-                        <a:tabLst/>
-                      </a:pPr>
-                      <a:r>
-                        <a:rPr kumimoji="0" lang="es-MX" altLang="es-MX" sz="2000" b="0" i="0" u="none" strike="noStrike" cap="none" normalizeH="0" baseline="0" dirty="0">
-                          <a:ln>
-                            <a:noFill/>
-                          </a:ln>
-                          <a:solidFill>
-                            <a:schemeClr val="bg2">
-                              <a:lumMod val="25000"/>
-                            </a:schemeClr>
-                          </a:solidFill>
-                          <a:effectLst/>
-                          <a:latin typeface="+mn-lt"/>
-                        </a:rPr>
-                        <a:t>Si lo quieres ejecutar basta invocar al archivo ejecutable</a:t>
-                      </a:r>
-                    </a:p>
-                    <a:p>
-                      <a:pPr marL="0" marR="0" lvl="0" indent="0" algn="l" defTabSz="914400" rtl="0" eaLnBrk="1" fontAlgn="base" latinLnBrk="0" hangingPunct="1">
-                        <a:lnSpc>
-                          <a:spcPct val="100000"/>
-                        </a:lnSpc>
-                        <a:spcBef>
-                          <a:spcPct val="20000"/>
-                        </a:spcBef>
-                        <a:spcAft>
-                          <a:spcPct val="0"/>
-                        </a:spcAft>
-                        <a:buClrTx/>
-                        <a:buSzTx/>
-                        <a:buFontTx/>
-                        <a:buNone/>
-                        <a:tabLst/>
-                      </a:pPr>
-                      <a:endParaRPr kumimoji="0" lang="es-MX" altLang="es-MX" sz="2000" b="0" i="0" u="none" strike="noStrike" cap="none" normalizeH="0" baseline="0" dirty="0">
-                        <a:ln>
-                          <a:noFill/>
-                        </a:ln>
-                        <a:solidFill>
-                          <a:schemeClr val="bg2">
-                            <a:lumMod val="25000"/>
-                          </a:schemeClr>
-                        </a:solidFill>
-                        <a:effectLst/>
-                        <a:latin typeface="+mn-lt"/>
-                      </a:endParaRPr>
-                    </a:p>
-                  </a:txBody>
-                  <a:tcPr anchor="ctr" horzOverflow="overflow">
-                    <a:lnL w="12700" cap="flat" cmpd="sng" algn="ctr">
-                      <a:solidFill>
-                        <a:schemeClr val="tx1"/>
-                      </a:solidFill>
-                      <a:prstDash val="solid"/>
-                      <a:round/>
-                      <a:headEnd type="none" w="sm" len="sm"/>
-                      <a:tailEnd type="none" w="sm" len="sm"/>
-                    </a:lnL>
-                    <a:lnR w="28575" cap="flat" cmpd="sng" algn="ctr">
-                      <a:solidFill>
-                        <a:schemeClr val="tx1"/>
-                      </a:solidFill>
-                      <a:prstDash val="solid"/>
-                      <a:round/>
-                      <a:headEnd type="none" w="sm" len="sm"/>
-                      <a:tailEnd type="none" w="sm" len="sm"/>
-                    </a:lnR>
-                    <a:lnT w="12700" cap="flat" cmpd="sng" algn="ctr">
-                      <a:solidFill>
-                        <a:schemeClr val="tx1"/>
-                      </a:solidFill>
-                      <a:prstDash val="solid"/>
-                      <a:round/>
-                      <a:headEnd type="none" w="sm" len="sm"/>
-                      <a:tailEnd type="none" w="sm" len="sm"/>
-                    </a:lnT>
-                    <a:lnB w="28575" cap="flat" cmpd="sng" algn="ctr">
-                      <a:solidFill>
-                        <a:schemeClr val="tx1"/>
-                      </a:solidFill>
-                      <a:prstDash val="solid"/>
-                      <a:round/>
-                      <a:headEnd type="none" w="sm" len="sm"/>
-                      <a:tailEnd type="none" w="sm" len="sm"/>
-                    </a:lnB>
-                    <a:lnTlToBr>
-                      <a:noFill/>
-                    </a:lnTlToBr>
-                    <a:lnBlToTr>
-                      <a:noFill/>
-                    </a:lnBlToTr>
-                    <a:noFill/>
-                  </a:tcPr>
-                </a:tc>
-                <a:extLst>
-                  <a:ext uri="{0D108BD9-81ED-4DB2-BD59-A6C34878D82A}">
-                    <a16:rowId xmlns:a16="http://schemas.microsoft.com/office/drawing/2014/main" val="1118828592"/>
-                  </a:ext>
-                </a:extLst>
-              </a:tr>
-            </a:tbl>
-          </a:graphicData>
-        </a:graphic>
-      </p:graphicFrame>
-    </p:spTree>
-    <p:extLst>
-      <p:ext uri="{BB962C8B-B14F-4D97-AF65-F5344CB8AC3E}">
-        <p14:creationId xmlns:p14="http://schemas.microsoft.com/office/powerpoint/2010/main" val="3502141463"/>
-      </p:ext>
-    </p:extLst>
-  </p:cSld>
-  <p:clrMapOvr>
-    <a:masterClrMapping/>
-  </p:clrMapOvr>
-  <p:transition>
-    <p:cover dir="ru"/>
-  </p:transition>
-</p:sld>
-</file>
-
-<file path=ppt/slides/slide17.xml><?xml version="1.0" encoding="utf-8"?>
-<p:sld xmlns:a="http://schemas.openxmlformats.org/drawingml/2006/main" xmlns:r="http://schemas.openxmlformats.org/officeDocument/2006/relationships" xmlns:p="http://schemas.openxmlformats.org/presentationml/2006/main" showMasterPhAnim="0">
-  <p:cSld>
-    <p:spTree>
-      <p:nvGrpSpPr>
-        <p:cNvPr id="1" name=""/>
-        <p:cNvGrpSpPr/>
-        <p:nvPr/>
-      </p:nvGrpSpPr>
-      <p:grpSpPr>
-        <a:xfrm>
-          <a:off x="0" y="0"/>
-          <a:ext cx="0" cy="0"/>
-          <a:chOff x="0" y="0"/>
-          <a:chExt cx="0" cy="0"/>
-        </a:xfrm>
-      </p:grpSpPr>
-      <p:sp>
-        <p:nvSpPr>
-          <p:cNvPr id="109570" name="Rectangle 2">
-            <a:extLst>
-              <a:ext uri="{FF2B5EF4-FFF2-40B4-BE49-F238E27FC236}">
-                <a16:creationId xmlns:a16="http://schemas.microsoft.com/office/drawing/2014/main" id="{524FE585-CA21-4414-B3E0-2B858BD8EFBB}"/>
-              </a:ext>
-            </a:extLst>
-          </p:cNvPr>
-          <p:cNvSpPr>
-            <a:spLocks noChangeArrowheads="1"/>
-          </p:cNvSpPr>
-          <p:nvPr/>
-        </p:nvSpPr>
-        <p:spPr bwMode="auto">
-          <a:xfrm>
-            <a:off x="647700" y="5761038"/>
-            <a:ext cx="2590800" cy="1052512"/>
-          </a:xfrm>
-          <a:prstGeom prst="rect">
-            <a:avLst/>
-          </a:prstGeom>
-          <a:solidFill>
-            <a:schemeClr val="bg1"/>
-          </a:solidFill>
-          <a:ln>
-            <a:noFill/>
-          </a:ln>
-          <a:effectLst/>
-          <a:extLst>
-            <a:ext uri="{91240B29-F687-4F45-9708-019B960494DF}">
-              <a14:hiddenLine xmlns:a14="http://schemas.microsoft.com/office/drawing/2010/main" w="12700">
-                <a:solidFill>
-                  <a:schemeClr val="tx1"/>
-                </a:solidFill>
-                <a:miter lim="800000"/>
-                <a:headEnd type="none" w="sm" len="sm"/>
-                <a:tailEnd type="none" w="sm" len="sm"/>
-              </a14:hiddenLine>
-            </a:ext>
-            <a:ext uri="{AF507438-7753-43E0-B8FC-AC1667EBCBE1}">
-              <a14:hiddenEffects xmlns:a14="http://schemas.microsoft.com/office/drawing/2010/main">
-                <a:effectLst>
-                  <a:outerShdw dist="35921" dir="2700000" algn="ctr" rotWithShape="0">
-                    <a:schemeClr val="bg2"/>
-                  </a:outerShdw>
-                </a:effectLst>
-              </a14:hiddenEffects>
-            </a:ext>
-          </a:extLst>
-        </p:spPr>
-        <p:txBody>
-          <a:bodyPr wrap="none" anchor="ctr"/>
-          <a:lstStyle/>
-          <a:p>
-            <a:endParaRPr lang="es-MX"/>
-          </a:p>
-        </p:txBody>
-      </p:sp>
-      <p:sp>
-        <p:nvSpPr>
-          <p:cNvPr id="109571" name="Rectangle 3">
-            <a:extLst>
-              <a:ext uri="{FF2B5EF4-FFF2-40B4-BE49-F238E27FC236}">
-                <a16:creationId xmlns:a16="http://schemas.microsoft.com/office/drawing/2014/main" id="{9BC1E2CF-9BB2-41D7-A6D2-D5998589CD49}"/>
-              </a:ext>
-            </a:extLst>
-          </p:cNvPr>
-          <p:cNvSpPr>
-            <a:spLocks noGrp="1" noChangeArrowheads="1"/>
-          </p:cNvSpPr>
-          <p:nvPr>
-            <p:ph type="title" sz="quarter"/>
-          </p:nvPr>
-        </p:nvSpPr>
-        <p:spPr>
-          <a:xfrm>
-            <a:off x="4284663" y="0"/>
-            <a:ext cx="4932362" cy="1484313"/>
-          </a:xfrm>
-          <a:noFill/>
-          <a:ln/>
-        </p:spPr>
-        <p:txBody>
-          <a:bodyPr lIns="92075" tIns="46038" rIns="92075" bIns="46038"/>
-          <a:lstStyle/>
-          <a:p>
-            <a:r>
-              <a:rPr lang="es-ES_tradnl" altLang="es-MX" sz="3600" b="1" dirty="0">
-                <a:solidFill>
-                  <a:schemeClr val="accent4">
-                    <a:lumMod val="75000"/>
-                  </a:schemeClr>
-                </a:solidFill>
-                <a:effectLst>
-                  <a:outerShdw blurRad="38100" dist="38100" dir="2700000" algn="tl">
-                    <a:srgbClr val="C0C0C0"/>
-                  </a:outerShdw>
-                </a:effectLst>
-              </a:rPr>
-              <a:t>Programa </a:t>
-            </a:r>
-            <a:br>
-              <a:rPr lang="es-ES_tradnl" altLang="es-MX" sz="3600" b="1" dirty="0">
-                <a:solidFill>
-                  <a:schemeClr val="accent4">
-                    <a:lumMod val="75000"/>
-                  </a:schemeClr>
-                </a:solidFill>
-                <a:effectLst>
-                  <a:outerShdw blurRad="38100" dist="38100" dir="2700000" algn="tl">
-                    <a:srgbClr val="C0C0C0"/>
-                  </a:outerShdw>
-                </a:effectLst>
-              </a:rPr>
-            </a:br>
-            <a:r>
-              <a:rPr lang="es-ES_tradnl" altLang="es-MX" sz="3600" b="1" dirty="0">
-                <a:solidFill>
-                  <a:schemeClr val="accent4">
-                    <a:lumMod val="75000"/>
-                  </a:schemeClr>
-                </a:solidFill>
-                <a:effectLst>
-                  <a:outerShdw blurRad="38100" dist="38100" dir="2700000" algn="tl">
-                    <a:srgbClr val="C0C0C0"/>
-                  </a:outerShdw>
-                </a:effectLst>
-              </a:rPr>
-              <a:t>compilado</a:t>
-            </a:r>
-          </a:p>
-        </p:txBody>
-      </p:sp>
-      <p:pic>
-        <p:nvPicPr>
-          <p:cNvPr id="109573" name="Picture 5" descr="floppydisk">
-            <a:extLst>
-              <a:ext uri="{FF2B5EF4-FFF2-40B4-BE49-F238E27FC236}">
-                <a16:creationId xmlns:a16="http://schemas.microsoft.com/office/drawing/2014/main" id="{506651AA-038E-424A-A2F0-92C33AF43DA5}"/>
-              </a:ext>
-            </a:extLst>
-          </p:cNvPr>
-          <p:cNvPicPr>
-            <a:picLocks noGrp="1" noChangeAspect="1" noChangeArrowheads="1" noCrop="1"/>
-          </p:cNvPicPr>
-          <p:nvPr>
-            <p:ph sz="quarter" idx="2"/>
-          </p:nvPr>
-        </p:nvPicPr>
-        <p:blipFill>
-          <a:blip r:embed="rId3">
-            <a:extLst>
-              <a:ext uri="{28A0092B-C50C-407E-A947-70E740481C1C}">
-                <a14:useLocalDpi xmlns:a14="http://schemas.microsoft.com/office/drawing/2010/main" val="0"/>
-              </a:ext>
-            </a:extLst>
-          </a:blip>
-          <a:srcRect/>
-          <a:stretch>
-            <a:fillRect/>
-          </a:stretch>
-        </p:blipFill>
-        <p:spPr>
-          <a:xfrm>
-            <a:off x="7164388" y="3860800"/>
-            <a:ext cx="952500" cy="952500"/>
-          </a:xfrm>
-          <a:noFill/>
-          <a:ln/>
-          <a:extLst>
-            <a:ext uri="{909E8E84-426E-40DD-AFC4-6F175D3DCCD1}">
-              <a14:hiddenFill xmlns:a14="http://schemas.microsoft.com/office/drawing/2010/main">
-                <a:solidFill>
-                  <a:srgbClr val="FFFFFF"/>
-                </a:solidFill>
-              </a14:hiddenFill>
-            </a:ext>
-            <a:ext uri="{91240B29-F687-4F45-9708-019B960494DF}">
-              <a14:hiddenLine xmlns:a14="http://schemas.microsoft.com/office/drawing/2010/main" w="9525">
-                <a:solidFill>
-                  <a:srgbClr val="000000"/>
-                </a:solidFill>
-                <a:miter lim="800000"/>
-                <a:headEnd/>
-                <a:tailEnd/>
-              </a14:hiddenLine>
-            </a:ext>
-            <a:ext uri="{AF507438-7753-43E0-B8FC-AC1667EBCBE1}">
-              <a14:hiddenEffects xmlns:a14="http://schemas.microsoft.com/office/drawing/2010/main">
-                <a:effectLst>
-                  <a:outerShdw dist="35921" dir="2700000" algn="ctr" rotWithShape="0">
-                    <a:srgbClr val="808080"/>
-                  </a:outerShdw>
-                </a:effectLst>
-              </a14:hiddenEffects>
-            </a:ext>
-          </a:extLst>
-        </p:spPr>
-      </p:pic>
-      <p:pic>
-        <p:nvPicPr>
-          <p:cNvPr id="109575" name="Picture 7" descr="document_on">
-            <a:extLst>
-              <a:ext uri="{FF2B5EF4-FFF2-40B4-BE49-F238E27FC236}">
-                <a16:creationId xmlns:a16="http://schemas.microsoft.com/office/drawing/2014/main" id="{D7C5FD35-E383-4F76-ACB0-492F4145CE0E}"/>
-              </a:ext>
-            </a:extLst>
-          </p:cNvPr>
-          <p:cNvPicPr>
-            <a:picLocks noGrp="1" noChangeAspect="1" noChangeArrowheads="1"/>
-          </p:cNvPicPr>
-          <p:nvPr>
-            <p:ph sz="quarter" idx="4"/>
-          </p:nvPr>
-        </p:nvPicPr>
-        <p:blipFill>
-          <a:blip r:embed="rId4">
-            <a:extLst>
-              <a:ext uri="{28A0092B-C50C-407E-A947-70E740481C1C}">
-                <a14:useLocalDpi xmlns:a14="http://schemas.microsoft.com/office/drawing/2010/main" val="0"/>
-              </a:ext>
-            </a:extLst>
-          </a:blip>
-          <a:srcRect/>
-          <a:stretch>
-            <a:fillRect/>
-          </a:stretch>
-        </p:blipFill>
-        <p:spPr>
-          <a:xfrm>
-            <a:off x="1547813" y="1412875"/>
-            <a:ext cx="1368425" cy="1368425"/>
-          </a:xfrm>
-          <a:noFill/>
-          <a:ln/>
-          <a:extLst>
-            <a:ext uri="{909E8E84-426E-40DD-AFC4-6F175D3DCCD1}">
-              <a14:hiddenFill xmlns:a14="http://schemas.microsoft.com/office/drawing/2010/main">
-                <a:solidFill>
-                  <a:srgbClr val="FFFFFF"/>
-                </a:solidFill>
-              </a14:hiddenFill>
-            </a:ext>
-            <a:ext uri="{91240B29-F687-4F45-9708-019B960494DF}">
-              <a14:hiddenLine xmlns:a14="http://schemas.microsoft.com/office/drawing/2010/main" w="9525">
-                <a:solidFill>
-                  <a:srgbClr val="000000"/>
-                </a:solidFill>
-                <a:miter lim="800000"/>
-                <a:headEnd/>
-                <a:tailEnd/>
-              </a14:hiddenLine>
-            </a:ext>
-            <a:ext uri="{AF507438-7753-43E0-B8FC-AC1667EBCBE1}">
-              <a14:hiddenEffects xmlns:a14="http://schemas.microsoft.com/office/drawing/2010/main">
-                <a:effectLst>
-                  <a:outerShdw dist="35921" dir="2700000" algn="ctr" rotWithShape="0">
-                    <a:srgbClr val="808080"/>
-                  </a:outerShdw>
-                </a:effectLst>
-              </a14:hiddenEffects>
-            </a:ext>
-          </a:extLst>
-        </p:spPr>
-      </p:pic>
-      <p:pic>
-        <p:nvPicPr>
-          <p:cNvPr id="109576" name="Picture 8" descr="test">
-            <a:extLst>
-              <a:ext uri="{FF2B5EF4-FFF2-40B4-BE49-F238E27FC236}">
-                <a16:creationId xmlns:a16="http://schemas.microsoft.com/office/drawing/2014/main" id="{BBA202EA-BA8A-458F-8D7D-1B7B6A1C40A2}"/>
-              </a:ext>
-            </a:extLst>
-          </p:cNvPr>
-          <p:cNvPicPr>
-            <a:picLocks noChangeAspect="1" noChangeArrowheads="1"/>
-          </p:cNvPicPr>
-          <p:nvPr/>
-        </p:nvPicPr>
-        <p:blipFill>
-          <a:blip r:embed="rId5" cstate="print">
-            <a:extLst>
-              <a:ext uri="{28A0092B-C50C-407E-A947-70E740481C1C}">
-                <a14:useLocalDpi xmlns:a14="http://schemas.microsoft.com/office/drawing/2010/main" val="0"/>
-              </a:ext>
-            </a:extLst>
-          </a:blip>
-          <a:srcRect/>
-          <a:stretch>
-            <a:fillRect/>
-          </a:stretch>
-        </p:blipFill>
-        <p:spPr bwMode="auto">
-          <a:xfrm>
-            <a:off x="755650" y="4724400"/>
-            <a:ext cx="827088" cy="936625"/>
-          </a:xfrm>
-          <a:prstGeom prst="rect">
-            <a:avLst/>
-          </a:prstGeom>
-          <a:noFill/>
-          <a:extLst>
-            <a:ext uri="{909E8E84-426E-40DD-AFC4-6F175D3DCCD1}">
-              <a14:hiddenFill xmlns:a14="http://schemas.microsoft.com/office/drawing/2010/main">
-                <a:solidFill>
-                  <a:srgbClr val="FFFFFF"/>
-                </a:solidFill>
-              </a14:hiddenFill>
-            </a:ext>
-          </a:extLst>
-        </p:spPr>
-      </p:pic>
-      <p:pic>
-        <p:nvPicPr>
-          <p:cNvPr id="109577" name="Picture 9" descr="welcome">
-            <a:extLst>
-              <a:ext uri="{FF2B5EF4-FFF2-40B4-BE49-F238E27FC236}">
-                <a16:creationId xmlns:a16="http://schemas.microsoft.com/office/drawing/2014/main" id="{58F32ECC-31AF-49B3-BC77-2D84D36E8EA5}"/>
-              </a:ext>
-            </a:extLst>
-          </p:cNvPr>
-          <p:cNvPicPr>
-            <a:picLocks noChangeAspect="1" noChangeArrowheads="1"/>
-          </p:cNvPicPr>
-          <p:nvPr/>
-        </p:nvPicPr>
-        <p:blipFill>
-          <a:blip r:embed="rId6" cstate="print">
-            <a:extLst>
-              <a:ext uri="{28A0092B-C50C-407E-A947-70E740481C1C}">
-                <a14:useLocalDpi xmlns:a14="http://schemas.microsoft.com/office/drawing/2010/main" val="0"/>
-              </a:ext>
-            </a:extLst>
-          </a:blip>
-          <a:srcRect/>
-          <a:stretch>
-            <a:fillRect/>
-          </a:stretch>
-        </p:blipFill>
-        <p:spPr bwMode="auto">
-          <a:xfrm>
-            <a:off x="2411413" y="4437063"/>
-            <a:ext cx="1179512" cy="1223962"/>
-          </a:xfrm>
-          <a:prstGeom prst="rect">
-            <a:avLst/>
-          </a:prstGeom>
-          <a:noFill/>
-          <a:extLst>
-            <a:ext uri="{909E8E84-426E-40DD-AFC4-6F175D3DCCD1}">
-              <a14:hiddenFill xmlns:a14="http://schemas.microsoft.com/office/drawing/2010/main">
-                <a:solidFill>
-                  <a:srgbClr val="FFFFFF"/>
-                </a:solidFill>
-              </a14:hiddenFill>
-            </a:ext>
-          </a:extLst>
-        </p:spPr>
-      </p:pic>
-      <p:pic>
-        <p:nvPicPr>
-          <p:cNvPr id="109578" name="Picture 10" descr="test4">
-            <a:extLst>
-              <a:ext uri="{FF2B5EF4-FFF2-40B4-BE49-F238E27FC236}">
-                <a16:creationId xmlns:a16="http://schemas.microsoft.com/office/drawing/2014/main" id="{7C21CA3B-7888-41D1-96B5-DF249DFEC177}"/>
-              </a:ext>
-            </a:extLst>
-          </p:cNvPr>
-          <p:cNvPicPr>
-            <a:picLocks noChangeAspect="1" noChangeArrowheads="1"/>
-          </p:cNvPicPr>
-          <p:nvPr/>
-        </p:nvPicPr>
-        <p:blipFill>
-          <a:blip r:embed="rId7">
-            <a:extLst>
-              <a:ext uri="{28A0092B-C50C-407E-A947-70E740481C1C}">
-                <a14:useLocalDpi xmlns:a14="http://schemas.microsoft.com/office/drawing/2010/main" val="0"/>
-              </a:ext>
-            </a:extLst>
-          </a:blip>
-          <a:srcRect/>
-          <a:stretch>
-            <a:fillRect/>
-          </a:stretch>
-        </p:blipFill>
-        <p:spPr bwMode="auto">
-          <a:xfrm>
-            <a:off x="6804025" y="2492375"/>
-            <a:ext cx="1439863" cy="1127125"/>
-          </a:xfrm>
-          <a:prstGeom prst="rect">
-            <a:avLst/>
-          </a:prstGeom>
-          <a:noFill/>
-          <a:extLst>
-            <a:ext uri="{909E8E84-426E-40DD-AFC4-6F175D3DCCD1}">
-              <a14:hiddenFill xmlns:a14="http://schemas.microsoft.com/office/drawing/2010/main">
-                <a:solidFill>
-                  <a:srgbClr val="FFFFFF"/>
-                </a:solidFill>
-              </a14:hiddenFill>
-            </a:ext>
-          </a:extLst>
-        </p:spPr>
-      </p:pic>
-      <p:pic>
-        <p:nvPicPr>
-          <p:cNvPr id="109579" name="Picture 11" descr="test6">
-            <a:extLst>
-              <a:ext uri="{FF2B5EF4-FFF2-40B4-BE49-F238E27FC236}">
-                <a16:creationId xmlns:a16="http://schemas.microsoft.com/office/drawing/2014/main" id="{823C938F-5291-4201-A6A5-F70B38E65E4F}"/>
-              </a:ext>
-            </a:extLst>
-          </p:cNvPr>
-          <p:cNvPicPr>
-            <a:picLocks noChangeAspect="1" noChangeArrowheads="1"/>
-          </p:cNvPicPr>
-          <p:nvPr/>
-        </p:nvPicPr>
-        <p:blipFill>
-          <a:blip r:embed="rId8">
-            <a:extLst>
-              <a:ext uri="{28A0092B-C50C-407E-A947-70E740481C1C}">
-                <a14:useLocalDpi xmlns:a14="http://schemas.microsoft.com/office/drawing/2010/main" val="0"/>
-              </a:ext>
-            </a:extLst>
-          </a:blip>
-          <a:srcRect/>
-          <a:stretch>
-            <a:fillRect/>
-          </a:stretch>
-        </p:blipFill>
-        <p:spPr bwMode="auto">
-          <a:xfrm>
-            <a:off x="2555875" y="3068638"/>
-            <a:ext cx="1223963" cy="1270000"/>
-          </a:xfrm>
-          <a:prstGeom prst="rect">
-            <a:avLst/>
-          </a:prstGeom>
-          <a:noFill/>
-          <a:extLst>
-            <a:ext uri="{909E8E84-426E-40DD-AFC4-6F175D3DCCD1}">
-              <a14:hiddenFill xmlns:a14="http://schemas.microsoft.com/office/drawing/2010/main">
-                <a:solidFill>
-                  <a:srgbClr val="FFFFFF"/>
-                </a:solidFill>
-              </a14:hiddenFill>
-            </a:ext>
-          </a:extLst>
-        </p:spPr>
-      </p:pic>
-      <p:sp>
-        <p:nvSpPr>
-          <p:cNvPr id="109580" name="Text Box 12">
-            <a:extLst>
-              <a:ext uri="{FF2B5EF4-FFF2-40B4-BE49-F238E27FC236}">
-                <a16:creationId xmlns:a16="http://schemas.microsoft.com/office/drawing/2014/main" id="{1D1FF5FF-FA65-499D-A268-804A2EBA7E23}"/>
-              </a:ext>
-            </a:extLst>
-          </p:cNvPr>
-          <p:cNvSpPr txBox="1">
-            <a:spLocks noChangeArrowheads="1"/>
-          </p:cNvSpPr>
-          <p:nvPr/>
-        </p:nvSpPr>
-        <p:spPr bwMode="auto">
-          <a:xfrm>
-            <a:off x="0" y="1773238"/>
-            <a:ext cx="1835150" cy="646331"/>
-          </a:xfrm>
-          <a:prstGeom prst="rect">
-            <a:avLst/>
-          </a:prstGeom>
-          <a:noFill/>
-          <a:ln>
-            <a:noFill/>
-          </a:ln>
-          <a:effectLst/>
-          <a:extLst>
-            <a:ext uri="{909E8E84-426E-40DD-AFC4-6F175D3DCCD1}">
-              <a14:hiddenFill xmlns:a14="http://schemas.microsoft.com/office/drawing/2010/main">
-                <a:solidFill>
-                  <a:schemeClr val="accent1"/>
-                </a:solidFill>
-              </a14:hiddenFill>
-            </a:ext>
-            <a:ext uri="{91240B29-F687-4F45-9708-019B960494DF}">
-              <a14:hiddenLine xmlns:a14="http://schemas.microsoft.com/office/drawing/2010/main" w="12700">
-                <a:solidFill>
-                  <a:schemeClr val="tx1"/>
-                </a:solidFill>
-                <a:miter lim="800000"/>
-                <a:headEnd type="none" w="sm" len="sm"/>
-                <a:tailEnd type="none" w="sm" len="sm"/>
-              </a14:hiddenLine>
-            </a:ext>
-            <a:ext uri="{AF507438-7753-43E0-B8FC-AC1667EBCBE1}">
-              <a14:hiddenEffects xmlns:a14="http://schemas.microsoft.com/office/drawing/2010/main">
-                <a:effectLst>
-                  <a:outerShdw dist="35921" dir="2700000" algn="ctr" rotWithShape="0">
-                    <a:schemeClr val="bg2"/>
-                  </a:outerShdw>
-                </a:effectLst>
-              </a14:hiddenEffects>
-            </a:ext>
-          </a:extLst>
-        </p:spPr>
-        <p:txBody>
-          <a:bodyPr>
-            <a:spAutoFit/>
-          </a:bodyPr>
-          <a:lstStyle>
-            <a:lvl1pPr eaLnBrk="0" hangingPunct="0">
-              <a:defRPr sz="2400">
-                <a:solidFill>
-                  <a:schemeClr val="tx1"/>
-                </a:solidFill>
-                <a:latin typeface="Times New Roman" panose="02020603050405020304" pitchFamily="18" charset="0"/>
-              </a:defRPr>
-            </a:lvl1pPr>
-            <a:lvl2pPr marL="571500" eaLnBrk="0" hangingPunct="0">
-              <a:defRPr sz="2400">
-                <a:solidFill>
-                  <a:schemeClr val="tx1"/>
-                </a:solidFill>
-                <a:latin typeface="Times New Roman" panose="02020603050405020304" pitchFamily="18" charset="0"/>
-              </a:defRPr>
-            </a:lvl2pPr>
-            <a:lvl3pPr marL="1143000" eaLnBrk="0" hangingPunct="0">
-              <a:defRPr sz="2400">
-                <a:solidFill>
-                  <a:schemeClr val="tx1"/>
-                </a:solidFill>
-                <a:latin typeface="Times New Roman" panose="02020603050405020304" pitchFamily="18" charset="0"/>
-              </a:defRPr>
-            </a:lvl3pPr>
-            <a:lvl4pPr marL="1714500" eaLnBrk="0" hangingPunct="0">
-              <a:defRPr sz="2400">
-                <a:solidFill>
-                  <a:schemeClr val="tx1"/>
-                </a:solidFill>
-                <a:latin typeface="Times New Roman" panose="02020603050405020304" pitchFamily="18" charset="0"/>
-              </a:defRPr>
-            </a:lvl4pPr>
-            <a:lvl5pPr marL="2286000" eaLnBrk="0" hangingPunct="0">
-              <a:defRPr sz="2400">
-                <a:solidFill>
-                  <a:schemeClr val="tx1"/>
-                </a:solidFill>
-                <a:latin typeface="Times New Roman" panose="02020603050405020304" pitchFamily="18" charset="0"/>
-              </a:defRPr>
-            </a:lvl5pPr>
-            <a:lvl6pPr marL="2743200" eaLnBrk="0" fontAlgn="base" hangingPunct="0">
-              <a:spcBef>
-                <a:spcPct val="0"/>
-              </a:spcBef>
-              <a:spcAft>
-                <a:spcPct val="0"/>
-              </a:spcAft>
-              <a:defRPr sz="2400">
-                <a:solidFill>
-                  <a:schemeClr val="tx1"/>
-                </a:solidFill>
-                <a:latin typeface="Times New Roman" panose="02020603050405020304" pitchFamily="18" charset="0"/>
-              </a:defRPr>
-            </a:lvl6pPr>
-            <a:lvl7pPr marL="3200400" eaLnBrk="0" fontAlgn="base" hangingPunct="0">
-              <a:spcBef>
-                <a:spcPct val="0"/>
-              </a:spcBef>
-              <a:spcAft>
-                <a:spcPct val="0"/>
-              </a:spcAft>
-              <a:defRPr sz="2400">
-                <a:solidFill>
-                  <a:schemeClr val="tx1"/>
-                </a:solidFill>
-                <a:latin typeface="Times New Roman" panose="02020603050405020304" pitchFamily="18" charset="0"/>
-              </a:defRPr>
-            </a:lvl7pPr>
-            <a:lvl8pPr marL="3657600" eaLnBrk="0" fontAlgn="base" hangingPunct="0">
-              <a:spcBef>
-                <a:spcPct val="0"/>
-              </a:spcBef>
-              <a:spcAft>
-                <a:spcPct val="0"/>
-              </a:spcAft>
-              <a:defRPr sz="2400">
-                <a:solidFill>
-                  <a:schemeClr val="tx1"/>
-                </a:solidFill>
-                <a:latin typeface="Times New Roman" panose="02020603050405020304" pitchFamily="18" charset="0"/>
-              </a:defRPr>
-            </a:lvl8pPr>
-            <a:lvl9pPr marL="4114800" eaLnBrk="0" fontAlgn="base" hangingPunct="0">
-              <a:spcBef>
-                <a:spcPct val="0"/>
-              </a:spcBef>
-              <a:spcAft>
-                <a:spcPct val="0"/>
-              </a:spcAft>
-              <a:defRPr sz="2400">
-                <a:solidFill>
-                  <a:schemeClr val="tx1"/>
-                </a:solidFill>
-                <a:latin typeface="Times New Roman" panose="02020603050405020304" pitchFamily="18" charset="0"/>
-              </a:defRPr>
-            </a:lvl9pPr>
-          </a:lstStyle>
-          <a:p>
-            <a:pPr algn="ctr" eaLnBrk="1" hangingPunct="1">
-              <a:spcBef>
-                <a:spcPct val="50000"/>
-              </a:spcBef>
-            </a:pPr>
-            <a:r>
-              <a:rPr lang="es-MX" altLang="es-MX" sz="1800" b="1" dirty="0">
-                <a:latin typeface="Arial" panose="020B0604020202020204" pitchFamily="34" charset="0"/>
-              </a:rPr>
-              <a:t>Programa</a:t>
-            </a:r>
-            <a:r>
-              <a:rPr lang="es-MX" altLang="es-MX" sz="1800" dirty="0">
-                <a:latin typeface="Arial" panose="020B0604020202020204" pitchFamily="34" charset="0"/>
-              </a:rPr>
-              <a:t> (Código fuente)</a:t>
-            </a:r>
-          </a:p>
-        </p:txBody>
-      </p:sp>
-      <p:sp>
-        <p:nvSpPr>
-          <p:cNvPr id="109581" name="Text Box 13">
-            <a:extLst>
-              <a:ext uri="{FF2B5EF4-FFF2-40B4-BE49-F238E27FC236}">
-                <a16:creationId xmlns:a16="http://schemas.microsoft.com/office/drawing/2014/main" id="{93FF725B-31EF-4812-BC3F-17F322C21E62}"/>
-              </a:ext>
-            </a:extLst>
-          </p:cNvPr>
-          <p:cNvSpPr txBox="1">
-            <a:spLocks noChangeArrowheads="1"/>
-          </p:cNvSpPr>
-          <p:nvPr/>
-        </p:nvSpPr>
-        <p:spPr bwMode="auto">
-          <a:xfrm>
-            <a:off x="1042988" y="3429000"/>
-            <a:ext cx="1331912" cy="366713"/>
-          </a:xfrm>
-          <a:prstGeom prst="rect">
-            <a:avLst/>
-          </a:prstGeom>
-          <a:noFill/>
-          <a:ln>
-            <a:noFill/>
-          </a:ln>
-          <a:effectLst/>
-          <a:extLst>
-            <a:ext uri="{909E8E84-426E-40DD-AFC4-6F175D3DCCD1}">
-              <a14:hiddenFill xmlns:a14="http://schemas.microsoft.com/office/drawing/2010/main">
-                <a:solidFill>
-                  <a:schemeClr val="accent1"/>
-                </a:solidFill>
-              </a14:hiddenFill>
-            </a:ext>
-            <a:ext uri="{91240B29-F687-4F45-9708-019B960494DF}">
-              <a14:hiddenLine xmlns:a14="http://schemas.microsoft.com/office/drawing/2010/main" w="12700">
-                <a:solidFill>
-                  <a:schemeClr val="tx1"/>
-                </a:solidFill>
-                <a:miter lim="800000"/>
-                <a:headEnd type="none" w="sm" len="sm"/>
-                <a:tailEnd type="none" w="sm" len="sm"/>
-              </a14:hiddenLine>
-            </a:ext>
-            <a:ext uri="{AF507438-7753-43E0-B8FC-AC1667EBCBE1}">
-              <a14:hiddenEffects xmlns:a14="http://schemas.microsoft.com/office/drawing/2010/main">
-                <a:effectLst>
-                  <a:outerShdw dist="35921" dir="2700000" algn="ctr" rotWithShape="0">
-                    <a:schemeClr val="bg2"/>
-                  </a:outerShdw>
-                </a:effectLst>
-              </a14:hiddenEffects>
-            </a:ext>
-          </a:extLst>
-        </p:spPr>
-        <p:txBody>
-          <a:bodyPr>
-            <a:spAutoFit/>
-          </a:bodyPr>
-          <a:lstStyle>
-            <a:lvl1pPr eaLnBrk="0" hangingPunct="0">
-              <a:defRPr sz="2400">
-                <a:solidFill>
-                  <a:schemeClr val="tx1"/>
-                </a:solidFill>
-                <a:latin typeface="Times New Roman" panose="02020603050405020304" pitchFamily="18" charset="0"/>
-              </a:defRPr>
-            </a:lvl1pPr>
-            <a:lvl2pPr marL="571500" eaLnBrk="0" hangingPunct="0">
-              <a:defRPr sz="2400">
-                <a:solidFill>
-                  <a:schemeClr val="tx1"/>
-                </a:solidFill>
-                <a:latin typeface="Times New Roman" panose="02020603050405020304" pitchFamily="18" charset="0"/>
-              </a:defRPr>
-            </a:lvl2pPr>
-            <a:lvl3pPr marL="1143000" eaLnBrk="0" hangingPunct="0">
-              <a:defRPr sz="2400">
-                <a:solidFill>
-                  <a:schemeClr val="tx1"/>
-                </a:solidFill>
-                <a:latin typeface="Times New Roman" panose="02020603050405020304" pitchFamily="18" charset="0"/>
-              </a:defRPr>
-            </a:lvl3pPr>
-            <a:lvl4pPr marL="1714500" eaLnBrk="0" hangingPunct="0">
-              <a:defRPr sz="2400">
-                <a:solidFill>
-                  <a:schemeClr val="tx1"/>
-                </a:solidFill>
-                <a:latin typeface="Times New Roman" panose="02020603050405020304" pitchFamily="18" charset="0"/>
-              </a:defRPr>
-            </a:lvl4pPr>
-            <a:lvl5pPr marL="2286000" eaLnBrk="0" hangingPunct="0">
-              <a:defRPr sz="2400">
-                <a:solidFill>
-                  <a:schemeClr val="tx1"/>
-                </a:solidFill>
-                <a:latin typeface="Times New Roman" panose="02020603050405020304" pitchFamily="18" charset="0"/>
-              </a:defRPr>
-            </a:lvl5pPr>
-            <a:lvl6pPr marL="2743200" eaLnBrk="0" fontAlgn="base" hangingPunct="0">
-              <a:spcBef>
-                <a:spcPct val="0"/>
-              </a:spcBef>
-              <a:spcAft>
-                <a:spcPct val="0"/>
-              </a:spcAft>
-              <a:defRPr sz="2400">
-                <a:solidFill>
-                  <a:schemeClr val="tx1"/>
-                </a:solidFill>
-                <a:latin typeface="Times New Roman" panose="02020603050405020304" pitchFamily="18" charset="0"/>
-              </a:defRPr>
-            </a:lvl6pPr>
-            <a:lvl7pPr marL="3200400" eaLnBrk="0" fontAlgn="base" hangingPunct="0">
-              <a:spcBef>
-                <a:spcPct val="0"/>
-              </a:spcBef>
-              <a:spcAft>
-                <a:spcPct val="0"/>
-              </a:spcAft>
-              <a:defRPr sz="2400">
-                <a:solidFill>
-                  <a:schemeClr val="tx1"/>
-                </a:solidFill>
-                <a:latin typeface="Times New Roman" panose="02020603050405020304" pitchFamily="18" charset="0"/>
-              </a:defRPr>
-            </a:lvl7pPr>
-            <a:lvl8pPr marL="3657600" eaLnBrk="0" fontAlgn="base" hangingPunct="0">
-              <a:spcBef>
-                <a:spcPct val="0"/>
-              </a:spcBef>
-              <a:spcAft>
-                <a:spcPct val="0"/>
-              </a:spcAft>
-              <a:defRPr sz="2400">
-                <a:solidFill>
-                  <a:schemeClr val="tx1"/>
-                </a:solidFill>
-                <a:latin typeface="Times New Roman" panose="02020603050405020304" pitchFamily="18" charset="0"/>
-              </a:defRPr>
-            </a:lvl8pPr>
-            <a:lvl9pPr marL="4114800" eaLnBrk="0" fontAlgn="base" hangingPunct="0">
-              <a:spcBef>
-                <a:spcPct val="0"/>
-              </a:spcBef>
-              <a:spcAft>
-                <a:spcPct val="0"/>
-              </a:spcAft>
-              <a:defRPr sz="2400">
-                <a:solidFill>
-                  <a:schemeClr val="tx1"/>
-                </a:solidFill>
-                <a:latin typeface="Times New Roman" panose="02020603050405020304" pitchFamily="18" charset="0"/>
-              </a:defRPr>
-            </a:lvl9pPr>
-          </a:lstStyle>
-          <a:p>
-            <a:pPr algn="ctr" eaLnBrk="1" hangingPunct="1">
-              <a:spcBef>
-                <a:spcPct val="50000"/>
-              </a:spcBef>
-            </a:pPr>
-            <a:r>
-              <a:rPr lang="es-MX" altLang="es-MX" sz="1800" b="1">
-                <a:latin typeface="Arial" panose="020B0604020202020204" pitchFamily="34" charset="0"/>
-              </a:rPr>
-              <a:t>Intérprete</a:t>
-            </a:r>
-            <a:endParaRPr lang="es-MX" altLang="es-MX" sz="1800">
-              <a:latin typeface="Arial" panose="020B0604020202020204" pitchFamily="34" charset="0"/>
-            </a:endParaRPr>
-          </a:p>
-        </p:txBody>
-      </p:sp>
-      <p:sp>
-        <p:nvSpPr>
-          <p:cNvPr id="109582" name="Line 14">
-            <a:extLst>
-              <a:ext uri="{FF2B5EF4-FFF2-40B4-BE49-F238E27FC236}">
-                <a16:creationId xmlns:a16="http://schemas.microsoft.com/office/drawing/2014/main" id="{ED4D8248-7A91-42FF-923C-52E2BBAAAC86}"/>
-              </a:ext>
-            </a:extLst>
-          </p:cNvPr>
-          <p:cNvSpPr>
-            <a:spLocks noChangeShapeType="1"/>
-          </p:cNvSpPr>
-          <p:nvPr/>
-        </p:nvSpPr>
-        <p:spPr bwMode="auto">
-          <a:xfrm>
-            <a:off x="2124075" y="2636838"/>
-            <a:ext cx="0" cy="646112"/>
-          </a:xfrm>
-          <a:prstGeom prst="line">
-            <a:avLst/>
-          </a:prstGeom>
-          <a:noFill/>
-          <a:ln w="50800">
-            <a:solidFill>
-              <a:schemeClr val="tx1"/>
-            </a:solidFill>
-            <a:round/>
-            <a:headEnd type="none" w="sm" len="sm"/>
-            <a:tailEnd type="triangle" w="lg" len="lg"/>
-          </a:ln>
-          <a:effectLst/>
-          <a:extLst>
-            <a:ext uri="{909E8E84-426E-40DD-AFC4-6F175D3DCCD1}">
-              <a14:hiddenFill xmlns:a14="http://schemas.microsoft.com/office/drawing/2010/main">
-                <a:noFill/>
-              </a14:hiddenFill>
-            </a:ext>
-            <a:ext uri="{AF507438-7753-43E0-B8FC-AC1667EBCBE1}">
-              <a14:hiddenEffects xmlns:a14="http://schemas.microsoft.com/office/drawing/2010/main">
-                <a:effectLst>
-                  <a:outerShdw dist="35921" dir="2700000" algn="ctr" rotWithShape="0">
-                    <a:schemeClr val="bg2"/>
-                  </a:outerShdw>
-                </a:effectLst>
-              </a14:hiddenEffects>
-            </a:ext>
-          </a:extLst>
-        </p:spPr>
-        <p:txBody>
-          <a:bodyPr/>
-          <a:lstStyle/>
-          <a:p>
-            <a:endParaRPr lang="es-MX"/>
-          </a:p>
-        </p:txBody>
-      </p:sp>
-      <p:sp>
-        <p:nvSpPr>
-          <p:cNvPr id="109583" name="Line 15">
-            <a:extLst>
-              <a:ext uri="{FF2B5EF4-FFF2-40B4-BE49-F238E27FC236}">
-                <a16:creationId xmlns:a16="http://schemas.microsoft.com/office/drawing/2014/main" id="{89A6BDC4-9DE9-42E9-825B-A1EE5EADEBBB}"/>
-              </a:ext>
-            </a:extLst>
-          </p:cNvPr>
-          <p:cNvSpPr>
-            <a:spLocks noChangeShapeType="1"/>
-          </p:cNvSpPr>
-          <p:nvPr/>
-        </p:nvSpPr>
-        <p:spPr bwMode="auto">
-          <a:xfrm flipH="1">
-            <a:off x="1403350" y="4005263"/>
-            <a:ext cx="576263" cy="576262"/>
-          </a:xfrm>
-          <a:prstGeom prst="line">
-            <a:avLst/>
-          </a:prstGeom>
-          <a:noFill/>
-          <a:ln w="50800">
-            <a:solidFill>
-              <a:schemeClr val="tx1"/>
-            </a:solidFill>
-            <a:round/>
-            <a:headEnd type="none" w="sm" len="sm"/>
-            <a:tailEnd type="triangle" w="lg" len="lg"/>
-          </a:ln>
-          <a:effectLst/>
-          <a:extLst>
-            <a:ext uri="{909E8E84-426E-40DD-AFC4-6F175D3DCCD1}">
-              <a14:hiddenFill xmlns:a14="http://schemas.microsoft.com/office/drawing/2010/main">
-                <a:noFill/>
-              </a14:hiddenFill>
-            </a:ext>
-            <a:ext uri="{AF507438-7753-43E0-B8FC-AC1667EBCBE1}">
-              <a14:hiddenEffects xmlns:a14="http://schemas.microsoft.com/office/drawing/2010/main">
-                <a:effectLst>
-                  <a:outerShdw dist="35921" dir="2700000" algn="ctr" rotWithShape="0">
-                    <a:schemeClr val="bg2"/>
-                  </a:outerShdw>
-                </a:effectLst>
-              </a14:hiddenEffects>
-            </a:ext>
-          </a:extLst>
-        </p:spPr>
-        <p:txBody>
-          <a:bodyPr/>
-          <a:lstStyle/>
-          <a:p>
-            <a:endParaRPr lang="es-MX"/>
-          </a:p>
-        </p:txBody>
-      </p:sp>
-      <p:sp>
-        <p:nvSpPr>
-          <p:cNvPr id="109584" name="Line 16">
-            <a:extLst>
-              <a:ext uri="{FF2B5EF4-FFF2-40B4-BE49-F238E27FC236}">
-                <a16:creationId xmlns:a16="http://schemas.microsoft.com/office/drawing/2014/main" id="{2D2D096D-22FB-4F81-B644-7BBBC1D92257}"/>
-              </a:ext>
-            </a:extLst>
-          </p:cNvPr>
-          <p:cNvSpPr>
-            <a:spLocks noChangeShapeType="1"/>
-          </p:cNvSpPr>
-          <p:nvPr/>
-        </p:nvSpPr>
-        <p:spPr bwMode="auto">
-          <a:xfrm>
-            <a:off x="1979613" y="4005263"/>
-            <a:ext cx="720725" cy="503237"/>
-          </a:xfrm>
-          <a:prstGeom prst="line">
-            <a:avLst/>
-          </a:prstGeom>
-          <a:noFill/>
-          <a:ln w="50800">
-            <a:solidFill>
-              <a:schemeClr val="tx1"/>
-            </a:solidFill>
-            <a:round/>
-            <a:headEnd type="none" w="sm" len="sm"/>
-            <a:tailEnd type="triangle" w="lg" len="lg"/>
-          </a:ln>
-          <a:effectLst/>
-          <a:extLst>
-            <a:ext uri="{909E8E84-426E-40DD-AFC4-6F175D3DCCD1}">
-              <a14:hiddenFill xmlns:a14="http://schemas.microsoft.com/office/drawing/2010/main">
-                <a:noFill/>
-              </a14:hiddenFill>
-            </a:ext>
-            <a:ext uri="{AF507438-7753-43E0-B8FC-AC1667EBCBE1}">
-              <a14:hiddenEffects xmlns:a14="http://schemas.microsoft.com/office/drawing/2010/main">
-                <a:effectLst>
-                  <a:outerShdw dist="35921" dir="2700000" algn="ctr" rotWithShape="0">
-                    <a:schemeClr val="bg2"/>
-                  </a:outerShdw>
-                </a:effectLst>
-              </a14:hiddenEffects>
-            </a:ext>
-          </a:extLst>
-        </p:spPr>
-        <p:txBody>
-          <a:bodyPr/>
-          <a:lstStyle/>
-          <a:p>
-            <a:endParaRPr lang="es-MX"/>
-          </a:p>
-        </p:txBody>
-      </p:sp>
-      <p:sp>
-        <p:nvSpPr>
-          <p:cNvPr id="109585" name="Text Box 17">
-            <a:extLst>
-              <a:ext uri="{FF2B5EF4-FFF2-40B4-BE49-F238E27FC236}">
-                <a16:creationId xmlns:a16="http://schemas.microsoft.com/office/drawing/2014/main" id="{34C6F9AE-C5B0-4E9A-B7FC-CA8A5A827617}"/>
-              </a:ext>
-            </a:extLst>
-          </p:cNvPr>
-          <p:cNvSpPr txBox="1">
-            <a:spLocks noChangeArrowheads="1"/>
-          </p:cNvSpPr>
-          <p:nvPr/>
-        </p:nvSpPr>
-        <p:spPr bwMode="auto">
-          <a:xfrm>
-            <a:off x="539750" y="5588000"/>
-            <a:ext cx="1871663" cy="366713"/>
-          </a:xfrm>
-          <a:prstGeom prst="rect">
-            <a:avLst/>
-          </a:prstGeom>
-          <a:noFill/>
-          <a:ln>
-            <a:noFill/>
-          </a:ln>
-          <a:effectLst/>
-          <a:extLst>
-            <a:ext uri="{909E8E84-426E-40DD-AFC4-6F175D3DCCD1}">
-              <a14:hiddenFill xmlns:a14="http://schemas.microsoft.com/office/drawing/2010/main">
-                <a:solidFill>
-                  <a:schemeClr val="accent1"/>
-                </a:solidFill>
-              </a14:hiddenFill>
-            </a:ext>
-            <a:ext uri="{91240B29-F687-4F45-9708-019B960494DF}">
-              <a14:hiddenLine xmlns:a14="http://schemas.microsoft.com/office/drawing/2010/main" w="12700">
-                <a:solidFill>
-                  <a:schemeClr val="tx1"/>
-                </a:solidFill>
-                <a:miter lim="800000"/>
-                <a:headEnd type="none" w="sm" len="sm"/>
-                <a:tailEnd type="none" w="sm" len="sm"/>
-              </a14:hiddenLine>
-            </a:ext>
-            <a:ext uri="{AF507438-7753-43E0-B8FC-AC1667EBCBE1}">
-              <a14:hiddenEffects xmlns:a14="http://schemas.microsoft.com/office/drawing/2010/main">
-                <a:effectLst>
-                  <a:outerShdw dist="35921" dir="2700000" algn="ctr" rotWithShape="0">
-                    <a:schemeClr val="bg2"/>
-                  </a:outerShdw>
-                </a:effectLst>
-              </a14:hiddenEffects>
-            </a:ext>
-          </a:extLst>
-        </p:spPr>
-        <p:txBody>
-          <a:bodyPr>
-            <a:spAutoFit/>
-          </a:bodyPr>
-          <a:lstStyle>
-            <a:lvl1pPr eaLnBrk="0" hangingPunct="0">
-              <a:defRPr sz="2400">
-                <a:solidFill>
-                  <a:schemeClr val="tx1"/>
-                </a:solidFill>
-                <a:latin typeface="Times New Roman" panose="02020603050405020304" pitchFamily="18" charset="0"/>
-              </a:defRPr>
-            </a:lvl1pPr>
-            <a:lvl2pPr marL="571500" eaLnBrk="0" hangingPunct="0">
-              <a:defRPr sz="2400">
-                <a:solidFill>
-                  <a:schemeClr val="tx1"/>
-                </a:solidFill>
-                <a:latin typeface="Times New Roman" panose="02020603050405020304" pitchFamily="18" charset="0"/>
-              </a:defRPr>
-            </a:lvl2pPr>
-            <a:lvl3pPr marL="1143000" eaLnBrk="0" hangingPunct="0">
-              <a:defRPr sz="2400">
-                <a:solidFill>
-                  <a:schemeClr val="tx1"/>
-                </a:solidFill>
-                <a:latin typeface="Times New Roman" panose="02020603050405020304" pitchFamily="18" charset="0"/>
-              </a:defRPr>
-            </a:lvl3pPr>
-            <a:lvl4pPr marL="1714500" eaLnBrk="0" hangingPunct="0">
-              <a:defRPr sz="2400">
-                <a:solidFill>
-                  <a:schemeClr val="tx1"/>
-                </a:solidFill>
-                <a:latin typeface="Times New Roman" panose="02020603050405020304" pitchFamily="18" charset="0"/>
-              </a:defRPr>
-            </a:lvl4pPr>
-            <a:lvl5pPr marL="2286000" eaLnBrk="0" hangingPunct="0">
-              <a:defRPr sz="2400">
-                <a:solidFill>
-                  <a:schemeClr val="tx1"/>
-                </a:solidFill>
-                <a:latin typeface="Times New Roman" panose="02020603050405020304" pitchFamily="18" charset="0"/>
-              </a:defRPr>
-            </a:lvl5pPr>
-            <a:lvl6pPr marL="2743200" eaLnBrk="0" fontAlgn="base" hangingPunct="0">
-              <a:spcBef>
-                <a:spcPct val="0"/>
-              </a:spcBef>
-              <a:spcAft>
-                <a:spcPct val="0"/>
-              </a:spcAft>
-              <a:defRPr sz="2400">
-                <a:solidFill>
-                  <a:schemeClr val="tx1"/>
-                </a:solidFill>
-                <a:latin typeface="Times New Roman" panose="02020603050405020304" pitchFamily="18" charset="0"/>
-              </a:defRPr>
-            </a:lvl6pPr>
-            <a:lvl7pPr marL="3200400" eaLnBrk="0" fontAlgn="base" hangingPunct="0">
-              <a:spcBef>
-                <a:spcPct val="0"/>
-              </a:spcBef>
-              <a:spcAft>
-                <a:spcPct val="0"/>
-              </a:spcAft>
-              <a:defRPr sz="2400">
-                <a:solidFill>
-                  <a:schemeClr val="tx1"/>
-                </a:solidFill>
-                <a:latin typeface="Times New Roman" panose="02020603050405020304" pitchFamily="18" charset="0"/>
-              </a:defRPr>
-            </a:lvl7pPr>
-            <a:lvl8pPr marL="3657600" eaLnBrk="0" fontAlgn="base" hangingPunct="0">
-              <a:spcBef>
-                <a:spcPct val="0"/>
-              </a:spcBef>
-              <a:spcAft>
-                <a:spcPct val="0"/>
-              </a:spcAft>
-              <a:defRPr sz="2400">
-                <a:solidFill>
-                  <a:schemeClr val="tx1"/>
-                </a:solidFill>
-                <a:latin typeface="Times New Roman" panose="02020603050405020304" pitchFamily="18" charset="0"/>
-              </a:defRPr>
-            </a:lvl8pPr>
-            <a:lvl9pPr marL="4114800" eaLnBrk="0" fontAlgn="base" hangingPunct="0">
-              <a:spcBef>
-                <a:spcPct val="0"/>
-              </a:spcBef>
-              <a:spcAft>
-                <a:spcPct val="0"/>
-              </a:spcAft>
-              <a:defRPr sz="2400">
-                <a:solidFill>
-                  <a:schemeClr val="tx1"/>
-                </a:solidFill>
-                <a:latin typeface="Times New Roman" panose="02020603050405020304" pitchFamily="18" charset="0"/>
-              </a:defRPr>
-            </a:lvl9pPr>
-          </a:lstStyle>
-          <a:p>
-            <a:pPr algn="ctr" eaLnBrk="1" hangingPunct="1">
-              <a:spcBef>
-                <a:spcPct val="50000"/>
-              </a:spcBef>
-            </a:pPr>
-            <a:r>
-              <a:rPr lang="es-MX" altLang="es-MX" sz="1800" b="1">
-                <a:latin typeface="Arial" panose="020B0604020202020204" pitchFamily="34" charset="0"/>
-              </a:rPr>
-              <a:t>Traduce     </a:t>
-            </a:r>
-            <a:r>
-              <a:rPr lang="es-MX" altLang="es-MX" sz="1800">
-                <a:latin typeface="Arial" panose="020B0604020202020204" pitchFamily="34" charset="0"/>
-              </a:rPr>
-              <a:t> y</a:t>
-            </a:r>
-          </a:p>
-        </p:txBody>
-      </p:sp>
-      <p:sp>
-        <p:nvSpPr>
-          <p:cNvPr id="109586" name="Text Box 18">
-            <a:extLst>
-              <a:ext uri="{FF2B5EF4-FFF2-40B4-BE49-F238E27FC236}">
-                <a16:creationId xmlns:a16="http://schemas.microsoft.com/office/drawing/2014/main" id="{195576B2-2B04-45EC-819E-057878DAB115}"/>
-              </a:ext>
-            </a:extLst>
-          </p:cNvPr>
-          <p:cNvSpPr txBox="1">
-            <a:spLocks noChangeArrowheads="1"/>
-          </p:cNvSpPr>
-          <p:nvPr/>
-        </p:nvSpPr>
-        <p:spPr bwMode="auto">
-          <a:xfrm>
-            <a:off x="2376488" y="5589588"/>
-            <a:ext cx="1331912" cy="366712"/>
-          </a:xfrm>
-          <a:prstGeom prst="rect">
-            <a:avLst/>
-          </a:prstGeom>
-          <a:noFill/>
-          <a:ln>
-            <a:noFill/>
-          </a:ln>
-          <a:effectLst/>
-          <a:extLst>
-            <a:ext uri="{909E8E84-426E-40DD-AFC4-6F175D3DCCD1}">
-              <a14:hiddenFill xmlns:a14="http://schemas.microsoft.com/office/drawing/2010/main">
-                <a:solidFill>
-                  <a:schemeClr val="accent1"/>
-                </a:solidFill>
-              </a14:hiddenFill>
-            </a:ext>
-            <a:ext uri="{91240B29-F687-4F45-9708-019B960494DF}">
-              <a14:hiddenLine xmlns:a14="http://schemas.microsoft.com/office/drawing/2010/main" w="12700">
-                <a:solidFill>
-                  <a:schemeClr val="tx1"/>
-                </a:solidFill>
-                <a:miter lim="800000"/>
-                <a:headEnd type="none" w="sm" len="sm"/>
-                <a:tailEnd type="none" w="sm" len="sm"/>
-              </a14:hiddenLine>
-            </a:ext>
-            <a:ext uri="{AF507438-7753-43E0-B8FC-AC1667EBCBE1}">
-              <a14:hiddenEffects xmlns:a14="http://schemas.microsoft.com/office/drawing/2010/main">
-                <a:effectLst>
-                  <a:outerShdw dist="35921" dir="2700000" algn="ctr" rotWithShape="0">
-                    <a:schemeClr val="bg2"/>
-                  </a:outerShdw>
-                </a:effectLst>
-              </a14:hiddenEffects>
-            </a:ext>
-          </a:extLst>
-        </p:spPr>
-        <p:txBody>
-          <a:bodyPr>
-            <a:spAutoFit/>
-          </a:bodyPr>
-          <a:lstStyle>
-            <a:lvl1pPr eaLnBrk="0" hangingPunct="0">
-              <a:defRPr sz="2400">
-                <a:solidFill>
-                  <a:schemeClr val="tx1"/>
-                </a:solidFill>
-                <a:latin typeface="Times New Roman" panose="02020603050405020304" pitchFamily="18" charset="0"/>
-              </a:defRPr>
-            </a:lvl1pPr>
-            <a:lvl2pPr marL="571500" eaLnBrk="0" hangingPunct="0">
-              <a:defRPr sz="2400">
-                <a:solidFill>
-                  <a:schemeClr val="tx1"/>
-                </a:solidFill>
-                <a:latin typeface="Times New Roman" panose="02020603050405020304" pitchFamily="18" charset="0"/>
-              </a:defRPr>
-            </a:lvl2pPr>
-            <a:lvl3pPr marL="1143000" eaLnBrk="0" hangingPunct="0">
-              <a:defRPr sz="2400">
-                <a:solidFill>
-                  <a:schemeClr val="tx1"/>
-                </a:solidFill>
-                <a:latin typeface="Times New Roman" panose="02020603050405020304" pitchFamily="18" charset="0"/>
-              </a:defRPr>
-            </a:lvl3pPr>
-            <a:lvl4pPr marL="1714500" eaLnBrk="0" hangingPunct="0">
-              <a:defRPr sz="2400">
-                <a:solidFill>
-                  <a:schemeClr val="tx1"/>
-                </a:solidFill>
-                <a:latin typeface="Times New Roman" panose="02020603050405020304" pitchFamily="18" charset="0"/>
-              </a:defRPr>
-            </a:lvl4pPr>
-            <a:lvl5pPr marL="2286000" eaLnBrk="0" hangingPunct="0">
-              <a:defRPr sz="2400">
-                <a:solidFill>
-                  <a:schemeClr val="tx1"/>
-                </a:solidFill>
-                <a:latin typeface="Times New Roman" panose="02020603050405020304" pitchFamily="18" charset="0"/>
-              </a:defRPr>
-            </a:lvl5pPr>
-            <a:lvl6pPr marL="2743200" eaLnBrk="0" fontAlgn="base" hangingPunct="0">
-              <a:spcBef>
-                <a:spcPct val="0"/>
-              </a:spcBef>
-              <a:spcAft>
-                <a:spcPct val="0"/>
-              </a:spcAft>
-              <a:defRPr sz="2400">
-                <a:solidFill>
-                  <a:schemeClr val="tx1"/>
-                </a:solidFill>
-                <a:latin typeface="Times New Roman" panose="02020603050405020304" pitchFamily="18" charset="0"/>
-              </a:defRPr>
-            </a:lvl6pPr>
-            <a:lvl7pPr marL="3200400" eaLnBrk="0" fontAlgn="base" hangingPunct="0">
-              <a:spcBef>
-                <a:spcPct val="0"/>
-              </a:spcBef>
-              <a:spcAft>
-                <a:spcPct val="0"/>
-              </a:spcAft>
-              <a:defRPr sz="2400">
-                <a:solidFill>
-                  <a:schemeClr val="tx1"/>
-                </a:solidFill>
-                <a:latin typeface="Times New Roman" panose="02020603050405020304" pitchFamily="18" charset="0"/>
-              </a:defRPr>
-            </a:lvl7pPr>
-            <a:lvl8pPr marL="3657600" eaLnBrk="0" fontAlgn="base" hangingPunct="0">
-              <a:spcBef>
-                <a:spcPct val="0"/>
-              </a:spcBef>
-              <a:spcAft>
-                <a:spcPct val="0"/>
-              </a:spcAft>
-              <a:defRPr sz="2400">
-                <a:solidFill>
-                  <a:schemeClr val="tx1"/>
-                </a:solidFill>
-                <a:latin typeface="Times New Roman" panose="02020603050405020304" pitchFamily="18" charset="0"/>
-              </a:defRPr>
-            </a:lvl8pPr>
-            <a:lvl9pPr marL="4114800" eaLnBrk="0" fontAlgn="base" hangingPunct="0">
-              <a:spcBef>
-                <a:spcPct val="0"/>
-              </a:spcBef>
-              <a:spcAft>
-                <a:spcPct val="0"/>
-              </a:spcAft>
-              <a:defRPr sz="2400">
-                <a:solidFill>
-                  <a:schemeClr val="tx1"/>
-                </a:solidFill>
-                <a:latin typeface="Times New Roman" panose="02020603050405020304" pitchFamily="18" charset="0"/>
-              </a:defRPr>
-            </a:lvl9pPr>
-          </a:lstStyle>
-          <a:p>
-            <a:pPr algn="ctr" eaLnBrk="1" hangingPunct="1">
-              <a:spcBef>
-                <a:spcPct val="50000"/>
-              </a:spcBef>
-            </a:pPr>
-            <a:r>
-              <a:rPr lang="es-MX" altLang="es-MX" sz="1800" b="1">
-                <a:latin typeface="Arial" panose="020B0604020202020204" pitchFamily="34" charset="0"/>
-              </a:rPr>
-              <a:t>Ejecuta</a:t>
-            </a:r>
-            <a:endParaRPr lang="es-MX" altLang="es-MX" sz="1800">
-              <a:latin typeface="Arial" panose="020B0604020202020204" pitchFamily="34" charset="0"/>
-            </a:endParaRPr>
-          </a:p>
-        </p:txBody>
-      </p:sp>
-      <p:sp>
-        <p:nvSpPr>
-          <p:cNvPr id="109587" name="Text Box 19">
-            <a:extLst>
-              <a:ext uri="{FF2B5EF4-FFF2-40B4-BE49-F238E27FC236}">
-                <a16:creationId xmlns:a16="http://schemas.microsoft.com/office/drawing/2014/main" id="{E919A082-6C2F-4AD8-BBA3-45898479BEC9}"/>
-              </a:ext>
-            </a:extLst>
-          </p:cNvPr>
-          <p:cNvSpPr txBox="1">
-            <a:spLocks noChangeArrowheads="1"/>
-          </p:cNvSpPr>
-          <p:nvPr/>
-        </p:nvSpPr>
-        <p:spPr bwMode="auto">
-          <a:xfrm>
-            <a:off x="0" y="5949950"/>
-            <a:ext cx="4572000" cy="366713"/>
-          </a:xfrm>
-          <a:prstGeom prst="rect">
-            <a:avLst/>
-          </a:prstGeom>
-          <a:noFill/>
-          <a:ln>
-            <a:noFill/>
-          </a:ln>
-          <a:effectLst/>
-          <a:extLst>
-            <a:ext uri="{909E8E84-426E-40DD-AFC4-6F175D3DCCD1}">
-              <a14:hiddenFill xmlns:a14="http://schemas.microsoft.com/office/drawing/2010/main">
-                <a:solidFill>
-                  <a:schemeClr val="accent1"/>
-                </a:solidFill>
-              </a14:hiddenFill>
-            </a:ext>
-            <a:ext uri="{91240B29-F687-4F45-9708-019B960494DF}">
-              <a14:hiddenLine xmlns:a14="http://schemas.microsoft.com/office/drawing/2010/main" w="12700">
-                <a:solidFill>
-                  <a:schemeClr val="tx1"/>
-                </a:solidFill>
-                <a:miter lim="800000"/>
-                <a:headEnd type="none" w="sm" len="sm"/>
-                <a:tailEnd type="none" w="sm" len="sm"/>
-              </a14:hiddenLine>
-            </a:ext>
-            <a:ext uri="{AF507438-7753-43E0-B8FC-AC1667EBCBE1}">
-              <a14:hiddenEffects xmlns:a14="http://schemas.microsoft.com/office/drawing/2010/main">
-                <a:effectLst>
-                  <a:outerShdw dist="35921" dir="2700000" algn="ctr" rotWithShape="0">
-                    <a:schemeClr val="bg2"/>
-                  </a:outerShdw>
-                </a:effectLst>
-              </a14:hiddenEffects>
-            </a:ext>
-          </a:extLst>
-        </p:spPr>
-        <p:txBody>
-          <a:bodyPr>
-            <a:spAutoFit/>
-          </a:bodyPr>
-          <a:lstStyle>
-            <a:lvl1pPr eaLnBrk="0" hangingPunct="0">
-              <a:defRPr sz="2400">
-                <a:solidFill>
-                  <a:schemeClr val="tx1"/>
-                </a:solidFill>
-                <a:latin typeface="Times New Roman" panose="02020603050405020304" pitchFamily="18" charset="0"/>
-              </a:defRPr>
-            </a:lvl1pPr>
-            <a:lvl2pPr marL="571500" eaLnBrk="0" hangingPunct="0">
-              <a:defRPr sz="2400">
-                <a:solidFill>
-                  <a:schemeClr val="tx1"/>
-                </a:solidFill>
-                <a:latin typeface="Times New Roman" panose="02020603050405020304" pitchFamily="18" charset="0"/>
-              </a:defRPr>
-            </a:lvl2pPr>
-            <a:lvl3pPr marL="1143000" eaLnBrk="0" hangingPunct="0">
-              <a:defRPr sz="2400">
-                <a:solidFill>
-                  <a:schemeClr val="tx1"/>
-                </a:solidFill>
-                <a:latin typeface="Times New Roman" panose="02020603050405020304" pitchFamily="18" charset="0"/>
-              </a:defRPr>
-            </a:lvl3pPr>
-            <a:lvl4pPr marL="1714500" eaLnBrk="0" hangingPunct="0">
-              <a:defRPr sz="2400">
-                <a:solidFill>
-                  <a:schemeClr val="tx1"/>
-                </a:solidFill>
-                <a:latin typeface="Times New Roman" panose="02020603050405020304" pitchFamily="18" charset="0"/>
-              </a:defRPr>
-            </a:lvl4pPr>
-            <a:lvl5pPr marL="2286000" eaLnBrk="0" hangingPunct="0">
-              <a:defRPr sz="2400">
-                <a:solidFill>
-                  <a:schemeClr val="tx1"/>
-                </a:solidFill>
-                <a:latin typeface="Times New Roman" panose="02020603050405020304" pitchFamily="18" charset="0"/>
-              </a:defRPr>
-            </a:lvl5pPr>
-            <a:lvl6pPr marL="2743200" eaLnBrk="0" fontAlgn="base" hangingPunct="0">
-              <a:spcBef>
-                <a:spcPct val="0"/>
-              </a:spcBef>
-              <a:spcAft>
-                <a:spcPct val="0"/>
-              </a:spcAft>
-              <a:defRPr sz="2400">
-                <a:solidFill>
-                  <a:schemeClr val="tx1"/>
-                </a:solidFill>
-                <a:latin typeface="Times New Roman" panose="02020603050405020304" pitchFamily="18" charset="0"/>
-              </a:defRPr>
-            </a:lvl6pPr>
-            <a:lvl7pPr marL="3200400" eaLnBrk="0" fontAlgn="base" hangingPunct="0">
-              <a:spcBef>
-                <a:spcPct val="0"/>
-              </a:spcBef>
-              <a:spcAft>
-                <a:spcPct val="0"/>
-              </a:spcAft>
-              <a:defRPr sz="2400">
-                <a:solidFill>
-                  <a:schemeClr val="tx1"/>
-                </a:solidFill>
-                <a:latin typeface="Times New Roman" panose="02020603050405020304" pitchFamily="18" charset="0"/>
-              </a:defRPr>
-            </a:lvl7pPr>
-            <a:lvl8pPr marL="3657600" eaLnBrk="0" fontAlgn="base" hangingPunct="0">
-              <a:spcBef>
-                <a:spcPct val="0"/>
-              </a:spcBef>
-              <a:spcAft>
-                <a:spcPct val="0"/>
-              </a:spcAft>
-              <a:defRPr sz="2400">
-                <a:solidFill>
-                  <a:schemeClr val="tx1"/>
-                </a:solidFill>
-                <a:latin typeface="Times New Roman" panose="02020603050405020304" pitchFamily="18" charset="0"/>
-              </a:defRPr>
-            </a:lvl8pPr>
-            <a:lvl9pPr marL="4114800" eaLnBrk="0" fontAlgn="base" hangingPunct="0">
-              <a:spcBef>
-                <a:spcPct val="0"/>
-              </a:spcBef>
-              <a:spcAft>
-                <a:spcPct val="0"/>
-              </a:spcAft>
-              <a:defRPr sz="2400">
-                <a:solidFill>
-                  <a:schemeClr val="tx1"/>
-                </a:solidFill>
-                <a:latin typeface="Times New Roman" panose="02020603050405020304" pitchFamily="18" charset="0"/>
-              </a:defRPr>
-            </a:lvl9pPr>
-          </a:lstStyle>
-          <a:p>
-            <a:pPr algn="ctr" eaLnBrk="1" hangingPunct="1">
-              <a:spcBef>
-                <a:spcPct val="50000"/>
-              </a:spcBef>
-            </a:pPr>
-            <a:r>
-              <a:rPr lang="es-MX" altLang="es-MX" sz="1800">
-                <a:latin typeface="Arial" panose="020B0604020202020204" pitchFamily="34" charset="0"/>
-              </a:rPr>
-              <a:t>Instrucción por instrucción del programa</a:t>
-            </a:r>
-          </a:p>
-        </p:txBody>
-      </p:sp>
-      <p:sp>
-        <p:nvSpPr>
-          <p:cNvPr id="109588" name="Rectangle 20">
-            <a:extLst>
-              <a:ext uri="{FF2B5EF4-FFF2-40B4-BE49-F238E27FC236}">
-                <a16:creationId xmlns:a16="http://schemas.microsoft.com/office/drawing/2014/main" id="{E146F216-83E3-41D3-BC32-52DF8BA493D3}"/>
-              </a:ext>
-            </a:extLst>
-          </p:cNvPr>
-          <p:cNvSpPr>
-            <a:spLocks noChangeArrowheads="1"/>
-          </p:cNvSpPr>
-          <p:nvPr/>
-        </p:nvSpPr>
-        <p:spPr bwMode="auto">
-          <a:xfrm>
-            <a:off x="5040313" y="5083175"/>
-            <a:ext cx="2590800" cy="1052513"/>
-          </a:xfrm>
-          <a:prstGeom prst="rect">
-            <a:avLst/>
-          </a:prstGeom>
-          <a:solidFill>
-            <a:schemeClr val="bg1"/>
-          </a:solidFill>
-          <a:ln>
-            <a:noFill/>
-          </a:ln>
-          <a:effectLst/>
-          <a:extLst>
-            <a:ext uri="{91240B29-F687-4F45-9708-019B960494DF}">
-              <a14:hiddenLine xmlns:a14="http://schemas.microsoft.com/office/drawing/2010/main" w="12700">
-                <a:solidFill>
-                  <a:schemeClr val="tx1"/>
-                </a:solidFill>
-                <a:miter lim="800000"/>
-                <a:headEnd type="none" w="sm" len="sm"/>
-                <a:tailEnd type="none" w="sm" len="sm"/>
-              </a14:hiddenLine>
-            </a:ext>
-            <a:ext uri="{AF507438-7753-43E0-B8FC-AC1667EBCBE1}">
-              <a14:hiddenEffects xmlns:a14="http://schemas.microsoft.com/office/drawing/2010/main">
-                <a:effectLst>
-                  <a:outerShdw dist="35921" dir="2700000" algn="ctr" rotWithShape="0">
-                    <a:schemeClr val="bg2"/>
-                  </a:outerShdw>
-                </a:effectLst>
-              </a14:hiddenEffects>
-            </a:ext>
-          </a:extLst>
-        </p:spPr>
-        <p:txBody>
-          <a:bodyPr wrap="none" anchor="ctr"/>
-          <a:lstStyle/>
-          <a:p>
-            <a:endParaRPr lang="es-MX"/>
-          </a:p>
-        </p:txBody>
-      </p:sp>
-      <p:pic>
-        <p:nvPicPr>
-          <p:cNvPr id="109589" name="Picture 21" descr="document_on">
-            <a:extLst>
-              <a:ext uri="{FF2B5EF4-FFF2-40B4-BE49-F238E27FC236}">
-                <a16:creationId xmlns:a16="http://schemas.microsoft.com/office/drawing/2014/main" id="{793B7E11-EF11-498B-BD32-767AEEA5109D}"/>
-              </a:ext>
-            </a:extLst>
-          </p:cNvPr>
-          <p:cNvPicPr>
-            <a:picLocks noChangeAspect="1" noChangeArrowheads="1"/>
-          </p:cNvPicPr>
-          <p:nvPr/>
-        </p:nvPicPr>
-        <p:blipFill>
-          <a:blip r:embed="rId4">
-            <a:extLst>
-              <a:ext uri="{28A0092B-C50C-407E-A947-70E740481C1C}">
-                <a14:useLocalDpi xmlns:a14="http://schemas.microsoft.com/office/drawing/2010/main" val="0"/>
-              </a:ext>
-            </a:extLst>
-          </a:blip>
-          <a:srcRect/>
-          <a:stretch>
-            <a:fillRect/>
-          </a:stretch>
-        </p:blipFill>
-        <p:spPr bwMode="auto">
-          <a:xfrm>
-            <a:off x="6119813" y="1196975"/>
-            <a:ext cx="1368425" cy="1368425"/>
-          </a:xfrm>
-          <a:prstGeom prst="rect">
-            <a:avLst/>
-          </a:prstGeom>
-          <a:noFill/>
-          <a:ln>
-            <a:noFill/>
-          </a:ln>
-          <a:extLst>
-            <a:ext uri="{909E8E84-426E-40DD-AFC4-6F175D3DCCD1}">
-              <a14:hiddenFill xmlns:a14="http://schemas.microsoft.com/office/drawing/2010/main">
-                <a:solidFill>
-                  <a:srgbClr val="FFFFFF"/>
-                </a:solidFill>
-              </a14:hiddenFill>
-            </a:ext>
-            <a:ext uri="{91240B29-F687-4F45-9708-019B960494DF}">
-              <a14:hiddenLine xmlns:a14="http://schemas.microsoft.com/office/drawing/2010/main" w="9525">
-                <a:solidFill>
-                  <a:srgbClr val="000000"/>
-                </a:solidFill>
-                <a:miter lim="800000"/>
-                <a:headEnd/>
-                <a:tailEnd/>
-              </a14:hiddenLine>
-            </a:ext>
-          </a:extLst>
-        </p:spPr>
-      </p:pic>
-      <p:pic>
-        <p:nvPicPr>
-          <p:cNvPr id="109591" name="Picture 23" descr="welcome">
-            <a:extLst>
-              <a:ext uri="{FF2B5EF4-FFF2-40B4-BE49-F238E27FC236}">
-                <a16:creationId xmlns:a16="http://schemas.microsoft.com/office/drawing/2014/main" id="{827D9629-FAA2-4998-B224-77A3B569C00E}"/>
-              </a:ext>
-            </a:extLst>
-          </p:cNvPr>
-          <p:cNvPicPr>
-            <a:picLocks noChangeAspect="1" noChangeArrowheads="1"/>
-          </p:cNvPicPr>
-          <p:nvPr/>
-        </p:nvPicPr>
-        <p:blipFill>
-          <a:blip r:embed="rId6" cstate="print">
-            <a:extLst>
-              <a:ext uri="{28A0092B-C50C-407E-A947-70E740481C1C}">
-                <a14:useLocalDpi xmlns:a14="http://schemas.microsoft.com/office/drawing/2010/main" val="0"/>
-              </a:ext>
-            </a:extLst>
-          </a:blip>
-          <a:srcRect/>
-          <a:stretch>
-            <a:fillRect/>
-          </a:stretch>
-        </p:blipFill>
-        <p:spPr bwMode="auto">
-          <a:xfrm>
-            <a:off x="7235825" y="5634038"/>
-            <a:ext cx="1179513" cy="1223962"/>
-          </a:xfrm>
-          <a:prstGeom prst="rect">
-            <a:avLst/>
-          </a:prstGeom>
-          <a:noFill/>
-          <a:extLst>
-            <a:ext uri="{909E8E84-426E-40DD-AFC4-6F175D3DCCD1}">
-              <a14:hiddenFill xmlns:a14="http://schemas.microsoft.com/office/drawing/2010/main">
-                <a:solidFill>
-                  <a:srgbClr val="FFFFFF"/>
-                </a:solidFill>
-              </a14:hiddenFill>
-            </a:ext>
-          </a:extLst>
-        </p:spPr>
-      </p:pic>
-      <p:sp>
-        <p:nvSpPr>
-          <p:cNvPr id="109593" name="Text Box 25">
-            <a:extLst>
-              <a:ext uri="{FF2B5EF4-FFF2-40B4-BE49-F238E27FC236}">
-                <a16:creationId xmlns:a16="http://schemas.microsoft.com/office/drawing/2014/main" id="{2948A807-2E73-459E-A89A-5008F352ED2B}"/>
-              </a:ext>
-            </a:extLst>
-          </p:cNvPr>
-          <p:cNvSpPr txBox="1">
-            <a:spLocks noChangeArrowheads="1"/>
-          </p:cNvSpPr>
-          <p:nvPr/>
-        </p:nvSpPr>
-        <p:spPr bwMode="auto">
-          <a:xfrm>
-            <a:off x="4356100" y="1484313"/>
-            <a:ext cx="2051050" cy="641350"/>
-          </a:xfrm>
-          <a:prstGeom prst="rect">
-            <a:avLst/>
-          </a:prstGeom>
-          <a:noFill/>
-          <a:ln>
-            <a:noFill/>
-          </a:ln>
-          <a:effectLst/>
-          <a:extLst>
-            <a:ext uri="{909E8E84-426E-40DD-AFC4-6F175D3DCCD1}">
-              <a14:hiddenFill xmlns:a14="http://schemas.microsoft.com/office/drawing/2010/main">
-                <a:solidFill>
-                  <a:schemeClr val="accent1"/>
-                </a:solidFill>
-              </a14:hiddenFill>
-            </a:ext>
-            <a:ext uri="{91240B29-F687-4F45-9708-019B960494DF}">
-              <a14:hiddenLine xmlns:a14="http://schemas.microsoft.com/office/drawing/2010/main" w="12700">
-                <a:solidFill>
-                  <a:schemeClr val="tx1"/>
-                </a:solidFill>
-                <a:miter lim="800000"/>
-                <a:headEnd type="none" w="sm" len="sm"/>
-                <a:tailEnd type="none" w="sm" len="sm"/>
-              </a14:hiddenLine>
-            </a:ext>
-            <a:ext uri="{AF507438-7753-43E0-B8FC-AC1667EBCBE1}">
-              <a14:hiddenEffects xmlns:a14="http://schemas.microsoft.com/office/drawing/2010/main">
-                <a:effectLst>
-                  <a:outerShdw dist="35921" dir="2700000" algn="ctr" rotWithShape="0">
-                    <a:schemeClr val="bg2"/>
-                  </a:outerShdw>
-                </a:effectLst>
-              </a14:hiddenEffects>
-            </a:ext>
-          </a:extLst>
-        </p:spPr>
-        <p:txBody>
-          <a:bodyPr>
-            <a:spAutoFit/>
-          </a:bodyPr>
-          <a:lstStyle>
-            <a:lvl1pPr eaLnBrk="0" hangingPunct="0">
-              <a:defRPr sz="2400">
-                <a:solidFill>
-                  <a:schemeClr val="tx1"/>
-                </a:solidFill>
-                <a:latin typeface="Times New Roman" panose="02020603050405020304" pitchFamily="18" charset="0"/>
-              </a:defRPr>
-            </a:lvl1pPr>
-            <a:lvl2pPr marL="571500" eaLnBrk="0" hangingPunct="0">
-              <a:defRPr sz="2400">
-                <a:solidFill>
-                  <a:schemeClr val="tx1"/>
-                </a:solidFill>
-                <a:latin typeface="Times New Roman" panose="02020603050405020304" pitchFamily="18" charset="0"/>
-              </a:defRPr>
-            </a:lvl2pPr>
-            <a:lvl3pPr marL="1143000" eaLnBrk="0" hangingPunct="0">
-              <a:defRPr sz="2400">
-                <a:solidFill>
-                  <a:schemeClr val="tx1"/>
-                </a:solidFill>
-                <a:latin typeface="Times New Roman" panose="02020603050405020304" pitchFamily="18" charset="0"/>
-              </a:defRPr>
-            </a:lvl3pPr>
-            <a:lvl4pPr marL="1714500" eaLnBrk="0" hangingPunct="0">
-              <a:defRPr sz="2400">
-                <a:solidFill>
-                  <a:schemeClr val="tx1"/>
-                </a:solidFill>
-                <a:latin typeface="Times New Roman" panose="02020603050405020304" pitchFamily="18" charset="0"/>
-              </a:defRPr>
-            </a:lvl4pPr>
-            <a:lvl5pPr marL="2286000" eaLnBrk="0" hangingPunct="0">
-              <a:defRPr sz="2400">
-                <a:solidFill>
-                  <a:schemeClr val="tx1"/>
-                </a:solidFill>
-                <a:latin typeface="Times New Roman" panose="02020603050405020304" pitchFamily="18" charset="0"/>
-              </a:defRPr>
-            </a:lvl5pPr>
-            <a:lvl6pPr marL="2743200" eaLnBrk="0" fontAlgn="base" hangingPunct="0">
-              <a:spcBef>
-                <a:spcPct val="0"/>
-              </a:spcBef>
-              <a:spcAft>
-                <a:spcPct val="0"/>
-              </a:spcAft>
-              <a:defRPr sz="2400">
-                <a:solidFill>
-                  <a:schemeClr val="tx1"/>
-                </a:solidFill>
-                <a:latin typeface="Times New Roman" panose="02020603050405020304" pitchFamily="18" charset="0"/>
-              </a:defRPr>
-            </a:lvl6pPr>
-            <a:lvl7pPr marL="3200400" eaLnBrk="0" fontAlgn="base" hangingPunct="0">
-              <a:spcBef>
-                <a:spcPct val="0"/>
-              </a:spcBef>
-              <a:spcAft>
-                <a:spcPct val="0"/>
-              </a:spcAft>
-              <a:defRPr sz="2400">
-                <a:solidFill>
-                  <a:schemeClr val="tx1"/>
-                </a:solidFill>
-                <a:latin typeface="Times New Roman" panose="02020603050405020304" pitchFamily="18" charset="0"/>
-              </a:defRPr>
-            </a:lvl7pPr>
-            <a:lvl8pPr marL="3657600" eaLnBrk="0" fontAlgn="base" hangingPunct="0">
-              <a:spcBef>
-                <a:spcPct val="0"/>
-              </a:spcBef>
-              <a:spcAft>
-                <a:spcPct val="0"/>
-              </a:spcAft>
-              <a:defRPr sz="2400">
-                <a:solidFill>
-                  <a:schemeClr val="tx1"/>
-                </a:solidFill>
-                <a:latin typeface="Times New Roman" panose="02020603050405020304" pitchFamily="18" charset="0"/>
-              </a:defRPr>
-            </a:lvl8pPr>
-            <a:lvl9pPr marL="4114800" eaLnBrk="0" fontAlgn="base" hangingPunct="0">
-              <a:spcBef>
-                <a:spcPct val="0"/>
-              </a:spcBef>
-              <a:spcAft>
-                <a:spcPct val="0"/>
-              </a:spcAft>
-              <a:defRPr sz="2400">
-                <a:solidFill>
-                  <a:schemeClr val="tx1"/>
-                </a:solidFill>
-                <a:latin typeface="Times New Roman" panose="02020603050405020304" pitchFamily="18" charset="0"/>
-              </a:defRPr>
-            </a:lvl9pPr>
-          </a:lstStyle>
-          <a:p>
-            <a:pPr algn="ctr" eaLnBrk="1" hangingPunct="1">
-              <a:spcBef>
-                <a:spcPct val="50000"/>
-              </a:spcBef>
-            </a:pPr>
-            <a:r>
-              <a:rPr lang="es-MX" altLang="es-MX" sz="1800" b="1" dirty="0">
-                <a:latin typeface="Arial" panose="020B0604020202020204" pitchFamily="34" charset="0"/>
-              </a:rPr>
-              <a:t>Programa</a:t>
-            </a:r>
-            <a:r>
-              <a:rPr lang="es-MX" altLang="es-MX" sz="1800" dirty="0">
-                <a:latin typeface="Arial" panose="020B0604020202020204" pitchFamily="34" charset="0"/>
-              </a:rPr>
-              <a:t> (Código fuente)</a:t>
-            </a:r>
-          </a:p>
-        </p:txBody>
-      </p:sp>
-      <p:sp>
-        <p:nvSpPr>
-          <p:cNvPr id="109594" name="Text Box 26">
-            <a:extLst>
-              <a:ext uri="{FF2B5EF4-FFF2-40B4-BE49-F238E27FC236}">
-                <a16:creationId xmlns:a16="http://schemas.microsoft.com/office/drawing/2014/main" id="{BFC83DDB-F3F2-4A78-AAC8-C9366F5191D8}"/>
-              </a:ext>
-            </a:extLst>
-          </p:cNvPr>
-          <p:cNvSpPr txBox="1">
-            <a:spLocks noChangeArrowheads="1"/>
-          </p:cNvSpPr>
-          <p:nvPr/>
-        </p:nvSpPr>
-        <p:spPr bwMode="auto">
-          <a:xfrm>
-            <a:off x="5294313" y="2997200"/>
-            <a:ext cx="1654175" cy="366713"/>
-          </a:xfrm>
-          <a:prstGeom prst="rect">
-            <a:avLst/>
-          </a:prstGeom>
-          <a:noFill/>
-          <a:ln>
-            <a:noFill/>
-          </a:ln>
-          <a:effectLst/>
-          <a:extLst>
-            <a:ext uri="{909E8E84-426E-40DD-AFC4-6F175D3DCCD1}">
-              <a14:hiddenFill xmlns:a14="http://schemas.microsoft.com/office/drawing/2010/main">
-                <a:solidFill>
-                  <a:schemeClr val="accent1"/>
-                </a:solidFill>
-              </a14:hiddenFill>
-            </a:ext>
-            <a:ext uri="{91240B29-F687-4F45-9708-019B960494DF}">
-              <a14:hiddenLine xmlns:a14="http://schemas.microsoft.com/office/drawing/2010/main" w="12700">
-                <a:solidFill>
-                  <a:schemeClr val="tx1"/>
-                </a:solidFill>
-                <a:miter lim="800000"/>
-                <a:headEnd type="none" w="sm" len="sm"/>
-                <a:tailEnd type="none" w="sm" len="sm"/>
-              </a14:hiddenLine>
-            </a:ext>
-            <a:ext uri="{AF507438-7753-43E0-B8FC-AC1667EBCBE1}">
-              <a14:hiddenEffects xmlns:a14="http://schemas.microsoft.com/office/drawing/2010/main">
-                <a:effectLst>
-                  <a:outerShdw dist="35921" dir="2700000" algn="ctr" rotWithShape="0">
-                    <a:schemeClr val="bg2"/>
-                  </a:outerShdw>
-                </a:effectLst>
-              </a14:hiddenEffects>
-            </a:ext>
-          </a:extLst>
-        </p:spPr>
-        <p:txBody>
-          <a:bodyPr>
-            <a:spAutoFit/>
-          </a:bodyPr>
-          <a:lstStyle>
-            <a:lvl1pPr eaLnBrk="0" hangingPunct="0">
-              <a:defRPr sz="2400">
-                <a:solidFill>
-                  <a:schemeClr val="tx1"/>
-                </a:solidFill>
-                <a:latin typeface="Times New Roman" panose="02020603050405020304" pitchFamily="18" charset="0"/>
-              </a:defRPr>
-            </a:lvl1pPr>
-            <a:lvl2pPr marL="571500" eaLnBrk="0" hangingPunct="0">
-              <a:defRPr sz="2400">
-                <a:solidFill>
-                  <a:schemeClr val="tx1"/>
-                </a:solidFill>
-                <a:latin typeface="Times New Roman" panose="02020603050405020304" pitchFamily="18" charset="0"/>
-              </a:defRPr>
-            </a:lvl2pPr>
-            <a:lvl3pPr marL="1143000" eaLnBrk="0" hangingPunct="0">
-              <a:defRPr sz="2400">
-                <a:solidFill>
-                  <a:schemeClr val="tx1"/>
-                </a:solidFill>
-                <a:latin typeface="Times New Roman" panose="02020603050405020304" pitchFamily="18" charset="0"/>
-              </a:defRPr>
-            </a:lvl3pPr>
-            <a:lvl4pPr marL="1714500" eaLnBrk="0" hangingPunct="0">
-              <a:defRPr sz="2400">
-                <a:solidFill>
-                  <a:schemeClr val="tx1"/>
-                </a:solidFill>
-                <a:latin typeface="Times New Roman" panose="02020603050405020304" pitchFamily="18" charset="0"/>
-              </a:defRPr>
-            </a:lvl4pPr>
-            <a:lvl5pPr marL="2286000" eaLnBrk="0" hangingPunct="0">
-              <a:defRPr sz="2400">
-                <a:solidFill>
-                  <a:schemeClr val="tx1"/>
-                </a:solidFill>
-                <a:latin typeface="Times New Roman" panose="02020603050405020304" pitchFamily="18" charset="0"/>
-              </a:defRPr>
-            </a:lvl5pPr>
-            <a:lvl6pPr marL="2743200" eaLnBrk="0" fontAlgn="base" hangingPunct="0">
-              <a:spcBef>
-                <a:spcPct val="0"/>
-              </a:spcBef>
-              <a:spcAft>
-                <a:spcPct val="0"/>
-              </a:spcAft>
-              <a:defRPr sz="2400">
-                <a:solidFill>
-                  <a:schemeClr val="tx1"/>
-                </a:solidFill>
-                <a:latin typeface="Times New Roman" panose="02020603050405020304" pitchFamily="18" charset="0"/>
-              </a:defRPr>
-            </a:lvl6pPr>
-            <a:lvl7pPr marL="3200400" eaLnBrk="0" fontAlgn="base" hangingPunct="0">
-              <a:spcBef>
-                <a:spcPct val="0"/>
-              </a:spcBef>
-              <a:spcAft>
-                <a:spcPct val="0"/>
-              </a:spcAft>
-              <a:defRPr sz="2400">
-                <a:solidFill>
-                  <a:schemeClr val="tx1"/>
-                </a:solidFill>
-                <a:latin typeface="Times New Roman" panose="02020603050405020304" pitchFamily="18" charset="0"/>
-              </a:defRPr>
-            </a:lvl7pPr>
-            <a:lvl8pPr marL="3657600" eaLnBrk="0" fontAlgn="base" hangingPunct="0">
-              <a:spcBef>
-                <a:spcPct val="0"/>
-              </a:spcBef>
-              <a:spcAft>
-                <a:spcPct val="0"/>
-              </a:spcAft>
-              <a:defRPr sz="2400">
-                <a:solidFill>
-                  <a:schemeClr val="tx1"/>
-                </a:solidFill>
-                <a:latin typeface="Times New Roman" panose="02020603050405020304" pitchFamily="18" charset="0"/>
-              </a:defRPr>
-            </a:lvl8pPr>
-            <a:lvl9pPr marL="4114800" eaLnBrk="0" fontAlgn="base" hangingPunct="0">
-              <a:spcBef>
-                <a:spcPct val="0"/>
-              </a:spcBef>
-              <a:spcAft>
-                <a:spcPct val="0"/>
-              </a:spcAft>
-              <a:defRPr sz="2400">
-                <a:solidFill>
-                  <a:schemeClr val="tx1"/>
-                </a:solidFill>
-                <a:latin typeface="Times New Roman" panose="02020603050405020304" pitchFamily="18" charset="0"/>
-              </a:defRPr>
-            </a:lvl9pPr>
-          </a:lstStyle>
-          <a:p>
-            <a:pPr algn="ctr" eaLnBrk="1" hangingPunct="1">
-              <a:spcBef>
-                <a:spcPct val="50000"/>
-              </a:spcBef>
-            </a:pPr>
-            <a:r>
-              <a:rPr lang="es-MX" altLang="es-MX" sz="1800" b="1">
-                <a:latin typeface="Arial" panose="020B0604020202020204" pitchFamily="34" charset="0"/>
-              </a:rPr>
-              <a:t>Compilador</a:t>
-            </a:r>
-            <a:endParaRPr lang="es-MX" altLang="es-MX" sz="1800">
-              <a:latin typeface="Arial" panose="020B0604020202020204" pitchFamily="34" charset="0"/>
-            </a:endParaRPr>
-          </a:p>
-        </p:txBody>
-      </p:sp>
-      <p:sp>
-        <p:nvSpPr>
-          <p:cNvPr id="109595" name="Line 27">
-            <a:extLst>
-              <a:ext uri="{FF2B5EF4-FFF2-40B4-BE49-F238E27FC236}">
-                <a16:creationId xmlns:a16="http://schemas.microsoft.com/office/drawing/2014/main" id="{E5764FAC-DB28-4C3E-B736-273CC713071D}"/>
-              </a:ext>
-            </a:extLst>
-          </p:cNvPr>
-          <p:cNvSpPr>
-            <a:spLocks noChangeShapeType="1"/>
-          </p:cNvSpPr>
-          <p:nvPr/>
-        </p:nvSpPr>
-        <p:spPr bwMode="auto">
-          <a:xfrm>
-            <a:off x="6696075" y="2349500"/>
-            <a:ext cx="0" cy="574675"/>
-          </a:xfrm>
-          <a:prstGeom prst="line">
-            <a:avLst/>
-          </a:prstGeom>
-          <a:noFill/>
-          <a:ln w="50800">
-            <a:solidFill>
-              <a:schemeClr val="tx1"/>
-            </a:solidFill>
-            <a:round/>
-            <a:headEnd type="none" w="sm" len="sm"/>
-            <a:tailEnd type="triangle" w="lg" len="lg"/>
-          </a:ln>
-          <a:effectLst/>
-          <a:extLst>
-            <a:ext uri="{909E8E84-426E-40DD-AFC4-6F175D3DCCD1}">
-              <a14:hiddenFill xmlns:a14="http://schemas.microsoft.com/office/drawing/2010/main">
-                <a:noFill/>
-              </a14:hiddenFill>
-            </a:ext>
-            <a:ext uri="{AF507438-7753-43E0-B8FC-AC1667EBCBE1}">
-              <a14:hiddenEffects xmlns:a14="http://schemas.microsoft.com/office/drawing/2010/main">
-                <a:effectLst>
-                  <a:outerShdw dist="35921" dir="2700000" algn="ctr" rotWithShape="0">
-                    <a:schemeClr val="bg2"/>
-                  </a:outerShdw>
-                </a:effectLst>
-              </a14:hiddenEffects>
-            </a:ext>
-          </a:extLst>
-        </p:spPr>
-        <p:txBody>
-          <a:bodyPr/>
-          <a:lstStyle/>
-          <a:p>
-            <a:endParaRPr lang="es-MX"/>
-          </a:p>
-        </p:txBody>
-      </p:sp>
-      <p:sp>
-        <p:nvSpPr>
-          <p:cNvPr id="109597" name="Line 29">
-            <a:extLst>
-              <a:ext uri="{FF2B5EF4-FFF2-40B4-BE49-F238E27FC236}">
-                <a16:creationId xmlns:a16="http://schemas.microsoft.com/office/drawing/2014/main" id="{68574463-F72D-4149-8DE5-0D8D7AE1CC1E}"/>
-              </a:ext>
-            </a:extLst>
-          </p:cNvPr>
-          <p:cNvSpPr>
-            <a:spLocks noChangeShapeType="1"/>
-          </p:cNvSpPr>
-          <p:nvPr/>
-        </p:nvSpPr>
-        <p:spPr bwMode="auto">
-          <a:xfrm>
-            <a:off x="7740650" y="5373688"/>
-            <a:ext cx="0" cy="431800"/>
-          </a:xfrm>
-          <a:prstGeom prst="line">
-            <a:avLst/>
-          </a:prstGeom>
-          <a:noFill/>
-          <a:ln w="50800">
-            <a:solidFill>
-              <a:schemeClr val="tx1"/>
-            </a:solidFill>
-            <a:round/>
-            <a:headEnd type="none" w="sm" len="sm"/>
-            <a:tailEnd type="triangle" w="lg" len="lg"/>
-          </a:ln>
-          <a:effectLst/>
-          <a:extLst>
-            <a:ext uri="{909E8E84-426E-40DD-AFC4-6F175D3DCCD1}">
-              <a14:hiddenFill xmlns:a14="http://schemas.microsoft.com/office/drawing/2010/main">
-                <a:noFill/>
-              </a14:hiddenFill>
-            </a:ext>
-            <a:ext uri="{AF507438-7753-43E0-B8FC-AC1667EBCBE1}">
-              <a14:hiddenEffects xmlns:a14="http://schemas.microsoft.com/office/drawing/2010/main">
-                <a:effectLst>
-                  <a:outerShdw dist="35921" dir="2700000" algn="ctr" rotWithShape="0">
-                    <a:schemeClr val="bg2"/>
-                  </a:outerShdw>
-                </a:effectLst>
-              </a14:hiddenEffects>
-            </a:ext>
-          </a:extLst>
-        </p:spPr>
-        <p:txBody>
-          <a:bodyPr/>
-          <a:lstStyle/>
-          <a:p>
-            <a:endParaRPr lang="es-MX"/>
-          </a:p>
-        </p:txBody>
-      </p:sp>
-      <p:sp>
-        <p:nvSpPr>
-          <p:cNvPr id="109598" name="Text Box 30">
-            <a:extLst>
-              <a:ext uri="{FF2B5EF4-FFF2-40B4-BE49-F238E27FC236}">
-                <a16:creationId xmlns:a16="http://schemas.microsoft.com/office/drawing/2014/main" id="{B12245A0-20AA-4732-AD3D-EC0AAD50438C}"/>
-              </a:ext>
-            </a:extLst>
-          </p:cNvPr>
-          <p:cNvSpPr txBox="1">
-            <a:spLocks noChangeArrowheads="1"/>
-          </p:cNvSpPr>
-          <p:nvPr/>
-        </p:nvSpPr>
-        <p:spPr bwMode="auto">
-          <a:xfrm>
-            <a:off x="5076825" y="4652963"/>
-            <a:ext cx="1223963" cy="915987"/>
-          </a:xfrm>
-          <a:prstGeom prst="rect">
-            <a:avLst/>
-          </a:prstGeom>
-          <a:noFill/>
-          <a:ln>
-            <a:noFill/>
-          </a:ln>
-          <a:effectLst/>
-          <a:extLst>
-            <a:ext uri="{909E8E84-426E-40DD-AFC4-6F175D3DCCD1}">
-              <a14:hiddenFill xmlns:a14="http://schemas.microsoft.com/office/drawing/2010/main">
-                <a:solidFill>
-                  <a:schemeClr val="accent1"/>
-                </a:solidFill>
-              </a14:hiddenFill>
-            </a:ext>
-            <a:ext uri="{91240B29-F687-4F45-9708-019B960494DF}">
-              <a14:hiddenLine xmlns:a14="http://schemas.microsoft.com/office/drawing/2010/main" w="12700">
-                <a:solidFill>
-                  <a:schemeClr val="tx1"/>
-                </a:solidFill>
-                <a:miter lim="800000"/>
-                <a:headEnd type="none" w="sm" len="sm"/>
-                <a:tailEnd type="none" w="sm" len="sm"/>
-              </a14:hiddenLine>
-            </a:ext>
-            <a:ext uri="{AF507438-7753-43E0-B8FC-AC1667EBCBE1}">
-              <a14:hiddenEffects xmlns:a14="http://schemas.microsoft.com/office/drawing/2010/main">
-                <a:effectLst>
-                  <a:outerShdw dist="35921" dir="2700000" algn="ctr" rotWithShape="0">
-                    <a:schemeClr val="bg2"/>
-                  </a:outerShdw>
-                </a:effectLst>
-              </a14:hiddenEffects>
-            </a:ext>
-          </a:extLst>
-        </p:spPr>
-        <p:txBody>
-          <a:bodyPr>
-            <a:spAutoFit/>
-          </a:bodyPr>
-          <a:lstStyle>
-            <a:lvl1pPr eaLnBrk="0" hangingPunct="0">
-              <a:defRPr sz="2400">
-                <a:solidFill>
-                  <a:schemeClr val="tx1"/>
-                </a:solidFill>
-                <a:latin typeface="Times New Roman" panose="02020603050405020304" pitchFamily="18" charset="0"/>
-              </a:defRPr>
-            </a:lvl1pPr>
-            <a:lvl2pPr marL="571500" eaLnBrk="0" hangingPunct="0">
-              <a:defRPr sz="2400">
-                <a:solidFill>
-                  <a:schemeClr val="tx1"/>
-                </a:solidFill>
-                <a:latin typeface="Times New Roman" panose="02020603050405020304" pitchFamily="18" charset="0"/>
-              </a:defRPr>
-            </a:lvl2pPr>
-            <a:lvl3pPr marL="1143000" eaLnBrk="0" hangingPunct="0">
-              <a:defRPr sz="2400">
-                <a:solidFill>
-                  <a:schemeClr val="tx1"/>
-                </a:solidFill>
-                <a:latin typeface="Times New Roman" panose="02020603050405020304" pitchFamily="18" charset="0"/>
-              </a:defRPr>
-            </a:lvl3pPr>
-            <a:lvl4pPr marL="1714500" eaLnBrk="0" hangingPunct="0">
-              <a:defRPr sz="2400">
-                <a:solidFill>
-                  <a:schemeClr val="tx1"/>
-                </a:solidFill>
-                <a:latin typeface="Times New Roman" panose="02020603050405020304" pitchFamily="18" charset="0"/>
-              </a:defRPr>
-            </a:lvl4pPr>
-            <a:lvl5pPr marL="2286000" eaLnBrk="0" hangingPunct="0">
-              <a:defRPr sz="2400">
-                <a:solidFill>
-                  <a:schemeClr val="tx1"/>
-                </a:solidFill>
-                <a:latin typeface="Times New Roman" panose="02020603050405020304" pitchFamily="18" charset="0"/>
-              </a:defRPr>
-            </a:lvl5pPr>
-            <a:lvl6pPr marL="2743200" eaLnBrk="0" fontAlgn="base" hangingPunct="0">
-              <a:spcBef>
-                <a:spcPct val="0"/>
-              </a:spcBef>
-              <a:spcAft>
-                <a:spcPct val="0"/>
-              </a:spcAft>
-              <a:defRPr sz="2400">
-                <a:solidFill>
-                  <a:schemeClr val="tx1"/>
-                </a:solidFill>
-                <a:latin typeface="Times New Roman" panose="02020603050405020304" pitchFamily="18" charset="0"/>
-              </a:defRPr>
-            </a:lvl6pPr>
-            <a:lvl7pPr marL="3200400" eaLnBrk="0" fontAlgn="base" hangingPunct="0">
-              <a:spcBef>
-                <a:spcPct val="0"/>
-              </a:spcBef>
-              <a:spcAft>
-                <a:spcPct val="0"/>
-              </a:spcAft>
-              <a:defRPr sz="2400">
-                <a:solidFill>
-                  <a:schemeClr val="tx1"/>
-                </a:solidFill>
-                <a:latin typeface="Times New Roman" panose="02020603050405020304" pitchFamily="18" charset="0"/>
-              </a:defRPr>
-            </a:lvl7pPr>
-            <a:lvl8pPr marL="3657600" eaLnBrk="0" fontAlgn="base" hangingPunct="0">
-              <a:spcBef>
-                <a:spcPct val="0"/>
-              </a:spcBef>
-              <a:spcAft>
-                <a:spcPct val="0"/>
-              </a:spcAft>
-              <a:defRPr sz="2400">
-                <a:solidFill>
-                  <a:schemeClr val="tx1"/>
-                </a:solidFill>
-                <a:latin typeface="Times New Roman" panose="02020603050405020304" pitchFamily="18" charset="0"/>
-              </a:defRPr>
-            </a:lvl8pPr>
-            <a:lvl9pPr marL="4114800" eaLnBrk="0" fontAlgn="base" hangingPunct="0">
-              <a:spcBef>
-                <a:spcPct val="0"/>
-              </a:spcBef>
-              <a:spcAft>
-                <a:spcPct val="0"/>
-              </a:spcAft>
-              <a:defRPr sz="2400">
-                <a:solidFill>
-                  <a:schemeClr val="tx1"/>
-                </a:solidFill>
-                <a:latin typeface="Times New Roman" panose="02020603050405020304" pitchFamily="18" charset="0"/>
-              </a:defRPr>
-            </a:lvl9pPr>
-          </a:lstStyle>
-          <a:p>
-            <a:pPr algn="ctr" eaLnBrk="1" hangingPunct="1">
-              <a:spcBef>
-                <a:spcPct val="50000"/>
-              </a:spcBef>
-            </a:pPr>
-            <a:r>
-              <a:rPr lang="es-MX" altLang="es-MX" sz="1800" b="1">
-                <a:latin typeface="Arial" panose="020B0604020202020204" pitchFamily="34" charset="0"/>
-              </a:rPr>
-              <a:t>Traduce </a:t>
-            </a:r>
-            <a:r>
-              <a:rPr lang="es-MX" altLang="es-MX" sz="1800">
-                <a:latin typeface="Arial" panose="020B0604020202020204" pitchFamily="34" charset="0"/>
-              </a:rPr>
-              <a:t>todo el programa</a:t>
-            </a:r>
-          </a:p>
-        </p:txBody>
-      </p:sp>
-      <p:sp>
-        <p:nvSpPr>
-          <p:cNvPr id="109599" name="Text Box 31">
-            <a:extLst>
-              <a:ext uri="{FF2B5EF4-FFF2-40B4-BE49-F238E27FC236}">
-                <a16:creationId xmlns:a16="http://schemas.microsoft.com/office/drawing/2014/main" id="{8BCE4C0C-CA21-47C3-9214-25E7FF3C71D9}"/>
-              </a:ext>
-            </a:extLst>
-          </p:cNvPr>
-          <p:cNvSpPr txBox="1">
-            <a:spLocks noChangeArrowheads="1"/>
-          </p:cNvSpPr>
-          <p:nvPr/>
-        </p:nvSpPr>
-        <p:spPr bwMode="auto">
-          <a:xfrm>
-            <a:off x="6048375" y="5949950"/>
-            <a:ext cx="1331913" cy="366713"/>
-          </a:xfrm>
-          <a:prstGeom prst="rect">
-            <a:avLst/>
-          </a:prstGeom>
-          <a:noFill/>
-          <a:ln>
-            <a:noFill/>
-          </a:ln>
-          <a:effectLst/>
-          <a:extLst>
-            <a:ext uri="{909E8E84-426E-40DD-AFC4-6F175D3DCCD1}">
-              <a14:hiddenFill xmlns:a14="http://schemas.microsoft.com/office/drawing/2010/main">
-                <a:solidFill>
-                  <a:schemeClr val="accent1"/>
-                </a:solidFill>
-              </a14:hiddenFill>
-            </a:ext>
-            <a:ext uri="{91240B29-F687-4F45-9708-019B960494DF}">
-              <a14:hiddenLine xmlns:a14="http://schemas.microsoft.com/office/drawing/2010/main" w="12700">
-                <a:solidFill>
-                  <a:schemeClr val="tx1"/>
-                </a:solidFill>
-                <a:miter lim="800000"/>
-                <a:headEnd type="none" w="sm" len="sm"/>
-                <a:tailEnd type="none" w="sm" len="sm"/>
-              </a14:hiddenLine>
-            </a:ext>
-            <a:ext uri="{AF507438-7753-43E0-B8FC-AC1667EBCBE1}">
-              <a14:hiddenEffects xmlns:a14="http://schemas.microsoft.com/office/drawing/2010/main">
-                <a:effectLst>
-                  <a:outerShdw dist="35921" dir="2700000" algn="ctr" rotWithShape="0">
-                    <a:schemeClr val="bg2"/>
-                  </a:outerShdw>
-                </a:effectLst>
-              </a14:hiddenEffects>
-            </a:ext>
-          </a:extLst>
-        </p:spPr>
-        <p:txBody>
-          <a:bodyPr>
-            <a:spAutoFit/>
-          </a:bodyPr>
-          <a:lstStyle>
-            <a:lvl1pPr eaLnBrk="0" hangingPunct="0">
-              <a:defRPr sz="2400">
-                <a:solidFill>
-                  <a:schemeClr val="tx1"/>
-                </a:solidFill>
-                <a:latin typeface="Times New Roman" panose="02020603050405020304" pitchFamily="18" charset="0"/>
-              </a:defRPr>
-            </a:lvl1pPr>
-            <a:lvl2pPr marL="571500" eaLnBrk="0" hangingPunct="0">
-              <a:defRPr sz="2400">
-                <a:solidFill>
-                  <a:schemeClr val="tx1"/>
-                </a:solidFill>
-                <a:latin typeface="Times New Roman" panose="02020603050405020304" pitchFamily="18" charset="0"/>
-              </a:defRPr>
-            </a:lvl2pPr>
-            <a:lvl3pPr marL="1143000" eaLnBrk="0" hangingPunct="0">
-              <a:defRPr sz="2400">
-                <a:solidFill>
-                  <a:schemeClr val="tx1"/>
-                </a:solidFill>
-                <a:latin typeface="Times New Roman" panose="02020603050405020304" pitchFamily="18" charset="0"/>
-              </a:defRPr>
-            </a:lvl3pPr>
-            <a:lvl4pPr marL="1714500" eaLnBrk="0" hangingPunct="0">
-              <a:defRPr sz="2400">
-                <a:solidFill>
-                  <a:schemeClr val="tx1"/>
-                </a:solidFill>
-                <a:latin typeface="Times New Roman" panose="02020603050405020304" pitchFamily="18" charset="0"/>
-              </a:defRPr>
-            </a:lvl4pPr>
-            <a:lvl5pPr marL="2286000" eaLnBrk="0" hangingPunct="0">
-              <a:defRPr sz="2400">
-                <a:solidFill>
-                  <a:schemeClr val="tx1"/>
-                </a:solidFill>
-                <a:latin typeface="Times New Roman" panose="02020603050405020304" pitchFamily="18" charset="0"/>
-              </a:defRPr>
-            </a:lvl5pPr>
-            <a:lvl6pPr marL="2743200" eaLnBrk="0" fontAlgn="base" hangingPunct="0">
-              <a:spcBef>
-                <a:spcPct val="0"/>
-              </a:spcBef>
-              <a:spcAft>
-                <a:spcPct val="0"/>
-              </a:spcAft>
-              <a:defRPr sz="2400">
-                <a:solidFill>
-                  <a:schemeClr val="tx1"/>
-                </a:solidFill>
-                <a:latin typeface="Times New Roman" panose="02020603050405020304" pitchFamily="18" charset="0"/>
-              </a:defRPr>
-            </a:lvl6pPr>
-            <a:lvl7pPr marL="3200400" eaLnBrk="0" fontAlgn="base" hangingPunct="0">
-              <a:spcBef>
-                <a:spcPct val="0"/>
-              </a:spcBef>
-              <a:spcAft>
-                <a:spcPct val="0"/>
-              </a:spcAft>
-              <a:defRPr sz="2400">
-                <a:solidFill>
-                  <a:schemeClr val="tx1"/>
-                </a:solidFill>
-                <a:latin typeface="Times New Roman" panose="02020603050405020304" pitchFamily="18" charset="0"/>
-              </a:defRPr>
-            </a:lvl7pPr>
-            <a:lvl8pPr marL="3657600" eaLnBrk="0" fontAlgn="base" hangingPunct="0">
-              <a:spcBef>
-                <a:spcPct val="0"/>
-              </a:spcBef>
-              <a:spcAft>
-                <a:spcPct val="0"/>
-              </a:spcAft>
-              <a:defRPr sz="2400">
-                <a:solidFill>
-                  <a:schemeClr val="tx1"/>
-                </a:solidFill>
-                <a:latin typeface="Times New Roman" panose="02020603050405020304" pitchFamily="18" charset="0"/>
-              </a:defRPr>
-            </a:lvl8pPr>
-            <a:lvl9pPr marL="4114800" eaLnBrk="0" fontAlgn="base" hangingPunct="0">
-              <a:spcBef>
-                <a:spcPct val="0"/>
-              </a:spcBef>
-              <a:spcAft>
-                <a:spcPct val="0"/>
-              </a:spcAft>
-              <a:defRPr sz="2400">
-                <a:solidFill>
-                  <a:schemeClr val="tx1"/>
-                </a:solidFill>
-                <a:latin typeface="Times New Roman" panose="02020603050405020304" pitchFamily="18" charset="0"/>
-              </a:defRPr>
-            </a:lvl9pPr>
-          </a:lstStyle>
-          <a:p>
-            <a:pPr algn="ctr" eaLnBrk="1" hangingPunct="1">
-              <a:spcBef>
-                <a:spcPct val="50000"/>
-              </a:spcBef>
-            </a:pPr>
-            <a:r>
-              <a:rPr lang="es-MX" altLang="es-MX" sz="1800" b="1">
-                <a:latin typeface="Arial" panose="020B0604020202020204" pitchFamily="34" charset="0"/>
-              </a:rPr>
-              <a:t>Ejecuta</a:t>
-            </a:r>
-            <a:endParaRPr lang="es-MX" altLang="es-MX" sz="1800">
-              <a:latin typeface="Arial" panose="020B0604020202020204" pitchFamily="34" charset="0"/>
-            </a:endParaRPr>
-          </a:p>
-        </p:txBody>
-      </p:sp>
-      <p:pic>
-        <p:nvPicPr>
-          <p:cNvPr id="109601" name="Picture 33" descr="test">
-            <a:extLst>
-              <a:ext uri="{FF2B5EF4-FFF2-40B4-BE49-F238E27FC236}">
-                <a16:creationId xmlns:a16="http://schemas.microsoft.com/office/drawing/2014/main" id="{DD746C29-E81F-4387-97F1-F7C193E98B12}"/>
-              </a:ext>
-            </a:extLst>
-          </p:cNvPr>
-          <p:cNvPicPr>
-            <a:picLocks noChangeAspect="1" noChangeArrowheads="1"/>
-          </p:cNvPicPr>
-          <p:nvPr/>
-        </p:nvPicPr>
-        <p:blipFill>
-          <a:blip r:embed="rId5" cstate="print">
-            <a:extLst>
-              <a:ext uri="{28A0092B-C50C-407E-A947-70E740481C1C}">
-                <a14:useLocalDpi xmlns:a14="http://schemas.microsoft.com/office/drawing/2010/main" val="0"/>
-              </a:ext>
-            </a:extLst>
-          </a:blip>
-          <a:srcRect/>
-          <a:stretch>
-            <a:fillRect/>
-          </a:stretch>
-        </p:blipFill>
-        <p:spPr bwMode="auto">
-          <a:xfrm>
-            <a:off x="5292725" y="3787775"/>
-            <a:ext cx="827088" cy="936625"/>
-          </a:xfrm>
-          <a:prstGeom prst="rect">
-            <a:avLst/>
-          </a:prstGeom>
-          <a:noFill/>
-          <a:extLst>
-            <a:ext uri="{909E8E84-426E-40DD-AFC4-6F175D3DCCD1}">
-              <a14:hiddenFill xmlns:a14="http://schemas.microsoft.com/office/drawing/2010/main">
-                <a:solidFill>
-                  <a:srgbClr val="FFFFFF"/>
-                </a:solidFill>
-              </a14:hiddenFill>
-            </a:ext>
-          </a:extLst>
-        </p:spPr>
-      </p:pic>
-      <p:sp>
-        <p:nvSpPr>
-          <p:cNvPr id="109603" name="Text Box 35">
-            <a:extLst>
-              <a:ext uri="{FF2B5EF4-FFF2-40B4-BE49-F238E27FC236}">
-                <a16:creationId xmlns:a16="http://schemas.microsoft.com/office/drawing/2014/main" id="{B6E92B09-87EF-410F-81E7-A426DCA1D053}"/>
-              </a:ext>
-            </a:extLst>
-          </p:cNvPr>
-          <p:cNvSpPr txBox="1">
-            <a:spLocks noChangeArrowheads="1"/>
-          </p:cNvSpPr>
-          <p:nvPr/>
-        </p:nvSpPr>
-        <p:spPr bwMode="auto">
-          <a:xfrm>
-            <a:off x="6299200" y="4791075"/>
-            <a:ext cx="649288" cy="366713"/>
-          </a:xfrm>
-          <a:prstGeom prst="rect">
-            <a:avLst/>
-          </a:prstGeom>
-          <a:noFill/>
-          <a:ln>
-            <a:noFill/>
-          </a:ln>
-          <a:effectLst/>
-          <a:extLst>
-            <a:ext uri="{909E8E84-426E-40DD-AFC4-6F175D3DCCD1}">
-              <a14:hiddenFill xmlns:a14="http://schemas.microsoft.com/office/drawing/2010/main">
-                <a:solidFill>
-                  <a:schemeClr val="accent1"/>
-                </a:solidFill>
-              </a14:hiddenFill>
-            </a:ext>
-            <a:ext uri="{91240B29-F687-4F45-9708-019B960494DF}">
-              <a14:hiddenLine xmlns:a14="http://schemas.microsoft.com/office/drawing/2010/main" w="12700">
-                <a:solidFill>
-                  <a:schemeClr val="tx1"/>
-                </a:solidFill>
-                <a:miter lim="800000"/>
-                <a:headEnd type="none" w="sm" len="sm"/>
-                <a:tailEnd type="none" w="sm" len="sm"/>
-              </a14:hiddenLine>
-            </a:ext>
-            <a:ext uri="{AF507438-7753-43E0-B8FC-AC1667EBCBE1}">
-              <a14:hiddenEffects xmlns:a14="http://schemas.microsoft.com/office/drawing/2010/main">
-                <a:effectLst>
-                  <a:outerShdw dist="35921" dir="2700000" algn="ctr" rotWithShape="0">
-                    <a:schemeClr val="bg2"/>
-                  </a:outerShdw>
-                </a:effectLst>
-              </a14:hiddenEffects>
-            </a:ext>
-          </a:extLst>
-        </p:spPr>
-        <p:txBody>
-          <a:bodyPr>
-            <a:spAutoFit/>
-          </a:bodyPr>
-          <a:lstStyle>
-            <a:lvl1pPr eaLnBrk="0" hangingPunct="0">
-              <a:defRPr sz="2400">
-                <a:solidFill>
-                  <a:schemeClr val="tx1"/>
-                </a:solidFill>
-                <a:latin typeface="Times New Roman" panose="02020603050405020304" pitchFamily="18" charset="0"/>
-              </a:defRPr>
-            </a:lvl1pPr>
-            <a:lvl2pPr marL="571500" eaLnBrk="0" hangingPunct="0">
-              <a:defRPr sz="2400">
-                <a:solidFill>
-                  <a:schemeClr val="tx1"/>
-                </a:solidFill>
-                <a:latin typeface="Times New Roman" panose="02020603050405020304" pitchFamily="18" charset="0"/>
-              </a:defRPr>
-            </a:lvl2pPr>
-            <a:lvl3pPr marL="1143000" eaLnBrk="0" hangingPunct="0">
-              <a:defRPr sz="2400">
-                <a:solidFill>
-                  <a:schemeClr val="tx1"/>
-                </a:solidFill>
-                <a:latin typeface="Times New Roman" panose="02020603050405020304" pitchFamily="18" charset="0"/>
-              </a:defRPr>
-            </a:lvl3pPr>
-            <a:lvl4pPr marL="1714500" eaLnBrk="0" hangingPunct="0">
-              <a:defRPr sz="2400">
-                <a:solidFill>
-                  <a:schemeClr val="tx1"/>
-                </a:solidFill>
-                <a:latin typeface="Times New Roman" panose="02020603050405020304" pitchFamily="18" charset="0"/>
-              </a:defRPr>
-            </a:lvl4pPr>
-            <a:lvl5pPr marL="2286000" eaLnBrk="0" hangingPunct="0">
-              <a:defRPr sz="2400">
-                <a:solidFill>
-                  <a:schemeClr val="tx1"/>
-                </a:solidFill>
-                <a:latin typeface="Times New Roman" panose="02020603050405020304" pitchFamily="18" charset="0"/>
-              </a:defRPr>
-            </a:lvl5pPr>
-            <a:lvl6pPr marL="2743200" eaLnBrk="0" fontAlgn="base" hangingPunct="0">
-              <a:spcBef>
-                <a:spcPct val="0"/>
-              </a:spcBef>
-              <a:spcAft>
-                <a:spcPct val="0"/>
-              </a:spcAft>
-              <a:defRPr sz="2400">
-                <a:solidFill>
-                  <a:schemeClr val="tx1"/>
-                </a:solidFill>
-                <a:latin typeface="Times New Roman" panose="02020603050405020304" pitchFamily="18" charset="0"/>
-              </a:defRPr>
-            </a:lvl6pPr>
-            <a:lvl7pPr marL="3200400" eaLnBrk="0" fontAlgn="base" hangingPunct="0">
-              <a:spcBef>
-                <a:spcPct val="0"/>
-              </a:spcBef>
-              <a:spcAft>
-                <a:spcPct val="0"/>
-              </a:spcAft>
-              <a:defRPr sz="2400">
-                <a:solidFill>
-                  <a:schemeClr val="tx1"/>
-                </a:solidFill>
-                <a:latin typeface="Times New Roman" panose="02020603050405020304" pitchFamily="18" charset="0"/>
-              </a:defRPr>
-            </a:lvl7pPr>
-            <a:lvl8pPr marL="3657600" eaLnBrk="0" fontAlgn="base" hangingPunct="0">
-              <a:spcBef>
-                <a:spcPct val="0"/>
-              </a:spcBef>
-              <a:spcAft>
-                <a:spcPct val="0"/>
-              </a:spcAft>
-              <a:defRPr sz="2400">
-                <a:solidFill>
-                  <a:schemeClr val="tx1"/>
-                </a:solidFill>
-                <a:latin typeface="Times New Roman" panose="02020603050405020304" pitchFamily="18" charset="0"/>
-              </a:defRPr>
-            </a:lvl8pPr>
-            <a:lvl9pPr marL="4114800" eaLnBrk="0" fontAlgn="base" hangingPunct="0">
-              <a:spcBef>
-                <a:spcPct val="0"/>
-              </a:spcBef>
-              <a:spcAft>
-                <a:spcPct val="0"/>
-              </a:spcAft>
-              <a:defRPr sz="2400">
-                <a:solidFill>
-                  <a:schemeClr val="tx1"/>
-                </a:solidFill>
-                <a:latin typeface="Times New Roman" panose="02020603050405020304" pitchFamily="18" charset="0"/>
-              </a:defRPr>
-            </a:lvl9pPr>
-          </a:lstStyle>
-          <a:p>
-            <a:pPr algn="ctr" eaLnBrk="1" hangingPunct="1">
-              <a:spcBef>
-                <a:spcPct val="50000"/>
-              </a:spcBef>
-            </a:pPr>
-            <a:r>
-              <a:rPr lang="es-MX" altLang="es-MX" sz="1800">
-                <a:latin typeface="Arial" panose="020B0604020202020204" pitchFamily="34" charset="0"/>
-              </a:rPr>
-              <a:t>y</a:t>
-            </a:r>
-          </a:p>
-        </p:txBody>
-      </p:sp>
-      <p:sp>
-        <p:nvSpPr>
-          <p:cNvPr id="109604" name="Text Box 36">
-            <a:extLst>
-              <a:ext uri="{FF2B5EF4-FFF2-40B4-BE49-F238E27FC236}">
-                <a16:creationId xmlns:a16="http://schemas.microsoft.com/office/drawing/2014/main" id="{8801B12B-7A0F-45C3-B9DA-A19D686D3E90}"/>
-              </a:ext>
-            </a:extLst>
-          </p:cNvPr>
-          <p:cNvSpPr txBox="1">
-            <a:spLocks noChangeArrowheads="1"/>
-          </p:cNvSpPr>
-          <p:nvPr/>
-        </p:nvSpPr>
-        <p:spPr bwMode="auto">
-          <a:xfrm>
-            <a:off x="6588125" y="4732338"/>
-            <a:ext cx="2339975" cy="641350"/>
-          </a:xfrm>
-          <a:prstGeom prst="rect">
-            <a:avLst/>
-          </a:prstGeom>
-          <a:noFill/>
-          <a:ln>
-            <a:noFill/>
-          </a:ln>
-          <a:effectLst/>
-          <a:extLst>
-            <a:ext uri="{909E8E84-426E-40DD-AFC4-6F175D3DCCD1}">
-              <a14:hiddenFill xmlns:a14="http://schemas.microsoft.com/office/drawing/2010/main">
-                <a:solidFill>
-                  <a:schemeClr val="accent1"/>
-                </a:solidFill>
-              </a14:hiddenFill>
-            </a:ext>
-            <a:ext uri="{91240B29-F687-4F45-9708-019B960494DF}">
-              <a14:hiddenLine xmlns:a14="http://schemas.microsoft.com/office/drawing/2010/main" w="12700">
-                <a:solidFill>
-                  <a:schemeClr val="tx1"/>
-                </a:solidFill>
-                <a:miter lim="800000"/>
-                <a:headEnd type="none" w="sm" len="sm"/>
-                <a:tailEnd type="none" w="sm" len="sm"/>
-              </a14:hiddenLine>
-            </a:ext>
-            <a:ext uri="{AF507438-7753-43E0-B8FC-AC1667EBCBE1}">
-              <a14:hiddenEffects xmlns:a14="http://schemas.microsoft.com/office/drawing/2010/main">
-                <a:effectLst>
-                  <a:outerShdw dist="35921" dir="2700000" algn="ctr" rotWithShape="0">
-                    <a:schemeClr val="bg2"/>
-                  </a:outerShdw>
-                </a:effectLst>
-              </a14:hiddenEffects>
-            </a:ext>
-          </a:extLst>
-        </p:spPr>
-        <p:txBody>
-          <a:bodyPr>
-            <a:spAutoFit/>
-          </a:bodyPr>
-          <a:lstStyle>
-            <a:lvl1pPr eaLnBrk="0" hangingPunct="0">
-              <a:defRPr sz="2400">
-                <a:solidFill>
-                  <a:schemeClr val="tx1"/>
-                </a:solidFill>
-                <a:latin typeface="Times New Roman" panose="02020603050405020304" pitchFamily="18" charset="0"/>
-              </a:defRPr>
-            </a:lvl1pPr>
-            <a:lvl2pPr marL="571500" eaLnBrk="0" hangingPunct="0">
-              <a:defRPr sz="2400">
-                <a:solidFill>
-                  <a:schemeClr val="tx1"/>
-                </a:solidFill>
-                <a:latin typeface="Times New Roman" panose="02020603050405020304" pitchFamily="18" charset="0"/>
-              </a:defRPr>
-            </a:lvl2pPr>
-            <a:lvl3pPr marL="1143000" eaLnBrk="0" hangingPunct="0">
-              <a:defRPr sz="2400">
-                <a:solidFill>
-                  <a:schemeClr val="tx1"/>
-                </a:solidFill>
-                <a:latin typeface="Times New Roman" panose="02020603050405020304" pitchFamily="18" charset="0"/>
-              </a:defRPr>
-            </a:lvl3pPr>
-            <a:lvl4pPr marL="1714500" eaLnBrk="0" hangingPunct="0">
-              <a:defRPr sz="2400">
-                <a:solidFill>
-                  <a:schemeClr val="tx1"/>
-                </a:solidFill>
-                <a:latin typeface="Times New Roman" panose="02020603050405020304" pitchFamily="18" charset="0"/>
-              </a:defRPr>
-            </a:lvl4pPr>
-            <a:lvl5pPr marL="2286000" eaLnBrk="0" hangingPunct="0">
-              <a:defRPr sz="2400">
-                <a:solidFill>
-                  <a:schemeClr val="tx1"/>
-                </a:solidFill>
-                <a:latin typeface="Times New Roman" panose="02020603050405020304" pitchFamily="18" charset="0"/>
-              </a:defRPr>
-            </a:lvl5pPr>
-            <a:lvl6pPr marL="2743200" eaLnBrk="0" fontAlgn="base" hangingPunct="0">
-              <a:spcBef>
-                <a:spcPct val="0"/>
-              </a:spcBef>
-              <a:spcAft>
-                <a:spcPct val="0"/>
-              </a:spcAft>
-              <a:defRPr sz="2400">
-                <a:solidFill>
-                  <a:schemeClr val="tx1"/>
-                </a:solidFill>
-                <a:latin typeface="Times New Roman" panose="02020603050405020304" pitchFamily="18" charset="0"/>
-              </a:defRPr>
-            </a:lvl6pPr>
-            <a:lvl7pPr marL="3200400" eaLnBrk="0" fontAlgn="base" hangingPunct="0">
-              <a:spcBef>
-                <a:spcPct val="0"/>
-              </a:spcBef>
-              <a:spcAft>
-                <a:spcPct val="0"/>
-              </a:spcAft>
-              <a:defRPr sz="2400">
-                <a:solidFill>
-                  <a:schemeClr val="tx1"/>
-                </a:solidFill>
-                <a:latin typeface="Times New Roman" panose="02020603050405020304" pitchFamily="18" charset="0"/>
-              </a:defRPr>
-            </a:lvl7pPr>
-            <a:lvl8pPr marL="3657600" eaLnBrk="0" fontAlgn="base" hangingPunct="0">
-              <a:spcBef>
-                <a:spcPct val="0"/>
-              </a:spcBef>
-              <a:spcAft>
-                <a:spcPct val="0"/>
-              </a:spcAft>
-              <a:defRPr sz="2400">
-                <a:solidFill>
-                  <a:schemeClr val="tx1"/>
-                </a:solidFill>
-                <a:latin typeface="Times New Roman" panose="02020603050405020304" pitchFamily="18" charset="0"/>
-              </a:defRPr>
-            </a:lvl8pPr>
-            <a:lvl9pPr marL="4114800" eaLnBrk="0" fontAlgn="base" hangingPunct="0">
-              <a:spcBef>
-                <a:spcPct val="0"/>
-              </a:spcBef>
-              <a:spcAft>
-                <a:spcPct val="0"/>
-              </a:spcAft>
-              <a:defRPr sz="2400">
-                <a:solidFill>
-                  <a:schemeClr val="tx1"/>
-                </a:solidFill>
-                <a:latin typeface="Times New Roman" panose="02020603050405020304" pitchFamily="18" charset="0"/>
-              </a:defRPr>
-            </a:lvl9pPr>
-          </a:lstStyle>
-          <a:p>
-            <a:pPr algn="ctr" eaLnBrk="1" hangingPunct="1">
-              <a:spcBef>
-                <a:spcPct val="50000"/>
-              </a:spcBef>
-            </a:pPr>
-            <a:r>
-              <a:rPr lang="es-MX" altLang="es-MX" sz="1800" b="1">
-                <a:latin typeface="Arial" panose="020B0604020202020204" pitchFamily="34" charset="0"/>
-              </a:rPr>
-              <a:t>Genera archivo ejecutable (*.exe)</a:t>
-            </a:r>
-            <a:endParaRPr lang="es-MX" altLang="es-MX" sz="1800">
-              <a:latin typeface="Arial" panose="020B0604020202020204" pitchFamily="34" charset="0"/>
-            </a:endParaRPr>
-          </a:p>
-        </p:txBody>
-      </p:sp>
-      <p:sp>
-        <p:nvSpPr>
-          <p:cNvPr id="109605" name="Line 37">
-            <a:extLst>
-              <a:ext uri="{FF2B5EF4-FFF2-40B4-BE49-F238E27FC236}">
-                <a16:creationId xmlns:a16="http://schemas.microsoft.com/office/drawing/2014/main" id="{1CBF91C6-A462-446F-AAC6-8BF478E7AD32}"/>
-              </a:ext>
-            </a:extLst>
-          </p:cNvPr>
-          <p:cNvSpPr>
-            <a:spLocks noChangeShapeType="1"/>
-          </p:cNvSpPr>
-          <p:nvPr/>
-        </p:nvSpPr>
-        <p:spPr bwMode="auto">
-          <a:xfrm flipH="1">
-            <a:off x="6083300" y="3500438"/>
-            <a:ext cx="576263" cy="576262"/>
-          </a:xfrm>
-          <a:prstGeom prst="line">
-            <a:avLst/>
-          </a:prstGeom>
-          <a:noFill/>
-          <a:ln w="50800">
-            <a:solidFill>
-              <a:schemeClr val="tx1"/>
-            </a:solidFill>
-            <a:round/>
-            <a:headEnd type="none" w="sm" len="sm"/>
-            <a:tailEnd type="triangle" w="lg" len="lg"/>
-          </a:ln>
-          <a:effectLst/>
-          <a:extLst>
-            <a:ext uri="{909E8E84-426E-40DD-AFC4-6F175D3DCCD1}">
-              <a14:hiddenFill xmlns:a14="http://schemas.microsoft.com/office/drawing/2010/main">
-                <a:noFill/>
-              </a14:hiddenFill>
-            </a:ext>
-            <a:ext uri="{AF507438-7753-43E0-B8FC-AC1667EBCBE1}">
-              <a14:hiddenEffects xmlns:a14="http://schemas.microsoft.com/office/drawing/2010/main">
-                <a:effectLst>
-                  <a:outerShdw dist="35921" dir="2700000" algn="ctr" rotWithShape="0">
-                    <a:schemeClr val="bg2"/>
-                  </a:outerShdw>
-                </a:effectLst>
-              </a14:hiddenEffects>
-            </a:ext>
-          </a:extLst>
-        </p:spPr>
-        <p:txBody>
-          <a:bodyPr/>
-          <a:lstStyle/>
-          <a:p>
-            <a:endParaRPr lang="es-MX"/>
-          </a:p>
-        </p:txBody>
-      </p:sp>
-      <p:sp>
-        <p:nvSpPr>
-          <p:cNvPr id="109606" name="Line 38">
-            <a:extLst>
-              <a:ext uri="{FF2B5EF4-FFF2-40B4-BE49-F238E27FC236}">
-                <a16:creationId xmlns:a16="http://schemas.microsoft.com/office/drawing/2014/main" id="{3BDEC567-C9B6-4F39-A142-57D49376F797}"/>
-              </a:ext>
-            </a:extLst>
-          </p:cNvPr>
-          <p:cNvSpPr>
-            <a:spLocks noChangeShapeType="1"/>
-          </p:cNvSpPr>
-          <p:nvPr/>
-        </p:nvSpPr>
-        <p:spPr bwMode="auto">
-          <a:xfrm>
-            <a:off x="6659563" y="3500438"/>
-            <a:ext cx="720725" cy="503237"/>
-          </a:xfrm>
-          <a:prstGeom prst="line">
-            <a:avLst/>
-          </a:prstGeom>
-          <a:noFill/>
-          <a:ln w="50800">
-            <a:solidFill>
-              <a:schemeClr val="tx1"/>
-            </a:solidFill>
-            <a:round/>
-            <a:headEnd type="none" w="sm" len="sm"/>
-            <a:tailEnd type="triangle" w="lg" len="lg"/>
-          </a:ln>
-          <a:effectLst/>
-          <a:extLst>
-            <a:ext uri="{909E8E84-426E-40DD-AFC4-6F175D3DCCD1}">
-              <a14:hiddenFill xmlns:a14="http://schemas.microsoft.com/office/drawing/2010/main">
-                <a:noFill/>
-              </a14:hiddenFill>
-            </a:ext>
-            <a:ext uri="{AF507438-7753-43E0-B8FC-AC1667EBCBE1}">
-              <a14:hiddenEffects xmlns:a14="http://schemas.microsoft.com/office/drawing/2010/main">
-                <a:effectLst>
-                  <a:outerShdw dist="35921" dir="2700000" algn="ctr" rotWithShape="0">
-                    <a:schemeClr val="bg2"/>
-                  </a:outerShdw>
-                </a:effectLst>
-              </a14:hiddenEffects>
-            </a:ext>
-          </a:extLst>
-        </p:spPr>
-        <p:txBody>
-          <a:bodyPr/>
-          <a:lstStyle/>
-          <a:p>
-            <a:endParaRPr lang="es-MX"/>
-          </a:p>
-        </p:txBody>
-      </p:sp>
-      <p:sp>
-        <p:nvSpPr>
-          <p:cNvPr id="109607" name="Rectangle 39">
-            <a:extLst>
-              <a:ext uri="{FF2B5EF4-FFF2-40B4-BE49-F238E27FC236}">
-                <a16:creationId xmlns:a16="http://schemas.microsoft.com/office/drawing/2014/main" id="{7ECD933B-46F5-4599-9D5B-276CE6B0DC4A}"/>
-              </a:ext>
-            </a:extLst>
-          </p:cNvPr>
-          <p:cNvSpPr>
-            <a:spLocks noChangeArrowheads="1"/>
-          </p:cNvSpPr>
-          <p:nvPr/>
-        </p:nvSpPr>
-        <p:spPr bwMode="auto">
-          <a:xfrm>
-            <a:off x="-468313" y="188913"/>
-            <a:ext cx="5184776" cy="1143000"/>
-          </a:xfrm>
-          <a:prstGeom prst="rect">
-            <a:avLst/>
-          </a:prstGeom>
-          <a:noFill/>
-          <a:ln>
-            <a:noFill/>
-          </a:ln>
-          <a:effectLst/>
-          <a:extLst>
-            <a:ext uri="{909E8E84-426E-40DD-AFC4-6F175D3DCCD1}">
-              <a14:hiddenFill xmlns:a14="http://schemas.microsoft.com/office/drawing/2010/main">
-                <a:solidFill>
-                  <a:schemeClr val="accent1"/>
-                </a:solidFill>
-              </a14:hiddenFill>
-            </a:ext>
-            <a:ext uri="{91240B29-F687-4F45-9708-019B960494DF}">
-              <a14:hiddenLine xmlns:a14="http://schemas.microsoft.com/office/drawing/2010/main" w="9525">
-                <a:solidFill>
-                  <a:schemeClr val="tx1"/>
-                </a:solidFill>
-                <a:miter lim="800000"/>
-                <a:headEnd/>
-                <a:tailEnd/>
-              </a14:hiddenLine>
-            </a:ext>
-            <a:ext uri="{AF507438-7753-43E0-B8FC-AC1667EBCBE1}">
-              <a14:hiddenEffects xmlns:a14="http://schemas.microsoft.com/office/drawing/2010/main">
-                <a:effectLst>
-                  <a:outerShdw dist="35921" dir="2700000" algn="ctr" rotWithShape="0">
-                    <a:schemeClr val="bg2"/>
-                  </a:outerShdw>
-                </a:effectLst>
-              </a14:hiddenEffects>
-            </a:ext>
-          </a:extLst>
-        </p:spPr>
-        <p:txBody>
-          <a:bodyPr lIns="92075" tIns="46038" rIns="92075" bIns="46038" anchor="ctr"/>
-          <a:lstStyle>
-            <a:lvl1pPr algn="ctr">
-              <a:defRPr sz="4400">
-                <a:solidFill>
-                  <a:schemeClr val="tx2"/>
-                </a:solidFill>
-                <a:latin typeface="Arial" panose="020B0604020202020204" pitchFamily="34" charset="0"/>
-              </a:defRPr>
-            </a:lvl1pPr>
-            <a:lvl2pPr algn="ctr">
-              <a:defRPr sz="4400">
-                <a:solidFill>
-                  <a:schemeClr val="tx2"/>
-                </a:solidFill>
-                <a:latin typeface="Arial" panose="020B0604020202020204" pitchFamily="34" charset="0"/>
-              </a:defRPr>
-            </a:lvl2pPr>
-            <a:lvl3pPr algn="ctr">
-              <a:defRPr sz="4400">
-                <a:solidFill>
-                  <a:schemeClr val="tx2"/>
-                </a:solidFill>
-                <a:latin typeface="Arial" panose="020B0604020202020204" pitchFamily="34" charset="0"/>
-              </a:defRPr>
-            </a:lvl3pPr>
-            <a:lvl4pPr algn="ctr">
-              <a:defRPr sz="4400">
-                <a:solidFill>
-                  <a:schemeClr val="tx2"/>
-                </a:solidFill>
-                <a:latin typeface="Arial" panose="020B0604020202020204" pitchFamily="34" charset="0"/>
-              </a:defRPr>
-            </a:lvl4pPr>
-            <a:lvl5pPr algn="ctr">
-              <a:defRPr sz="4400">
-                <a:solidFill>
-                  <a:schemeClr val="tx2"/>
-                </a:solidFill>
-                <a:latin typeface="Arial" panose="020B0604020202020204" pitchFamily="34" charset="0"/>
-              </a:defRPr>
-            </a:lvl5pPr>
-            <a:lvl6pPr marL="457200" algn="ctr" fontAlgn="base">
-              <a:spcBef>
-                <a:spcPct val="0"/>
-              </a:spcBef>
-              <a:spcAft>
-                <a:spcPct val="0"/>
-              </a:spcAft>
-              <a:defRPr sz="4400">
-                <a:solidFill>
-                  <a:schemeClr val="tx2"/>
-                </a:solidFill>
-                <a:latin typeface="Arial" panose="020B0604020202020204" pitchFamily="34" charset="0"/>
-              </a:defRPr>
-            </a:lvl6pPr>
-            <a:lvl7pPr marL="914400" algn="ctr" fontAlgn="base">
-              <a:spcBef>
-                <a:spcPct val="0"/>
-              </a:spcBef>
-              <a:spcAft>
-                <a:spcPct val="0"/>
-              </a:spcAft>
-              <a:defRPr sz="4400">
-                <a:solidFill>
-                  <a:schemeClr val="tx2"/>
-                </a:solidFill>
-                <a:latin typeface="Arial" panose="020B0604020202020204" pitchFamily="34" charset="0"/>
-              </a:defRPr>
-            </a:lvl7pPr>
-            <a:lvl8pPr marL="1371600" algn="ctr" fontAlgn="base">
-              <a:spcBef>
-                <a:spcPct val="0"/>
-              </a:spcBef>
-              <a:spcAft>
-                <a:spcPct val="0"/>
-              </a:spcAft>
-              <a:defRPr sz="4400">
-                <a:solidFill>
-                  <a:schemeClr val="tx2"/>
-                </a:solidFill>
-                <a:latin typeface="Arial" panose="020B0604020202020204" pitchFamily="34" charset="0"/>
-              </a:defRPr>
-            </a:lvl8pPr>
-            <a:lvl9pPr marL="1828800" algn="ctr" fontAlgn="base">
-              <a:spcBef>
-                <a:spcPct val="0"/>
-              </a:spcBef>
-              <a:spcAft>
-                <a:spcPct val="0"/>
-              </a:spcAft>
-              <a:defRPr sz="4400">
-                <a:solidFill>
-                  <a:schemeClr val="tx2"/>
-                </a:solidFill>
-                <a:latin typeface="Arial" panose="020B0604020202020204" pitchFamily="34" charset="0"/>
-              </a:defRPr>
-            </a:lvl9pPr>
-          </a:lstStyle>
-          <a:p>
-            <a:r>
-              <a:rPr lang="es-ES_tradnl" altLang="es-MX" sz="3600" b="1" dirty="0">
-                <a:solidFill>
-                  <a:schemeClr val="accent4">
-                    <a:lumMod val="75000"/>
-                  </a:schemeClr>
-                </a:solidFill>
-                <a:effectLst>
-                  <a:outerShdw blurRad="38100" dist="38100" dir="2700000" algn="tl">
-                    <a:srgbClr val="C0C0C0"/>
-                  </a:outerShdw>
-                </a:effectLst>
-              </a:rPr>
-              <a:t>Programa </a:t>
-            </a:r>
-            <a:br>
-              <a:rPr lang="es-ES_tradnl" altLang="es-MX" sz="3600" b="1" dirty="0">
-                <a:solidFill>
-                  <a:schemeClr val="accent4">
-                    <a:lumMod val="75000"/>
-                  </a:schemeClr>
-                </a:solidFill>
-                <a:effectLst>
-                  <a:outerShdw blurRad="38100" dist="38100" dir="2700000" algn="tl">
-                    <a:srgbClr val="C0C0C0"/>
-                  </a:outerShdw>
-                </a:effectLst>
-              </a:rPr>
-            </a:br>
-            <a:r>
-              <a:rPr lang="es-ES_tradnl" altLang="es-MX" sz="3600" b="1" dirty="0">
-                <a:solidFill>
-                  <a:schemeClr val="accent4">
-                    <a:lumMod val="75000"/>
-                  </a:schemeClr>
-                </a:solidFill>
-                <a:effectLst>
-                  <a:outerShdw blurRad="38100" dist="38100" dir="2700000" algn="tl">
-                    <a:srgbClr val="C0C0C0"/>
-                  </a:outerShdw>
-                </a:effectLst>
-              </a:rPr>
-              <a:t>interpretado</a:t>
-            </a:r>
-          </a:p>
-        </p:txBody>
-      </p:sp>
-    </p:spTree>
-    <p:extLst>
-      <p:ext uri="{BB962C8B-B14F-4D97-AF65-F5344CB8AC3E}">
-        <p14:creationId xmlns:p14="http://schemas.microsoft.com/office/powerpoint/2010/main" val="4284285530"/>
-      </p:ext>
-    </p:extLst>
-  </p:cSld>
-  <p:clrMapOvr>
-    <a:masterClrMapping/>
-  </p:clrMapOvr>
-  <p:transition>
-    <p:cover dir="ru"/>
-  </p:transition>
-</p:sld>
-</file>
-
-<file path=ppt/slides/slide18.xml><?xml version="1.0" encoding="utf-8"?>
 <p:sld xmlns:a="http://schemas.openxmlformats.org/drawingml/2006/main" xmlns:r="http://schemas.openxmlformats.org/officeDocument/2006/relationships" xmlns:p="http://schemas.openxmlformats.org/presentationml/2006/main">
   <p:cSld>
     <p:spTree>
@@ -15776,7 +8497,7 @@
                 <a:cs typeface="Calibri"/>
               </a:rPr>
               <a:pPr marL="25400"/>
-              <a:t>18</a:t>
+              <a:t>15</a:t>
             </a:fld>
             <a:endParaRPr sz="1200">
               <a:latin typeface="Calibri"/>
@@ -15793,7 +8514,7 @@
 </p:sld>
 </file>
 
-<file path=ppt/slides/slide19.xml><?xml version="1.0" encoding="utf-8"?>
+<file path=ppt/slides/slide16.xml><?xml version="1.0" encoding="utf-8"?>
 <p:sld xmlns:a="http://schemas.openxmlformats.org/drawingml/2006/main" xmlns:r="http://schemas.openxmlformats.org/officeDocument/2006/relationships" xmlns:p="http://schemas.openxmlformats.org/presentationml/2006/main">
   <p:cSld>
     <p:spTree>
@@ -16199,557 +8920,7 @@
 </p:sld>
 </file>
 
-<file path=ppt/slides/slide2.xml><?xml version="1.0" encoding="utf-8"?>
-<p:sld xmlns:a="http://schemas.openxmlformats.org/drawingml/2006/main" xmlns:r="http://schemas.openxmlformats.org/officeDocument/2006/relationships" xmlns:p="http://schemas.openxmlformats.org/presentationml/2006/main">
-  <p:cSld>
-    <p:spTree>
-      <p:nvGrpSpPr>
-        <p:cNvPr id="1" name=""/>
-        <p:cNvGrpSpPr/>
-        <p:nvPr/>
-      </p:nvGrpSpPr>
-      <p:grpSpPr>
-        <a:xfrm>
-          <a:off x="0" y="0"/>
-          <a:ext cx="0" cy="0"/>
-          <a:chOff x="0" y="0"/>
-          <a:chExt cx="0" cy="0"/>
-        </a:xfrm>
-      </p:grpSpPr>
-      <p:sp>
-        <p:nvSpPr>
-          <p:cNvPr id="2" name="object 2"/>
-          <p:cNvSpPr/>
-          <p:nvPr/>
-        </p:nvSpPr>
-        <p:spPr>
-          <a:xfrm>
-            <a:off x="1143000" y="1699022"/>
-            <a:ext cx="6858000" cy="853677"/>
-          </a:xfrm>
-          <a:custGeom>
-            <a:avLst/>
-            <a:gdLst/>
-            <a:ahLst/>
-            <a:cxnLst/>
-            <a:rect l="l" t="t" r="r" b="b"/>
-            <a:pathLst>
-              <a:path w="9144000" h="1138236">
-                <a:moveTo>
-                  <a:pt x="0" y="1138236"/>
-                </a:moveTo>
-                <a:lnTo>
-                  <a:pt x="9144000" y="1138236"/>
-                </a:lnTo>
-                <a:lnTo>
-                  <a:pt x="9144000" y="0"/>
-                </a:lnTo>
-                <a:lnTo>
-                  <a:pt x="0" y="0"/>
-                </a:lnTo>
-                <a:lnTo>
-                  <a:pt x="0" y="1138236"/>
-                </a:lnTo>
-                <a:close/>
-              </a:path>
-            </a:pathLst>
-          </a:custGeom>
-          <a:solidFill>
-            <a:srgbClr val="FFFFFF"/>
-          </a:solidFill>
-        </p:spPr>
-        <p:txBody>
-          <a:bodyPr wrap="square" lIns="0" tIns="0" rIns="0" bIns="0" rtlCol="0">
-            <a:noAutofit/>
-          </a:bodyPr>
-          <a:lstStyle/>
-          <a:p>
-            <a:endParaRPr sz="1350"/>
-          </a:p>
-        </p:txBody>
-      </p:sp>
-      <p:sp>
-        <p:nvSpPr>
-          <p:cNvPr id="4" name="object 4"/>
-          <p:cNvSpPr txBox="1"/>
-          <p:nvPr/>
-        </p:nvSpPr>
-        <p:spPr>
-          <a:xfrm>
-            <a:off x="1143000" y="946821"/>
-            <a:ext cx="7632859" cy="850269"/>
-          </a:xfrm>
-          <a:prstGeom prst="rect">
-            <a:avLst/>
-          </a:prstGeom>
-        </p:spPr>
-        <p:txBody>
-          <a:bodyPr vert="horz" wrap="square" lIns="0" tIns="0" rIns="0" bIns="0" rtlCol="0">
-            <a:noAutofit/>
-          </a:bodyPr>
-          <a:lstStyle/>
-          <a:p>
-            <a:pPr marL="9525"/>
-            <a:r>
-              <a:rPr lang="es-MX" sz="4400" b="1" dirty="0">
-                <a:solidFill>
-                  <a:schemeClr val="accent4">
-                    <a:lumMod val="50000"/>
-                  </a:schemeClr>
-                </a:solidFill>
-                <a:effectLst>
-                  <a:outerShdw blurRad="38100" dist="38100" dir="2700000" algn="tl">
-                    <a:srgbClr val="C0C0C0"/>
-                  </a:outerShdw>
-                </a:effectLst>
-                <a:latin typeface="Dom Casual" charset="0"/>
-                <a:ea typeface="+mj-ea"/>
-                <a:cs typeface="+mj-cs"/>
-              </a:rPr>
-              <a:t>¿</a:t>
-            </a:r>
-            <a:r>
-              <a:rPr sz="4400" b="1" dirty="0">
-                <a:solidFill>
-                  <a:schemeClr val="accent4">
-                    <a:lumMod val="50000"/>
-                  </a:schemeClr>
-                </a:solidFill>
-                <a:effectLst>
-                  <a:outerShdw blurRad="38100" dist="38100" dir="2700000" algn="tl">
-                    <a:srgbClr val="C0C0C0"/>
-                  </a:outerShdw>
-                </a:effectLst>
-                <a:latin typeface="Dom Casual" charset="0"/>
-                <a:ea typeface="+mj-ea"/>
-                <a:cs typeface="+mj-cs"/>
-              </a:rPr>
-              <a:t>C</a:t>
-            </a:r>
-            <a:r>
-              <a:rPr lang="es-MX" sz="4400" b="1" dirty="0" err="1">
-                <a:solidFill>
-                  <a:schemeClr val="accent4">
-                    <a:lumMod val="50000"/>
-                  </a:schemeClr>
-                </a:solidFill>
-                <a:effectLst>
-                  <a:outerShdw blurRad="38100" dist="38100" dir="2700000" algn="tl">
-                    <a:srgbClr val="C0C0C0"/>
-                  </a:outerShdw>
-                </a:effectLst>
-                <a:latin typeface="Dom Casual" charset="0"/>
-                <a:ea typeface="+mj-ea"/>
-                <a:cs typeface="+mj-cs"/>
-              </a:rPr>
-              <a:t>ómo</a:t>
-            </a:r>
-            <a:r>
-              <a:rPr lang="es-MX" sz="4400" b="1" dirty="0">
-                <a:solidFill>
-                  <a:schemeClr val="accent4">
-                    <a:lumMod val="50000"/>
-                  </a:schemeClr>
-                </a:solidFill>
-                <a:effectLst>
-                  <a:outerShdw blurRad="38100" dist="38100" dir="2700000" algn="tl">
-                    <a:srgbClr val="C0C0C0"/>
-                  </a:outerShdw>
-                </a:effectLst>
-                <a:latin typeface="Dom Casual" charset="0"/>
-                <a:ea typeface="+mj-ea"/>
-                <a:cs typeface="+mj-cs"/>
-              </a:rPr>
-              <a:t> solucionar problemas?</a:t>
-            </a:r>
-            <a:endParaRPr sz="4400" b="1" dirty="0">
-              <a:solidFill>
-                <a:schemeClr val="accent4">
-                  <a:lumMod val="50000"/>
-                </a:schemeClr>
-              </a:solidFill>
-              <a:effectLst>
-                <a:outerShdw blurRad="38100" dist="38100" dir="2700000" algn="tl">
-                  <a:srgbClr val="C0C0C0"/>
-                </a:outerShdw>
-              </a:effectLst>
-              <a:latin typeface="Dom Casual" charset="0"/>
-              <a:ea typeface="+mj-ea"/>
-              <a:cs typeface="+mj-cs"/>
-            </a:endParaRPr>
-          </a:p>
-        </p:txBody>
-      </p:sp>
-      <p:sp>
-        <p:nvSpPr>
-          <p:cNvPr id="5" name="object 5"/>
-          <p:cNvSpPr/>
-          <p:nvPr/>
-        </p:nvSpPr>
-        <p:spPr>
-          <a:xfrm>
-            <a:off x="2416812" y="2860073"/>
-            <a:ext cx="1926669" cy="1491578"/>
-          </a:xfrm>
-          <a:custGeom>
-            <a:avLst/>
-            <a:gdLst/>
-            <a:ahLst/>
-            <a:cxnLst/>
-            <a:rect l="l" t="t" r="r" b="b"/>
-            <a:pathLst>
-              <a:path w="2568892" h="1988770">
-                <a:moveTo>
-                  <a:pt x="1648221" y="0"/>
-                </a:moveTo>
-                <a:lnTo>
-                  <a:pt x="0" y="1273042"/>
-                </a:lnTo>
-                <a:lnTo>
-                  <a:pt x="1162437" y="1988770"/>
-                </a:lnTo>
-                <a:lnTo>
-                  <a:pt x="2568892" y="775813"/>
-                </a:lnTo>
-                <a:lnTo>
-                  <a:pt x="1648221" y="0"/>
-                </a:lnTo>
-                <a:close/>
-              </a:path>
-            </a:pathLst>
-          </a:custGeom>
-          <a:solidFill>
-            <a:srgbClr val="FFFAE5"/>
-          </a:solidFill>
-        </p:spPr>
-        <p:txBody>
-          <a:bodyPr wrap="square" lIns="0" tIns="0" rIns="0" bIns="0" rtlCol="0">
-            <a:noAutofit/>
-          </a:bodyPr>
-          <a:lstStyle/>
-          <a:p>
-            <a:endParaRPr sz="1350"/>
-          </a:p>
-        </p:txBody>
-      </p:sp>
-      <p:sp>
-        <p:nvSpPr>
-          <p:cNvPr id="6" name="object 6"/>
-          <p:cNvSpPr/>
-          <p:nvPr/>
-        </p:nvSpPr>
-        <p:spPr>
-          <a:xfrm>
-            <a:off x="2126219" y="4187741"/>
-            <a:ext cx="2617184" cy="400652"/>
-          </a:xfrm>
-          <a:custGeom>
-            <a:avLst/>
-            <a:gdLst/>
-            <a:ahLst/>
-            <a:cxnLst/>
-            <a:rect l="l" t="t" r="r" b="b"/>
-            <a:pathLst>
-              <a:path w="3489579" h="534202">
-                <a:moveTo>
-                  <a:pt x="1781223" y="12713"/>
-                </a:moveTo>
-                <a:lnTo>
-                  <a:pt x="1470071" y="12713"/>
-                </a:lnTo>
-                <a:lnTo>
-                  <a:pt x="1191347" y="28895"/>
-                </a:lnTo>
-                <a:lnTo>
-                  <a:pt x="943829" y="61290"/>
-                </a:lnTo>
-                <a:lnTo>
-                  <a:pt x="611863" y="139918"/>
-                </a:lnTo>
-                <a:lnTo>
-                  <a:pt x="0" y="534202"/>
-                </a:lnTo>
-                <a:lnTo>
-                  <a:pt x="219763" y="471755"/>
-                </a:lnTo>
-                <a:lnTo>
-                  <a:pt x="584109" y="426642"/>
-                </a:lnTo>
-                <a:lnTo>
-                  <a:pt x="906777" y="402374"/>
-                </a:lnTo>
-                <a:lnTo>
-                  <a:pt x="3296912" y="402374"/>
-                </a:lnTo>
-                <a:lnTo>
-                  <a:pt x="3489579" y="357261"/>
-                </a:lnTo>
-                <a:lnTo>
-                  <a:pt x="3119183" y="49731"/>
-                </a:lnTo>
-                <a:lnTo>
-                  <a:pt x="2528402" y="49731"/>
-                </a:lnTo>
-                <a:lnTo>
-                  <a:pt x="2152507" y="36986"/>
-                </a:lnTo>
-                <a:lnTo>
-                  <a:pt x="1781223" y="12713"/>
-                </a:lnTo>
-                <a:close/>
-              </a:path>
-              <a:path w="3489579" h="534202">
-                <a:moveTo>
-                  <a:pt x="3296912" y="402374"/>
-                </a:moveTo>
-                <a:lnTo>
-                  <a:pt x="1175157" y="402374"/>
-                </a:lnTo>
-                <a:lnTo>
-                  <a:pt x="1872579" y="468288"/>
-                </a:lnTo>
-                <a:lnTo>
-                  <a:pt x="2162915" y="479844"/>
-                </a:lnTo>
-                <a:lnTo>
-                  <a:pt x="2516854" y="479844"/>
-                </a:lnTo>
-                <a:lnTo>
-                  <a:pt x="2860337" y="471755"/>
-                </a:lnTo>
-                <a:lnTo>
-                  <a:pt x="3134483" y="439355"/>
-                </a:lnTo>
-                <a:lnTo>
-                  <a:pt x="3296912" y="402374"/>
-                </a:lnTo>
-                <a:close/>
-              </a:path>
-              <a:path w="3489579" h="534202">
-                <a:moveTo>
-                  <a:pt x="3059285" y="0"/>
-                </a:moveTo>
-                <a:lnTo>
-                  <a:pt x="2892747" y="32363"/>
-                </a:lnTo>
-                <a:lnTo>
-                  <a:pt x="2528402" y="49731"/>
-                </a:lnTo>
-                <a:lnTo>
-                  <a:pt x="3119183" y="49731"/>
-                </a:lnTo>
-                <a:lnTo>
-                  <a:pt x="3059285" y="0"/>
-                </a:lnTo>
-                <a:close/>
-              </a:path>
-            </a:pathLst>
-          </a:custGeom>
-          <a:solidFill>
-            <a:srgbClr val="BAD9BA"/>
-          </a:solidFill>
-        </p:spPr>
-        <p:txBody>
-          <a:bodyPr wrap="square" lIns="0" tIns="0" rIns="0" bIns="0" rtlCol="0">
-            <a:noAutofit/>
-          </a:bodyPr>
-          <a:lstStyle/>
-          <a:p>
-            <a:endParaRPr sz="1350"/>
-          </a:p>
-        </p:txBody>
-      </p:sp>
-      <p:sp>
-        <p:nvSpPr>
-          <p:cNvPr id="7" name="object 7"/>
-          <p:cNvSpPr/>
-          <p:nvPr/>
-        </p:nvSpPr>
-        <p:spPr>
-          <a:xfrm>
-            <a:off x="2323571" y="2930752"/>
-            <a:ext cx="2045474" cy="1604300"/>
-          </a:xfrm>
-          <a:prstGeom prst="rect">
-            <a:avLst/>
-          </a:prstGeom>
-          <a:blipFill>
-            <a:blip r:embed="rId2" cstate="print"/>
-            <a:stretch>
-              <a:fillRect/>
-            </a:stretch>
-          </a:blipFill>
-        </p:spPr>
-        <p:txBody>
-          <a:bodyPr wrap="square" lIns="0" tIns="0" rIns="0" bIns="0" rtlCol="0">
-            <a:noAutofit/>
-          </a:bodyPr>
-          <a:lstStyle/>
-          <a:p>
-            <a:endParaRPr sz="1350"/>
-          </a:p>
-        </p:txBody>
-      </p:sp>
-      <p:sp>
-        <p:nvSpPr>
-          <p:cNvPr id="8" name="object 8"/>
-          <p:cNvSpPr/>
-          <p:nvPr/>
-        </p:nvSpPr>
-        <p:spPr>
-          <a:xfrm>
-            <a:off x="5090288" y="2903592"/>
-            <a:ext cx="1627325" cy="1676161"/>
-          </a:xfrm>
-          <a:prstGeom prst="rect">
-            <a:avLst/>
-          </a:prstGeom>
-          <a:blipFill>
-            <a:blip r:embed="rId3" cstate="print"/>
-            <a:stretch>
-              <a:fillRect/>
-            </a:stretch>
-          </a:blipFill>
-        </p:spPr>
-        <p:txBody>
-          <a:bodyPr wrap="square" lIns="0" tIns="0" rIns="0" bIns="0" rtlCol="0">
-            <a:noAutofit/>
-          </a:bodyPr>
-          <a:lstStyle/>
-          <a:p>
-            <a:endParaRPr sz="1350"/>
-          </a:p>
-        </p:txBody>
-      </p:sp>
-      <p:sp>
-        <p:nvSpPr>
-          <p:cNvPr id="9" name="object 9"/>
-          <p:cNvSpPr txBox="1"/>
-          <p:nvPr/>
-        </p:nvSpPr>
-        <p:spPr>
-          <a:xfrm>
-            <a:off x="3591401" y="2328386"/>
-            <a:ext cx="1961198" cy="277654"/>
-          </a:xfrm>
-          <a:prstGeom prst="rect">
-            <a:avLst/>
-          </a:prstGeom>
-        </p:spPr>
-        <p:txBody>
-          <a:bodyPr vert="horz" wrap="square" lIns="0" tIns="0" rIns="0" bIns="0" rtlCol="0">
-            <a:noAutofit/>
-          </a:bodyPr>
-          <a:lstStyle/>
-          <a:p>
-            <a:pPr marL="9525"/>
-            <a:r>
-              <a:rPr spc="-19" dirty="0">
-                <a:latin typeface="Verdana"/>
-                <a:cs typeface="Verdana"/>
-              </a:rPr>
-              <a:t>A</a:t>
-            </a:r>
-            <a:r>
-              <a:rPr spc="-11" dirty="0">
-                <a:latin typeface="Verdana"/>
-                <a:cs typeface="Verdana"/>
-              </a:rPr>
-              <a:t>n</a:t>
-            </a:r>
-            <a:r>
-              <a:rPr spc="-4" dirty="0">
-                <a:latin typeface="Verdana"/>
-                <a:cs typeface="Verdana"/>
-              </a:rPr>
-              <a:t>á</a:t>
-            </a:r>
-            <a:r>
-              <a:rPr spc="4" dirty="0">
-                <a:latin typeface="Verdana"/>
-                <a:cs typeface="Verdana"/>
-              </a:rPr>
-              <a:t>l</a:t>
-            </a:r>
-            <a:r>
-              <a:rPr dirty="0">
-                <a:latin typeface="Verdana"/>
-                <a:cs typeface="Verdana"/>
-              </a:rPr>
-              <a:t>i</a:t>
-            </a:r>
-            <a:r>
-              <a:rPr spc="-11" dirty="0">
-                <a:latin typeface="Verdana"/>
-                <a:cs typeface="Verdana"/>
-              </a:rPr>
-              <a:t>sis</a:t>
-            </a:r>
-            <a:r>
-              <a:rPr spc="4" dirty="0">
-                <a:latin typeface="Verdana"/>
-                <a:cs typeface="Verdana"/>
-              </a:rPr>
-              <a:t> </a:t>
-            </a:r>
-            <a:r>
-              <a:rPr spc="-11" dirty="0">
-                <a:latin typeface="Verdana"/>
-                <a:cs typeface="Verdana"/>
-              </a:rPr>
-              <a:t>y</a:t>
-            </a:r>
-            <a:r>
-              <a:rPr spc="8" dirty="0">
-                <a:latin typeface="Verdana"/>
-                <a:cs typeface="Verdana"/>
-              </a:rPr>
-              <a:t> </a:t>
-            </a:r>
-            <a:r>
-              <a:rPr spc="-15" dirty="0">
-                <a:latin typeface="Verdana"/>
-                <a:cs typeface="Verdana"/>
-              </a:rPr>
-              <a:t>Di</a:t>
-            </a:r>
-            <a:r>
-              <a:rPr spc="-11" dirty="0">
-                <a:latin typeface="Verdana"/>
-                <a:cs typeface="Verdana"/>
-              </a:rPr>
-              <a:t>s</a:t>
-            </a:r>
-            <a:r>
-              <a:rPr spc="-19" dirty="0">
-                <a:latin typeface="Verdana"/>
-                <a:cs typeface="Verdana"/>
-              </a:rPr>
-              <a:t>e</a:t>
-            </a:r>
-            <a:r>
-              <a:rPr spc="-11" dirty="0">
-                <a:latin typeface="Verdana"/>
-                <a:cs typeface="Verdana"/>
-              </a:rPr>
-              <a:t>ño</a:t>
-            </a:r>
-            <a:endParaRPr dirty="0">
-              <a:latin typeface="Verdana"/>
-              <a:cs typeface="Verdana"/>
-            </a:endParaRPr>
-          </a:p>
-        </p:txBody>
-      </p:sp>
-    </p:spTree>
-  </p:cSld>
-  <p:clrMapOvr>
-    <a:masterClrMapping/>
-  </p:clrMapOvr>
-</p:sld>
-</file>
-
-<file path=ppt/slides/slide20.xml><?xml version="1.0" encoding="utf-8"?>
+<file path=ppt/slides/slide17.xml><?xml version="1.0" encoding="utf-8"?>
 <p:sld xmlns:a="http://schemas.openxmlformats.org/drawingml/2006/main" xmlns:r="http://schemas.openxmlformats.org/officeDocument/2006/relationships" xmlns:p="http://schemas.openxmlformats.org/presentationml/2006/main">
   <p:cSld>
     <p:spTree>
@@ -16988,7 +9159,7 @@
 </p:sld>
 </file>
 
-<file path=ppt/slides/slide21.xml><?xml version="1.0" encoding="utf-8"?>
+<file path=ppt/slides/slide18.xml><?xml version="1.0" encoding="utf-8"?>
 <p:sld xmlns:a="http://schemas.openxmlformats.org/drawingml/2006/main" xmlns:r="http://schemas.openxmlformats.org/officeDocument/2006/relationships" xmlns:p="http://schemas.openxmlformats.org/presentationml/2006/main">
   <p:cSld>
     <p:spTree>
@@ -17276,7 +9447,7 @@
 </p:sld>
 </file>
 
-<file path=ppt/slides/slide22.xml><?xml version="1.0" encoding="utf-8"?>
+<file path=ppt/slides/slide19.xml><?xml version="1.0" encoding="utf-8"?>
 <p:sld xmlns:a="http://schemas.openxmlformats.org/drawingml/2006/main" xmlns:r="http://schemas.openxmlformats.org/officeDocument/2006/relationships" xmlns:p="http://schemas.openxmlformats.org/presentationml/2006/main">
   <p:cSld>
     <p:spTree>
@@ -17465,7 +9636,7 @@
                 <a:cs typeface="Calibri"/>
               </a:rPr>
               <a:pPr marL="25400"/>
-              <a:t>22</a:t>
+              <a:t>19</a:t>
             </a:fld>
             <a:endParaRPr sz="1200">
               <a:latin typeface="Calibri"/>
@@ -17665,7 +9836,557 @@
 </p:sld>
 </file>
 
-<file path=ppt/slides/slide23.xml><?xml version="1.0" encoding="utf-8"?>
+<file path=ppt/slides/slide2.xml><?xml version="1.0" encoding="utf-8"?>
+<p:sld xmlns:a="http://schemas.openxmlformats.org/drawingml/2006/main" xmlns:r="http://schemas.openxmlformats.org/officeDocument/2006/relationships" xmlns:p="http://schemas.openxmlformats.org/presentationml/2006/main">
+  <p:cSld>
+    <p:spTree>
+      <p:nvGrpSpPr>
+        <p:cNvPr id="1" name=""/>
+        <p:cNvGrpSpPr/>
+        <p:nvPr/>
+      </p:nvGrpSpPr>
+      <p:grpSpPr>
+        <a:xfrm>
+          <a:off x="0" y="0"/>
+          <a:ext cx="0" cy="0"/>
+          <a:chOff x="0" y="0"/>
+          <a:chExt cx="0" cy="0"/>
+        </a:xfrm>
+      </p:grpSpPr>
+      <p:sp>
+        <p:nvSpPr>
+          <p:cNvPr id="2" name="object 2"/>
+          <p:cNvSpPr/>
+          <p:nvPr/>
+        </p:nvSpPr>
+        <p:spPr>
+          <a:xfrm>
+            <a:off x="1143000" y="1699022"/>
+            <a:ext cx="6858000" cy="853677"/>
+          </a:xfrm>
+          <a:custGeom>
+            <a:avLst/>
+            <a:gdLst/>
+            <a:ahLst/>
+            <a:cxnLst/>
+            <a:rect l="l" t="t" r="r" b="b"/>
+            <a:pathLst>
+              <a:path w="9144000" h="1138236">
+                <a:moveTo>
+                  <a:pt x="0" y="1138236"/>
+                </a:moveTo>
+                <a:lnTo>
+                  <a:pt x="9144000" y="1138236"/>
+                </a:lnTo>
+                <a:lnTo>
+                  <a:pt x="9144000" y="0"/>
+                </a:lnTo>
+                <a:lnTo>
+                  <a:pt x="0" y="0"/>
+                </a:lnTo>
+                <a:lnTo>
+                  <a:pt x="0" y="1138236"/>
+                </a:lnTo>
+                <a:close/>
+              </a:path>
+            </a:pathLst>
+          </a:custGeom>
+          <a:solidFill>
+            <a:srgbClr val="FFFFFF"/>
+          </a:solidFill>
+        </p:spPr>
+        <p:txBody>
+          <a:bodyPr wrap="square" lIns="0" tIns="0" rIns="0" bIns="0" rtlCol="0">
+            <a:noAutofit/>
+          </a:bodyPr>
+          <a:lstStyle/>
+          <a:p>
+            <a:endParaRPr sz="1350"/>
+          </a:p>
+        </p:txBody>
+      </p:sp>
+      <p:sp>
+        <p:nvSpPr>
+          <p:cNvPr id="4" name="object 4"/>
+          <p:cNvSpPr txBox="1"/>
+          <p:nvPr/>
+        </p:nvSpPr>
+        <p:spPr>
+          <a:xfrm>
+            <a:off x="1143000" y="946821"/>
+            <a:ext cx="7632859" cy="850269"/>
+          </a:xfrm>
+          <a:prstGeom prst="rect">
+            <a:avLst/>
+          </a:prstGeom>
+        </p:spPr>
+        <p:txBody>
+          <a:bodyPr vert="horz" wrap="square" lIns="0" tIns="0" rIns="0" bIns="0" rtlCol="0">
+            <a:noAutofit/>
+          </a:bodyPr>
+          <a:lstStyle/>
+          <a:p>
+            <a:pPr marL="9525"/>
+            <a:r>
+              <a:rPr lang="es-MX" sz="4400" b="1" dirty="0">
+                <a:solidFill>
+                  <a:schemeClr val="accent4">
+                    <a:lumMod val="50000"/>
+                  </a:schemeClr>
+                </a:solidFill>
+                <a:effectLst>
+                  <a:outerShdw blurRad="38100" dist="38100" dir="2700000" algn="tl">
+                    <a:srgbClr val="C0C0C0"/>
+                  </a:outerShdw>
+                </a:effectLst>
+                <a:latin typeface="Dom Casual" charset="0"/>
+                <a:ea typeface="+mj-ea"/>
+                <a:cs typeface="+mj-cs"/>
+              </a:rPr>
+              <a:t>¿</a:t>
+            </a:r>
+            <a:r>
+              <a:rPr sz="4400" b="1" dirty="0">
+                <a:solidFill>
+                  <a:schemeClr val="accent4">
+                    <a:lumMod val="50000"/>
+                  </a:schemeClr>
+                </a:solidFill>
+                <a:effectLst>
+                  <a:outerShdw blurRad="38100" dist="38100" dir="2700000" algn="tl">
+                    <a:srgbClr val="C0C0C0"/>
+                  </a:outerShdw>
+                </a:effectLst>
+                <a:latin typeface="Dom Casual" charset="0"/>
+                <a:ea typeface="+mj-ea"/>
+                <a:cs typeface="+mj-cs"/>
+              </a:rPr>
+              <a:t>C</a:t>
+            </a:r>
+            <a:r>
+              <a:rPr lang="es-MX" sz="4400" b="1" dirty="0" err="1">
+                <a:solidFill>
+                  <a:schemeClr val="accent4">
+                    <a:lumMod val="50000"/>
+                  </a:schemeClr>
+                </a:solidFill>
+                <a:effectLst>
+                  <a:outerShdw blurRad="38100" dist="38100" dir="2700000" algn="tl">
+                    <a:srgbClr val="C0C0C0"/>
+                  </a:outerShdw>
+                </a:effectLst>
+                <a:latin typeface="Dom Casual" charset="0"/>
+                <a:ea typeface="+mj-ea"/>
+                <a:cs typeface="+mj-cs"/>
+              </a:rPr>
+              <a:t>ómo</a:t>
+            </a:r>
+            <a:r>
+              <a:rPr lang="es-MX" sz="4400" b="1" dirty="0">
+                <a:solidFill>
+                  <a:schemeClr val="accent4">
+                    <a:lumMod val="50000"/>
+                  </a:schemeClr>
+                </a:solidFill>
+                <a:effectLst>
+                  <a:outerShdw blurRad="38100" dist="38100" dir="2700000" algn="tl">
+                    <a:srgbClr val="C0C0C0"/>
+                  </a:outerShdw>
+                </a:effectLst>
+                <a:latin typeface="Dom Casual" charset="0"/>
+                <a:ea typeface="+mj-ea"/>
+                <a:cs typeface="+mj-cs"/>
+              </a:rPr>
+              <a:t> solucionar problemas?</a:t>
+            </a:r>
+            <a:endParaRPr sz="4400" b="1" dirty="0">
+              <a:solidFill>
+                <a:schemeClr val="accent4">
+                  <a:lumMod val="50000"/>
+                </a:schemeClr>
+              </a:solidFill>
+              <a:effectLst>
+                <a:outerShdw blurRad="38100" dist="38100" dir="2700000" algn="tl">
+                  <a:srgbClr val="C0C0C0"/>
+                </a:outerShdw>
+              </a:effectLst>
+              <a:latin typeface="Dom Casual" charset="0"/>
+              <a:ea typeface="+mj-ea"/>
+              <a:cs typeface="+mj-cs"/>
+            </a:endParaRPr>
+          </a:p>
+        </p:txBody>
+      </p:sp>
+      <p:sp>
+        <p:nvSpPr>
+          <p:cNvPr id="5" name="object 5"/>
+          <p:cNvSpPr/>
+          <p:nvPr/>
+        </p:nvSpPr>
+        <p:spPr>
+          <a:xfrm>
+            <a:off x="2416812" y="2860073"/>
+            <a:ext cx="1926669" cy="1491578"/>
+          </a:xfrm>
+          <a:custGeom>
+            <a:avLst/>
+            <a:gdLst/>
+            <a:ahLst/>
+            <a:cxnLst/>
+            <a:rect l="l" t="t" r="r" b="b"/>
+            <a:pathLst>
+              <a:path w="2568892" h="1988770">
+                <a:moveTo>
+                  <a:pt x="1648221" y="0"/>
+                </a:moveTo>
+                <a:lnTo>
+                  <a:pt x="0" y="1273042"/>
+                </a:lnTo>
+                <a:lnTo>
+                  <a:pt x="1162437" y="1988770"/>
+                </a:lnTo>
+                <a:lnTo>
+                  <a:pt x="2568892" y="775813"/>
+                </a:lnTo>
+                <a:lnTo>
+                  <a:pt x="1648221" y="0"/>
+                </a:lnTo>
+                <a:close/>
+              </a:path>
+            </a:pathLst>
+          </a:custGeom>
+          <a:solidFill>
+            <a:srgbClr val="FFFAE5"/>
+          </a:solidFill>
+        </p:spPr>
+        <p:txBody>
+          <a:bodyPr wrap="square" lIns="0" tIns="0" rIns="0" bIns="0" rtlCol="0">
+            <a:noAutofit/>
+          </a:bodyPr>
+          <a:lstStyle/>
+          <a:p>
+            <a:endParaRPr sz="1350"/>
+          </a:p>
+        </p:txBody>
+      </p:sp>
+      <p:sp>
+        <p:nvSpPr>
+          <p:cNvPr id="6" name="object 6"/>
+          <p:cNvSpPr/>
+          <p:nvPr/>
+        </p:nvSpPr>
+        <p:spPr>
+          <a:xfrm>
+            <a:off x="2126219" y="4187741"/>
+            <a:ext cx="2617184" cy="400652"/>
+          </a:xfrm>
+          <a:custGeom>
+            <a:avLst/>
+            <a:gdLst/>
+            <a:ahLst/>
+            <a:cxnLst/>
+            <a:rect l="l" t="t" r="r" b="b"/>
+            <a:pathLst>
+              <a:path w="3489579" h="534202">
+                <a:moveTo>
+                  <a:pt x="1781223" y="12713"/>
+                </a:moveTo>
+                <a:lnTo>
+                  <a:pt x="1470071" y="12713"/>
+                </a:lnTo>
+                <a:lnTo>
+                  <a:pt x="1191347" y="28895"/>
+                </a:lnTo>
+                <a:lnTo>
+                  <a:pt x="943829" y="61290"/>
+                </a:lnTo>
+                <a:lnTo>
+                  <a:pt x="611863" y="139918"/>
+                </a:lnTo>
+                <a:lnTo>
+                  <a:pt x="0" y="534202"/>
+                </a:lnTo>
+                <a:lnTo>
+                  <a:pt x="219763" y="471755"/>
+                </a:lnTo>
+                <a:lnTo>
+                  <a:pt x="584109" y="426642"/>
+                </a:lnTo>
+                <a:lnTo>
+                  <a:pt x="906777" y="402374"/>
+                </a:lnTo>
+                <a:lnTo>
+                  <a:pt x="3296912" y="402374"/>
+                </a:lnTo>
+                <a:lnTo>
+                  <a:pt x="3489579" y="357261"/>
+                </a:lnTo>
+                <a:lnTo>
+                  <a:pt x="3119183" y="49731"/>
+                </a:lnTo>
+                <a:lnTo>
+                  <a:pt x="2528402" y="49731"/>
+                </a:lnTo>
+                <a:lnTo>
+                  <a:pt x="2152507" y="36986"/>
+                </a:lnTo>
+                <a:lnTo>
+                  <a:pt x="1781223" y="12713"/>
+                </a:lnTo>
+                <a:close/>
+              </a:path>
+              <a:path w="3489579" h="534202">
+                <a:moveTo>
+                  <a:pt x="3296912" y="402374"/>
+                </a:moveTo>
+                <a:lnTo>
+                  <a:pt x="1175157" y="402374"/>
+                </a:lnTo>
+                <a:lnTo>
+                  <a:pt x="1872579" y="468288"/>
+                </a:lnTo>
+                <a:lnTo>
+                  <a:pt x="2162915" y="479844"/>
+                </a:lnTo>
+                <a:lnTo>
+                  <a:pt x="2516854" y="479844"/>
+                </a:lnTo>
+                <a:lnTo>
+                  <a:pt x="2860337" y="471755"/>
+                </a:lnTo>
+                <a:lnTo>
+                  <a:pt x="3134483" y="439355"/>
+                </a:lnTo>
+                <a:lnTo>
+                  <a:pt x="3296912" y="402374"/>
+                </a:lnTo>
+                <a:close/>
+              </a:path>
+              <a:path w="3489579" h="534202">
+                <a:moveTo>
+                  <a:pt x="3059285" y="0"/>
+                </a:moveTo>
+                <a:lnTo>
+                  <a:pt x="2892747" y="32363"/>
+                </a:lnTo>
+                <a:lnTo>
+                  <a:pt x="2528402" y="49731"/>
+                </a:lnTo>
+                <a:lnTo>
+                  <a:pt x="3119183" y="49731"/>
+                </a:lnTo>
+                <a:lnTo>
+                  <a:pt x="3059285" y="0"/>
+                </a:lnTo>
+                <a:close/>
+              </a:path>
+            </a:pathLst>
+          </a:custGeom>
+          <a:solidFill>
+            <a:srgbClr val="BAD9BA"/>
+          </a:solidFill>
+        </p:spPr>
+        <p:txBody>
+          <a:bodyPr wrap="square" lIns="0" tIns="0" rIns="0" bIns="0" rtlCol="0">
+            <a:noAutofit/>
+          </a:bodyPr>
+          <a:lstStyle/>
+          <a:p>
+            <a:endParaRPr sz="1350"/>
+          </a:p>
+        </p:txBody>
+      </p:sp>
+      <p:sp>
+        <p:nvSpPr>
+          <p:cNvPr id="7" name="object 7"/>
+          <p:cNvSpPr/>
+          <p:nvPr/>
+        </p:nvSpPr>
+        <p:spPr>
+          <a:xfrm>
+            <a:off x="2323571" y="2930752"/>
+            <a:ext cx="2045474" cy="1604300"/>
+          </a:xfrm>
+          <a:prstGeom prst="rect">
+            <a:avLst/>
+          </a:prstGeom>
+          <a:blipFill>
+            <a:blip r:embed="rId2" cstate="print"/>
+            <a:stretch>
+              <a:fillRect/>
+            </a:stretch>
+          </a:blipFill>
+        </p:spPr>
+        <p:txBody>
+          <a:bodyPr wrap="square" lIns="0" tIns="0" rIns="0" bIns="0" rtlCol="0">
+            <a:noAutofit/>
+          </a:bodyPr>
+          <a:lstStyle/>
+          <a:p>
+            <a:endParaRPr sz="1350"/>
+          </a:p>
+        </p:txBody>
+      </p:sp>
+      <p:sp>
+        <p:nvSpPr>
+          <p:cNvPr id="8" name="object 8"/>
+          <p:cNvSpPr/>
+          <p:nvPr/>
+        </p:nvSpPr>
+        <p:spPr>
+          <a:xfrm>
+            <a:off x="5090288" y="2903592"/>
+            <a:ext cx="1627325" cy="1676161"/>
+          </a:xfrm>
+          <a:prstGeom prst="rect">
+            <a:avLst/>
+          </a:prstGeom>
+          <a:blipFill>
+            <a:blip r:embed="rId3" cstate="print"/>
+            <a:stretch>
+              <a:fillRect/>
+            </a:stretch>
+          </a:blipFill>
+        </p:spPr>
+        <p:txBody>
+          <a:bodyPr wrap="square" lIns="0" tIns="0" rIns="0" bIns="0" rtlCol="0">
+            <a:noAutofit/>
+          </a:bodyPr>
+          <a:lstStyle/>
+          <a:p>
+            <a:endParaRPr sz="1350"/>
+          </a:p>
+        </p:txBody>
+      </p:sp>
+      <p:sp>
+        <p:nvSpPr>
+          <p:cNvPr id="9" name="object 9"/>
+          <p:cNvSpPr txBox="1"/>
+          <p:nvPr/>
+        </p:nvSpPr>
+        <p:spPr>
+          <a:xfrm>
+            <a:off x="3591401" y="2328386"/>
+            <a:ext cx="1961198" cy="277654"/>
+          </a:xfrm>
+          <a:prstGeom prst="rect">
+            <a:avLst/>
+          </a:prstGeom>
+        </p:spPr>
+        <p:txBody>
+          <a:bodyPr vert="horz" wrap="square" lIns="0" tIns="0" rIns="0" bIns="0" rtlCol="0">
+            <a:noAutofit/>
+          </a:bodyPr>
+          <a:lstStyle/>
+          <a:p>
+            <a:pPr marL="9525"/>
+            <a:r>
+              <a:rPr spc="-19" dirty="0">
+                <a:latin typeface="Verdana"/>
+                <a:cs typeface="Verdana"/>
+              </a:rPr>
+              <a:t>A</a:t>
+            </a:r>
+            <a:r>
+              <a:rPr spc="-11" dirty="0">
+                <a:latin typeface="Verdana"/>
+                <a:cs typeface="Verdana"/>
+              </a:rPr>
+              <a:t>n</a:t>
+            </a:r>
+            <a:r>
+              <a:rPr spc="-4" dirty="0">
+                <a:latin typeface="Verdana"/>
+                <a:cs typeface="Verdana"/>
+              </a:rPr>
+              <a:t>á</a:t>
+            </a:r>
+            <a:r>
+              <a:rPr spc="4" dirty="0">
+                <a:latin typeface="Verdana"/>
+                <a:cs typeface="Verdana"/>
+              </a:rPr>
+              <a:t>l</a:t>
+            </a:r>
+            <a:r>
+              <a:rPr dirty="0">
+                <a:latin typeface="Verdana"/>
+                <a:cs typeface="Verdana"/>
+              </a:rPr>
+              <a:t>i</a:t>
+            </a:r>
+            <a:r>
+              <a:rPr spc="-11" dirty="0">
+                <a:latin typeface="Verdana"/>
+                <a:cs typeface="Verdana"/>
+              </a:rPr>
+              <a:t>sis</a:t>
+            </a:r>
+            <a:r>
+              <a:rPr spc="4" dirty="0">
+                <a:latin typeface="Verdana"/>
+                <a:cs typeface="Verdana"/>
+              </a:rPr>
+              <a:t> </a:t>
+            </a:r>
+            <a:r>
+              <a:rPr spc="-11" dirty="0">
+                <a:latin typeface="Verdana"/>
+                <a:cs typeface="Verdana"/>
+              </a:rPr>
+              <a:t>y</a:t>
+            </a:r>
+            <a:r>
+              <a:rPr spc="8" dirty="0">
+                <a:latin typeface="Verdana"/>
+                <a:cs typeface="Verdana"/>
+              </a:rPr>
+              <a:t> </a:t>
+            </a:r>
+            <a:r>
+              <a:rPr spc="-15" dirty="0">
+                <a:latin typeface="Verdana"/>
+                <a:cs typeface="Verdana"/>
+              </a:rPr>
+              <a:t>Di</a:t>
+            </a:r>
+            <a:r>
+              <a:rPr spc="-11" dirty="0">
+                <a:latin typeface="Verdana"/>
+                <a:cs typeface="Verdana"/>
+              </a:rPr>
+              <a:t>s</a:t>
+            </a:r>
+            <a:r>
+              <a:rPr spc="-19" dirty="0">
+                <a:latin typeface="Verdana"/>
+                <a:cs typeface="Verdana"/>
+              </a:rPr>
+              <a:t>e</a:t>
+            </a:r>
+            <a:r>
+              <a:rPr spc="-11" dirty="0">
+                <a:latin typeface="Verdana"/>
+                <a:cs typeface="Verdana"/>
+              </a:rPr>
+              <a:t>ño</a:t>
+            </a:r>
+            <a:endParaRPr dirty="0">
+              <a:latin typeface="Verdana"/>
+              <a:cs typeface="Verdana"/>
+            </a:endParaRPr>
+          </a:p>
+        </p:txBody>
+      </p:sp>
+    </p:spTree>
+  </p:cSld>
+  <p:clrMapOvr>
+    <a:masterClrMapping/>
+  </p:clrMapOvr>
+</p:sld>
+</file>
+
+<file path=ppt/slides/slide20.xml><?xml version="1.0" encoding="utf-8"?>
 <p:sld xmlns:a="http://schemas.openxmlformats.org/drawingml/2006/main" xmlns:r="http://schemas.openxmlformats.org/officeDocument/2006/relationships" xmlns:p="http://schemas.openxmlformats.org/presentationml/2006/main">
   <p:cSld>
     <p:spTree>
@@ -18891,7 +11612,7 @@
                 <a:cs typeface="Calibri"/>
               </a:rPr>
               <a:pPr marL="25400"/>
-              <a:t>23</a:t>
+              <a:t>20</a:t>
             </a:fld>
             <a:endParaRPr dirty="0">
               <a:latin typeface="Calibri"/>
@@ -21814,13 +14535,348 @@
               </a:tabLst>
             </a:pPr>
             <a:r>
+              <a:rPr lang="es-MX" sz="2000" spc="-11" dirty="0">
+                <a:solidFill>
+                  <a:srgbClr val="262626"/>
+                </a:solidFill>
+                <a:cs typeface="Gill Sans MT"/>
+              </a:rPr>
+              <a:t>Dat</a:t>
+            </a:r>
+            <a:r>
+              <a:rPr lang="es-MX" sz="2000" spc="-8" dirty="0">
+                <a:solidFill>
+                  <a:srgbClr val="262626"/>
+                </a:solidFill>
+                <a:cs typeface="Gill Sans MT"/>
+              </a:rPr>
+              <a:t>os </a:t>
+            </a:r>
+            <a:r>
+              <a:rPr lang="es-MX" sz="2000" dirty="0">
+                <a:solidFill>
+                  <a:srgbClr val="262626"/>
+                </a:solidFill>
+                <a:cs typeface="Gill Sans MT"/>
+              </a:rPr>
+              <a:t>que</a:t>
+            </a:r>
+            <a:r>
+              <a:rPr lang="es-MX" sz="2000" spc="-4" dirty="0">
+                <a:solidFill>
+                  <a:srgbClr val="262626"/>
+                </a:solidFill>
+                <a:cs typeface="Gill Sans MT"/>
+              </a:rPr>
+              <a:t> </a:t>
+            </a:r>
+            <a:r>
+              <a:rPr lang="es-MX" sz="2000" spc="-15" dirty="0">
+                <a:solidFill>
+                  <a:srgbClr val="262626"/>
+                </a:solidFill>
+                <a:cs typeface="Gill Sans MT"/>
+              </a:rPr>
+              <a:t>s</a:t>
+            </a:r>
+            <a:r>
+              <a:rPr lang="es-MX" sz="2000" dirty="0">
+                <a:solidFill>
+                  <a:srgbClr val="262626"/>
+                </a:solidFill>
+                <a:cs typeface="Gill Sans MT"/>
+              </a:rPr>
+              <a:t>e</a:t>
+            </a:r>
+            <a:r>
+              <a:rPr lang="es-MX" sz="2000" spc="-4" dirty="0">
+                <a:solidFill>
+                  <a:srgbClr val="262626"/>
+                </a:solidFill>
+                <a:cs typeface="Gill Sans MT"/>
+              </a:rPr>
+              <a:t> v</a:t>
+            </a:r>
+            <a:r>
+              <a:rPr lang="es-MX" sz="2000" spc="-8" dirty="0">
+                <a:solidFill>
+                  <a:srgbClr val="262626"/>
+                </a:solidFill>
+                <a:cs typeface="Gill Sans MT"/>
+              </a:rPr>
+              <a:t>an</a:t>
+            </a:r>
+            <a:r>
+              <a:rPr lang="es-MX" sz="2000" spc="-4" dirty="0">
+                <a:solidFill>
+                  <a:srgbClr val="262626"/>
+                </a:solidFill>
+                <a:cs typeface="Gill Sans MT"/>
+              </a:rPr>
+              <a:t> </a:t>
+            </a:r>
+            <a:r>
+              <a:rPr lang="es-MX" sz="2000" spc="-8" dirty="0">
+                <a:solidFill>
+                  <a:srgbClr val="262626"/>
+                </a:solidFill>
+                <a:cs typeface="Gill Sans MT"/>
+              </a:rPr>
+              <a:t>a</a:t>
+            </a:r>
+            <a:r>
+              <a:rPr lang="es-MX" sz="2000" spc="-4" dirty="0">
+                <a:solidFill>
+                  <a:srgbClr val="262626"/>
+                </a:solidFill>
+                <a:cs typeface="Gill Sans MT"/>
+              </a:rPr>
+              <a:t> </a:t>
+            </a:r>
+            <a:r>
+              <a:rPr lang="es-MX" sz="2000" dirty="0">
+                <a:solidFill>
+                  <a:srgbClr val="262626"/>
+                </a:solidFill>
+                <a:cs typeface="Gill Sans MT"/>
+              </a:rPr>
+              <a:t>pe</a:t>
+            </a:r>
+            <a:r>
+              <a:rPr lang="es-MX" sz="2000" spc="-15" dirty="0">
+                <a:solidFill>
+                  <a:srgbClr val="262626"/>
+                </a:solidFill>
+                <a:cs typeface="Gill Sans MT"/>
+              </a:rPr>
+              <a:t>d</a:t>
+            </a:r>
+            <a:r>
+              <a:rPr lang="es-MX" sz="2000" spc="-4" dirty="0">
+                <a:solidFill>
+                  <a:srgbClr val="262626"/>
+                </a:solidFill>
+                <a:cs typeface="Gill Sans MT"/>
+              </a:rPr>
+              <a:t>i</a:t>
+            </a:r>
+            <a:r>
+              <a:rPr lang="es-MX" sz="2000" spc="-8" dirty="0">
+                <a:solidFill>
+                  <a:srgbClr val="262626"/>
+                </a:solidFill>
+                <a:cs typeface="Gill Sans MT"/>
+              </a:rPr>
+              <a:t>r al u</a:t>
+            </a:r>
+            <a:r>
+              <a:rPr lang="es-MX" sz="2000" spc="-15" dirty="0">
+                <a:solidFill>
+                  <a:srgbClr val="262626"/>
+                </a:solidFill>
+                <a:cs typeface="Gill Sans MT"/>
+              </a:rPr>
+              <a:t>s</a:t>
+            </a:r>
+            <a:r>
+              <a:rPr lang="es-MX" sz="2000" spc="-8" dirty="0">
+                <a:solidFill>
+                  <a:srgbClr val="262626"/>
+                </a:solidFill>
+                <a:cs typeface="Gill Sans MT"/>
+              </a:rPr>
+              <a:t>ua</a:t>
+            </a:r>
+            <a:r>
+              <a:rPr lang="es-MX" sz="2000" spc="-11" dirty="0">
+                <a:solidFill>
+                  <a:srgbClr val="262626"/>
+                </a:solidFill>
+                <a:cs typeface="Gill Sans MT"/>
+              </a:rPr>
+              <a:t>r</a:t>
+            </a:r>
+            <a:r>
+              <a:rPr lang="es-MX" sz="2000" spc="-4" dirty="0">
+                <a:solidFill>
+                  <a:srgbClr val="262626"/>
+                </a:solidFill>
+                <a:cs typeface="Gill Sans MT"/>
+              </a:rPr>
+              <a:t>i</a:t>
+            </a:r>
+            <a:r>
+              <a:rPr lang="es-MX" sz="2000" spc="-53" dirty="0">
+                <a:solidFill>
+                  <a:srgbClr val="262626"/>
+                </a:solidFill>
+                <a:cs typeface="Gill Sans MT"/>
+              </a:rPr>
+              <a:t>o</a:t>
+            </a:r>
+            <a:r>
+              <a:rPr lang="es-MX" sz="2000" dirty="0">
+                <a:solidFill>
+                  <a:srgbClr val="262626"/>
+                </a:solidFill>
+                <a:cs typeface="Gill Sans MT"/>
+              </a:rPr>
+              <a:t>.</a:t>
+            </a:r>
+            <a:endParaRPr lang="es-MX" sz="2000" dirty="0">
+              <a:cs typeface="Gill Sans MT"/>
+            </a:endParaRPr>
+          </a:p>
+          <a:p>
+            <a:pPr marL="709613" lvl="1" indent="-357188">
+              <a:spcBef>
+                <a:spcPts val="363"/>
+              </a:spcBef>
+              <a:buClr>
+                <a:schemeClr val="accent4">
+                  <a:lumMod val="50000"/>
+                </a:schemeClr>
+              </a:buClr>
+              <a:buFont typeface="Arial"/>
+              <a:buChar char="•"/>
+              <a:tabLst>
+                <a:tab pos="709136" algn="l"/>
+              </a:tabLst>
+            </a:pPr>
+            <a:r>
+              <a:rPr sz="2000" dirty="0" err="1">
+                <a:solidFill>
+                  <a:srgbClr val="262626"/>
+                </a:solidFill>
+                <a:cs typeface="Gill Sans MT"/>
+              </a:rPr>
+              <a:t>Re</a:t>
+            </a:r>
+            <a:r>
+              <a:rPr sz="2000" spc="-15" dirty="0" err="1">
+                <a:solidFill>
+                  <a:srgbClr val="262626"/>
+                </a:solidFill>
+                <a:cs typeface="Gill Sans MT"/>
+              </a:rPr>
+              <a:t>s</a:t>
+            </a:r>
+            <a:r>
+              <a:rPr sz="2000" dirty="0" err="1">
+                <a:solidFill>
+                  <a:srgbClr val="262626"/>
+                </a:solidFill>
+                <a:cs typeface="Gill Sans MT"/>
+              </a:rPr>
+              <a:t>u</a:t>
+            </a:r>
+            <a:r>
+              <a:rPr sz="2000" spc="-4" dirty="0" err="1">
+                <a:solidFill>
+                  <a:srgbClr val="262626"/>
+                </a:solidFill>
+                <a:cs typeface="Gill Sans MT"/>
+              </a:rPr>
+              <a:t>l</a:t>
+            </a:r>
+            <a:r>
+              <a:rPr sz="2000" dirty="0" err="1">
+                <a:solidFill>
+                  <a:srgbClr val="262626"/>
+                </a:solidFill>
+                <a:cs typeface="Gill Sans MT"/>
+              </a:rPr>
+              <a:t>t</a:t>
+            </a:r>
+            <a:r>
+              <a:rPr sz="2000" spc="-8" dirty="0" err="1">
+                <a:solidFill>
+                  <a:srgbClr val="262626"/>
+                </a:solidFill>
+                <a:cs typeface="Gill Sans MT"/>
+              </a:rPr>
+              <a:t>a</a:t>
+            </a:r>
+            <a:r>
+              <a:rPr sz="2000" spc="-15" dirty="0" err="1">
+                <a:solidFill>
+                  <a:srgbClr val="262626"/>
+                </a:solidFill>
+                <a:cs typeface="Gill Sans MT"/>
+              </a:rPr>
+              <a:t>d</a:t>
+            </a:r>
+            <a:r>
+              <a:rPr sz="2000" spc="-8" dirty="0" err="1">
+                <a:solidFill>
+                  <a:srgbClr val="262626"/>
+                </a:solidFill>
+                <a:cs typeface="Gill Sans MT"/>
+              </a:rPr>
+              <a:t>os</a:t>
+            </a:r>
+            <a:r>
+              <a:rPr sz="2000" spc="-8" dirty="0">
+                <a:solidFill>
+                  <a:srgbClr val="262626"/>
+                </a:solidFill>
+                <a:cs typeface="Gill Sans MT"/>
+              </a:rPr>
+              <a:t> </a:t>
+            </a:r>
+            <a:r>
+              <a:rPr sz="2000" spc="-11" dirty="0">
+                <a:solidFill>
+                  <a:srgbClr val="262626"/>
+                </a:solidFill>
+                <a:cs typeface="Gill Sans MT"/>
+              </a:rPr>
+              <a:t>o</a:t>
+            </a:r>
+            <a:r>
+              <a:rPr sz="2000" spc="-4" dirty="0">
+                <a:solidFill>
+                  <a:srgbClr val="262626"/>
+                </a:solidFill>
+                <a:cs typeface="Gill Sans MT"/>
+              </a:rPr>
+              <a:t> </a:t>
+            </a:r>
+            <a:r>
+              <a:rPr sz="2000" spc="-15" dirty="0">
+                <a:solidFill>
+                  <a:srgbClr val="262626"/>
+                </a:solidFill>
+                <a:cs typeface="Gill Sans MT"/>
+              </a:rPr>
+              <a:t>m</a:t>
+            </a:r>
+            <a:r>
               <a:rPr sz="2000" dirty="0">
                 <a:solidFill>
                   <a:srgbClr val="262626"/>
                 </a:solidFill>
                 <a:cs typeface="Gill Sans MT"/>
               </a:rPr>
-              <a:t>Re</a:t>
+              <a:t>et</a:t>
+            </a:r>
+            <a:r>
+              <a:rPr sz="2000" spc="-8" dirty="0">
+                <a:solidFill>
+                  <a:srgbClr val="262626"/>
+                </a:solidFill>
+                <a:cs typeface="Gill Sans MT"/>
+              </a:rPr>
+              <a:t>a</a:t>
+            </a:r>
+            <a:r>
+              <a:rPr sz="2000" spc="-4" dirty="0">
+                <a:solidFill>
+                  <a:srgbClr val="262626"/>
+                </a:solidFill>
+                <a:cs typeface="Gill Sans MT"/>
+              </a:rPr>
+              <a:t> </a:t>
             </a:r>
             <a:r>
               <a:rPr sz="2000" spc="-15" dirty="0">
@@ -21829,7 +14885,7 @@
                 </a:solidFill>
                 <a:cs typeface="Gill Sans MT"/>
               </a:rPr>
-              <a:t>s</a:t>
+              <a:t>d</a:t>
             </a:r>
             <a:r>
               <a:rPr sz="2000" dirty="0">
@@ -21838,187 +14894,88 @@
                 </a:solidFill>
                 <a:cs typeface="Gill Sans MT"/>
               </a:rPr>
-              <a:t>u</a:t>
-            </a:r>
-            <a:r>
-              <a:rPr sz="2000" spc="-4" dirty="0">
+              <a:t>el</a:t>
+            </a:r>
+            <a:r>
+              <a:rPr sz="2000" spc="-8" dirty="0">
                 <a:solidFill>
                   <a:srgbClr val="262626"/>
                 </a:solidFill>
                 <a:cs typeface="Gill Sans MT"/>
               </a:rPr>
+              <a:t> </a:t>
+            </a:r>
+            <a:r>
+              <a:rPr sz="2000" spc="-8" dirty="0" err="1">
+                <a:solidFill>
+                  <a:srgbClr val="262626"/>
+                </a:solidFill>
+                <a:cs typeface="Gill Sans MT"/>
+              </a:rPr>
+              <a:t>p</a:t>
+            </a:r>
+            <a:r>
+              <a:rPr sz="2000" spc="-45" dirty="0" err="1">
+                <a:solidFill>
+                  <a:srgbClr val="262626"/>
+                </a:solidFill>
+                <a:cs typeface="Gill Sans MT"/>
+              </a:rPr>
+              <a:t>r</a:t>
+            </a:r>
+            <a:r>
+              <a:rPr sz="2000" spc="-11" dirty="0" err="1">
+                <a:solidFill>
+                  <a:srgbClr val="262626"/>
+                </a:solidFill>
+                <a:cs typeface="Gill Sans MT"/>
+              </a:rPr>
+              <a:t>ob</a:t>
+            </a:r>
+            <a:r>
+              <a:rPr sz="2000" spc="-4" dirty="0" err="1">
+                <a:solidFill>
+                  <a:srgbClr val="262626"/>
+                </a:solidFill>
+                <a:cs typeface="Gill Sans MT"/>
+              </a:rPr>
               <a:t>l</a:t>
             </a:r>
             <a:r>
-              <a:rPr sz="2000" dirty="0">
+              <a:rPr sz="2000" dirty="0" err="1">
                 <a:solidFill>
                   <a:srgbClr val="262626"/>
                 </a:solidFill>
                 <a:cs typeface="Gill Sans MT"/>
               </a:rPr>
-              <a:t>t</a:t>
-            </a:r>
-            <a:r>
-              <a:rPr sz="2000" spc="-8" dirty="0">
+              <a:t>e</a:t>
+            </a:r>
+            <a:r>
+              <a:rPr sz="2000" spc="-15" dirty="0" err="1">
                 <a:solidFill>
                   <a:srgbClr val="262626"/>
                 </a:solidFill>
                 <a:cs typeface="Gill Sans MT"/>
               </a:rPr>
+              <a:t>m</a:t>
+            </a:r>
+            <a:r>
+              <a:rPr sz="2000" spc="-8" dirty="0" err="1">
+                <a:solidFill>
+                  <a:srgbClr val="262626"/>
+                </a:solidFill>
+                <a:cs typeface="Gill Sans MT"/>
+              </a:rPr>
               <a:t>a</a:t>
             </a:r>
             <a:r>
-              <a:rPr sz="2000" spc="-15" dirty="0">
+              <a:rPr lang="es-MX" sz="2000" spc="-8" dirty="0">
                 <a:solidFill>
                   <a:srgbClr val="262626"/>
                 </a:solidFill>
                 <a:cs typeface="Gill Sans MT"/>
               </a:rPr>
-              <a:t>d</a:t>
-            </a:r>
-            <a:r>
-              <a:rPr sz="2000" spc="-8" dirty="0">
-                <a:solidFill>
-                  <a:srgbClr val="262626"/>
-                </a:solidFill>
-                <a:cs typeface="Gill Sans MT"/>
-              </a:rPr>
-              <a:t>os </a:t>
-            </a:r>
-            <a:r>
-              <a:rPr sz="2000" spc="-11" dirty="0">
-                <a:solidFill>
-                  <a:srgbClr val="262626"/>
-                </a:solidFill>
-                <a:cs typeface="Gill Sans MT"/>
-              </a:rPr>
-              <a:t>o</a:t>
-            </a:r>
-            <a:r>
-              <a:rPr sz="2000" spc="-4" dirty="0">
-                <a:solidFill>
-                  <a:srgbClr val="262626"/>
-                </a:solidFill>
-                <a:cs typeface="Gill Sans MT"/>
-              </a:rPr>
-              <a:t> </a:t>
-            </a:r>
-            <a:r>
-              <a:rPr sz="2000" spc="-15" dirty="0">
-                <a:solidFill>
-                  <a:srgbClr val="262626"/>
-                </a:solidFill>
-                <a:cs typeface="Gill Sans MT"/>
-              </a:rPr>
-              <a:t>m</a:t>
-            </a:r>
-            <a:r>
-              <a:rPr sz="2000" dirty="0">
-                <a:solidFill>
-                  <a:srgbClr val="262626"/>
-                </a:solidFill>
-                <a:cs typeface="Gill Sans MT"/>
-              </a:rPr>
-              <a:t>et</a:t>
-            </a:r>
-            <a:r>
-              <a:rPr sz="2000" spc="-8" dirty="0">
-                <a:solidFill>
-                  <a:srgbClr val="262626"/>
-                </a:solidFill>
-                <a:cs typeface="Gill Sans MT"/>
-              </a:rPr>
-              <a:t>a</a:t>
-            </a:r>
-            <a:r>
-              <a:rPr sz="2000" spc="-4" dirty="0">
-                <a:solidFill>
-                  <a:srgbClr val="262626"/>
-                </a:solidFill>
-                <a:cs typeface="Gill Sans MT"/>
-              </a:rPr>
-              <a:t> </a:t>
-            </a:r>
-            <a:r>
-              <a:rPr sz="2000" spc="-15" dirty="0">
-                <a:solidFill>
-                  <a:srgbClr val="262626"/>
-                </a:solidFill>
-                <a:cs typeface="Gill Sans MT"/>
-              </a:rPr>
-              <a:t>d</a:t>
-            </a:r>
-            <a:r>
-              <a:rPr sz="2000" dirty="0">
-                <a:solidFill>
-                  <a:srgbClr val="262626"/>
-                </a:solidFill>
-                <a:cs typeface="Gill Sans MT"/>
-              </a:rPr>
-              <a:t>el</a:t>
-            </a:r>
-            <a:r>
-              <a:rPr sz="2000" spc="-8" dirty="0">
-                <a:solidFill>
-                  <a:srgbClr val="262626"/>
-                </a:solidFill>
-                <a:cs typeface="Gill Sans MT"/>
-              </a:rPr>
-              <a:t> p</a:t>
-            </a:r>
-            <a:r>
-              <a:rPr sz="2000" spc="-45" dirty="0">
-                <a:solidFill>
-                  <a:srgbClr val="262626"/>
-                </a:solidFill>
-                <a:cs typeface="Gill Sans MT"/>
-              </a:rPr>
-              <a:t>r</a:t>
-            </a:r>
-            <a:r>
-              <a:rPr sz="2000" spc="-11" dirty="0">
-                <a:solidFill>
-                  <a:srgbClr val="262626"/>
-                </a:solidFill>
-                <a:cs typeface="Gill Sans MT"/>
-              </a:rPr>
-              <a:t>ob</a:t>
-            </a:r>
-            <a:r>
-              <a:rPr sz="2000" spc="-4" dirty="0">
-                <a:solidFill>
-                  <a:srgbClr val="262626"/>
-                </a:solidFill>
-                <a:cs typeface="Gill Sans MT"/>
-              </a:rPr>
-              <a:t>l</a:t>
-            </a:r>
-            <a:r>
-              <a:rPr sz="2000" dirty="0">
-                <a:solidFill>
-                  <a:srgbClr val="262626"/>
-                </a:solidFill>
-                <a:cs typeface="Gill Sans MT"/>
-              </a:rPr>
-              <a:t>e</a:t>
-            </a:r>
-            <a:r>
-              <a:rPr sz="2000" spc="-15" dirty="0">
-                <a:solidFill>
-                  <a:srgbClr val="262626"/>
-                </a:solidFill>
-                <a:cs typeface="Gill Sans MT"/>
-              </a:rPr>
-              <a:t>m</a:t>
-            </a:r>
-            <a:r>
-              <a:rPr sz="2000" spc="-8" dirty="0">
-                <a:solidFill>
-                  <a:srgbClr val="262626"/>
-                </a:solidFill>
-                <a:cs typeface="Gill Sans MT"/>
-              </a:rPr>
-              <a:t>a,</a:t>
+              <a:t>.</a:t>
             </a:r>
             <a:endParaRPr sz="2000" dirty="0">
               <a:cs typeface="Gill Sans MT"/>
@@ -22356,19 +15313,28 @@
                 </a:solidFill>
                 <a:cs typeface="Gill Sans MT"/>
               </a:rPr>
-              <a:t> p</a:t>
-            </a:r>
-            <a:r>
-              <a:rPr sz="2000" spc="-45" dirty="0">
+              <a:t> </a:t>
+            </a:r>
+            <a:r>
+              <a:rPr sz="2000" spc="-8" dirty="0" err="1">
                 <a:solidFill>
                   <a:srgbClr val="262626"/>
                 </a:solidFill>
                 <a:cs typeface="Gill Sans MT"/>
               </a:rPr>
+              <a:t>p</a:t>
+            </a:r>
+            <a:r>
+              <a:rPr sz="2000" spc="-45" dirty="0" err="1">
+                <a:solidFill>
+                  <a:srgbClr val="262626"/>
+                </a:solidFill>
+                <a:cs typeface="Gill Sans MT"/>
+              </a:rPr>
               <a:t>r</a:t>
             </a:r>
             <a:r>
-              <a:rPr sz="2000" spc="-11" dirty="0">
+              <a:rPr sz="2000" spc="-11" dirty="0" err="1">
                 <a:solidFill>
                   <a:srgbClr val="262626"/>
                 </a:solidFill>
@@ -22377,7 +15343,7 @@
               <a:t>ob</a:t>
             </a:r>
             <a:r>
-              <a:rPr sz="2000" spc="-4" dirty="0">
+              <a:rPr sz="2000" spc="-4" dirty="0" err="1">
                 <a:solidFill>
                   <a:srgbClr val="262626"/>
                 </a:solidFill>
@@ -22386,7 +15352,7 @@
               <a:t>l</a:t>
             </a:r>
             <a:r>
-              <a:rPr sz="2000" dirty="0">
+              <a:rPr sz="2000" dirty="0" err="1">
                 <a:solidFill>
                   <a:srgbClr val="262626"/>
                 </a:solidFill>
@@ -22395,7 +15361,7 @@
               <a:t>e</a:t>
             </a:r>
             <a:r>
-              <a:rPr sz="2000" spc="-15" dirty="0">
+              <a:rPr sz="2000" spc="-15" dirty="0" err="1">
                 <a:solidFill>
                   <a:srgbClr val="262626"/>
                 </a:solidFill>
@@ -22404,13 +15370,22 @@
               <a:t>m</a:t>
             </a:r>
             <a:r>
-              <a:rPr sz="2000" spc="-8" dirty="0">
+              <a:rPr sz="2000" spc="-8" dirty="0" err="1">
                 <a:solidFill>
                   <a:srgbClr val="262626"/>
                 </a:solidFill>
                 <a:cs typeface="Gill Sans MT"/>
               </a:rPr>
-              <a:t>a,</a:t>
+              <a:t>a</a:t>
+            </a:r>
+            <a:r>
+              <a:rPr lang="es-MX" sz="2000" spc="-8" dirty="0">
+                <a:solidFill>
+                  <a:srgbClr val="262626"/>
+                </a:solidFill>
+                <a:cs typeface="Gill Sans MT"/>
+              </a:rPr>
+              <a:t>.</a:t>
             </a:r>
             <a:endParaRPr sz="2000" dirty="0">
               <a:cs typeface="Gill Sans MT"/>
@@ -22433,212 +15408,6 @@
               <a:buChar char="•"/>
             </a:pPr>
             <a:endParaRPr sz="2000" dirty="0"/>
-          </a:p>
-          <a:p>
-            <a:pPr marL="709613" lvl="1" indent="-357188">
-              <a:buClr>
-                <a:schemeClr val="accent4">
-                  <a:lumMod val="50000"/>
-                </a:schemeClr>
-              </a:buClr>
-              <a:buFont typeface="Arial"/>
-              <a:buChar char="•"/>
-              <a:tabLst>
-                <a:tab pos="709136" algn="l"/>
-              </a:tabLst>
-            </a:pPr>
-            <a:r>
-              <a:rPr sz="2000" spc="-11" dirty="0">
-                <a:solidFill>
-                  <a:srgbClr val="262626"/>
-                </a:solidFill>
-                <a:cs typeface="Gill Sans MT"/>
-              </a:rPr>
-              <a:t>Dat</a:t>
-            </a:r>
-            <a:r>
-              <a:rPr sz="2000" spc="-8" dirty="0">
-                <a:solidFill>
-                  <a:srgbClr val="262626"/>
-                </a:solidFill>
-                <a:cs typeface="Gill Sans MT"/>
-              </a:rPr>
-              <a:t>os </a:t>
-            </a:r>
-            <a:r>
-              <a:rPr sz="2000" dirty="0">
-                <a:solidFill>
-                  <a:srgbClr val="262626"/>
-                </a:solidFill>
-                <a:cs typeface="Gill Sans MT"/>
-              </a:rPr>
-              <a:t>que</a:t>
-            </a:r>
-            <a:r>
-              <a:rPr sz="2000" spc="-4" dirty="0">
-                <a:solidFill>
-                  <a:srgbClr val="262626"/>
-                </a:solidFill>
-                <a:cs typeface="Gill Sans MT"/>
-              </a:rPr>
-              <a:t> </a:t>
-            </a:r>
-            <a:r>
-              <a:rPr sz="2000" spc="-15" dirty="0">
-                <a:solidFill>
-                  <a:srgbClr val="262626"/>
-                </a:solidFill>
-                <a:cs typeface="Gill Sans MT"/>
-              </a:rPr>
-              <a:t>s</a:t>
-            </a:r>
-            <a:r>
-              <a:rPr sz="2000" dirty="0">
-                <a:solidFill>
-                  <a:srgbClr val="262626"/>
-                </a:solidFill>
-                <a:cs typeface="Gill Sans MT"/>
-              </a:rPr>
-              <a:t>e</a:t>
-            </a:r>
-            <a:r>
-              <a:rPr sz="2000" spc="-4" dirty="0">
-                <a:solidFill>
-                  <a:srgbClr val="262626"/>
-                </a:solidFill>
-                <a:cs typeface="Gill Sans MT"/>
-              </a:rPr>
-              <a:t> v</a:t>
-            </a:r>
-            <a:r>
-              <a:rPr sz="2000" spc="-8" dirty="0">
-                <a:solidFill>
-                  <a:srgbClr val="262626"/>
-                </a:solidFill>
-                <a:cs typeface="Gill Sans MT"/>
-              </a:rPr>
-              <a:t>an</a:t>
-            </a:r>
-            <a:r>
-              <a:rPr sz="2000" spc="-4" dirty="0">
-                <a:solidFill>
-                  <a:srgbClr val="262626"/>
-                </a:solidFill>
-                <a:cs typeface="Gill Sans MT"/>
-              </a:rPr>
-              <a:t> </a:t>
-            </a:r>
-            <a:r>
-              <a:rPr sz="2000" spc="-8" dirty="0">
-                <a:solidFill>
-                  <a:srgbClr val="262626"/>
-                </a:solidFill>
-                <a:cs typeface="Gill Sans MT"/>
-              </a:rPr>
-              <a:t>a</a:t>
-            </a:r>
-            <a:r>
-              <a:rPr sz="2000" spc="-4" dirty="0">
-                <a:solidFill>
-                  <a:srgbClr val="262626"/>
-                </a:solidFill>
-                <a:cs typeface="Gill Sans MT"/>
-              </a:rPr>
-              <a:t> </a:t>
-            </a:r>
-            <a:r>
-              <a:rPr sz="2000" dirty="0">
-                <a:solidFill>
-                  <a:srgbClr val="262626"/>
-                </a:solidFill>
-                <a:cs typeface="Gill Sans MT"/>
-              </a:rPr>
-              <a:t>pe</a:t>
-            </a:r>
-            <a:r>
-              <a:rPr sz="2000" spc="-15" dirty="0">
-                <a:solidFill>
-                  <a:srgbClr val="262626"/>
-                </a:solidFill>
-                <a:cs typeface="Gill Sans MT"/>
-              </a:rPr>
-              <a:t>d</a:t>
-            </a:r>
-            <a:r>
-              <a:rPr sz="2000" spc="-4" dirty="0">
-                <a:solidFill>
-                  <a:srgbClr val="262626"/>
-                </a:solidFill>
-                <a:cs typeface="Gill Sans MT"/>
-              </a:rPr>
-              <a:t>i</a:t>
-            </a:r>
-            <a:r>
-              <a:rPr sz="2000" spc="-8" dirty="0">
-                <a:solidFill>
-                  <a:srgbClr val="262626"/>
-                </a:solidFill>
-                <a:cs typeface="Gill Sans MT"/>
-              </a:rPr>
-              <a:t>r al u</a:t>
-            </a:r>
-            <a:r>
-              <a:rPr sz="2000" spc="-15" dirty="0">
-                <a:solidFill>
-                  <a:srgbClr val="262626"/>
-                </a:solidFill>
-                <a:cs typeface="Gill Sans MT"/>
-              </a:rPr>
-              <a:t>s</a:t>
-            </a:r>
-            <a:r>
-              <a:rPr sz="2000" spc="-8" dirty="0">
-                <a:solidFill>
-                  <a:srgbClr val="262626"/>
-                </a:solidFill>
-                <a:cs typeface="Gill Sans MT"/>
-              </a:rPr>
-              <a:t>ua</a:t>
-            </a:r>
-            <a:r>
-              <a:rPr sz="2000" spc="-11" dirty="0">
-                <a:solidFill>
-                  <a:srgbClr val="262626"/>
-                </a:solidFill>
-                <a:cs typeface="Gill Sans MT"/>
-              </a:rPr>
-              <a:t>r</a:t>
-            </a:r>
-            <a:r>
-              <a:rPr sz="2000" spc="-4" dirty="0">
-                <a:solidFill>
-                  <a:srgbClr val="262626"/>
-                </a:solidFill>
-                <a:cs typeface="Gill Sans MT"/>
-              </a:rPr>
-              <a:t>i</a:t>
-            </a:r>
-            <a:r>
-              <a:rPr sz="2000" spc="-53" dirty="0">
-                <a:solidFill>
-                  <a:srgbClr val="262626"/>
-                </a:solidFill>
-                <a:cs typeface="Gill Sans MT"/>
-              </a:rPr>
-              <a:t>o</a:t>
-            </a:r>
-            <a:r>
-              <a:rPr sz="2000" dirty="0">
-                <a:solidFill>
-                  <a:srgbClr val="262626"/>
-                </a:solidFill>
-                <a:cs typeface="Gill Sans MT"/>
-              </a:rPr>
-              <a:t>.</a:t>
-            </a:r>
-            <a:endParaRPr sz="2000" dirty="0">
-              <a:cs typeface="Gill Sans MT"/>
-            </a:endParaRPr>
           </a:p>
           <a:p>
             <a:pPr lvl="1">

--- a/calendario/documentos/1_Introduccion.pptx
+++ b/calendario/documentos/1_Introduccion.pptx
@@ -227,7 +227,7 @@
           <a:p>
             <a:fld id="{2D445F07-8756-451B-A938-0248325FC7BB}" type="datetimeFigureOut">
               <a:rPr lang="es-MX" smtClean="0"/>
-              <a:t>16/08/2019</a:t>
+              <a:t>19/08/2019</a:t>
             </a:fld>
             <a:endParaRPr lang="es-MX" dirty="0"/>
           </a:p>
@@ -1149,7 +1149,7 @@
           <a:p>
             <a:fld id="{5E75A0DC-66C6-4CEC-A5EB-F8C97CEC3796}" type="datetimeFigureOut">
               <a:rPr lang="es-MX" smtClean="0"/>
-              <a:t>16/08/2019</a:t>
+              <a:t>19/08/2019</a:t>
             </a:fld>
             <a:endParaRPr lang="es-MX" dirty="0"/>
           </a:p>
@@ -1319,7 +1319,7 @@
           <a:p>
             <a:fld id="{5E75A0DC-66C6-4CEC-A5EB-F8C97CEC3796}" type="datetimeFigureOut">
               <a:rPr lang="es-MX" smtClean="0"/>
-              <a:t>16/08/2019</a:t>
+              <a:t>19/08/2019</a:t>
             </a:fld>
             <a:endParaRPr lang="es-MX" dirty="0"/>
           </a:p>
@@ -1499,7 +1499,7 @@
           <a:p>
             <a:fld id="{5E75A0DC-66C6-4CEC-A5EB-F8C97CEC3796}" type="datetimeFigureOut">
               <a:rPr lang="es-MX" smtClean="0"/>
-              <a:t>16/08/2019</a:t>
+              <a:t>19/08/2019</a:t>
             </a:fld>
             <a:endParaRPr lang="es-MX" dirty="0"/>
           </a:p>
@@ -1652,7 +1652,7 @@
           <a:p>
             <a:fld id="{1D8BD707-D9CF-40AE-B4C6-C98DA3205C09}" type="datetimeFigureOut">
               <a:rPr lang="en-US" smtClean="0"/>
-              <a:t>8/16/2019</a:t>
+              <a:t>8/19/2019</a:t>
             </a:fld>
             <a:endParaRPr lang="en-US"/>
           </a:p>
@@ -1812,7 +1812,7 @@
           <a:p>
             <a:fld id="{5E75A0DC-66C6-4CEC-A5EB-F8C97CEC3796}" type="datetimeFigureOut">
               <a:rPr lang="es-MX" smtClean="0"/>
-              <a:t>16/08/2019</a:t>
+              <a:t>19/08/2019</a:t>
             </a:fld>
             <a:endParaRPr lang="es-MX" dirty="0"/>
           </a:p>
@@ -2058,7 +2058,7 @@
           <a:p>
             <a:fld id="{5E75A0DC-66C6-4CEC-A5EB-F8C97CEC3796}" type="datetimeFigureOut">
               <a:rPr lang="es-MX" smtClean="0"/>
-              <a:t>16/08/2019</a:t>
+              <a:t>19/08/2019</a:t>
             </a:fld>
             <a:endParaRPr lang="es-MX" dirty="0"/>
           </a:p>
@@ -2346,7 +2346,7 @@
           <a:p>
             <a:fld id="{5E75A0DC-66C6-4CEC-A5EB-F8C97CEC3796}" type="datetimeFigureOut">
               <a:rPr lang="es-MX" smtClean="0"/>
-              <a:t>16/08/2019</a:t>
+              <a:t>19/08/2019</a:t>
             </a:fld>
             <a:endParaRPr lang="es-MX" dirty="0"/>
           </a:p>
@@ -2768,7 +2768,7 @@
           <a:p>
             <a:fld id="{5E75A0DC-66C6-4CEC-A5EB-F8C97CEC3796}" type="datetimeFigureOut">
               <a:rPr lang="es-MX" smtClean="0"/>
-              <a:t>16/08/2019</a:t>
+              <a:t>19/08/2019</a:t>
             </a:fld>
             <a:endParaRPr lang="es-MX" dirty="0"/>
           </a:p>
@@ -2886,7 +2886,7 @@
           <a:p>
             <a:fld id="{5E75A0DC-66C6-4CEC-A5EB-F8C97CEC3796}" type="datetimeFigureOut">
               <a:rPr lang="es-MX" smtClean="0"/>
-              <a:t>16/08/2019</a:t>
+              <a:t>19/08/2019</a:t>
             </a:fld>
             <a:endParaRPr lang="es-MX" dirty="0"/>
           </a:p>
@@ -2981,7 +2981,7 @@
           <a:p>
             <a:fld id="{5E75A0DC-66C6-4CEC-A5EB-F8C97CEC3796}" type="datetimeFigureOut">
               <a:rPr lang="es-MX" smtClean="0"/>
-              <a:t>16/08/2019</a:t>
+              <a:t>19/08/2019</a:t>
             </a:fld>
             <a:endParaRPr lang="es-MX" dirty="0"/>
           </a:p>
@@ -3258,7 +3258,7 @@
           <a:p>
             <a:fld id="{5E75A0DC-66C6-4CEC-A5EB-F8C97CEC3796}" type="datetimeFigureOut">
               <a:rPr lang="es-MX" smtClean="0"/>
-              <a:t>16/08/2019</a:t>
+              <a:t>19/08/2019</a:t>
             </a:fld>
             <a:endParaRPr lang="es-MX" dirty="0"/>
           </a:p>
@@ -3511,7 +3511,7 @@
           <a:p>
             <a:fld id="{5E75A0DC-66C6-4CEC-A5EB-F8C97CEC3796}" type="datetimeFigureOut">
               <a:rPr lang="es-MX" smtClean="0"/>
-              <a:t>16/08/2019</a:t>
+              <a:t>19/08/2019</a:t>
             </a:fld>
             <a:endParaRPr lang="es-MX" dirty="0"/>
           </a:p>
@@ -3724,7 +3724,7 @@
           <a:p>
             <a:fld id="{5E75A0DC-66C6-4CEC-A5EB-F8C97CEC3796}" type="datetimeFigureOut">
               <a:rPr lang="es-MX" smtClean="0"/>
-              <a:t>16/08/2019</a:t>
+              <a:t>19/08/2019</a:t>
             </a:fld>
             <a:endParaRPr lang="es-MX" dirty="0"/>
           </a:p>
@@ -7294,7 +7294,7 @@
               <a:t> </a:t>
             </a:r>
             <a:r>
-              <a:rPr sz="2000" dirty="0" err="1">
+              <a:rPr lang="es-MX" sz="2000" dirty="0">
                 <a:solidFill>
                   <a:schemeClr val="bg2">
                     <a:lumMod val="25000"/>
@@ -7303,10 +7303,10 @@
                 <a:latin typeface="Calibri"/>
                 <a:cs typeface="Calibri"/>
               </a:rPr>
-              <a:t>Éstos</a:t>
-            </a:r>
-            <a:r>
-              <a:rPr lang="es-MX" sz="2000" dirty="0">
+              <a:t>É</a:t>
+            </a:r>
+            <a:r>
+              <a:rPr sz="2000" dirty="0" err="1">
                 <a:solidFill>
                   <a:schemeClr val="bg2">
                     <a:lumMod val="25000"/>
@@ -7315,7 +7315,19 @@
                 <a:latin typeface="Calibri"/>
                 <a:cs typeface="Calibri"/>
               </a:rPr>
-              <a:t> </a:t>
+              <a:t>stos</a:t>
+            </a:r>
+            <a:r>
+              <a:rPr lang="es-MX" sz="2000" dirty="0">
+                <a:solidFill>
+                  <a:schemeClr val="bg2">
+                    <a:lumMod val="25000"/>
+                  </a:schemeClr>
+                </a:solidFill>
+                <a:latin typeface="Calibri"/>
+                <a:cs typeface="Calibri"/>
+              </a:rPr>
+              <a:t> lenguajes  </a:t>
             </a:r>
             <a:r>
               <a:rPr sz="2000" dirty="0" err="1">

--- a/calendario/documentos/1_Introduccion.pptx
+++ b/calendario/documentos/1_Introduccion.pptx
@@ -227,7 +227,7 @@
           <a:p>
             <a:fld id="{2D445F07-8756-451B-A938-0248325FC7BB}" type="datetimeFigureOut">
               <a:rPr lang="es-MX" smtClean="0"/>
-              <a:t>19/08/2019</a:t>
+              <a:t>21/08/2019</a:t>
             </a:fld>
             <a:endParaRPr lang="es-MX" dirty="0"/>
           </a:p>
@@ -1149,7 +1149,7 @@
           <a:p>
             <a:fld id="{5E75A0DC-66C6-4CEC-A5EB-F8C97CEC3796}" type="datetimeFigureOut">
               <a:rPr lang="es-MX" smtClean="0"/>
-              <a:t>19/08/2019</a:t>
+              <a:t>21/08/2019</a:t>
             </a:fld>
             <a:endParaRPr lang="es-MX" dirty="0"/>
           </a:p>
@@ -1319,7 +1319,7 @@
           <a:p>
             <a:fld id="{5E75A0DC-66C6-4CEC-A5EB-F8C97CEC3796}" type="datetimeFigureOut">
               <a:rPr lang="es-MX" smtClean="0"/>
-              <a:t>19/08/2019</a:t>
+              <a:t>21/08/2019</a:t>
             </a:fld>
             <a:endParaRPr lang="es-MX" dirty="0"/>
           </a:p>
@@ -1499,7 +1499,7 @@
           <a:p>
             <a:fld id="{5E75A0DC-66C6-4CEC-A5EB-F8C97CEC3796}" type="datetimeFigureOut">
               <a:rPr lang="es-MX" smtClean="0"/>
-              <a:t>19/08/2019</a:t>
+              <a:t>21/08/2019</a:t>
             </a:fld>
             <a:endParaRPr lang="es-MX" dirty="0"/>
           </a:p>
@@ -1652,7 +1652,7 @@
           <a:p>
             <a:fld id="{1D8BD707-D9CF-40AE-B4C6-C98DA3205C09}" type="datetimeFigureOut">
               <a:rPr lang="en-US" smtClean="0"/>
-              <a:t>8/19/2019</a:t>
+              <a:t>8/21/2019</a:t>
             </a:fld>
             <a:endParaRPr lang="en-US"/>
           </a:p>
@@ -1812,7 +1812,7 @@
           <a:p>
             <a:fld id="{5E75A0DC-66C6-4CEC-A5EB-F8C97CEC3796}" type="datetimeFigureOut">
               <a:rPr lang="es-MX" smtClean="0"/>
-              <a:t>19/08/2019</a:t>
+              <a:t>21/08/2019</a:t>
             </a:fld>
             <a:endParaRPr lang="es-MX" dirty="0"/>
           </a:p>
@@ -2058,7 +2058,7 @@
           <a:p>
             <a:fld id="{5E75A0DC-66C6-4CEC-A5EB-F8C97CEC3796}" type="datetimeFigureOut">
               <a:rPr lang="es-MX" smtClean="0"/>
-              <a:t>19/08/2019</a:t>
+              <a:t>21/08/2019</a:t>
             </a:fld>
             <a:endParaRPr lang="es-MX" dirty="0"/>
           </a:p>
@@ -2346,7 +2346,7 @@
           <a:p>
             <a:fld id="{5E75A0DC-66C6-4CEC-A5EB-F8C97CEC3796}" type="datetimeFigureOut">
               <a:rPr lang="es-MX" smtClean="0"/>
-              <a:t>19/08/2019</a:t>
+              <a:t>21/08/2019</a:t>
             </a:fld>
             <a:endParaRPr lang="es-MX" dirty="0"/>
           </a:p>
@@ -2768,7 +2768,7 @@
           <a:p>
             <a:fld id="{5E75A0DC-66C6-4CEC-A5EB-F8C97CEC3796}" type="datetimeFigureOut">
               <a:rPr lang="es-MX" smtClean="0"/>
-              <a:t>19/08/2019</a:t>
+              <a:t>21/08/2019</a:t>
             </a:fld>
             <a:endParaRPr lang="es-MX" dirty="0"/>
           </a:p>
@@ -2886,7 +2886,7 @@
           <a:p>
             <a:fld id="{5E75A0DC-66C6-4CEC-A5EB-F8C97CEC3796}" type="datetimeFigureOut">
               <a:rPr lang="es-MX" smtClean="0"/>
-              <a:t>19/08/2019</a:t>
+              <a:t>21/08/2019</a:t>
             </a:fld>
             <a:endParaRPr lang="es-MX" dirty="0"/>
           </a:p>
@@ -2981,7 +2981,7 @@
           <a:p>
             <a:fld id="{5E75A0DC-66C6-4CEC-A5EB-F8C97CEC3796}" type="datetimeFigureOut">
               <a:rPr lang="es-MX" smtClean="0"/>
-              <a:t>19/08/2019</a:t>
+              <a:t>21/08/2019</a:t>
             </a:fld>
             <a:endParaRPr lang="es-MX" dirty="0"/>
           </a:p>
@@ -3258,7 +3258,7 @@
           <a:p>
             <a:fld id="{5E75A0DC-66C6-4CEC-A5EB-F8C97CEC3796}" type="datetimeFigureOut">
               <a:rPr lang="es-MX" smtClean="0"/>
-              <a:t>19/08/2019</a:t>
+              <a:t>21/08/2019</a:t>
             </a:fld>
             <a:endParaRPr lang="es-MX" dirty="0"/>
           </a:p>
@@ -3511,7 +3511,7 @@
           <a:p>
             <a:fld id="{5E75A0DC-66C6-4CEC-A5EB-F8C97CEC3796}" type="datetimeFigureOut">
               <a:rPr lang="es-MX" smtClean="0"/>
-              <a:t>19/08/2019</a:t>
+              <a:t>21/08/2019</a:t>
             </a:fld>
             <a:endParaRPr lang="es-MX" dirty="0"/>
           </a:p>
@@ -3724,7 +3724,7 @@
           <a:p>
             <a:fld id="{5E75A0DC-66C6-4CEC-A5EB-F8C97CEC3796}" type="datetimeFigureOut">
               <a:rPr lang="es-MX" smtClean="0"/>
-              <a:t>19/08/2019</a:t>
+              <a:t>21/08/2019</a:t>
             </a:fld>
             <a:endParaRPr lang="es-MX" dirty="0"/>
           </a:p>
